--- a/sessoes-01-02/sessao-01.pptx
+++ b/sessoes-01-02/sessao-01.pptx
@@ -900,6 +900,9 @@
           </a:bodyPr>
           <a:lstStyle>
             <a:lvl1pPr indent="-228600" lvl="0" marL="457200" marR="0" rtl="0" algn="l">
+              <a:lnSpc>
+                <a:spcPct val="100000"/>
+              </a:lnSpc>
               <a:spcBef>
                 <a:spcPts val="0"/>
               </a:spcBef>
@@ -923,6 +926,9 @@
               </a:defRPr>
             </a:lvl1pPr>
             <a:lvl2pPr indent="-228600" lvl="1" marL="914400" marR="0" rtl="0" algn="l">
+              <a:lnSpc>
+                <a:spcPct val="100000"/>
+              </a:lnSpc>
               <a:spcBef>
                 <a:spcPts val="0"/>
               </a:spcBef>
@@ -946,6 +952,9 @@
               </a:defRPr>
             </a:lvl2pPr>
             <a:lvl3pPr indent="-228600" lvl="2" marL="1371600" marR="0" rtl="0" algn="l">
+              <a:lnSpc>
+                <a:spcPct val="100000"/>
+              </a:lnSpc>
               <a:spcBef>
                 <a:spcPts val="0"/>
               </a:spcBef>
@@ -969,6 +978,9 @@
               </a:defRPr>
             </a:lvl3pPr>
             <a:lvl4pPr indent="-228600" lvl="3" marL="1828800" marR="0" rtl="0" algn="l">
+              <a:lnSpc>
+                <a:spcPct val="100000"/>
+              </a:lnSpc>
               <a:spcBef>
                 <a:spcPts val="0"/>
               </a:spcBef>
@@ -992,6 +1004,9 @@
               </a:defRPr>
             </a:lvl4pPr>
             <a:lvl5pPr indent="-228600" lvl="4" marL="2286000" marR="0" rtl="0" algn="l">
+              <a:lnSpc>
+                <a:spcPct val="100000"/>
+              </a:lnSpc>
               <a:spcBef>
                 <a:spcPts val="0"/>
               </a:spcBef>
@@ -1015,6 +1030,9 @@
               </a:defRPr>
             </a:lvl5pPr>
             <a:lvl6pPr indent="-228600" lvl="5" marL="2743200" marR="0" rtl="0" algn="l">
+              <a:lnSpc>
+                <a:spcPct val="100000"/>
+              </a:lnSpc>
               <a:spcBef>
                 <a:spcPts val="0"/>
               </a:spcBef>
@@ -1038,6 +1056,9 @@
               </a:defRPr>
             </a:lvl6pPr>
             <a:lvl7pPr indent="-228600" lvl="6" marL="3200400" marR="0" rtl="0" algn="l">
+              <a:lnSpc>
+                <a:spcPct val="100000"/>
+              </a:lnSpc>
               <a:spcBef>
                 <a:spcPts val="0"/>
               </a:spcBef>
@@ -1061,6 +1082,9 @@
               </a:defRPr>
             </a:lvl7pPr>
             <a:lvl8pPr indent="-228600" lvl="7" marL="3657600" marR="0" rtl="0" algn="l">
+              <a:lnSpc>
+                <a:spcPct val="100000"/>
+              </a:lnSpc>
               <a:spcBef>
                 <a:spcPts val="0"/>
               </a:spcBef>
@@ -1084,6 +1108,9 @@
               </a:defRPr>
             </a:lvl8pPr>
             <a:lvl9pPr indent="-228600" lvl="8" marL="4114800" marR="0" rtl="0" algn="l">
+              <a:lnSpc>
+                <a:spcPct val="100000"/>
+              </a:lnSpc>
               <a:spcBef>
                 <a:spcPts val="0"/>
               </a:spcBef>
@@ -1430,7 +1457,15 @@
               </a:rPr>
               <a:t>‹#›</a:t>
             </a:fld>
-            <a:endParaRPr/>
+            <a:endParaRPr b="0" i="0" sz="1400" u="none" cap="none" strike="noStrike">
+              <a:solidFill>
+                <a:srgbClr val="000000"/>
+              </a:solidFill>
+              <a:latin typeface="Arial"/>
+              <a:ea typeface="Arial"/>
+              <a:cs typeface="Arial"/>
+              <a:sym typeface="Arial"/>
+            </a:endParaRPr>
           </a:p>
         </p:txBody>
       </p:sp>
@@ -1714,6 +1749,9 @@
           <a:lstStyle/>
           <a:p>
             <a:pPr indent="0" lvl="0" marL="0" rtl="0" algn="l">
+              <a:lnSpc>
+                <a:spcPct val="100000"/>
+              </a:lnSpc>
               <a:spcBef>
                 <a:spcPts val="0"/>
               </a:spcBef>
@@ -1877,6 +1915,9 @@
           <a:lstStyle/>
           <a:p>
             <a:pPr indent="0" lvl="0" marL="0" rtl="0" algn="l">
+              <a:lnSpc>
+                <a:spcPct val="100000"/>
+              </a:lnSpc>
               <a:spcBef>
                 <a:spcPts val="0"/>
               </a:spcBef>
@@ -2047,6 +2088,9 @@
           <a:lstStyle/>
           <a:p>
             <a:pPr indent="0" lvl="0" marL="0" rtl="0" algn="l">
+              <a:lnSpc>
+                <a:spcPct val="100000"/>
+              </a:lnSpc>
               <a:spcBef>
                 <a:spcPts val="0"/>
               </a:spcBef>
@@ -2217,6 +2261,9 @@
           <a:lstStyle/>
           <a:p>
             <a:pPr indent="0" lvl="0" marL="0" rtl="0" algn="l">
+              <a:lnSpc>
+                <a:spcPct val="100000"/>
+              </a:lnSpc>
               <a:spcBef>
                 <a:spcPts val="0"/>
               </a:spcBef>
@@ -2387,6 +2434,9 @@
           <a:lstStyle/>
           <a:p>
             <a:pPr indent="0" lvl="0" marL="0" rtl="0" algn="l">
+              <a:lnSpc>
+                <a:spcPct val="100000"/>
+              </a:lnSpc>
               <a:spcBef>
                 <a:spcPts val="0"/>
               </a:spcBef>
@@ -2557,6 +2607,9 @@
           <a:lstStyle/>
           <a:p>
             <a:pPr indent="0" lvl="0" marL="0" rtl="0" algn="l">
+              <a:lnSpc>
+                <a:spcPct val="100000"/>
+              </a:lnSpc>
               <a:spcBef>
                 <a:spcPts val="0"/>
               </a:spcBef>
@@ -2727,6 +2780,9 @@
           <a:lstStyle/>
           <a:p>
             <a:pPr indent="0" lvl="0" marL="0" rtl="0" algn="l">
+              <a:lnSpc>
+                <a:spcPct val="100000"/>
+              </a:lnSpc>
               <a:spcBef>
                 <a:spcPts val="0"/>
               </a:spcBef>
@@ -2897,6 +2953,9 @@
           <a:lstStyle/>
           <a:p>
             <a:pPr indent="0" lvl="0" marL="0" rtl="0" algn="l">
+              <a:lnSpc>
+                <a:spcPct val="100000"/>
+              </a:lnSpc>
               <a:spcBef>
                 <a:spcPts val="0"/>
               </a:spcBef>
@@ -3067,6 +3126,9 @@
           <a:lstStyle/>
           <a:p>
             <a:pPr indent="0" lvl="0" marL="0" rtl="0" algn="l">
+              <a:lnSpc>
+                <a:spcPct val="100000"/>
+              </a:lnSpc>
               <a:spcBef>
                 <a:spcPts val="0"/>
               </a:spcBef>
@@ -3237,6 +3299,9 @@
           <a:lstStyle/>
           <a:p>
             <a:pPr indent="0" lvl="0" marL="0" rtl="0" algn="l">
+              <a:lnSpc>
+                <a:spcPct val="100000"/>
+              </a:lnSpc>
               <a:spcBef>
                 <a:spcPts val="0"/>
               </a:spcBef>
@@ -3407,6 +3472,9 @@
           <a:lstStyle/>
           <a:p>
             <a:pPr indent="0" lvl="0" marL="0" rtl="0" algn="l">
+              <a:lnSpc>
+                <a:spcPct val="100000"/>
+              </a:lnSpc>
               <a:spcBef>
                 <a:spcPts val="0"/>
               </a:spcBef>
@@ -3577,6 +3645,9 @@
           <a:lstStyle/>
           <a:p>
             <a:pPr indent="0" lvl="0" marL="0" rtl="0" algn="l">
+              <a:lnSpc>
+                <a:spcPct val="100000"/>
+              </a:lnSpc>
               <a:spcBef>
                 <a:spcPts val="0"/>
               </a:spcBef>
@@ -3747,6 +3818,9 @@
           <a:lstStyle/>
           <a:p>
             <a:pPr indent="0" lvl="0" marL="0" rtl="0" algn="l">
+              <a:lnSpc>
+                <a:spcPct val="100000"/>
+              </a:lnSpc>
               <a:spcBef>
                 <a:spcPts val="0"/>
               </a:spcBef>
@@ -3917,6 +3991,9 @@
           <a:lstStyle/>
           <a:p>
             <a:pPr indent="0" lvl="0" marL="0" rtl="0" algn="l">
+              <a:lnSpc>
+                <a:spcPct val="100000"/>
+              </a:lnSpc>
               <a:spcBef>
                 <a:spcPts val="0"/>
               </a:spcBef>
@@ -4087,6 +4164,9 @@
           <a:lstStyle/>
           <a:p>
             <a:pPr indent="0" lvl="0" marL="0" rtl="0" algn="l">
+              <a:lnSpc>
+                <a:spcPct val="100000"/>
+              </a:lnSpc>
               <a:spcBef>
                 <a:spcPts val="0"/>
               </a:spcBef>
@@ -4257,6 +4337,9 @@
           <a:lstStyle/>
           <a:p>
             <a:pPr indent="0" lvl="0" marL="0" rtl="0" algn="l">
+              <a:lnSpc>
+                <a:spcPct val="100000"/>
+              </a:lnSpc>
               <a:spcBef>
                 <a:spcPts val="0"/>
               </a:spcBef>
@@ -4427,6 +4510,9 @@
           <a:lstStyle/>
           <a:p>
             <a:pPr indent="0" lvl="0" marL="0" rtl="0" algn="l">
+              <a:lnSpc>
+                <a:spcPct val="100000"/>
+              </a:lnSpc>
               <a:spcBef>
                 <a:spcPts val="0"/>
               </a:spcBef>
@@ -4597,6 +4683,9 @@
           <a:lstStyle/>
           <a:p>
             <a:pPr indent="0" lvl="0" marL="0" rtl="0" algn="l">
+              <a:lnSpc>
+                <a:spcPct val="100000"/>
+              </a:lnSpc>
               <a:spcBef>
                 <a:spcPts val="0"/>
               </a:spcBef>
@@ -4767,6 +4856,9 @@
           <a:lstStyle/>
           <a:p>
             <a:pPr indent="0" lvl="0" marL="0" rtl="0" algn="l">
+              <a:lnSpc>
+                <a:spcPct val="100000"/>
+              </a:lnSpc>
               <a:spcBef>
                 <a:spcPts val="0"/>
               </a:spcBef>
@@ -4937,6 +5029,9 @@
           <a:lstStyle/>
           <a:p>
             <a:pPr indent="0" lvl="0" marL="0" rtl="0" algn="l">
+              <a:lnSpc>
+                <a:spcPct val="100000"/>
+              </a:lnSpc>
               <a:spcBef>
                 <a:spcPts val="0"/>
               </a:spcBef>
@@ -5107,6 +5202,9 @@
           <a:lstStyle/>
           <a:p>
             <a:pPr indent="0" lvl="0" marL="0" rtl="0" algn="l">
+              <a:lnSpc>
+                <a:spcPct val="100000"/>
+              </a:lnSpc>
               <a:spcBef>
                 <a:spcPts val="0"/>
               </a:spcBef>
@@ -5277,6 +5375,9 @@
           <a:lstStyle/>
           <a:p>
             <a:pPr indent="0" lvl="0" marL="0" rtl="0" algn="l">
+              <a:lnSpc>
+                <a:spcPct val="100000"/>
+              </a:lnSpc>
               <a:spcBef>
                 <a:spcPts val="0"/>
               </a:spcBef>
@@ -5447,6 +5548,9 @@
           <a:lstStyle/>
           <a:p>
             <a:pPr indent="0" lvl="0" marL="0" rtl="0" algn="l">
+              <a:lnSpc>
+                <a:spcPct val="100000"/>
+              </a:lnSpc>
               <a:spcBef>
                 <a:spcPts val="0"/>
               </a:spcBef>
@@ -5617,6 +5721,9 @@
           <a:lstStyle/>
           <a:p>
             <a:pPr indent="0" lvl="0" marL="0" rtl="0" algn="l">
+              <a:lnSpc>
+                <a:spcPct val="100000"/>
+              </a:lnSpc>
               <a:spcBef>
                 <a:spcPts val="0"/>
               </a:spcBef>
@@ -5730,13 +5837,20 @@
           <a:prstGeom prst="rect">
             <a:avLst/>
           </a:prstGeom>
+          <a:noFill/>
+          <a:ln>
+            <a:noFill/>
+          </a:ln>
         </p:spPr>
         <p:txBody>
           <a:bodyPr anchorCtr="0" anchor="b" bIns="91425" lIns="91425" spcFirstLastPara="1" rIns="91425" wrap="square" tIns="91425">
             <a:normAutofit/>
           </a:bodyPr>
           <a:lstStyle>
-            <a:lvl1pPr lvl="0" rtl="0" algn="ctr">
+            <a:lvl1pPr lvl="0" algn="ctr">
+              <a:lnSpc>
+                <a:spcPct val="100000"/>
+              </a:lnSpc>
               <a:spcBef>
                 <a:spcPts val="0"/>
               </a:spcBef>
@@ -5747,7 +5861,10 @@
               <a:buNone/>
               <a:defRPr sz="5200"/>
             </a:lvl1pPr>
-            <a:lvl2pPr lvl="1" rtl="0" algn="ctr">
+            <a:lvl2pPr lvl="1" algn="ctr">
+              <a:lnSpc>
+                <a:spcPct val="100000"/>
+              </a:lnSpc>
               <a:spcBef>
                 <a:spcPts val="0"/>
               </a:spcBef>
@@ -5758,7 +5875,10 @@
               <a:buNone/>
               <a:defRPr sz="5200"/>
             </a:lvl2pPr>
-            <a:lvl3pPr lvl="2" rtl="0" algn="ctr">
+            <a:lvl3pPr lvl="2" algn="ctr">
+              <a:lnSpc>
+                <a:spcPct val="100000"/>
+              </a:lnSpc>
               <a:spcBef>
                 <a:spcPts val="0"/>
               </a:spcBef>
@@ -5769,7 +5889,10 @@
               <a:buNone/>
               <a:defRPr sz="5200"/>
             </a:lvl3pPr>
-            <a:lvl4pPr lvl="3" rtl="0" algn="ctr">
+            <a:lvl4pPr lvl="3" algn="ctr">
+              <a:lnSpc>
+                <a:spcPct val="100000"/>
+              </a:lnSpc>
               <a:spcBef>
                 <a:spcPts val="0"/>
               </a:spcBef>
@@ -5780,7 +5903,10 @@
               <a:buNone/>
               <a:defRPr sz="5200"/>
             </a:lvl4pPr>
-            <a:lvl5pPr lvl="4" rtl="0" algn="ctr">
+            <a:lvl5pPr lvl="4" algn="ctr">
+              <a:lnSpc>
+                <a:spcPct val="100000"/>
+              </a:lnSpc>
               <a:spcBef>
                 <a:spcPts val="0"/>
               </a:spcBef>
@@ -5791,7 +5917,10 @@
               <a:buNone/>
               <a:defRPr sz="5200"/>
             </a:lvl5pPr>
-            <a:lvl6pPr lvl="5" rtl="0" algn="ctr">
+            <a:lvl6pPr lvl="5" algn="ctr">
+              <a:lnSpc>
+                <a:spcPct val="100000"/>
+              </a:lnSpc>
               <a:spcBef>
                 <a:spcPts val="0"/>
               </a:spcBef>
@@ -5802,7 +5931,10 @@
               <a:buNone/>
               <a:defRPr sz="5200"/>
             </a:lvl6pPr>
-            <a:lvl7pPr lvl="6" rtl="0" algn="ctr">
+            <a:lvl7pPr lvl="6" algn="ctr">
+              <a:lnSpc>
+                <a:spcPct val="100000"/>
+              </a:lnSpc>
               <a:spcBef>
                 <a:spcPts val="0"/>
               </a:spcBef>
@@ -5813,7 +5945,10 @@
               <a:buNone/>
               <a:defRPr sz="5200"/>
             </a:lvl7pPr>
-            <a:lvl8pPr lvl="7" rtl="0" algn="ctr">
+            <a:lvl8pPr lvl="7" algn="ctr">
+              <a:lnSpc>
+                <a:spcPct val="100000"/>
+              </a:lnSpc>
               <a:spcBef>
                 <a:spcPts val="0"/>
               </a:spcBef>
@@ -5824,7 +5959,10 @@
               <a:buNone/>
               <a:defRPr sz="5200"/>
             </a:lvl8pPr>
-            <a:lvl9pPr lvl="8" rtl="0" algn="ctr">
+            <a:lvl9pPr lvl="8" algn="ctr">
+              <a:lnSpc>
+                <a:spcPct val="100000"/>
+              </a:lnSpc>
               <a:spcBef>
                 <a:spcPts val="0"/>
               </a:spcBef>
@@ -5855,13 +5993,17 @@
           <a:prstGeom prst="rect">
             <a:avLst/>
           </a:prstGeom>
+          <a:noFill/>
+          <a:ln>
+            <a:noFill/>
+          </a:ln>
         </p:spPr>
         <p:txBody>
           <a:bodyPr anchorCtr="0" anchor="t" bIns="91425" lIns="91425" spcFirstLastPara="1" rIns="91425" wrap="square" tIns="91425">
             <a:normAutofit/>
           </a:bodyPr>
           <a:lstStyle>
-            <a:lvl1pPr lvl="0" rtl="0" algn="ctr">
+            <a:lvl1pPr lvl="0" algn="ctr">
               <a:lnSpc>
                 <a:spcPct val="100000"/>
               </a:lnSpc>
@@ -5875,7 +6017,7 @@
               <a:buNone/>
               <a:defRPr sz="2800"/>
             </a:lvl1pPr>
-            <a:lvl2pPr lvl="1" rtl="0" algn="ctr">
+            <a:lvl2pPr lvl="1" algn="ctr">
               <a:lnSpc>
                 <a:spcPct val="100000"/>
               </a:lnSpc>
@@ -5889,7 +6031,7 @@
               <a:buNone/>
               <a:defRPr sz="2800"/>
             </a:lvl2pPr>
-            <a:lvl3pPr lvl="2" rtl="0" algn="ctr">
+            <a:lvl3pPr lvl="2" algn="ctr">
               <a:lnSpc>
                 <a:spcPct val="100000"/>
               </a:lnSpc>
@@ -5903,7 +6045,7 @@
               <a:buNone/>
               <a:defRPr sz="2800"/>
             </a:lvl3pPr>
-            <a:lvl4pPr lvl="3" rtl="0" algn="ctr">
+            <a:lvl4pPr lvl="3" algn="ctr">
               <a:lnSpc>
                 <a:spcPct val="100000"/>
               </a:lnSpc>
@@ -5917,7 +6059,7 @@
               <a:buNone/>
               <a:defRPr sz="2800"/>
             </a:lvl4pPr>
-            <a:lvl5pPr lvl="4" rtl="0" algn="ctr">
+            <a:lvl5pPr lvl="4" algn="ctr">
               <a:lnSpc>
                 <a:spcPct val="100000"/>
               </a:lnSpc>
@@ -5931,7 +6073,7 @@
               <a:buNone/>
               <a:defRPr sz="2800"/>
             </a:lvl5pPr>
-            <a:lvl6pPr lvl="5" rtl="0" algn="ctr">
+            <a:lvl6pPr lvl="5" algn="ctr">
               <a:lnSpc>
                 <a:spcPct val="100000"/>
               </a:lnSpc>
@@ -5945,7 +6087,7 @@
               <a:buNone/>
               <a:defRPr sz="2800"/>
             </a:lvl6pPr>
-            <a:lvl7pPr lvl="6" rtl="0" algn="ctr">
+            <a:lvl7pPr lvl="6" algn="ctr">
               <a:lnSpc>
                 <a:spcPct val="100000"/>
               </a:lnSpc>
@@ -5959,7 +6101,7 @@
               <a:buNone/>
               <a:defRPr sz="2800"/>
             </a:lvl7pPr>
-            <a:lvl8pPr lvl="7" rtl="0" algn="ctr">
+            <a:lvl8pPr lvl="7" algn="ctr">
               <a:lnSpc>
                 <a:spcPct val="100000"/>
               </a:lnSpc>
@@ -5973,7 +6115,7 @@
               <a:buNone/>
               <a:defRPr sz="2800"/>
             </a:lvl8pPr>
-            <a:lvl9pPr lvl="8" rtl="0" algn="ctr">
+            <a:lvl9pPr lvl="8" algn="ctr">
               <a:lnSpc>
                 <a:spcPct val="100000"/>
               </a:lnSpc>
@@ -6007,47 +6149,249 @@
           <a:prstGeom prst="rect">
             <a:avLst/>
           </a:prstGeom>
+          <a:noFill/>
+          <a:ln>
+            <a:noFill/>
+          </a:ln>
         </p:spPr>
         <p:txBody>
           <a:bodyPr anchorCtr="0" anchor="ctr" bIns="91425" lIns="91425" spcFirstLastPara="1" rIns="91425" wrap="square" tIns="91425">
             <a:normAutofit/>
           </a:bodyPr>
           <a:lstStyle>
-            <a:lvl1pPr lvl="0" rtl="0">
-              <a:buNone/>
-              <a:defRPr/>
+            <a:lvl1pPr indent="0" lvl="0" marL="0" marR="0" algn="r">
+              <a:lnSpc>
+                <a:spcPct val="100000"/>
+              </a:lnSpc>
+              <a:spcBef>
+                <a:spcPts val="0"/>
+              </a:spcBef>
+              <a:spcAft>
+                <a:spcPts val="0"/>
+              </a:spcAft>
+              <a:buClr>
+                <a:srgbClr val="000000"/>
+              </a:buClr>
+              <a:buSzPts val="1000"/>
+              <a:buFont typeface="Arial"/>
+              <a:buNone/>
+              <a:defRPr b="0" i="0" sz="1000" u="none" cap="none" strike="noStrike">
+                <a:solidFill>
+                  <a:schemeClr val="dk2"/>
+                </a:solidFill>
+                <a:latin typeface="Arial"/>
+                <a:ea typeface="Arial"/>
+                <a:cs typeface="Arial"/>
+                <a:sym typeface="Arial"/>
+              </a:defRPr>
             </a:lvl1pPr>
-            <a:lvl2pPr lvl="1" rtl="0">
-              <a:buNone/>
-              <a:defRPr/>
+            <a:lvl2pPr indent="0" lvl="1" marL="0" marR="0" algn="r">
+              <a:lnSpc>
+                <a:spcPct val="100000"/>
+              </a:lnSpc>
+              <a:spcBef>
+                <a:spcPts val="0"/>
+              </a:spcBef>
+              <a:spcAft>
+                <a:spcPts val="0"/>
+              </a:spcAft>
+              <a:buClr>
+                <a:srgbClr val="000000"/>
+              </a:buClr>
+              <a:buSzPts val="1000"/>
+              <a:buFont typeface="Arial"/>
+              <a:buNone/>
+              <a:defRPr b="0" i="0" sz="1000" u="none" cap="none" strike="noStrike">
+                <a:solidFill>
+                  <a:schemeClr val="dk2"/>
+                </a:solidFill>
+                <a:latin typeface="Arial"/>
+                <a:ea typeface="Arial"/>
+                <a:cs typeface="Arial"/>
+                <a:sym typeface="Arial"/>
+              </a:defRPr>
             </a:lvl2pPr>
-            <a:lvl3pPr lvl="2" rtl="0">
-              <a:buNone/>
-              <a:defRPr/>
+            <a:lvl3pPr indent="0" lvl="2" marL="0" marR="0" algn="r">
+              <a:lnSpc>
+                <a:spcPct val="100000"/>
+              </a:lnSpc>
+              <a:spcBef>
+                <a:spcPts val="0"/>
+              </a:spcBef>
+              <a:spcAft>
+                <a:spcPts val="0"/>
+              </a:spcAft>
+              <a:buClr>
+                <a:srgbClr val="000000"/>
+              </a:buClr>
+              <a:buSzPts val="1000"/>
+              <a:buFont typeface="Arial"/>
+              <a:buNone/>
+              <a:defRPr b="0" i="0" sz="1000" u="none" cap="none" strike="noStrike">
+                <a:solidFill>
+                  <a:schemeClr val="dk2"/>
+                </a:solidFill>
+                <a:latin typeface="Arial"/>
+                <a:ea typeface="Arial"/>
+                <a:cs typeface="Arial"/>
+                <a:sym typeface="Arial"/>
+              </a:defRPr>
             </a:lvl3pPr>
-            <a:lvl4pPr lvl="3" rtl="0">
-              <a:buNone/>
-              <a:defRPr/>
+            <a:lvl4pPr indent="0" lvl="3" marL="0" marR="0" algn="r">
+              <a:lnSpc>
+                <a:spcPct val="100000"/>
+              </a:lnSpc>
+              <a:spcBef>
+                <a:spcPts val="0"/>
+              </a:spcBef>
+              <a:spcAft>
+                <a:spcPts val="0"/>
+              </a:spcAft>
+              <a:buClr>
+                <a:srgbClr val="000000"/>
+              </a:buClr>
+              <a:buSzPts val="1000"/>
+              <a:buFont typeface="Arial"/>
+              <a:buNone/>
+              <a:defRPr b="0" i="0" sz="1000" u="none" cap="none" strike="noStrike">
+                <a:solidFill>
+                  <a:schemeClr val="dk2"/>
+                </a:solidFill>
+                <a:latin typeface="Arial"/>
+                <a:ea typeface="Arial"/>
+                <a:cs typeface="Arial"/>
+                <a:sym typeface="Arial"/>
+              </a:defRPr>
             </a:lvl4pPr>
-            <a:lvl5pPr lvl="4" rtl="0">
-              <a:buNone/>
-              <a:defRPr/>
+            <a:lvl5pPr indent="0" lvl="4" marL="0" marR="0" algn="r">
+              <a:lnSpc>
+                <a:spcPct val="100000"/>
+              </a:lnSpc>
+              <a:spcBef>
+                <a:spcPts val="0"/>
+              </a:spcBef>
+              <a:spcAft>
+                <a:spcPts val="0"/>
+              </a:spcAft>
+              <a:buClr>
+                <a:srgbClr val="000000"/>
+              </a:buClr>
+              <a:buSzPts val="1000"/>
+              <a:buFont typeface="Arial"/>
+              <a:buNone/>
+              <a:defRPr b="0" i="0" sz="1000" u="none" cap="none" strike="noStrike">
+                <a:solidFill>
+                  <a:schemeClr val="dk2"/>
+                </a:solidFill>
+                <a:latin typeface="Arial"/>
+                <a:ea typeface="Arial"/>
+                <a:cs typeface="Arial"/>
+                <a:sym typeface="Arial"/>
+              </a:defRPr>
             </a:lvl5pPr>
-            <a:lvl6pPr lvl="5" rtl="0">
-              <a:buNone/>
-              <a:defRPr/>
+            <a:lvl6pPr indent="0" lvl="5" marL="0" marR="0" algn="r">
+              <a:lnSpc>
+                <a:spcPct val="100000"/>
+              </a:lnSpc>
+              <a:spcBef>
+                <a:spcPts val="0"/>
+              </a:spcBef>
+              <a:spcAft>
+                <a:spcPts val="0"/>
+              </a:spcAft>
+              <a:buClr>
+                <a:srgbClr val="000000"/>
+              </a:buClr>
+              <a:buSzPts val="1000"/>
+              <a:buFont typeface="Arial"/>
+              <a:buNone/>
+              <a:defRPr b="0" i="0" sz="1000" u="none" cap="none" strike="noStrike">
+                <a:solidFill>
+                  <a:schemeClr val="dk2"/>
+                </a:solidFill>
+                <a:latin typeface="Arial"/>
+                <a:ea typeface="Arial"/>
+                <a:cs typeface="Arial"/>
+                <a:sym typeface="Arial"/>
+              </a:defRPr>
             </a:lvl6pPr>
-            <a:lvl7pPr lvl="6" rtl="0">
-              <a:buNone/>
-              <a:defRPr/>
+            <a:lvl7pPr indent="0" lvl="6" marL="0" marR="0" algn="r">
+              <a:lnSpc>
+                <a:spcPct val="100000"/>
+              </a:lnSpc>
+              <a:spcBef>
+                <a:spcPts val="0"/>
+              </a:spcBef>
+              <a:spcAft>
+                <a:spcPts val="0"/>
+              </a:spcAft>
+              <a:buClr>
+                <a:srgbClr val="000000"/>
+              </a:buClr>
+              <a:buSzPts val="1000"/>
+              <a:buFont typeface="Arial"/>
+              <a:buNone/>
+              <a:defRPr b="0" i="0" sz="1000" u="none" cap="none" strike="noStrike">
+                <a:solidFill>
+                  <a:schemeClr val="dk2"/>
+                </a:solidFill>
+                <a:latin typeface="Arial"/>
+                <a:ea typeface="Arial"/>
+                <a:cs typeface="Arial"/>
+                <a:sym typeface="Arial"/>
+              </a:defRPr>
             </a:lvl7pPr>
-            <a:lvl8pPr lvl="7" rtl="0">
-              <a:buNone/>
-              <a:defRPr/>
+            <a:lvl8pPr indent="0" lvl="7" marL="0" marR="0" algn="r">
+              <a:lnSpc>
+                <a:spcPct val="100000"/>
+              </a:lnSpc>
+              <a:spcBef>
+                <a:spcPts val="0"/>
+              </a:spcBef>
+              <a:spcAft>
+                <a:spcPts val="0"/>
+              </a:spcAft>
+              <a:buClr>
+                <a:srgbClr val="000000"/>
+              </a:buClr>
+              <a:buSzPts val="1000"/>
+              <a:buFont typeface="Arial"/>
+              <a:buNone/>
+              <a:defRPr b="0" i="0" sz="1000" u="none" cap="none" strike="noStrike">
+                <a:solidFill>
+                  <a:schemeClr val="dk2"/>
+                </a:solidFill>
+                <a:latin typeface="Arial"/>
+                <a:ea typeface="Arial"/>
+                <a:cs typeface="Arial"/>
+                <a:sym typeface="Arial"/>
+              </a:defRPr>
             </a:lvl8pPr>
-            <a:lvl9pPr lvl="8" rtl="0">
-              <a:buNone/>
-              <a:defRPr/>
+            <a:lvl9pPr indent="0" lvl="8" marL="0" marR="0" algn="r">
+              <a:lnSpc>
+                <a:spcPct val="100000"/>
+              </a:lnSpc>
+              <a:spcBef>
+                <a:spcPts val="0"/>
+              </a:spcBef>
+              <a:spcAft>
+                <a:spcPts val="0"/>
+              </a:spcAft>
+              <a:buClr>
+                <a:srgbClr val="000000"/>
+              </a:buClr>
+              <a:buSzPts val="1000"/>
+              <a:buFont typeface="Arial"/>
+              <a:buNone/>
+              <a:defRPr b="0" i="0" sz="1000" u="none" cap="none" strike="noStrike">
+                <a:solidFill>
+                  <a:schemeClr val="dk2"/>
+                </a:solidFill>
+                <a:latin typeface="Arial"/>
+                <a:ea typeface="Arial"/>
+                <a:cs typeface="Arial"/>
+                <a:sym typeface="Arial"/>
+              </a:defRPr>
             </a:lvl9pPr>
           </a:lstStyle>
           <a:p>
@@ -6077,11 +6421,11 @@
 </file>
 
 <file path=ppt/slideLayouts/slideLayout10.xml><?xml version="1.0" encoding="utf-8"?>
-<p:sldLayout xmlns:a="http://schemas.openxmlformats.org/drawingml/2006/main" xmlns:r="http://schemas.openxmlformats.org/officeDocument/2006/relationships" xmlns:mc="http://schemas.openxmlformats.org/markup-compatibility/2006" xmlns:mv="urn:schemas-microsoft-com:mac:vml" xmlns:p="http://schemas.openxmlformats.org/presentationml/2006/main" xmlns:c="http://schemas.openxmlformats.org/drawingml/2006/chart" xmlns:dgm="http://schemas.openxmlformats.org/drawingml/2006/diagram" xmlns:o="urn:schemas-microsoft-com:office:office" xmlns:v="urn:schemas-microsoft-com:vml" xmlns:pvml="urn:schemas-microsoft-com:office:powerpoint" xmlns:com="http://schemas.openxmlformats.org/drawingml/2006/compatibility" xmlns:p14="http://schemas.microsoft.com/office/powerpoint/2010/main" xmlns:p15="http://schemas.microsoft.com/office/powerpoint/2012/main" xmlns:ahyp="http://schemas.microsoft.com/office/drawing/2018/hyperlinkcolor" matchingName="Big number">
-  <p:cSld name="BIG_NUMBER">
+<p:sldLayout xmlns:a="http://schemas.openxmlformats.org/drawingml/2006/main" xmlns:r="http://schemas.openxmlformats.org/officeDocument/2006/relationships" xmlns:mc="http://schemas.openxmlformats.org/markup-compatibility/2006" xmlns:mv="urn:schemas-microsoft-com:mac:vml" xmlns:p="http://schemas.openxmlformats.org/presentationml/2006/main" xmlns:c="http://schemas.openxmlformats.org/drawingml/2006/chart" xmlns:dgm="http://schemas.openxmlformats.org/drawingml/2006/diagram" xmlns:o="urn:schemas-microsoft-com:office:office" xmlns:v="urn:schemas-microsoft-com:vml" xmlns:pvml="urn:schemas-microsoft-com:office:powerpoint" xmlns:com="http://schemas.openxmlformats.org/drawingml/2006/compatibility" xmlns:p14="http://schemas.microsoft.com/office/powerpoint/2010/main" xmlns:p15="http://schemas.microsoft.com/office/powerpoint/2012/main" xmlns:ahyp="http://schemas.microsoft.com/office/drawing/2018/hyperlinkcolor" matchingName="Caption">
+  <p:cSld name="CAPTION_ONLY">
     <p:spTree>
       <p:nvGrpSpPr>
-        <p:cNvPr id="48" name="Shape 48"/>
+        <p:cNvPr id="51" name="Shape 51"/>
         <p:cNvGrpSpPr/>
         <p:nvPr/>
       </p:nvGrpSpPr>
@@ -6095,136 +6439,7 @@
       </p:grpSpPr>
       <p:sp>
         <p:nvSpPr>
-          <p:cNvPr id="49" name="Google Shape;49;p11"/>
-          <p:cNvSpPr txBox="1"/>
-          <p:nvPr>
-            <p:ph hasCustomPrompt="1" type="title"/>
-          </p:nvPr>
-        </p:nvSpPr>
-        <p:spPr>
-          <a:xfrm>
-            <a:off x="311700" y="1474833"/>
-            <a:ext cx="8520600" cy="2618100"/>
-          </a:xfrm>
-          <a:prstGeom prst="rect">
-            <a:avLst/>
-          </a:prstGeom>
-        </p:spPr>
-        <p:txBody>
-          <a:bodyPr anchorCtr="0" anchor="b" bIns="91425" lIns="91425" spcFirstLastPara="1" rIns="91425" wrap="square" tIns="91425">
-            <a:normAutofit/>
-          </a:bodyPr>
-          <a:lstStyle>
-            <a:lvl1pPr lvl="0" rtl="0" algn="ctr">
-              <a:spcBef>
-                <a:spcPts val="0"/>
-              </a:spcBef>
-              <a:spcAft>
-                <a:spcPts val="0"/>
-              </a:spcAft>
-              <a:buSzPts val="12000"/>
-              <a:buNone/>
-              <a:defRPr sz="12000"/>
-            </a:lvl1pPr>
-            <a:lvl2pPr lvl="1" rtl="0" algn="ctr">
-              <a:spcBef>
-                <a:spcPts val="0"/>
-              </a:spcBef>
-              <a:spcAft>
-                <a:spcPts val="0"/>
-              </a:spcAft>
-              <a:buSzPts val="12000"/>
-              <a:buNone/>
-              <a:defRPr sz="12000"/>
-            </a:lvl2pPr>
-            <a:lvl3pPr lvl="2" rtl="0" algn="ctr">
-              <a:spcBef>
-                <a:spcPts val="0"/>
-              </a:spcBef>
-              <a:spcAft>
-                <a:spcPts val="0"/>
-              </a:spcAft>
-              <a:buSzPts val="12000"/>
-              <a:buNone/>
-              <a:defRPr sz="12000"/>
-            </a:lvl3pPr>
-            <a:lvl4pPr lvl="3" rtl="0" algn="ctr">
-              <a:spcBef>
-                <a:spcPts val="0"/>
-              </a:spcBef>
-              <a:spcAft>
-                <a:spcPts val="0"/>
-              </a:spcAft>
-              <a:buSzPts val="12000"/>
-              <a:buNone/>
-              <a:defRPr sz="12000"/>
-            </a:lvl4pPr>
-            <a:lvl5pPr lvl="4" rtl="0" algn="ctr">
-              <a:spcBef>
-                <a:spcPts val="0"/>
-              </a:spcBef>
-              <a:spcAft>
-                <a:spcPts val="0"/>
-              </a:spcAft>
-              <a:buSzPts val="12000"/>
-              <a:buNone/>
-              <a:defRPr sz="12000"/>
-            </a:lvl5pPr>
-            <a:lvl6pPr lvl="5" rtl="0" algn="ctr">
-              <a:spcBef>
-                <a:spcPts val="0"/>
-              </a:spcBef>
-              <a:spcAft>
-                <a:spcPts val="0"/>
-              </a:spcAft>
-              <a:buSzPts val="12000"/>
-              <a:buNone/>
-              <a:defRPr sz="12000"/>
-            </a:lvl6pPr>
-            <a:lvl7pPr lvl="6" rtl="0" algn="ctr">
-              <a:spcBef>
-                <a:spcPts val="0"/>
-              </a:spcBef>
-              <a:spcAft>
-                <a:spcPts val="0"/>
-              </a:spcAft>
-              <a:buSzPts val="12000"/>
-              <a:buNone/>
-              <a:defRPr sz="12000"/>
-            </a:lvl7pPr>
-            <a:lvl8pPr lvl="7" rtl="0" algn="ctr">
-              <a:spcBef>
-                <a:spcPts val="0"/>
-              </a:spcBef>
-              <a:spcAft>
-                <a:spcPts val="0"/>
-              </a:spcAft>
-              <a:buSzPts val="12000"/>
-              <a:buNone/>
-              <a:defRPr sz="12000"/>
-            </a:lvl8pPr>
-            <a:lvl9pPr lvl="8" rtl="0" algn="ctr">
-              <a:spcBef>
-                <a:spcPts val="0"/>
-              </a:spcBef>
-              <a:spcAft>
-                <a:spcPts val="0"/>
-              </a:spcAft>
-              <a:buSzPts val="12000"/>
-              <a:buNone/>
-              <a:defRPr sz="12000"/>
-            </a:lvl9pPr>
-          </a:lstStyle>
-          <a:p>
-            <a:r>
-              <a:t>xx%</a:t>
-            </a:r>
-          </a:p>
-        </p:txBody>
-      </p:sp>
-      <p:sp>
-        <p:nvSpPr>
-          <p:cNvPr id="50" name="Google Shape;50;p11"/>
+          <p:cNvPr id="52" name="Google Shape;52;p11"/>
           <p:cNvSpPr txBox="1"/>
           <p:nvPr>
             <p:ph idx="1" type="body"/>
@@ -6232,19 +6447,26 @@
         </p:nvSpPr>
         <p:spPr>
           <a:xfrm>
-            <a:off x="311700" y="4202967"/>
-            <a:ext cx="8520600" cy="1734300"/>
+            <a:off x="311700" y="5640767"/>
+            <a:ext cx="5998800" cy="806700"/>
           </a:xfrm>
           <a:prstGeom prst="rect">
             <a:avLst/>
           </a:prstGeom>
+          <a:noFill/>
+          <a:ln>
+            <a:noFill/>
+          </a:ln>
         </p:spPr>
         <p:txBody>
-          <a:bodyPr anchorCtr="0" anchor="t" bIns="91425" lIns="91425" spcFirstLastPara="1" rIns="91425" wrap="square" tIns="91425">
+          <a:bodyPr anchorCtr="0" anchor="ctr" bIns="91425" lIns="91425" spcFirstLastPara="1" rIns="91425" wrap="square" tIns="91425">
             <a:normAutofit/>
           </a:bodyPr>
           <a:lstStyle>
-            <a:lvl1pPr indent="-342900" lvl="0" marL="457200" rtl="0" algn="ctr">
+            <a:lvl1pPr indent="-228600" lvl="0" marL="457200" algn="l">
+              <a:lnSpc>
+                <a:spcPct val="100000"/>
+              </a:lnSpc>
               <a:spcBef>
                 <a:spcPts val="0"/>
               </a:spcBef>
@@ -6252,104 +6474,16 @@
                 <a:spcPts val="0"/>
               </a:spcAft>
               <a:buSzPts val="1800"/>
-              <a:buChar char="●"/>
+              <a:buNone/>
               <a:defRPr/>
             </a:lvl1pPr>
-            <a:lvl2pPr indent="-317500" lvl="1" marL="914400" rtl="0" algn="ctr">
-              <a:spcBef>
-                <a:spcPts val="0"/>
-              </a:spcBef>
-              <a:spcAft>
-                <a:spcPts val="0"/>
-              </a:spcAft>
-              <a:buSzPts val="1400"/>
-              <a:buChar char="○"/>
-              <a:defRPr/>
-            </a:lvl2pPr>
-            <a:lvl3pPr indent="-317500" lvl="2" marL="1371600" rtl="0" algn="ctr">
-              <a:spcBef>
-                <a:spcPts val="0"/>
-              </a:spcBef>
-              <a:spcAft>
-                <a:spcPts val="0"/>
-              </a:spcAft>
-              <a:buSzPts val="1400"/>
-              <a:buChar char="■"/>
-              <a:defRPr/>
-            </a:lvl3pPr>
-            <a:lvl4pPr indent="-317500" lvl="3" marL="1828800" rtl="0" algn="ctr">
-              <a:spcBef>
-                <a:spcPts val="0"/>
-              </a:spcBef>
-              <a:spcAft>
-                <a:spcPts val="0"/>
-              </a:spcAft>
-              <a:buSzPts val="1400"/>
-              <a:buChar char="●"/>
-              <a:defRPr/>
-            </a:lvl4pPr>
-            <a:lvl5pPr indent="-317500" lvl="4" marL="2286000" rtl="0" algn="ctr">
-              <a:spcBef>
-                <a:spcPts val="0"/>
-              </a:spcBef>
-              <a:spcAft>
-                <a:spcPts val="0"/>
-              </a:spcAft>
-              <a:buSzPts val="1400"/>
-              <a:buChar char="○"/>
-              <a:defRPr/>
-            </a:lvl5pPr>
-            <a:lvl6pPr indent="-317500" lvl="5" marL="2743200" rtl="0" algn="ctr">
-              <a:spcBef>
-                <a:spcPts val="0"/>
-              </a:spcBef>
-              <a:spcAft>
-                <a:spcPts val="0"/>
-              </a:spcAft>
-              <a:buSzPts val="1400"/>
-              <a:buChar char="■"/>
-              <a:defRPr/>
-            </a:lvl6pPr>
-            <a:lvl7pPr indent="-317500" lvl="6" marL="3200400" rtl="0" algn="ctr">
-              <a:spcBef>
-                <a:spcPts val="0"/>
-              </a:spcBef>
-              <a:spcAft>
-                <a:spcPts val="0"/>
-              </a:spcAft>
-              <a:buSzPts val="1400"/>
-              <a:buChar char="●"/>
-              <a:defRPr/>
-            </a:lvl7pPr>
-            <a:lvl8pPr indent="-317500" lvl="7" marL="3657600" rtl="0" algn="ctr">
-              <a:spcBef>
-                <a:spcPts val="0"/>
-              </a:spcBef>
-              <a:spcAft>
-                <a:spcPts val="0"/>
-              </a:spcAft>
-              <a:buSzPts val="1400"/>
-              <a:buChar char="○"/>
-              <a:defRPr/>
-            </a:lvl8pPr>
-            <a:lvl9pPr indent="-317500" lvl="8" marL="4114800" rtl="0" algn="ctr">
-              <a:spcBef>
-                <a:spcPts val="0"/>
-              </a:spcBef>
-              <a:spcAft>
-                <a:spcPts val="0"/>
-              </a:spcAft>
-              <a:buSzPts val="1400"/>
-              <a:buChar char="■"/>
-              <a:defRPr/>
-            </a:lvl9pPr>
           </a:lstStyle>
           <a:p/>
         </p:txBody>
       </p:sp>
       <p:sp>
         <p:nvSpPr>
-          <p:cNvPr id="51" name="Google Shape;51;p11"/>
+          <p:cNvPr id="53" name="Google Shape;53;p11"/>
           <p:cNvSpPr txBox="1"/>
           <p:nvPr>
             <p:ph idx="12" type="sldNum"/>
@@ -6363,47 +6497,249 @@
           <a:prstGeom prst="rect">
             <a:avLst/>
           </a:prstGeom>
+          <a:noFill/>
+          <a:ln>
+            <a:noFill/>
+          </a:ln>
         </p:spPr>
         <p:txBody>
           <a:bodyPr anchorCtr="0" anchor="ctr" bIns="91425" lIns="91425" spcFirstLastPara="1" rIns="91425" wrap="square" tIns="91425">
             <a:normAutofit/>
           </a:bodyPr>
           <a:lstStyle>
-            <a:lvl1pPr lvl="0" rtl="0">
-              <a:buNone/>
-              <a:defRPr/>
+            <a:lvl1pPr indent="0" lvl="0" marL="0" marR="0" algn="r">
+              <a:lnSpc>
+                <a:spcPct val="100000"/>
+              </a:lnSpc>
+              <a:spcBef>
+                <a:spcPts val="0"/>
+              </a:spcBef>
+              <a:spcAft>
+                <a:spcPts val="0"/>
+              </a:spcAft>
+              <a:buClr>
+                <a:srgbClr val="000000"/>
+              </a:buClr>
+              <a:buSzPts val="1000"/>
+              <a:buFont typeface="Arial"/>
+              <a:buNone/>
+              <a:defRPr b="0" i="0" sz="1000" u="none" cap="none" strike="noStrike">
+                <a:solidFill>
+                  <a:schemeClr val="dk2"/>
+                </a:solidFill>
+                <a:latin typeface="Arial"/>
+                <a:ea typeface="Arial"/>
+                <a:cs typeface="Arial"/>
+                <a:sym typeface="Arial"/>
+              </a:defRPr>
             </a:lvl1pPr>
-            <a:lvl2pPr lvl="1" rtl="0">
-              <a:buNone/>
-              <a:defRPr/>
+            <a:lvl2pPr indent="0" lvl="1" marL="0" marR="0" algn="r">
+              <a:lnSpc>
+                <a:spcPct val="100000"/>
+              </a:lnSpc>
+              <a:spcBef>
+                <a:spcPts val="0"/>
+              </a:spcBef>
+              <a:spcAft>
+                <a:spcPts val="0"/>
+              </a:spcAft>
+              <a:buClr>
+                <a:srgbClr val="000000"/>
+              </a:buClr>
+              <a:buSzPts val="1000"/>
+              <a:buFont typeface="Arial"/>
+              <a:buNone/>
+              <a:defRPr b="0" i="0" sz="1000" u="none" cap="none" strike="noStrike">
+                <a:solidFill>
+                  <a:schemeClr val="dk2"/>
+                </a:solidFill>
+                <a:latin typeface="Arial"/>
+                <a:ea typeface="Arial"/>
+                <a:cs typeface="Arial"/>
+                <a:sym typeface="Arial"/>
+              </a:defRPr>
             </a:lvl2pPr>
-            <a:lvl3pPr lvl="2" rtl="0">
-              <a:buNone/>
-              <a:defRPr/>
+            <a:lvl3pPr indent="0" lvl="2" marL="0" marR="0" algn="r">
+              <a:lnSpc>
+                <a:spcPct val="100000"/>
+              </a:lnSpc>
+              <a:spcBef>
+                <a:spcPts val="0"/>
+              </a:spcBef>
+              <a:spcAft>
+                <a:spcPts val="0"/>
+              </a:spcAft>
+              <a:buClr>
+                <a:srgbClr val="000000"/>
+              </a:buClr>
+              <a:buSzPts val="1000"/>
+              <a:buFont typeface="Arial"/>
+              <a:buNone/>
+              <a:defRPr b="0" i="0" sz="1000" u="none" cap="none" strike="noStrike">
+                <a:solidFill>
+                  <a:schemeClr val="dk2"/>
+                </a:solidFill>
+                <a:latin typeface="Arial"/>
+                <a:ea typeface="Arial"/>
+                <a:cs typeface="Arial"/>
+                <a:sym typeface="Arial"/>
+              </a:defRPr>
             </a:lvl3pPr>
-            <a:lvl4pPr lvl="3" rtl="0">
-              <a:buNone/>
-              <a:defRPr/>
+            <a:lvl4pPr indent="0" lvl="3" marL="0" marR="0" algn="r">
+              <a:lnSpc>
+                <a:spcPct val="100000"/>
+              </a:lnSpc>
+              <a:spcBef>
+                <a:spcPts val="0"/>
+              </a:spcBef>
+              <a:spcAft>
+                <a:spcPts val="0"/>
+              </a:spcAft>
+              <a:buClr>
+                <a:srgbClr val="000000"/>
+              </a:buClr>
+              <a:buSzPts val="1000"/>
+              <a:buFont typeface="Arial"/>
+              <a:buNone/>
+              <a:defRPr b="0" i="0" sz="1000" u="none" cap="none" strike="noStrike">
+                <a:solidFill>
+                  <a:schemeClr val="dk2"/>
+                </a:solidFill>
+                <a:latin typeface="Arial"/>
+                <a:ea typeface="Arial"/>
+                <a:cs typeface="Arial"/>
+                <a:sym typeface="Arial"/>
+              </a:defRPr>
             </a:lvl4pPr>
-            <a:lvl5pPr lvl="4" rtl="0">
-              <a:buNone/>
-              <a:defRPr/>
+            <a:lvl5pPr indent="0" lvl="4" marL="0" marR="0" algn="r">
+              <a:lnSpc>
+                <a:spcPct val="100000"/>
+              </a:lnSpc>
+              <a:spcBef>
+                <a:spcPts val="0"/>
+              </a:spcBef>
+              <a:spcAft>
+                <a:spcPts val="0"/>
+              </a:spcAft>
+              <a:buClr>
+                <a:srgbClr val="000000"/>
+              </a:buClr>
+              <a:buSzPts val="1000"/>
+              <a:buFont typeface="Arial"/>
+              <a:buNone/>
+              <a:defRPr b="0" i="0" sz="1000" u="none" cap="none" strike="noStrike">
+                <a:solidFill>
+                  <a:schemeClr val="dk2"/>
+                </a:solidFill>
+                <a:latin typeface="Arial"/>
+                <a:ea typeface="Arial"/>
+                <a:cs typeface="Arial"/>
+                <a:sym typeface="Arial"/>
+              </a:defRPr>
             </a:lvl5pPr>
-            <a:lvl6pPr lvl="5" rtl="0">
-              <a:buNone/>
-              <a:defRPr/>
+            <a:lvl6pPr indent="0" lvl="5" marL="0" marR="0" algn="r">
+              <a:lnSpc>
+                <a:spcPct val="100000"/>
+              </a:lnSpc>
+              <a:spcBef>
+                <a:spcPts val="0"/>
+              </a:spcBef>
+              <a:spcAft>
+                <a:spcPts val="0"/>
+              </a:spcAft>
+              <a:buClr>
+                <a:srgbClr val="000000"/>
+              </a:buClr>
+              <a:buSzPts val="1000"/>
+              <a:buFont typeface="Arial"/>
+              <a:buNone/>
+              <a:defRPr b="0" i="0" sz="1000" u="none" cap="none" strike="noStrike">
+                <a:solidFill>
+                  <a:schemeClr val="dk2"/>
+                </a:solidFill>
+                <a:latin typeface="Arial"/>
+                <a:ea typeface="Arial"/>
+                <a:cs typeface="Arial"/>
+                <a:sym typeface="Arial"/>
+              </a:defRPr>
             </a:lvl6pPr>
-            <a:lvl7pPr lvl="6" rtl="0">
-              <a:buNone/>
-              <a:defRPr/>
+            <a:lvl7pPr indent="0" lvl="6" marL="0" marR="0" algn="r">
+              <a:lnSpc>
+                <a:spcPct val="100000"/>
+              </a:lnSpc>
+              <a:spcBef>
+                <a:spcPts val="0"/>
+              </a:spcBef>
+              <a:spcAft>
+                <a:spcPts val="0"/>
+              </a:spcAft>
+              <a:buClr>
+                <a:srgbClr val="000000"/>
+              </a:buClr>
+              <a:buSzPts val="1000"/>
+              <a:buFont typeface="Arial"/>
+              <a:buNone/>
+              <a:defRPr b="0" i="0" sz="1000" u="none" cap="none" strike="noStrike">
+                <a:solidFill>
+                  <a:schemeClr val="dk2"/>
+                </a:solidFill>
+                <a:latin typeface="Arial"/>
+                <a:ea typeface="Arial"/>
+                <a:cs typeface="Arial"/>
+                <a:sym typeface="Arial"/>
+              </a:defRPr>
             </a:lvl7pPr>
-            <a:lvl8pPr lvl="7" rtl="0">
-              <a:buNone/>
-              <a:defRPr/>
+            <a:lvl8pPr indent="0" lvl="7" marL="0" marR="0" algn="r">
+              <a:lnSpc>
+                <a:spcPct val="100000"/>
+              </a:lnSpc>
+              <a:spcBef>
+                <a:spcPts val="0"/>
+              </a:spcBef>
+              <a:spcAft>
+                <a:spcPts val="0"/>
+              </a:spcAft>
+              <a:buClr>
+                <a:srgbClr val="000000"/>
+              </a:buClr>
+              <a:buSzPts val="1000"/>
+              <a:buFont typeface="Arial"/>
+              <a:buNone/>
+              <a:defRPr b="0" i="0" sz="1000" u="none" cap="none" strike="noStrike">
+                <a:solidFill>
+                  <a:schemeClr val="dk2"/>
+                </a:solidFill>
+                <a:latin typeface="Arial"/>
+                <a:ea typeface="Arial"/>
+                <a:cs typeface="Arial"/>
+                <a:sym typeface="Arial"/>
+              </a:defRPr>
             </a:lvl8pPr>
-            <a:lvl9pPr lvl="8" rtl="0">
-              <a:buNone/>
-              <a:defRPr/>
+            <a:lvl9pPr indent="0" lvl="8" marL="0" marR="0" algn="r">
+              <a:lnSpc>
+                <a:spcPct val="100000"/>
+              </a:lnSpc>
+              <a:spcBef>
+                <a:spcPts val="0"/>
+              </a:spcBef>
+              <a:spcAft>
+                <a:spcPts val="0"/>
+              </a:spcAft>
+              <a:buClr>
+                <a:srgbClr val="000000"/>
+              </a:buClr>
+              <a:buSzPts val="1000"/>
+              <a:buFont typeface="Arial"/>
+              <a:buNone/>
+              <a:defRPr b="0" i="0" sz="1000" u="none" cap="none" strike="noStrike">
+                <a:solidFill>
+                  <a:schemeClr val="dk2"/>
+                </a:solidFill>
+                <a:latin typeface="Arial"/>
+                <a:ea typeface="Arial"/>
+                <a:cs typeface="Arial"/>
+                <a:sym typeface="Arial"/>
+              </a:defRPr>
             </a:lvl9pPr>
           </a:lstStyle>
           <a:p>
@@ -6433,110 +6769,8 @@
 </file>
 
 <file path=ppt/slideLayouts/slideLayout11.xml><?xml version="1.0" encoding="utf-8"?>
-<p:sldLayout xmlns:a="http://schemas.openxmlformats.org/drawingml/2006/main" xmlns:r="http://schemas.openxmlformats.org/officeDocument/2006/relationships" xmlns:mc="http://schemas.openxmlformats.org/markup-compatibility/2006" xmlns:mv="urn:schemas-microsoft-com:mac:vml" xmlns:p="http://schemas.openxmlformats.org/presentationml/2006/main" xmlns:c="http://schemas.openxmlformats.org/drawingml/2006/chart" xmlns:dgm="http://schemas.openxmlformats.org/drawingml/2006/diagram" xmlns:o="urn:schemas-microsoft-com:office:office" xmlns:v="urn:schemas-microsoft-com:vml" xmlns:pvml="urn:schemas-microsoft-com:office:powerpoint" xmlns:com="http://schemas.openxmlformats.org/drawingml/2006/compatibility" xmlns:p14="http://schemas.microsoft.com/office/powerpoint/2010/main" xmlns:p15="http://schemas.microsoft.com/office/powerpoint/2012/main" xmlns:ahyp="http://schemas.microsoft.com/office/drawing/2018/hyperlinkcolor" matchingName="Blank" type="blank">
-  <p:cSld name="BLANK">
-    <p:spTree>
-      <p:nvGrpSpPr>
-        <p:cNvPr id="52" name="Shape 52"/>
-        <p:cNvGrpSpPr/>
-        <p:nvPr/>
-      </p:nvGrpSpPr>
-      <p:grpSpPr>
-        <a:xfrm>
-          <a:off x="0" y="0"/>
-          <a:ext cx="0" cy="0"/>
-          <a:chOff x="0" y="0"/>
-          <a:chExt cx="0" cy="0"/>
-        </a:xfrm>
-      </p:grpSpPr>
-      <p:sp>
-        <p:nvSpPr>
-          <p:cNvPr id="53" name="Google Shape;53;p12"/>
-          <p:cNvSpPr txBox="1"/>
-          <p:nvPr>
-            <p:ph idx="12" type="sldNum"/>
-          </p:nvPr>
-        </p:nvSpPr>
-        <p:spPr>
-          <a:xfrm>
-            <a:off x="8472458" y="6217622"/>
-            <a:ext cx="548700" cy="524700"/>
-          </a:xfrm>
-          <a:prstGeom prst="rect">
-            <a:avLst/>
-          </a:prstGeom>
-        </p:spPr>
-        <p:txBody>
-          <a:bodyPr anchorCtr="0" anchor="ctr" bIns="91425" lIns="91425" spcFirstLastPara="1" rIns="91425" wrap="square" tIns="91425">
-            <a:normAutofit/>
-          </a:bodyPr>
-          <a:lstStyle>
-            <a:lvl1pPr lvl="0" rtl="0">
-              <a:buNone/>
-              <a:defRPr/>
-            </a:lvl1pPr>
-            <a:lvl2pPr lvl="1" rtl="0">
-              <a:buNone/>
-              <a:defRPr/>
-            </a:lvl2pPr>
-            <a:lvl3pPr lvl="2" rtl="0">
-              <a:buNone/>
-              <a:defRPr/>
-            </a:lvl3pPr>
-            <a:lvl4pPr lvl="3" rtl="0">
-              <a:buNone/>
-              <a:defRPr/>
-            </a:lvl4pPr>
-            <a:lvl5pPr lvl="4" rtl="0">
-              <a:buNone/>
-              <a:defRPr/>
-            </a:lvl5pPr>
-            <a:lvl6pPr lvl="5" rtl="0">
-              <a:buNone/>
-              <a:defRPr/>
-            </a:lvl6pPr>
-            <a:lvl7pPr lvl="6" rtl="0">
-              <a:buNone/>
-              <a:defRPr/>
-            </a:lvl7pPr>
-            <a:lvl8pPr lvl="7" rtl="0">
-              <a:buNone/>
-              <a:defRPr/>
-            </a:lvl8pPr>
-            <a:lvl9pPr lvl="8" rtl="0">
-              <a:buNone/>
-              <a:defRPr/>
-            </a:lvl9pPr>
-          </a:lstStyle>
-          <a:p>
-            <a:pPr indent="0" lvl="0" marL="0" rtl="0" algn="r">
-              <a:spcBef>
-                <a:spcPts val="0"/>
-              </a:spcBef>
-              <a:spcAft>
-                <a:spcPts val="0"/>
-              </a:spcAft>
-              <a:buNone/>
-            </a:pPr>
-            <a:fld id="{00000000-1234-1234-1234-123412341234}" type="slidenum">
-              <a:rPr lang="en-US"/>
-              <a:t>‹#›</a:t>
-            </a:fld>
-            <a:endParaRPr/>
-          </a:p>
-        </p:txBody>
-      </p:sp>
-    </p:spTree>
-  </p:cSld>
-  <p:clrMapOvr>
-    <a:masterClrMapping/>
-  </p:clrMapOvr>
-</p:sldLayout>
-</file>
-
-<file path=ppt/slideLayouts/slideLayout12.xml><?xml version="1.0" encoding="utf-8"?>
-<p:sldLayout xmlns:a="http://schemas.openxmlformats.org/drawingml/2006/main" xmlns:r="http://schemas.openxmlformats.org/officeDocument/2006/relationships" xmlns:mc="http://schemas.openxmlformats.org/markup-compatibility/2006" xmlns:mv="urn:schemas-microsoft-com:mac:vml" xmlns:p="http://schemas.openxmlformats.org/presentationml/2006/main" xmlns:c="http://schemas.openxmlformats.org/drawingml/2006/chart" xmlns:dgm="http://schemas.openxmlformats.org/drawingml/2006/diagram" xmlns:o="urn:schemas-microsoft-com:office:office" xmlns:v="urn:schemas-microsoft-com:vml" xmlns:pvml="urn:schemas-microsoft-com:office:powerpoint" xmlns:com="http://schemas.openxmlformats.org/drawingml/2006/compatibility" xmlns:p14="http://schemas.microsoft.com/office/powerpoint/2010/main" xmlns:p15="http://schemas.microsoft.com/office/powerpoint/2012/main" xmlns:ahyp="http://schemas.microsoft.com/office/drawing/2018/hyperlinkcolor" matchingName="Título e texto vertical" type="vertTx">
-  <p:cSld name="VERTICAL_TEXT">
+<p:sldLayout xmlns:a="http://schemas.openxmlformats.org/drawingml/2006/main" xmlns:r="http://schemas.openxmlformats.org/officeDocument/2006/relationships" xmlns:mc="http://schemas.openxmlformats.org/markup-compatibility/2006" xmlns:mv="urn:schemas-microsoft-com:mac:vml" xmlns:p="http://schemas.openxmlformats.org/presentationml/2006/main" xmlns:c="http://schemas.openxmlformats.org/drawingml/2006/chart" xmlns:dgm="http://schemas.openxmlformats.org/drawingml/2006/diagram" xmlns:o="urn:schemas-microsoft-com:office:office" xmlns:v="urn:schemas-microsoft-com:vml" xmlns:pvml="urn:schemas-microsoft-com:office:powerpoint" xmlns:com="http://schemas.openxmlformats.org/drawingml/2006/compatibility" xmlns:p14="http://schemas.microsoft.com/office/powerpoint/2010/main" xmlns:p15="http://schemas.microsoft.com/office/powerpoint/2012/main" xmlns:ahyp="http://schemas.microsoft.com/office/drawing/2018/hyperlinkcolor" matchingName="Big number">
+  <p:cSld name="BIG_NUMBER">
     <p:spTree>
       <p:nvGrpSpPr>
         <p:cNvPr id="54" name="Shape 54"/>
@@ -6553,7 +6787,931 @@
       </p:grpSpPr>
       <p:sp>
         <p:nvSpPr>
-          <p:cNvPr id="55" name="Google Shape;55;p13"/>
+          <p:cNvPr id="55" name="Google Shape;55;p12"/>
+          <p:cNvSpPr txBox="1"/>
+          <p:nvPr>
+            <p:ph hasCustomPrompt="1" type="title"/>
+          </p:nvPr>
+        </p:nvSpPr>
+        <p:spPr>
+          <a:xfrm>
+            <a:off x="311700" y="1474833"/>
+            <a:ext cx="8520600" cy="2618100"/>
+          </a:xfrm>
+          <a:prstGeom prst="rect">
+            <a:avLst/>
+          </a:prstGeom>
+          <a:noFill/>
+          <a:ln>
+            <a:noFill/>
+          </a:ln>
+        </p:spPr>
+        <p:txBody>
+          <a:bodyPr anchorCtr="0" anchor="b" bIns="91425" lIns="91425" spcFirstLastPara="1" rIns="91425" wrap="square" tIns="91425">
+            <a:normAutofit/>
+          </a:bodyPr>
+          <a:lstStyle>
+            <a:lvl1pPr lvl="0" algn="ctr">
+              <a:lnSpc>
+                <a:spcPct val="100000"/>
+              </a:lnSpc>
+              <a:spcBef>
+                <a:spcPts val="0"/>
+              </a:spcBef>
+              <a:spcAft>
+                <a:spcPts val="0"/>
+              </a:spcAft>
+              <a:buSzPts val="12000"/>
+              <a:buNone/>
+              <a:defRPr sz="12000"/>
+            </a:lvl1pPr>
+            <a:lvl2pPr lvl="1" algn="ctr">
+              <a:lnSpc>
+                <a:spcPct val="100000"/>
+              </a:lnSpc>
+              <a:spcBef>
+                <a:spcPts val="0"/>
+              </a:spcBef>
+              <a:spcAft>
+                <a:spcPts val="0"/>
+              </a:spcAft>
+              <a:buSzPts val="12000"/>
+              <a:buNone/>
+              <a:defRPr sz="12000"/>
+            </a:lvl2pPr>
+            <a:lvl3pPr lvl="2" algn="ctr">
+              <a:lnSpc>
+                <a:spcPct val="100000"/>
+              </a:lnSpc>
+              <a:spcBef>
+                <a:spcPts val="0"/>
+              </a:spcBef>
+              <a:spcAft>
+                <a:spcPts val="0"/>
+              </a:spcAft>
+              <a:buSzPts val="12000"/>
+              <a:buNone/>
+              <a:defRPr sz="12000"/>
+            </a:lvl3pPr>
+            <a:lvl4pPr lvl="3" algn="ctr">
+              <a:lnSpc>
+                <a:spcPct val="100000"/>
+              </a:lnSpc>
+              <a:spcBef>
+                <a:spcPts val="0"/>
+              </a:spcBef>
+              <a:spcAft>
+                <a:spcPts val="0"/>
+              </a:spcAft>
+              <a:buSzPts val="12000"/>
+              <a:buNone/>
+              <a:defRPr sz="12000"/>
+            </a:lvl4pPr>
+            <a:lvl5pPr lvl="4" algn="ctr">
+              <a:lnSpc>
+                <a:spcPct val="100000"/>
+              </a:lnSpc>
+              <a:spcBef>
+                <a:spcPts val="0"/>
+              </a:spcBef>
+              <a:spcAft>
+                <a:spcPts val="0"/>
+              </a:spcAft>
+              <a:buSzPts val="12000"/>
+              <a:buNone/>
+              <a:defRPr sz="12000"/>
+            </a:lvl5pPr>
+            <a:lvl6pPr lvl="5" algn="ctr">
+              <a:lnSpc>
+                <a:spcPct val="100000"/>
+              </a:lnSpc>
+              <a:spcBef>
+                <a:spcPts val="0"/>
+              </a:spcBef>
+              <a:spcAft>
+                <a:spcPts val="0"/>
+              </a:spcAft>
+              <a:buSzPts val="12000"/>
+              <a:buNone/>
+              <a:defRPr sz="12000"/>
+            </a:lvl6pPr>
+            <a:lvl7pPr lvl="6" algn="ctr">
+              <a:lnSpc>
+                <a:spcPct val="100000"/>
+              </a:lnSpc>
+              <a:spcBef>
+                <a:spcPts val="0"/>
+              </a:spcBef>
+              <a:spcAft>
+                <a:spcPts val="0"/>
+              </a:spcAft>
+              <a:buSzPts val="12000"/>
+              <a:buNone/>
+              <a:defRPr sz="12000"/>
+            </a:lvl7pPr>
+            <a:lvl8pPr lvl="7" algn="ctr">
+              <a:lnSpc>
+                <a:spcPct val="100000"/>
+              </a:lnSpc>
+              <a:spcBef>
+                <a:spcPts val="0"/>
+              </a:spcBef>
+              <a:spcAft>
+                <a:spcPts val="0"/>
+              </a:spcAft>
+              <a:buSzPts val="12000"/>
+              <a:buNone/>
+              <a:defRPr sz="12000"/>
+            </a:lvl8pPr>
+            <a:lvl9pPr lvl="8" algn="ctr">
+              <a:lnSpc>
+                <a:spcPct val="100000"/>
+              </a:lnSpc>
+              <a:spcBef>
+                <a:spcPts val="0"/>
+              </a:spcBef>
+              <a:spcAft>
+                <a:spcPts val="0"/>
+              </a:spcAft>
+              <a:buSzPts val="12000"/>
+              <a:buNone/>
+              <a:defRPr sz="12000"/>
+            </a:lvl9pPr>
+          </a:lstStyle>
+          <a:p>
+            <a:r>
+              <a:t>xx%</a:t>
+            </a:r>
+          </a:p>
+        </p:txBody>
+      </p:sp>
+      <p:sp>
+        <p:nvSpPr>
+          <p:cNvPr id="56" name="Google Shape;56;p12"/>
+          <p:cNvSpPr txBox="1"/>
+          <p:nvPr>
+            <p:ph idx="1" type="body"/>
+          </p:nvPr>
+        </p:nvSpPr>
+        <p:spPr>
+          <a:xfrm>
+            <a:off x="311700" y="4202967"/>
+            <a:ext cx="8520600" cy="1734300"/>
+          </a:xfrm>
+          <a:prstGeom prst="rect">
+            <a:avLst/>
+          </a:prstGeom>
+          <a:noFill/>
+          <a:ln>
+            <a:noFill/>
+          </a:ln>
+        </p:spPr>
+        <p:txBody>
+          <a:bodyPr anchorCtr="0" anchor="t" bIns="91425" lIns="91425" spcFirstLastPara="1" rIns="91425" wrap="square" tIns="91425">
+            <a:normAutofit/>
+          </a:bodyPr>
+          <a:lstStyle>
+            <a:lvl1pPr indent="-342900" lvl="0" marL="457200" algn="ctr">
+              <a:lnSpc>
+                <a:spcPct val="115000"/>
+              </a:lnSpc>
+              <a:spcBef>
+                <a:spcPts val="0"/>
+              </a:spcBef>
+              <a:spcAft>
+                <a:spcPts val="0"/>
+              </a:spcAft>
+              <a:buSzPts val="1800"/>
+              <a:buChar char="●"/>
+              <a:defRPr/>
+            </a:lvl1pPr>
+            <a:lvl2pPr indent="-317500" lvl="1" marL="914400" algn="ctr">
+              <a:lnSpc>
+                <a:spcPct val="115000"/>
+              </a:lnSpc>
+              <a:spcBef>
+                <a:spcPts val="0"/>
+              </a:spcBef>
+              <a:spcAft>
+                <a:spcPts val="0"/>
+              </a:spcAft>
+              <a:buSzPts val="1400"/>
+              <a:buChar char="○"/>
+              <a:defRPr/>
+            </a:lvl2pPr>
+            <a:lvl3pPr indent="-317500" lvl="2" marL="1371600" algn="ctr">
+              <a:lnSpc>
+                <a:spcPct val="115000"/>
+              </a:lnSpc>
+              <a:spcBef>
+                <a:spcPts val="0"/>
+              </a:spcBef>
+              <a:spcAft>
+                <a:spcPts val="0"/>
+              </a:spcAft>
+              <a:buSzPts val="1400"/>
+              <a:buChar char="■"/>
+              <a:defRPr/>
+            </a:lvl3pPr>
+            <a:lvl4pPr indent="-317500" lvl="3" marL="1828800" algn="ctr">
+              <a:lnSpc>
+                <a:spcPct val="115000"/>
+              </a:lnSpc>
+              <a:spcBef>
+                <a:spcPts val="0"/>
+              </a:spcBef>
+              <a:spcAft>
+                <a:spcPts val="0"/>
+              </a:spcAft>
+              <a:buSzPts val="1400"/>
+              <a:buChar char="●"/>
+              <a:defRPr/>
+            </a:lvl4pPr>
+            <a:lvl5pPr indent="-317500" lvl="4" marL="2286000" algn="ctr">
+              <a:lnSpc>
+                <a:spcPct val="115000"/>
+              </a:lnSpc>
+              <a:spcBef>
+                <a:spcPts val="0"/>
+              </a:spcBef>
+              <a:spcAft>
+                <a:spcPts val="0"/>
+              </a:spcAft>
+              <a:buSzPts val="1400"/>
+              <a:buChar char="○"/>
+              <a:defRPr/>
+            </a:lvl5pPr>
+            <a:lvl6pPr indent="-317500" lvl="5" marL="2743200" algn="ctr">
+              <a:lnSpc>
+                <a:spcPct val="115000"/>
+              </a:lnSpc>
+              <a:spcBef>
+                <a:spcPts val="0"/>
+              </a:spcBef>
+              <a:spcAft>
+                <a:spcPts val="0"/>
+              </a:spcAft>
+              <a:buSzPts val="1400"/>
+              <a:buChar char="■"/>
+              <a:defRPr/>
+            </a:lvl6pPr>
+            <a:lvl7pPr indent="-317500" lvl="6" marL="3200400" algn="ctr">
+              <a:lnSpc>
+                <a:spcPct val="115000"/>
+              </a:lnSpc>
+              <a:spcBef>
+                <a:spcPts val="0"/>
+              </a:spcBef>
+              <a:spcAft>
+                <a:spcPts val="0"/>
+              </a:spcAft>
+              <a:buSzPts val="1400"/>
+              <a:buChar char="●"/>
+              <a:defRPr/>
+            </a:lvl7pPr>
+            <a:lvl8pPr indent="-317500" lvl="7" marL="3657600" algn="ctr">
+              <a:lnSpc>
+                <a:spcPct val="115000"/>
+              </a:lnSpc>
+              <a:spcBef>
+                <a:spcPts val="0"/>
+              </a:spcBef>
+              <a:spcAft>
+                <a:spcPts val="0"/>
+              </a:spcAft>
+              <a:buSzPts val="1400"/>
+              <a:buChar char="○"/>
+              <a:defRPr/>
+            </a:lvl8pPr>
+            <a:lvl9pPr indent="-317500" lvl="8" marL="4114800" algn="ctr">
+              <a:lnSpc>
+                <a:spcPct val="115000"/>
+              </a:lnSpc>
+              <a:spcBef>
+                <a:spcPts val="0"/>
+              </a:spcBef>
+              <a:spcAft>
+                <a:spcPts val="0"/>
+              </a:spcAft>
+              <a:buSzPts val="1400"/>
+              <a:buChar char="■"/>
+              <a:defRPr/>
+            </a:lvl9pPr>
+          </a:lstStyle>
+          <a:p/>
+        </p:txBody>
+      </p:sp>
+      <p:sp>
+        <p:nvSpPr>
+          <p:cNvPr id="57" name="Google Shape;57;p12"/>
+          <p:cNvSpPr txBox="1"/>
+          <p:nvPr>
+            <p:ph idx="12" type="sldNum"/>
+          </p:nvPr>
+        </p:nvSpPr>
+        <p:spPr>
+          <a:xfrm>
+            <a:off x="8472458" y="6217622"/>
+            <a:ext cx="548700" cy="524700"/>
+          </a:xfrm>
+          <a:prstGeom prst="rect">
+            <a:avLst/>
+          </a:prstGeom>
+          <a:noFill/>
+          <a:ln>
+            <a:noFill/>
+          </a:ln>
+        </p:spPr>
+        <p:txBody>
+          <a:bodyPr anchorCtr="0" anchor="ctr" bIns="91425" lIns="91425" spcFirstLastPara="1" rIns="91425" wrap="square" tIns="91425">
+            <a:normAutofit/>
+          </a:bodyPr>
+          <a:lstStyle>
+            <a:lvl1pPr indent="0" lvl="0" marL="0" marR="0" algn="r">
+              <a:lnSpc>
+                <a:spcPct val="100000"/>
+              </a:lnSpc>
+              <a:spcBef>
+                <a:spcPts val="0"/>
+              </a:spcBef>
+              <a:spcAft>
+                <a:spcPts val="0"/>
+              </a:spcAft>
+              <a:buClr>
+                <a:srgbClr val="000000"/>
+              </a:buClr>
+              <a:buSzPts val="1000"/>
+              <a:buFont typeface="Arial"/>
+              <a:buNone/>
+              <a:defRPr b="0" i="0" sz="1000" u="none" cap="none" strike="noStrike">
+                <a:solidFill>
+                  <a:schemeClr val="dk2"/>
+                </a:solidFill>
+                <a:latin typeface="Arial"/>
+                <a:ea typeface="Arial"/>
+                <a:cs typeface="Arial"/>
+                <a:sym typeface="Arial"/>
+              </a:defRPr>
+            </a:lvl1pPr>
+            <a:lvl2pPr indent="0" lvl="1" marL="0" marR="0" algn="r">
+              <a:lnSpc>
+                <a:spcPct val="100000"/>
+              </a:lnSpc>
+              <a:spcBef>
+                <a:spcPts val="0"/>
+              </a:spcBef>
+              <a:spcAft>
+                <a:spcPts val="0"/>
+              </a:spcAft>
+              <a:buClr>
+                <a:srgbClr val="000000"/>
+              </a:buClr>
+              <a:buSzPts val="1000"/>
+              <a:buFont typeface="Arial"/>
+              <a:buNone/>
+              <a:defRPr b="0" i="0" sz="1000" u="none" cap="none" strike="noStrike">
+                <a:solidFill>
+                  <a:schemeClr val="dk2"/>
+                </a:solidFill>
+                <a:latin typeface="Arial"/>
+                <a:ea typeface="Arial"/>
+                <a:cs typeface="Arial"/>
+                <a:sym typeface="Arial"/>
+              </a:defRPr>
+            </a:lvl2pPr>
+            <a:lvl3pPr indent="0" lvl="2" marL="0" marR="0" algn="r">
+              <a:lnSpc>
+                <a:spcPct val="100000"/>
+              </a:lnSpc>
+              <a:spcBef>
+                <a:spcPts val="0"/>
+              </a:spcBef>
+              <a:spcAft>
+                <a:spcPts val="0"/>
+              </a:spcAft>
+              <a:buClr>
+                <a:srgbClr val="000000"/>
+              </a:buClr>
+              <a:buSzPts val="1000"/>
+              <a:buFont typeface="Arial"/>
+              <a:buNone/>
+              <a:defRPr b="0" i="0" sz="1000" u="none" cap="none" strike="noStrike">
+                <a:solidFill>
+                  <a:schemeClr val="dk2"/>
+                </a:solidFill>
+                <a:latin typeface="Arial"/>
+                <a:ea typeface="Arial"/>
+                <a:cs typeface="Arial"/>
+                <a:sym typeface="Arial"/>
+              </a:defRPr>
+            </a:lvl3pPr>
+            <a:lvl4pPr indent="0" lvl="3" marL="0" marR="0" algn="r">
+              <a:lnSpc>
+                <a:spcPct val="100000"/>
+              </a:lnSpc>
+              <a:spcBef>
+                <a:spcPts val="0"/>
+              </a:spcBef>
+              <a:spcAft>
+                <a:spcPts val="0"/>
+              </a:spcAft>
+              <a:buClr>
+                <a:srgbClr val="000000"/>
+              </a:buClr>
+              <a:buSzPts val="1000"/>
+              <a:buFont typeface="Arial"/>
+              <a:buNone/>
+              <a:defRPr b="0" i="0" sz="1000" u="none" cap="none" strike="noStrike">
+                <a:solidFill>
+                  <a:schemeClr val="dk2"/>
+                </a:solidFill>
+                <a:latin typeface="Arial"/>
+                <a:ea typeface="Arial"/>
+                <a:cs typeface="Arial"/>
+                <a:sym typeface="Arial"/>
+              </a:defRPr>
+            </a:lvl4pPr>
+            <a:lvl5pPr indent="0" lvl="4" marL="0" marR="0" algn="r">
+              <a:lnSpc>
+                <a:spcPct val="100000"/>
+              </a:lnSpc>
+              <a:spcBef>
+                <a:spcPts val="0"/>
+              </a:spcBef>
+              <a:spcAft>
+                <a:spcPts val="0"/>
+              </a:spcAft>
+              <a:buClr>
+                <a:srgbClr val="000000"/>
+              </a:buClr>
+              <a:buSzPts val="1000"/>
+              <a:buFont typeface="Arial"/>
+              <a:buNone/>
+              <a:defRPr b="0" i="0" sz="1000" u="none" cap="none" strike="noStrike">
+                <a:solidFill>
+                  <a:schemeClr val="dk2"/>
+                </a:solidFill>
+                <a:latin typeface="Arial"/>
+                <a:ea typeface="Arial"/>
+                <a:cs typeface="Arial"/>
+                <a:sym typeface="Arial"/>
+              </a:defRPr>
+            </a:lvl5pPr>
+            <a:lvl6pPr indent="0" lvl="5" marL="0" marR="0" algn="r">
+              <a:lnSpc>
+                <a:spcPct val="100000"/>
+              </a:lnSpc>
+              <a:spcBef>
+                <a:spcPts val="0"/>
+              </a:spcBef>
+              <a:spcAft>
+                <a:spcPts val="0"/>
+              </a:spcAft>
+              <a:buClr>
+                <a:srgbClr val="000000"/>
+              </a:buClr>
+              <a:buSzPts val="1000"/>
+              <a:buFont typeface="Arial"/>
+              <a:buNone/>
+              <a:defRPr b="0" i="0" sz="1000" u="none" cap="none" strike="noStrike">
+                <a:solidFill>
+                  <a:schemeClr val="dk2"/>
+                </a:solidFill>
+                <a:latin typeface="Arial"/>
+                <a:ea typeface="Arial"/>
+                <a:cs typeface="Arial"/>
+                <a:sym typeface="Arial"/>
+              </a:defRPr>
+            </a:lvl6pPr>
+            <a:lvl7pPr indent="0" lvl="6" marL="0" marR="0" algn="r">
+              <a:lnSpc>
+                <a:spcPct val="100000"/>
+              </a:lnSpc>
+              <a:spcBef>
+                <a:spcPts val="0"/>
+              </a:spcBef>
+              <a:spcAft>
+                <a:spcPts val="0"/>
+              </a:spcAft>
+              <a:buClr>
+                <a:srgbClr val="000000"/>
+              </a:buClr>
+              <a:buSzPts val="1000"/>
+              <a:buFont typeface="Arial"/>
+              <a:buNone/>
+              <a:defRPr b="0" i="0" sz="1000" u="none" cap="none" strike="noStrike">
+                <a:solidFill>
+                  <a:schemeClr val="dk2"/>
+                </a:solidFill>
+                <a:latin typeface="Arial"/>
+                <a:ea typeface="Arial"/>
+                <a:cs typeface="Arial"/>
+                <a:sym typeface="Arial"/>
+              </a:defRPr>
+            </a:lvl7pPr>
+            <a:lvl8pPr indent="0" lvl="7" marL="0" marR="0" algn="r">
+              <a:lnSpc>
+                <a:spcPct val="100000"/>
+              </a:lnSpc>
+              <a:spcBef>
+                <a:spcPts val="0"/>
+              </a:spcBef>
+              <a:spcAft>
+                <a:spcPts val="0"/>
+              </a:spcAft>
+              <a:buClr>
+                <a:srgbClr val="000000"/>
+              </a:buClr>
+              <a:buSzPts val="1000"/>
+              <a:buFont typeface="Arial"/>
+              <a:buNone/>
+              <a:defRPr b="0" i="0" sz="1000" u="none" cap="none" strike="noStrike">
+                <a:solidFill>
+                  <a:schemeClr val="dk2"/>
+                </a:solidFill>
+                <a:latin typeface="Arial"/>
+                <a:ea typeface="Arial"/>
+                <a:cs typeface="Arial"/>
+                <a:sym typeface="Arial"/>
+              </a:defRPr>
+            </a:lvl8pPr>
+            <a:lvl9pPr indent="0" lvl="8" marL="0" marR="0" algn="r">
+              <a:lnSpc>
+                <a:spcPct val="100000"/>
+              </a:lnSpc>
+              <a:spcBef>
+                <a:spcPts val="0"/>
+              </a:spcBef>
+              <a:spcAft>
+                <a:spcPts val="0"/>
+              </a:spcAft>
+              <a:buClr>
+                <a:srgbClr val="000000"/>
+              </a:buClr>
+              <a:buSzPts val="1000"/>
+              <a:buFont typeface="Arial"/>
+              <a:buNone/>
+              <a:defRPr b="0" i="0" sz="1000" u="none" cap="none" strike="noStrike">
+                <a:solidFill>
+                  <a:schemeClr val="dk2"/>
+                </a:solidFill>
+                <a:latin typeface="Arial"/>
+                <a:ea typeface="Arial"/>
+                <a:cs typeface="Arial"/>
+                <a:sym typeface="Arial"/>
+              </a:defRPr>
+            </a:lvl9pPr>
+          </a:lstStyle>
+          <a:p>
+            <a:pPr indent="0" lvl="0" marL="0" rtl="0" algn="r">
+              <a:spcBef>
+                <a:spcPts val="0"/>
+              </a:spcBef>
+              <a:spcAft>
+                <a:spcPts val="0"/>
+              </a:spcAft>
+              <a:buNone/>
+            </a:pPr>
+            <a:fld id="{00000000-1234-1234-1234-123412341234}" type="slidenum">
+              <a:rPr lang="en-US"/>
+              <a:t>‹#›</a:t>
+            </a:fld>
+            <a:endParaRPr/>
+          </a:p>
+        </p:txBody>
+      </p:sp>
+    </p:spTree>
+  </p:cSld>
+  <p:clrMapOvr>
+    <a:masterClrMapping/>
+  </p:clrMapOvr>
+</p:sldLayout>
+</file>
+
+<file path=ppt/slideLayouts/slideLayout12.xml><?xml version="1.0" encoding="utf-8"?>
+<p:sldLayout xmlns:a="http://schemas.openxmlformats.org/drawingml/2006/main" xmlns:r="http://schemas.openxmlformats.org/officeDocument/2006/relationships" xmlns:mc="http://schemas.openxmlformats.org/markup-compatibility/2006" xmlns:mv="urn:schemas-microsoft-com:mac:vml" xmlns:p="http://schemas.openxmlformats.org/presentationml/2006/main" xmlns:c="http://schemas.openxmlformats.org/drawingml/2006/chart" xmlns:dgm="http://schemas.openxmlformats.org/drawingml/2006/diagram" xmlns:o="urn:schemas-microsoft-com:office:office" xmlns:v="urn:schemas-microsoft-com:vml" xmlns:pvml="urn:schemas-microsoft-com:office:powerpoint" xmlns:com="http://schemas.openxmlformats.org/drawingml/2006/compatibility" xmlns:p14="http://schemas.microsoft.com/office/powerpoint/2010/main" xmlns:p15="http://schemas.microsoft.com/office/powerpoint/2012/main" xmlns:ahyp="http://schemas.microsoft.com/office/drawing/2018/hyperlinkcolor" matchingName="Blank" type="blank">
+  <p:cSld name="BLANK">
+    <p:spTree>
+      <p:nvGrpSpPr>
+        <p:cNvPr id="58" name="Shape 58"/>
+        <p:cNvGrpSpPr/>
+        <p:nvPr/>
+      </p:nvGrpSpPr>
+      <p:grpSpPr>
+        <a:xfrm>
+          <a:off x="0" y="0"/>
+          <a:ext cx="0" cy="0"/>
+          <a:chOff x="0" y="0"/>
+          <a:chExt cx="0" cy="0"/>
+        </a:xfrm>
+      </p:grpSpPr>
+      <p:sp>
+        <p:nvSpPr>
+          <p:cNvPr id="59" name="Google Shape;59;p13"/>
+          <p:cNvSpPr txBox="1"/>
+          <p:nvPr>
+            <p:ph idx="12" type="sldNum"/>
+          </p:nvPr>
+        </p:nvSpPr>
+        <p:spPr>
+          <a:xfrm>
+            <a:off x="8472458" y="6217622"/>
+            <a:ext cx="548700" cy="524700"/>
+          </a:xfrm>
+          <a:prstGeom prst="rect">
+            <a:avLst/>
+          </a:prstGeom>
+          <a:noFill/>
+          <a:ln>
+            <a:noFill/>
+          </a:ln>
+        </p:spPr>
+        <p:txBody>
+          <a:bodyPr anchorCtr="0" anchor="ctr" bIns="91425" lIns="91425" spcFirstLastPara="1" rIns="91425" wrap="square" tIns="91425">
+            <a:normAutofit/>
+          </a:bodyPr>
+          <a:lstStyle>
+            <a:lvl1pPr indent="0" lvl="0" marL="0" marR="0" algn="r">
+              <a:lnSpc>
+                <a:spcPct val="100000"/>
+              </a:lnSpc>
+              <a:spcBef>
+                <a:spcPts val="0"/>
+              </a:spcBef>
+              <a:spcAft>
+                <a:spcPts val="0"/>
+              </a:spcAft>
+              <a:buClr>
+                <a:srgbClr val="000000"/>
+              </a:buClr>
+              <a:buSzPts val="1000"/>
+              <a:buFont typeface="Arial"/>
+              <a:buNone/>
+              <a:defRPr b="0" i="0" sz="1000" u="none" cap="none" strike="noStrike">
+                <a:solidFill>
+                  <a:schemeClr val="dk2"/>
+                </a:solidFill>
+                <a:latin typeface="Arial"/>
+                <a:ea typeface="Arial"/>
+                <a:cs typeface="Arial"/>
+                <a:sym typeface="Arial"/>
+              </a:defRPr>
+            </a:lvl1pPr>
+            <a:lvl2pPr indent="0" lvl="1" marL="0" marR="0" algn="r">
+              <a:lnSpc>
+                <a:spcPct val="100000"/>
+              </a:lnSpc>
+              <a:spcBef>
+                <a:spcPts val="0"/>
+              </a:spcBef>
+              <a:spcAft>
+                <a:spcPts val="0"/>
+              </a:spcAft>
+              <a:buClr>
+                <a:srgbClr val="000000"/>
+              </a:buClr>
+              <a:buSzPts val="1000"/>
+              <a:buFont typeface="Arial"/>
+              <a:buNone/>
+              <a:defRPr b="0" i="0" sz="1000" u="none" cap="none" strike="noStrike">
+                <a:solidFill>
+                  <a:schemeClr val="dk2"/>
+                </a:solidFill>
+                <a:latin typeface="Arial"/>
+                <a:ea typeface="Arial"/>
+                <a:cs typeface="Arial"/>
+                <a:sym typeface="Arial"/>
+              </a:defRPr>
+            </a:lvl2pPr>
+            <a:lvl3pPr indent="0" lvl="2" marL="0" marR="0" algn="r">
+              <a:lnSpc>
+                <a:spcPct val="100000"/>
+              </a:lnSpc>
+              <a:spcBef>
+                <a:spcPts val="0"/>
+              </a:spcBef>
+              <a:spcAft>
+                <a:spcPts val="0"/>
+              </a:spcAft>
+              <a:buClr>
+                <a:srgbClr val="000000"/>
+              </a:buClr>
+              <a:buSzPts val="1000"/>
+              <a:buFont typeface="Arial"/>
+              <a:buNone/>
+              <a:defRPr b="0" i="0" sz="1000" u="none" cap="none" strike="noStrike">
+                <a:solidFill>
+                  <a:schemeClr val="dk2"/>
+                </a:solidFill>
+                <a:latin typeface="Arial"/>
+                <a:ea typeface="Arial"/>
+                <a:cs typeface="Arial"/>
+                <a:sym typeface="Arial"/>
+              </a:defRPr>
+            </a:lvl3pPr>
+            <a:lvl4pPr indent="0" lvl="3" marL="0" marR="0" algn="r">
+              <a:lnSpc>
+                <a:spcPct val="100000"/>
+              </a:lnSpc>
+              <a:spcBef>
+                <a:spcPts val="0"/>
+              </a:spcBef>
+              <a:spcAft>
+                <a:spcPts val="0"/>
+              </a:spcAft>
+              <a:buClr>
+                <a:srgbClr val="000000"/>
+              </a:buClr>
+              <a:buSzPts val="1000"/>
+              <a:buFont typeface="Arial"/>
+              <a:buNone/>
+              <a:defRPr b="0" i="0" sz="1000" u="none" cap="none" strike="noStrike">
+                <a:solidFill>
+                  <a:schemeClr val="dk2"/>
+                </a:solidFill>
+                <a:latin typeface="Arial"/>
+                <a:ea typeface="Arial"/>
+                <a:cs typeface="Arial"/>
+                <a:sym typeface="Arial"/>
+              </a:defRPr>
+            </a:lvl4pPr>
+            <a:lvl5pPr indent="0" lvl="4" marL="0" marR="0" algn="r">
+              <a:lnSpc>
+                <a:spcPct val="100000"/>
+              </a:lnSpc>
+              <a:spcBef>
+                <a:spcPts val="0"/>
+              </a:spcBef>
+              <a:spcAft>
+                <a:spcPts val="0"/>
+              </a:spcAft>
+              <a:buClr>
+                <a:srgbClr val="000000"/>
+              </a:buClr>
+              <a:buSzPts val="1000"/>
+              <a:buFont typeface="Arial"/>
+              <a:buNone/>
+              <a:defRPr b="0" i="0" sz="1000" u="none" cap="none" strike="noStrike">
+                <a:solidFill>
+                  <a:schemeClr val="dk2"/>
+                </a:solidFill>
+                <a:latin typeface="Arial"/>
+                <a:ea typeface="Arial"/>
+                <a:cs typeface="Arial"/>
+                <a:sym typeface="Arial"/>
+              </a:defRPr>
+            </a:lvl5pPr>
+            <a:lvl6pPr indent="0" lvl="5" marL="0" marR="0" algn="r">
+              <a:lnSpc>
+                <a:spcPct val="100000"/>
+              </a:lnSpc>
+              <a:spcBef>
+                <a:spcPts val="0"/>
+              </a:spcBef>
+              <a:spcAft>
+                <a:spcPts val="0"/>
+              </a:spcAft>
+              <a:buClr>
+                <a:srgbClr val="000000"/>
+              </a:buClr>
+              <a:buSzPts val="1000"/>
+              <a:buFont typeface="Arial"/>
+              <a:buNone/>
+              <a:defRPr b="0" i="0" sz="1000" u="none" cap="none" strike="noStrike">
+                <a:solidFill>
+                  <a:schemeClr val="dk2"/>
+                </a:solidFill>
+                <a:latin typeface="Arial"/>
+                <a:ea typeface="Arial"/>
+                <a:cs typeface="Arial"/>
+                <a:sym typeface="Arial"/>
+              </a:defRPr>
+            </a:lvl6pPr>
+            <a:lvl7pPr indent="0" lvl="6" marL="0" marR="0" algn="r">
+              <a:lnSpc>
+                <a:spcPct val="100000"/>
+              </a:lnSpc>
+              <a:spcBef>
+                <a:spcPts val="0"/>
+              </a:spcBef>
+              <a:spcAft>
+                <a:spcPts val="0"/>
+              </a:spcAft>
+              <a:buClr>
+                <a:srgbClr val="000000"/>
+              </a:buClr>
+              <a:buSzPts val="1000"/>
+              <a:buFont typeface="Arial"/>
+              <a:buNone/>
+              <a:defRPr b="0" i="0" sz="1000" u="none" cap="none" strike="noStrike">
+                <a:solidFill>
+                  <a:schemeClr val="dk2"/>
+                </a:solidFill>
+                <a:latin typeface="Arial"/>
+                <a:ea typeface="Arial"/>
+                <a:cs typeface="Arial"/>
+                <a:sym typeface="Arial"/>
+              </a:defRPr>
+            </a:lvl7pPr>
+            <a:lvl8pPr indent="0" lvl="7" marL="0" marR="0" algn="r">
+              <a:lnSpc>
+                <a:spcPct val="100000"/>
+              </a:lnSpc>
+              <a:spcBef>
+                <a:spcPts val="0"/>
+              </a:spcBef>
+              <a:spcAft>
+                <a:spcPts val="0"/>
+              </a:spcAft>
+              <a:buClr>
+                <a:srgbClr val="000000"/>
+              </a:buClr>
+              <a:buSzPts val="1000"/>
+              <a:buFont typeface="Arial"/>
+              <a:buNone/>
+              <a:defRPr b="0" i="0" sz="1000" u="none" cap="none" strike="noStrike">
+                <a:solidFill>
+                  <a:schemeClr val="dk2"/>
+                </a:solidFill>
+                <a:latin typeface="Arial"/>
+                <a:ea typeface="Arial"/>
+                <a:cs typeface="Arial"/>
+                <a:sym typeface="Arial"/>
+              </a:defRPr>
+            </a:lvl8pPr>
+            <a:lvl9pPr indent="0" lvl="8" marL="0" marR="0" algn="r">
+              <a:lnSpc>
+                <a:spcPct val="100000"/>
+              </a:lnSpc>
+              <a:spcBef>
+                <a:spcPts val="0"/>
+              </a:spcBef>
+              <a:spcAft>
+                <a:spcPts val="0"/>
+              </a:spcAft>
+              <a:buClr>
+                <a:srgbClr val="000000"/>
+              </a:buClr>
+              <a:buSzPts val="1000"/>
+              <a:buFont typeface="Arial"/>
+              <a:buNone/>
+              <a:defRPr b="0" i="0" sz="1000" u="none" cap="none" strike="noStrike">
+                <a:solidFill>
+                  <a:schemeClr val="dk2"/>
+                </a:solidFill>
+                <a:latin typeface="Arial"/>
+                <a:ea typeface="Arial"/>
+                <a:cs typeface="Arial"/>
+                <a:sym typeface="Arial"/>
+              </a:defRPr>
+            </a:lvl9pPr>
+          </a:lstStyle>
+          <a:p>
+            <a:pPr indent="0" lvl="0" marL="0" rtl="0" algn="r">
+              <a:spcBef>
+                <a:spcPts val="0"/>
+              </a:spcBef>
+              <a:spcAft>
+                <a:spcPts val="0"/>
+              </a:spcAft>
+              <a:buNone/>
+            </a:pPr>
+            <a:fld id="{00000000-1234-1234-1234-123412341234}" type="slidenum">
+              <a:rPr lang="en-US"/>
+              <a:t>‹#›</a:t>
+            </a:fld>
+            <a:endParaRPr/>
+          </a:p>
+        </p:txBody>
+      </p:sp>
+    </p:spTree>
+  </p:cSld>
+  <p:clrMapOvr>
+    <a:masterClrMapping/>
+  </p:clrMapOvr>
+</p:sldLayout>
+</file>
+
+<file path=ppt/slideLayouts/slideLayout2.xml><?xml version="1.0" encoding="utf-8"?>
+<p:sldLayout xmlns:a="http://schemas.openxmlformats.org/drawingml/2006/main" xmlns:r="http://schemas.openxmlformats.org/officeDocument/2006/relationships" xmlns:mc="http://schemas.openxmlformats.org/markup-compatibility/2006" xmlns:mv="urn:schemas-microsoft-com:mac:vml" xmlns:p="http://schemas.openxmlformats.org/presentationml/2006/main" xmlns:c="http://schemas.openxmlformats.org/drawingml/2006/chart" xmlns:dgm="http://schemas.openxmlformats.org/drawingml/2006/diagram" xmlns:o="urn:schemas-microsoft-com:office:office" xmlns:v="urn:schemas-microsoft-com:vml" xmlns:pvml="urn:schemas-microsoft-com:office:powerpoint" xmlns:com="http://schemas.openxmlformats.org/drawingml/2006/compatibility" xmlns:p14="http://schemas.microsoft.com/office/powerpoint/2010/main" xmlns:p15="http://schemas.microsoft.com/office/powerpoint/2012/main" xmlns:ahyp="http://schemas.microsoft.com/office/drawing/2018/hyperlinkcolor" matchingName="Título e texto vertical" type="vertTx">
+  <p:cSld name="VERTICAL_TEXT">
+    <p:spTree>
+      <p:nvGrpSpPr>
+        <p:cNvPr id="17" name="Shape 17"/>
+        <p:cNvGrpSpPr/>
+        <p:nvPr/>
+      </p:nvGrpSpPr>
+      <p:grpSpPr>
+        <a:xfrm>
+          <a:off x="0" y="0"/>
+          <a:ext cx="0" cy="0"/>
+          <a:chOff x="0" y="0"/>
+          <a:chExt cx="0" cy="0"/>
+        </a:xfrm>
+      </p:grpSpPr>
+      <p:sp>
+        <p:nvSpPr>
+          <p:cNvPr id="18" name="Google Shape;18;p3"/>
           <p:cNvSpPr txBox="1"/>
           <p:nvPr>
             <p:ph type="title"/>
@@ -6577,7 +7735,7 @@
             <a:normAutofit/>
           </a:bodyPr>
           <a:lstStyle>
-            <a:lvl1pPr lvl="0" marR="0" rtl="0" algn="ctr">
+            <a:lvl1pPr lvl="0" marR="0" algn="ctr">
               <a:lnSpc>
                 <a:spcPct val="100000"/>
               </a:lnSpc>
@@ -6603,7 +7761,10 @@
                 <a:sym typeface="Calibri"/>
               </a:defRPr>
             </a:lvl1pPr>
-            <a:lvl2pPr lvl="1" rtl="0">
+            <a:lvl2pPr lvl="1" algn="l">
+              <a:lnSpc>
+                <a:spcPct val="100000"/>
+              </a:lnSpc>
               <a:spcBef>
                 <a:spcPts val="0"/>
               </a:spcBef>
@@ -6614,7 +7775,10 @@
               <a:buNone/>
               <a:defRPr sz="1800"/>
             </a:lvl2pPr>
-            <a:lvl3pPr lvl="2" rtl="0">
+            <a:lvl3pPr lvl="2" algn="l">
+              <a:lnSpc>
+                <a:spcPct val="100000"/>
+              </a:lnSpc>
               <a:spcBef>
                 <a:spcPts val="0"/>
               </a:spcBef>
@@ -6625,7 +7789,10 @@
               <a:buNone/>
               <a:defRPr sz="1800"/>
             </a:lvl3pPr>
-            <a:lvl4pPr lvl="3" rtl="0">
+            <a:lvl4pPr lvl="3" algn="l">
+              <a:lnSpc>
+                <a:spcPct val="100000"/>
+              </a:lnSpc>
               <a:spcBef>
                 <a:spcPts val="0"/>
               </a:spcBef>
@@ -6636,7 +7803,10 @@
               <a:buNone/>
               <a:defRPr sz="1800"/>
             </a:lvl4pPr>
-            <a:lvl5pPr lvl="4" rtl="0">
+            <a:lvl5pPr lvl="4" algn="l">
+              <a:lnSpc>
+                <a:spcPct val="100000"/>
+              </a:lnSpc>
               <a:spcBef>
                 <a:spcPts val="0"/>
               </a:spcBef>
@@ -6647,7 +7817,10 @@
               <a:buNone/>
               <a:defRPr sz="1800"/>
             </a:lvl5pPr>
-            <a:lvl6pPr lvl="5" rtl="0">
+            <a:lvl6pPr lvl="5" algn="l">
+              <a:lnSpc>
+                <a:spcPct val="100000"/>
+              </a:lnSpc>
               <a:spcBef>
                 <a:spcPts val="0"/>
               </a:spcBef>
@@ -6658,7 +7831,10 @@
               <a:buNone/>
               <a:defRPr sz="1800"/>
             </a:lvl6pPr>
-            <a:lvl7pPr lvl="6" rtl="0">
+            <a:lvl7pPr lvl="6" algn="l">
+              <a:lnSpc>
+                <a:spcPct val="100000"/>
+              </a:lnSpc>
               <a:spcBef>
                 <a:spcPts val="0"/>
               </a:spcBef>
@@ -6669,7 +7845,10 @@
               <a:buNone/>
               <a:defRPr sz="1800"/>
             </a:lvl7pPr>
-            <a:lvl8pPr lvl="7" rtl="0">
+            <a:lvl8pPr lvl="7" algn="l">
+              <a:lnSpc>
+                <a:spcPct val="100000"/>
+              </a:lnSpc>
               <a:spcBef>
                 <a:spcPts val="0"/>
               </a:spcBef>
@@ -6680,7 +7859,10 @@
               <a:buNone/>
               <a:defRPr sz="1800"/>
             </a:lvl8pPr>
-            <a:lvl9pPr lvl="8" rtl="0">
+            <a:lvl9pPr lvl="8" algn="l">
+              <a:lnSpc>
+                <a:spcPct val="100000"/>
+              </a:lnSpc>
               <a:spcBef>
                 <a:spcPts val="0"/>
               </a:spcBef>
@@ -6697,7 +7879,7 @@
       </p:sp>
       <p:sp>
         <p:nvSpPr>
-          <p:cNvPr id="56" name="Google Shape;56;p13"/>
+          <p:cNvPr id="19" name="Google Shape;19;p3"/>
           <p:cNvSpPr txBox="1"/>
           <p:nvPr>
             <p:ph idx="1" type="body"/>
@@ -6721,7 +7903,7 @@
             <a:normAutofit/>
           </a:bodyPr>
           <a:lstStyle>
-            <a:lvl1pPr indent="-431800" lvl="0" marL="457200" marR="0" rtl="0" algn="l">
+            <a:lvl1pPr indent="-431800" lvl="0" marL="457200" marR="0" algn="l">
               <a:lnSpc>
                 <a:spcPct val="100000"/>
               </a:lnSpc>
@@ -6747,7 +7929,7 @@
                 <a:sym typeface="Calibri"/>
               </a:defRPr>
             </a:lvl1pPr>
-            <a:lvl2pPr indent="-406400" lvl="1" marL="914400" marR="0" rtl="0" algn="l">
+            <a:lvl2pPr indent="-406400" lvl="1" marL="914400" marR="0" algn="l">
               <a:lnSpc>
                 <a:spcPct val="100000"/>
               </a:lnSpc>
@@ -6773,7 +7955,7 @@
                 <a:sym typeface="Calibri"/>
               </a:defRPr>
             </a:lvl2pPr>
-            <a:lvl3pPr indent="-381000" lvl="2" marL="1371600" marR="0" rtl="0" algn="l">
+            <a:lvl3pPr indent="-381000" lvl="2" marL="1371600" marR="0" algn="l">
               <a:lnSpc>
                 <a:spcPct val="100000"/>
               </a:lnSpc>
@@ -6799,7 +7981,7 @@
                 <a:sym typeface="Calibri"/>
               </a:defRPr>
             </a:lvl3pPr>
-            <a:lvl4pPr indent="-355600" lvl="3" marL="1828800" marR="0" rtl="0" algn="l">
+            <a:lvl4pPr indent="-355600" lvl="3" marL="1828800" marR="0" algn="l">
               <a:lnSpc>
                 <a:spcPct val="100000"/>
               </a:lnSpc>
@@ -6825,7 +8007,7 @@
                 <a:sym typeface="Calibri"/>
               </a:defRPr>
             </a:lvl4pPr>
-            <a:lvl5pPr indent="-355600" lvl="4" marL="2286000" marR="0" rtl="0" algn="l">
+            <a:lvl5pPr indent="-355600" lvl="4" marL="2286000" marR="0" algn="l">
               <a:lnSpc>
                 <a:spcPct val="100000"/>
               </a:lnSpc>
@@ -6851,7 +8033,7 @@
                 <a:sym typeface="Calibri"/>
               </a:defRPr>
             </a:lvl5pPr>
-            <a:lvl6pPr indent="-355600" lvl="5" marL="2743200" marR="0" rtl="0" algn="l">
+            <a:lvl6pPr indent="-355600" lvl="5" marL="2743200" marR="0" algn="l">
               <a:lnSpc>
                 <a:spcPct val="100000"/>
               </a:lnSpc>
@@ -6877,7 +8059,7 @@
                 <a:sym typeface="Calibri"/>
               </a:defRPr>
             </a:lvl6pPr>
-            <a:lvl7pPr indent="-355600" lvl="6" marL="3200400" marR="0" rtl="0" algn="l">
+            <a:lvl7pPr indent="-355600" lvl="6" marL="3200400" marR="0" algn="l">
               <a:lnSpc>
                 <a:spcPct val="100000"/>
               </a:lnSpc>
@@ -6903,7 +8085,7 @@
                 <a:sym typeface="Calibri"/>
               </a:defRPr>
             </a:lvl7pPr>
-            <a:lvl8pPr indent="-355600" lvl="7" marL="3657600" marR="0" rtl="0" algn="l">
+            <a:lvl8pPr indent="-355600" lvl="7" marL="3657600" marR="0" algn="l">
               <a:lnSpc>
                 <a:spcPct val="100000"/>
               </a:lnSpc>
@@ -6929,7 +8111,7 @@
                 <a:sym typeface="Calibri"/>
               </a:defRPr>
             </a:lvl8pPr>
-            <a:lvl9pPr indent="-355600" lvl="8" marL="4114800" marR="0" rtl="0" algn="l">
+            <a:lvl9pPr indent="-355600" lvl="8" marL="4114800" marR="0" algn="l">
               <a:lnSpc>
                 <a:spcPct val="100000"/>
               </a:lnSpc>
@@ -6961,7 +8143,7 @@
       </p:sp>
       <p:sp>
         <p:nvSpPr>
-          <p:cNvPr id="57" name="Google Shape;57;p13"/>
+          <p:cNvPr id="20" name="Google Shape;20;p3"/>
           <p:cNvSpPr txBox="1"/>
           <p:nvPr>
             <p:ph idx="10" type="dt"/>
@@ -7001,7 +8183,7 @@
               <a:buSzPts val="1200"/>
               <a:buFont typeface="Calibri"/>
               <a:buNone/>
-              <a:defRPr sz="1200">
+              <a:defRPr b="0" i="0" sz="1200" u="none" cap="none" strike="noStrike">
                 <a:solidFill>
                   <a:srgbClr val="888888"/>
                 </a:solidFill>
@@ -7225,7 +8407,7 @@
       </p:sp>
       <p:sp>
         <p:nvSpPr>
-          <p:cNvPr id="58" name="Google Shape;58;p13"/>
+          <p:cNvPr id="21" name="Google Shape;21;p3"/>
           <p:cNvSpPr txBox="1"/>
           <p:nvPr>
             <p:ph idx="11" type="ftr"/>
@@ -7265,7 +8447,7 @@
               <a:buSzPts val="1200"/>
               <a:buFont typeface="Calibri"/>
               <a:buNone/>
-              <a:defRPr sz="1200">
+              <a:defRPr b="0" i="0" sz="1200" u="none" cap="none" strike="noStrike">
                 <a:solidFill>
                   <a:srgbClr val="0C0C0C"/>
                 </a:solidFill>
@@ -7489,7 +8671,7 @@
       </p:sp>
       <p:sp>
         <p:nvSpPr>
-          <p:cNvPr id="59" name="Google Shape;59;p13"/>
+          <p:cNvPr id="22" name="Google Shape;22;p3"/>
           <p:cNvSpPr txBox="1"/>
           <p:nvPr>
             <p:ph idx="12" type="sldNum"/>
@@ -7513,7 +8695,7 @@
             <a:normAutofit/>
           </a:bodyPr>
           <a:lstStyle>
-            <a:lvl1pPr indent="0" lvl="0" marL="0" marR="0" rtl="0" algn="l">
+            <a:lvl1pPr indent="0" lvl="0" marL="0" marR="0" algn="l">
               <a:lnSpc>
                 <a:spcPct val="100000"/>
               </a:lnSpc>
@@ -7539,7 +8721,7 @@
                 <a:sym typeface="Calibri"/>
               </a:defRPr>
             </a:lvl1pPr>
-            <a:lvl2pPr indent="0" lvl="1" marL="0" marR="0" rtl="0" algn="l">
+            <a:lvl2pPr indent="0" lvl="1" marL="0" marR="0" algn="l">
               <a:lnSpc>
                 <a:spcPct val="100000"/>
               </a:lnSpc>
@@ -7565,7 +8747,7 @@
                 <a:sym typeface="Calibri"/>
               </a:defRPr>
             </a:lvl2pPr>
-            <a:lvl3pPr indent="0" lvl="2" marL="0" marR="0" rtl="0" algn="l">
+            <a:lvl3pPr indent="0" lvl="2" marL="0" marR="0" algn="l">
               <a:lnSpc>
                 <a:spcPct val="100000"/>
               </a:lnSpc>
@@ -7591,7 +8773,7 @@
                 <a:sym typeface="Calibri"/>
               </a:defRPr>
             </a:lvl3pPr>
-            <a:lvl4pPr indent="0" lvl="3" marL="0" marR="0" rtl="0" algn="l">
+            <a:lvl4pPr indent="0" lvl="3" marL="0" marR="0" algn="l">
               <a:lnSpc>
                 <a:spcPct val="100000"/>
               </a:lnSpc>
@@ -7617,7 +8799,7 @@
                 <a:sym typeface="Calibri"/>
               </a:defRPr>
             </a:lvl4pPr>
-            <a:lvl5pPr indent="0" lvl="4" marL="0" marR="0" rtl="0" algn="l">
+            <a:lvl5pPr indent="0" lvl="4" marL="0" marR="0" algn="l">
               <a:lnSpc>
                 <a:spcPct val="100000"/>
               </a:lnSpc>
@@ -7643,7 +8825,7 @@
                 <a:sym typeface="Calibri"/>
               </a:defRPr>
             </a:lvl5pPr>
-            <a:lvl6pPr indent="0" lvl="5" marL="0" marR="0" rtl="0" algn="l">
+            <a:lvl6pPr indent="0" lvl="5" marL="0" marR="0" algn="l">
               <a:lnSpc>
                 <a:spcPct val="100000"/>
               </a:lnSpc>
@@ -7669,7 +8851,7 @@
                 <a:sym typeface="Calibri"/>
               </a:defRPr>
             </a:lvl6pPr>
-            <a:lvl7pPr indent="0" lvl="6" marL="0" marR="0" rtl="0" algn="l">
+            <a:lvl7pPr indent="0" lvl="6" marL="0" marR="0" algn="l">
               <a:lnSpc>
                 <a:spcPct val="100000"/>
               </a:lnSpc>
@@ -7695,7 +8877,7 @@
                 <a:sym typeface="Calibri"/>
               </a:defRPr>
             </a:lvl7pPr>
-            <a:lvl8pPr indent="0" lvl="7" marL="0" marR="0" rtl="0" algn="l">
+            <a:lvl8pPr indent="0" lvl="7" marL="0" marR="0" algn="l">
               <a:lnSpc>
                 <a:spcPct val="100000"/>
               </a:lnSpc>
@@ -7721,7 +8903,7 @@
                 <a:sym typeface="Calibri"/>
               </a:defRPr>
             </a:lvl8pPr>
-            <a:lvl9pPr indent="0" lvl="8" marL="0" marR="0" rtl="0" algn="l">
+            <a:lvl9pPr indent="0" lvl="8" marL="0" marR="0" algn="l">
               <a:lnSpc>
                 <a:spcPct val="100000"/>
               </a:lnSpc>
@@ -7782,12 +8964,12 @@
 </p:sldLayout>
 </file>
 
-<file path=ppt/slideLayouts/slideLayout2.xml><?xml version="1.0" encoding="utf-8"?>
+<file path=ppt/slideLayouts/slideLayout3.xml><?xml version="1.0" encoding="utf-8"?>
 <p:sldLayout xmlns:a="http://schemas.openxmlformats.org/drawingml/2006/main" xmlns:r="http://schemas.openxmlformats.org/officeDocument/2006/relationships" xmlns:mc="http://schemas.openxmlformats.org/markup-compatibility/2006" xmlns:mv="urn:schemas-microsoft-com:mac:vml" xmlns:p="http://schemas.openxmlformats.org/presentationml/2006/main" xmlns:c="http://schemas.openxmlformats.org/drawingml/2006/chart" xmlns:dgm="http://schemas.openxmlformats.org/drawingml/2006/diagram" xmlns:o="urn:schemas-microsoft-com:office:office" xmlns:v="urn:schemas-microsoft-com:vml" xmlns:pvml="urn:schemas-microsoft-com:office:powerpoint" xmlns:com="http://schemas.openxmlformats.org/drawingml/2006/compatibility" xmlns:p14="http://schemas.microsoft.com/office/powerpoint/2010/main" xmlns:p15="http://schemas.microsoft.com/office/powerpoint/2012/main" xmlns:ahyp="http://schemas.microsoft.com/office/drawing/2018/hyperlinkcolor" matchingName="Section header" type="secHead">
   <p:cSld name="SECTION_HEADER">
     <p:spTree>
       <p:nvGrpSpPr>
-        <p:cNvPr id="17" name="Shape 17"/>
+        <p:cNvPr id="23" name="Shape 23"/>
         <p:cNvGrpSpPr/>
         <p:nvPr/>
       </p:nvGrpSpPr>
@@ -7801,7 +8983,7 @@
       </p:grpSpPr>
       <p:sp>
         <p:nvSpPr>
-          <p:cNvPr id="18" name="Google Shape;18;p3"/>
+          <p:cNvPr id="24" name="Google Shape;24;p4"/>
           <p:cNvSpPr txBox="1"/>
           <p:nvPr>
             <p:ph type="title"/>
@@ -7815,13 +8997,20 @@
           <a:prstGeom prst="rect">
             <a:avLst/>
           </a:prstGeom>
+          <a:noFill/>
+          <a:ln>
+            <a:noFill/>
+          </a:ln>
         </p:spPr>
         <p:txBody>
           <a:bodyPr anchorCtr="0" anchor="ctr" bIns="91425" lIns="91425" spcFirstLastPara="1" rIns="91425" wrap="square" tIns="91425">
             <a:normAutofit/>
           </a:bodyPr>
           <a:lstStyle>
-            <a:lvl1pPr lvl="0" rtl="0" algn="ctr">
+            <a:lvl1pPr lvl="0" algn="ctr">
+              <a:lnSpc>
+                <a:spcPct val="100000"/>
+              </a:lnSpc>
               <a:spcBef>
                 <a:spcPts val="0"/>
               </a:spcBef>
@@ -7832,7 +9021,10 @@
               <a:buNone/>
               <a:defRPr sz="3600"/>
             </a:lvl1pPr>
-            <a:lvl2pPr lvl="1" rtl="0" algn="ctr">
+            <a:lvl2pPr lvl="1" algn="ctr">
+              <a:lnSpc>
+                <a:spcPct val="100000"/>
+              </a:lnSpc>
               <a:spcBef>
                 <a:spcPts val="0"/>
               </a:spcBef>
@@ -7843,7 +9035,10 @@
               <a:buNone/>
               <a:defRPr sz="3600"/>
             </a:lvl2pPr>
-            <a:lvl3pPr lvl="2" rtl="0" algn="ctr">
+            <a:lvl3pPr lvl="2" algn="ctr">
+              <a:lnSpc>
+                <a:spcPct val="100000"/>
+              </a:lnSpc>
               <a:spcBef>
                 <a:spcPts val="0"/>
               </a:spcBef>
@@ -7854,7 +9049,10 @@
               <a:buNone/>
               <a:defRPr sz="3600"/>
             </a:lvl3pPr>
-            <a:lvl4pPr lvl="3" rtl="0" algn="ctr">
+            <a:lvl4pPr lvl="3" algn="ctr">
+              <a:lnSpc>
+                <a:spcPct val="100000"/>
+              </a:lnSpc>
               <a:spcBef>
                 <a:spcPts val="0"/>
               </a:spcBef>
@@ -7865,7 +9063,10 @@
               <a:buNone/>
               <a:defRPr sz="3600"/>
             </a:lvl4pPr>
-            <a:lvl5pPr lvl="4" rtl="0" algn="ctr">
+            <a:lvl5pPr lvl="4" algn="ctr">
+              <a:lnSpc>
+                <a:spcPct val="100000"/>
+              </a:lnSpc>
               <a:spcBef>
                 <a:spcPts val="0"/>
               </a:spcBef>
@@ -7876,7 +9077,10 @@
               <a:buNone/>
               <a:defRPr sz="3600"/>
             </a:lvl5pPr>
-            <a:lvl6pPr lvl="5" rtl="0" algn="ctr">
+            <a:lvl6pPr lvl="5" algn="ctr">
+              <a:lnSpc>
+                <a:spcPct val="100000"/>
+              </a:lnSpc>
               <a:spcBef>
                 <a:spcPts val="0"/>
               </a:spcBef>
@@ -7887,7 +9091,10 @@
               <a:buNone/>
               <a:defRPr sz="3600"/>
             </a:lvl6pPr>
-            <a:lvl7pPr lvl="6" rtl="0" algn="ctr">
+            <a:lvl7pPr lvl="6" algn="ctr">
+              <a:lnSpc>
+                <a:spcPct val="100000"/>
+              </a:lnSpc>
               <a:spcBef>
                 <a:spcPts val="0"/>
               </a:spcBef>
@@ -7898,7 +9105,10 @@
               <a:buNone/>
               <a:defRPr sz="3600"/>
             </a:lvl7pPr>
-            <a:lvl8pPr lvl="7" rtl="0" algn="ctr">
+            <a:lvl8pPr lvl="7" algn="ctr">
+              <a:lnSpc>
+                <a:spcPct val="100000"/>
+              </a:lnSpc>
               <a:spcBef>
                 <a:spcPts val="0"/>
               </a:spcBef>
@@ -7909,7 +9119,10 @@
               <a:buNone/>
               <a:defRPr sz="3600"/>
             </a:lvl8pPr>
-            <a:lvl9pPr lvl="8" rtl="0" algn="ctr">
+            <a:lvl9pPr lvl="8" algn="ctr">
+              <a:lnSpc>
+                <a:spcPct val="100000"/>
+              </a:lnSpc>
               <a:spcBef>
                 <a:spcPts val="0"/>
               </a:spcBef>
@@ -7926,7 +9139,7 @@
       </p:sp>
       <p:sp>
         <p:nvSpPr>
-          <p:cNvPr id="19" name="Google Shape;19;p3"/>
+          <p:cNvPr id="25" name="Google Shape;25;p4"/>
           <p:cNvSpPr txBox="1"/>
           <p:nvPr>
             <p:ph idx="12" type="sldNum"/>
@@ -7940,47 +9153,249 @@
           <a:prstGeom prst="rect">
             <a:avLst/>
           </a:prstGeom>
+          <a:noFill/>
+          <a:ln>
+            <a:noFill/>
+          </a:ln>
         </p:spPr>
         <p:txBody>
           <a:bodyPr anchorCtr="0" anchor="ctr" bIns="91425" lIns="91425" spcFirstLastPara="1" rIns="91425" wrap="square" tIns="91425">
             <a:normAutofit/>
           </a:bodyPr>
           <a:lstStyle>
-            <a:lvl1pPr lvl="0" rtl="0">
-              <a:buNone/>
-              <a:defRPr/>
+            <a:lvl1pPr indent="0" lvl="0" marL="0" marR="0" algn="r">
+              <a:lnSpc>
+                <a:spcPct val="100000"/>
+              </a:lnSpc>
+              <a:spcBef>
+                <a:spcPts val="0"/>
+              </a:spcBef>
+              <a:spcAft>
+                <a:spcPts val="0"/>
+              </a:spcAft>
+              <a:buClr>
+                <a:srgbClr val="000000"/>
+              </a:buClr>
+              <a:buSzPts val="1000"/>
+              <a:buFont typeface="Arial"/>
+              <a:buNone/>
+              <a:defRPr b="0" i="0" sz="1000" u="none" cap="none" strike="noStrike">
+                <a:solidFill>
+                  <a:schemeClr val="dk2"/>
+                </a:solidFill>
+                <a:latin typeface="Arial"/>
+                <a:ea typeface="Arial"/>
+                <a:cs typeface="Arial"/>
+                <a:sym typeface="Arial"/>
+              </a:defRPr>
             </a:lvl1pPr>
-            <a:lvl2pPr lvl="1" rtl="0">
-              <a:buNone/>
-              <a:defRPr/>
+            <a:lvl2pPr indent="0" lvl="1" marL="0" marR="0" algn="r">
+              <a:lnSpc>
+                <a:spcPct val="100000"/>
+              </a:lnSpc>
+              <a:spcBef>
+                <a:spcPts val="0"/>
+              </a:spcBef>
+              <a:spcAft>
+                <a:spcPts val="0"/>
+              </a:spcAft>
+              <a:buClr>
+                <a:srgbClr val="000000"/>
+              </a:buClr>
+              <a:buSzPts val="1000"/>
+              <a:buFont typeface="Arial"/>
+              <a:buNone/>
+              <a:defRPr b="0" i="0" sz="1000" u="none" cap="none" strike="noStrike">
+                <a:solidFill>
+                  <a:schemeClr val="dk2"/>
+                </a:solidFill>
+                <a:latin typeface="Arial"/>
+                <a:ea typeface="Arial"/>
+                <a:cs typeface="Arial"/>
+                <a:sym typeface="Arial"/>
+              </a:defRPr>
             </a:lvl2pPr>
-            <a:lvl3pPr lvl="2" rtl="0">
-              <a:buNone/>
-              <a:defRPr/>
+            <a:lvl3pPr indent="0" lvl="2" marL="0" marR="0" algn="r">
+              <a:lnSpc>
+                <a:spcPct val="100000"/>
+              </a:lnSpc>
+              <a:spcBef>
+                <a:spcPts val="0"/>
+              </a:spcBef>
+              <a:spcAft>
+                <a:spcPts val="0"/>
+              </a:spcAft>
+              <a:buClr>
+                <a:srgbClr val="000000"/>
+              </a:buClr>
+              <a:buSzPts val="1000"/>
+              <a:buFont typeface="Arial"/>
+              <a:buNone/>
+              <a:defRPr b="0" i="0" sz="1000" u="none" cap="none" strike="noStrike">
+                <a:solidFill>
+                  <a:schemeClr val="dk2"/>
+                </a:solidFill>
+                <a:latin typeface="Arial"/>
+                <a:ea typeface="Arial"/>
+                <a:cs typeface="Arial"/>
+                <a:sym typeface="Arial"/>
+              </a:defRPr>
             </a:lvl3pPr>
-            <a:lvl4pPr lvl="3" rtl="0">
-              <a:buNone/>
-              <a:defRPr/>
+            <a:lvl4pPr indent="0" lvl="3" marL="0" marR="0" algn="r">
+              <a:lnSpc>
+                <a:spcPct val="100000"/>
+              </a:lnSpc>
+              <a:spcBef>
+                <a:spcPts val="0"/>
+              </a:spcBef>
+              <a:spcAft>
+                <a:spcPts val="0"/>
+              </a:spcAft>
+              <a:buClr>
+                <a:srgbClr val="000000"/>
+              </a:buClr>
+              <a:buSzPts val="1000"/>
+              <a:buFont typeface="Arial"/>
+              <a:buNone/>
+              <a:defRPr b="0" i="0" sz="1000" u="none" cap="none" strike="noStrike">
+                <a:solidFill>
+                  <a:schemeClr val="dk2"/>
+                </a:solidFill>
+                <a:latin typeface="Arial"/>
+                <a:ea typeface="Arial"/>
+                <a:cs typeface="Arial"/>
+                <a:sym typeface="Arial"/>
+              </a:defRPr>
             </a:lvl4pPr>
-            <a:lvl5pPr lvl="4" rtl="0">
-              <a:buNone/>
-              <a:defRPr/>
+            <a:lvl5pPr indent="0" lvl="4" marL="0" marR="0" algn="r">
+              <a:lnSpc>
+                <a:spcPct val="100000"/>
+              </a:lnSpc>
+              <a:spcBef>
+                <a:spcPts val="0"/>
+              </a:spcBef>
+              <a:spcAft>
+                <a:spcPts val="0"/>
+              </a:spcAft>
+              <a:buClr>
+                <a:srgbClr val="000000"/>
+              </a:buClr>
+              <a:buSzPts val="1000"/>
+              <a:buFont typeface="Arial"/>
+              <a:buNone/>
+              <a:defRPr b="0" i="0" sz="1000" u="none" cap="none" strike="noStrike">
+                <a:solidFill>
+                  <a:schemeClr val="dk2"/>
+                </a:solidFill>
+                <a:latin typeface="Arial"/>
+                <a:ea typeface="Arial"/>
+                <a:cs typeface="Arial"/>
+                <a:sym typeface="Arial"/>
+              </a:defRPr>
             </a:lvl5pPr>
-            <a:lvl6pPr lvl="5" rtl="0">
-              <a:buNone/>
-              <a:defRPr/>
+            <a:lvl6pPr indent="0" lvl="5" marL="0" marR="0" algn="r">
+              <a:lnSpc>
+                <a:spcPct val="100000"/>
+              </a:lnSpc>
+              <a:spcBef>
+                <a:spcPts val="0"/>
+              </a:spcBef>
+              <a:spcAft>
+                <a:spcPts val="0"/>
+              </a:spcAft>
+              <a:buClr>
+                <a:srgbClr val="000000"/>
+              </a:buClr>
+              <a:buSzPts val="1000"/>
+              <a:buFont typeface="Arial"/>
+              <a:buNone/>
+              <a:defRPr b="0" i="0" sz="1000" u="none" cap="none" strike="noStrike">
+                <a:solidFill>
+                  <a:schemeClr val="dk2"/>
+                </a:solidFill>
+                <a:latin typeface="Arial"/>
+                <a:ea typeface="Arial"/>
+                <a:cs typeface="Arial"/>
+                <a:sym typeface="Arial"/>
+              </a:defRPr>
             </a:lvl6pPr>
-            <a:lvl7pPr lvl="6" rtl="0">
-              <a:buNone/>
-              <a:defRPr/>
+            <a:lvl7pPr indent="0" lvl="6" marL="0" marR="0" algn="r">
+              <a:lnSpc>
+                <a:spcPct val="100000"/>
+              </a:lnSpc>
+              <a:spcBef>
+                <a:spcPts val="0"/>
+              </a:spcBef>
+              <a:spcAft>
+                <a:spcPts val="0"/>
+              </a:spcAft>
+              <a:buClr>
+                <a:srgbClr val="000000"/>
+              </a:buClr>
+              <a:buSzPts val="1000"/>
+              <a:buFont typeface="Arial"/>
+              <a:buNone/>
+              <a:defRPr b="0" i="0" sz="1000" u="none" cap="none" strike="noStrike">
+                <a:solidFill>
+                  <a:schemeClr val="dk2"/>
+                </a:solidFill>
+                <a:latin typeface="Arial"/>
+                <a:ea typeface="Arial"/>
+                <a:cs typeface="Arial"/>
+                <a:sym typeface="Arial"/>
+              </a:defRPr>
             </a:lvl7pPr>
-            <a:lvl8pPr lvl="7" rtl="0">
-              <a:buNone/>
-              <a:defRPr/>
+            <a:lvl8pPr indent="0" lvl="7" marL="0" marR="0" algn="r">
+              <a:lnSpc>
+                <a:spcPct val="100000"/>
+              </a:lnSpc>
+              <a:spcBef>
+                <a:spcPts val="0"/>
+              </a:spcBef>
+              <a:spcAft>
+                <a:spcPts val="0"/>
+              </a:spcAft>
+              <a:buClr>
+                <a:srgbClr val="000000"/>
+              </a:buClr>
+              <a:buSzPts val="1000"/>
+              <a:buFont typeface="Arial"/>
+              <a:buNone/>
+              <a:defRPr b="0" i="0" sz="1000" u="none" cap="none" strike="noStrike">
+                <a:solidFill>
+                  <a:schemeClr val="dk2"/>
+                </a:solidFill>
+                <a:latin typeface="Arial"/>
+                <a:ea typeface="Arial"/>
+                <a:cs typeface="Arial"/>
+                <a:sym typeface="Arial"/>
+              </a:defRPr>
             </a:lvl8pPr>
-            <a:lvl9pPr lvl="8" rtl="0">
-              <a:buNone/>
-              <a:defRPr/>
+            <a:lvl9pPr indent="0" lvl="8" marL="0" marR="0" algn="r">
+              <a:lnSpc>
+                <a:spcPct val="100000"/>
+              </a:lnSpc>
+              <a:spcBef>
+                <a:spcPts val="0"/>
+              </a:spcBef>
+              <a:spcAft>
+                <a:spcPts val="0"/>
+              </a:spcAft>
+              <a:buClr>
+                <a:srgbClr val="000000"/>
+              </a:buClr>
+              <a:buSzPts val="1000"/>
+              <a:buFont typeface="Arial"/>
+              <a:buNone/>
+              <a:defRPr b="0" i="0" sz="1000" u="none" cap="none" strike="noStrike">
+                <a:solidFill>
+                  <a:schemeClr val="dk2"/>
+                </a:solidFill>
+                <a:latin typeface="Arial"/>
+                <a:ea typeface="Arial"/>
+                <a:cs typeface="Arial"/>
+                <a:sym typeface="Arial"/>
+              </a:defRPr>
             </a:lvl9pPr>
           </a:lstStyle>
           <a:p>
@@ -8009,12 +9424,12 @@
 </p:sldLayout>
 </file>
 
-<file path=ppt/slideLayouts/slideLayout3.xml><?xml version="1.0" encoding="utf-8"?>
+<file path=ppt/slideLayouts/slideLayout4.xml><?xml version="1.0" encoding="utf-8"?>
 <p:sldLayout xmlns:a="http://schemas.openxmlformats.org/drawingml/2006/main" xmlns:r="http://schemas.openxmlformats.org/officeDocument/2006/relationships" xmlns:mc="http://schemas.openxmlformats.org/markup-compatibility/2006" xmlns:mv="urn:schemas-microsoft-com:mac:vml" xmlns:p="http://schemas.openxmlformats.org/presentationml/2006/main" xmlns:c="http://schemas.openxmlformats.org/drawingml/2006/chart" xmlns:dgm="http://schemas.openxmlformats.org/drawingml/2006/diagram" xmlns:o="urn:schemas-microsoft-com:office:office" xmlns:v="urn:schemas-microsoft-com:vml" xmlns:pvml="urn:schemas-microsoft-com:office:powerpoint" xmlns:com="http://schemas.openxmlformats.org/drawingml/2006/compatibility" xmlns:p14="http://schemas.microsoft.com/office/powerpoint/2010/main" xmlns:p15="http://schemas.microsoft.com/office/powerpoint/2012/main" xmlns:ahyp="http://schemas.microsoft.com/office/drawing/2018/hyperlinkcolor" matchingName="Title and body" type="tx">
   <p:cSld name="TITLE_AND_BODY">
     <p:spTree>
       <p:nvGrpSpPr>
-        <p:cNvPr id="20" name="Shape 20"/>
+        <p:cNvPr id="26" name="Shape 26"/>
         <p:cNvGrpSpPr/>
         <p:nvPr/>
       </p:nvGrpSpPr>
@@ -8028,7 +9443,7 @@
       </p:grpSpPr>
       <p:sp>
         <p:nvSpPr>
-          <p:cNvPr id="21" name="Google Shape;21;p4"/>
+          <p:cNvPr id="27" name="Google Shape;27;p5"/>
           <p:cNvSpPr txBox="1"/>
           <p:nvPr>
             <p:ph type="title"/>
@@ -8042,13 +9457,20 @@
           <a:prstGeom prst="rect">
             <a:avLst/>
           </a:prstGeom>
+          <a:noFill/>
+          <a:ln>
+            <a:noFill/>
+          </a:ln>
         </p:spPr>
         <p:txBody>
           <a:bodyPr anchorCtr="0" anchor="t" bIns="91425" lIns="91425" spcFirstLastPara="1" rIns="91425" wrap="square" tIns="91425">
             <a:normAutofit/>
           </a:bodyPr>
           <a:lstStyle>
-            <a:lvl1pPr lvl="0" rtl="0">
+            <a:lvl1pPr lvl="0" algn="l">
+              <a:lnSpc>
+                <a:spcPct val="100000"/>
+              </a:lnSpc>
               <a:spcBef>
                 <a:spcPts val="0"/>
               </a:spcBef>
@@ -8059,7 +9481,10 @@
               <a:buNone/>
               <a:defRPr/>
             </a:lvl1pPr>
-            <a:lvl2pPr lvl="1" rtl="0">
+            <a:lvl2pPr lvl="1" algn="l">
+              <a:lnSpc>
+                <a:spcPct val="100000"/>
+              </a:lnSpc>
               <a:spcBef>
                 <a:spcPts val="0"/>
               </a:spcBef>
@@ -8070,7 +9495,10 @@
               <a:buNone/>
               <a:defRPr/>
             </a:lvl2pPr>
-            <a:lvl3pPr lvl="2" rtl="0">
+            <a:lvl3pPr lvl="2" algn="l">
+              <a:lnSpc>
+                <a:spcPct val="100000"/>
+              </a:lnSpc>
               <a:spcBef>
                 <a:spcPts val="0"/>
               </a:spcBef>
@@ -8081,7 +9509,10 @@
               <a:buNone/>
               <a:defRPr/>
             </a:lvl3pPr>
-            <a:lvl4pPr lvl="3" rtl="0">
+            <a:lvl4pPr lvl="3" algn="l">
+              <a:lnSpc>
+                <a:spcPct val="100000"/>
+              </a:lnSpc>
               <a:spcBef>
                 <a:spcPts val="0"/>
               </a:spcBef>
@@ -8092,7 +9523,10 @@
               <a:buNone/>
               <a:defRPr/>
             </a:lvl4pPr>
-            <a:lvl5pPr lvl="4" rtl="0">
+            <a:lvl5pPr lvl="4" algn="l">
+              <a:lnSpc>
+                <a:spcPct val="100000"/>
+              </a:lnSpc>
               <a:spcBef>
                 <a:spcPts val="0"/>
               </a:spcBef>
@@ -8103,7 +9537,10 @@
               <a:buNone/>
               <a:defRPr/>
             </a:lvl5pPr>
-            <a:lvl6pPr lvl="5" rtl="0">
+            <a:lvl6pPr lvl="5" algn="l">
+              <a:lnSpc>
+                <a:spcPct val="100000"/>
+              </a:lnSpc>
               <a:spcBef>
                 <a:spcPts val="0"/>
               </a:spcBef>
@@ -8114,7 +9551,10 @@
               <a:buNone/>
               <a:defRPr/>
             </a:lvl6pPr>
-            <a:lvl7pPr lvl="6" rtl="0">
+            <a:lvl7pPr lvl="6" algn="l">
+              <a:lnSpc>
+                <a:spcPct val="100000"/>
+              </a:lnSpc>
               <a:spcBef>
                 <a:spcPts val="0"/>
               </a:spcBef>
@@ -8125,7 +9565,10 @@
               <a:buNone/>
               <a:defRPr/>
             </a:lvl7pPr>
-            <a:lvl8pPr lvl="7" rtl="0">
+            <a:lvl8pPr lvl="7" algn="l">
+              <a:lnSpc>
+                <a:spcPct val="100000"/>
+              </a:lnSpc>
               <a:spcBef>
                 <a:spcPts val="0"/>
               </a:spcBef>
@@ -8136,7 +9579,10 @@
               <a:buNone/>
               <a:defRPr/>
             </a:lvl8pPr>
-            <a:lvl9pPr lvl="8" rtl="0">
+            <a:lvl9pPr lvl="8" algn="l">
+              <a:lnSpc>
+                <a:spcPct val="100000"/>
+              </a:lnSpc>
               <a:spcBef>
                 <a:spcPts val="0"/>
               </a:spcBef>
@@ -8153,7 +9599,7 @@
       </p:sp>
       <p:sp>
         <p:nvSpPr>
-          <p:cNvPr id="22" name="Google Shape;22;p4"/>
+          <p:cNvPr id="28" name="Google Shape;28;p5"/>
           <p:cNvSpPr txBox="1"/>
           <p:nvPr>
             <p:ph idx="1" type="body"/>
@@ -8167,13 +9613,20 @@
           <a:prstGeom prst="rect">
             <a:avLst/>
           </a:prstGeom>
+          <a:noFill/>
+          <a:ln>
+            <a:noFill/>
+          </a:ln>
         </p:spPr>
         <p:txBody>
           <a:bodyPr anchorCtr="0" anchor="t" bIns="91425" lIns="91425" spcFirstLastPara="1" rIns="91425" wrap="square" tIns="91425">
             <a:normAutofit/>
           </a:bodyPr>
           <a:lstStyle>
-            <a:lvl1pPr indent="-342900" lvl="0" marL="457200" rtl="0">
+            <a:lvl1pPr indent="-342900" lvl="0" marL="457200" algn="l">
+              <a:lnSpc>
+                <a:spcPct val="115000"/>
+              </a:lnSpc>
               <a:spcBef>
                 <a:spcPts val="0"/>
               </a:spcBef>
@@ -8184,7 +9637,10 @@
               <a:buChar char="●"/>
               <a:defRPr/>
             </a:lvl1pPr>
-            <a:lvl2pPr indent="-317500" lvl="1" marL="914400" rtl="0">
+            <a:lvl2pPr indent="-317500" lvl="1" marL="914400" algn="l">
+              <a:lnSpc>
+                <a:spcPct val="115000"/>
+              </a:lnSpc>
               <a:spcBef>
                 <a:spcPts val="0"/>
               </a:spcBef>
@@ -8195,7 +9651,10 @@
               <a:buChar char="○"/>
               <a:defRPr/>
             </a:lvl2pPr>
-            <a:lvl3pPr indent="-317500" lvl="2" marL="1371600" rtl="0">
+            <a:lvl3pPr indent="-317500" lvl="2" marL="1371600" algn="l">
+              <a:lnSpc>
+                <a:spcPct val="115000"/>
+              </a:lnSpc>
               <a:spcBef>
                 <a:spcPts val="0"/>
               </a:spcBef>
@@ -8206,7 +9665,10 @@
               <a:buChar char="■"/>
               <a:defRPr/>
             </a:lvl3pPr>
-            <a:lvl4pPr indent="-317500" lvl="3" marL="1828800" rtl="0">
+            <a:lvl4pPr indent="-317500" lvl="3" marL="1828800" algn="l">
+              <a:lnSpc>
+                <a:spcPct val="115000"/>
+              </a:lnSpc>
               <a:spcBef>
                 <a:spcPts val="0"/>
               </a:spcBef>
@@ -8217,7 +9679,10 @@
               <a:buChar char="●"/>
               <a:defRPr/>
             </a:lvl4pPr>
-            <a:lvl5pPr indent="-317500" lvl="4" marL="2286000" rtl="0">
+            <a:lvl5pPr indent="-317500" lvl="4" marL="2286000" algn="l">
+              <a:lnSpc>
+                <a:spcPct val="115000"/>
+              </a:lnSpc>
               <a:spcBef>
                 <a:spcPts val="0"/>
               </a:spcBef>
@@ -8228,7 +9693,10 @@
               <a:buChar char="○"/>
               <a:defRPr/>
             </a:lvl5pPr>
-            <a:lvl6pPr indent="-317500" lvl="5" marL="2743200" rtl="0">
+            <a:lvl6pPr indent="-317500" lvl="5" marL="2743200" algn="l">
+              <a:lnSpc>
+                <a:spcPct val="115000"/>
+              </a:lnSpc>
               <a:spcBef>
                 <a:spcPts val="0"/>
               </a:spcBef>
@@ -8239,7 +9707,10 @@
               <a:buChar char="■"/>
               <a:defRPr/>
             </a:lvl6pPr>
-            <a:lvl7pPr indent="-317500" lvl="6" marL="3200400" rtl="0">
+            <a:lvl7pPr indent="-317500" lvl="6" marL="3200400" algn="l">
+              <a:lnSpc>
+                <a:spcPct val="115000"/>
+              </a:lnSpc>
               <a:spcBef>
                 <a:spcPts val="0"/>
               </a:spcBef>
@@ -8250,7 +9721,10 @@
               <a:buChar char="●"/>
               <a:defRPr/>
             </a:lvl7pPr>
-            <a:lvl8pPr indent="-317500" lvl="7" marL="3657600" rtl="0">
+            <a:lvl8pPr indent="-317500" lvl="7" marL="3657600" algn="l">
+              <a:lnSpc>
+                <a:spcPct val="115000"/>
+              </a:lnSpc>
               <a:spcBef>
                 <a:spcPts val="0"/>
               </a:spcBef>
@@ -8261,7 +9735,10 @@
               <a:buChar char="○"/>
               <a:defRPr/>
             </a:lvl8pPr>
-            <a:lvl9pPr indent="-317500" lvl="8" marL="4114800" rtl="0">
+            <a:lvl9pPr indent="-317500" lvl="8" marL="4114800" algn="l">
+              <a:lnSpc>
+                <a:spcPct val="115000"/>
+              </a:lnSpc>
               <a:spcBef>
                 <a:spcPts val="0"/>
               </a:spcBef>
@@ -8278,7 +9755,7 @@
       </p:sp>
       <p:sp>
         <p:nvSpPr>
-          <p:cNvPr id="23" name="Google Shape;23;p4"/>
+          <p:cNvPr id="29" name="Google Shape;29;p5"/>
           <p:cNvSpPr txBox="1"/>
           <p:nvPr>
             <p:ph idx="12" type="sldNum"/>
@@ -8292,47 +9769,249 @@
           <a:prstGeom prst="rect">
             <a:avLst/>
           </a:prstGeom>
+          <a:noFill/>
+          <a:ln>
+            <a:noFill/>
+          </a:ln>
         </p:spPr>
         <p:txBody>
           <a:bodyPr anchorCtr="0" anchor="ctr" bIns="91425" lIns="91425" spcFirstLastPara="1" rIns="91425" wrap="square" tIns="91425">
             <a:normAutofit/>
           </a:bodyPr>
           <a:lstStyle>
-            <a:lvl1pPr lvl="0" rtl="0">
-              <a:buNone/>
-              <a:defRPr/>
+            <a:lvl1pPr indent="0" lvl="0" marL="0" marR="0" algn="r">
+              <a:lnSpc>
+                <a:spcPct val="100000"/>
+              </a:lnSpc>
+              <a:spcBef>
+                <a:spcPts val="0"/>
+              </a:spcBef>
+              <a:spcAft>
+                <a:spcPts val="0"/>
+              </a:spcAft>
+              <a:buClr>
+                <a:srgbClr val="000000"/>
+              </a:buClr>
+              <a:buSzPts val="1000"/>
+              <a:buFont typeface="Arial"/>
+              <a:buNone/>
+              <a:defRPr b="0" i="0" sz="1000" u="none" cap="none" strike="noStrike">
+                <a:solidFill>
+                  <a:schemeClr val="dk2"/>
+                </a:solidFill>
+                <a:latin typeface="Arial"/>
+                <a:ea typeface="Arial"/>
+                <a:cs typeface="Arial"/>
+                <a:sym typeface="Arial"/>
+              </a:defRPr>
             </a:lvl1pPr>
-            <a:lvl2pPr lvl="1" rtl="0">
-              <a:buNone/>
-              <a:defRPr/>
+            <a:lvl2pPr indent="0" lvl="1" marL="0" marR="0" algn="r">
+              <a:lnSpc>
+                <a:spcPct val="100000"/>
+              </a:lnSpc>
+              <a:spcBef>
+                <a:spcPts val="0"/>
+              </a:spcBef>
+              <a:spcAft>
+                <a:spcPts val="0"/>
+              </a:spcAft>
+              <a:buClr>
+                <a:srgbClr val="000000"/>
+              </a:buClr>
+              <a:buSzPts val="1000"/>
+              <a:buFont typeface="Arial"/>
+              <a:buNone/>
+              <a:defRPr b="0" i="0" sz="1000" u="none" cap="none" strike="noStrike">
+                <a:solidFill>
+                  <a:schemeClr val="dk2"/>
+                </a:solidFill>
+                <a:latin typeface="Arial"/>
+                <a:ea typeface="Arial"/>
+                <a:cs typeface="Arial"/>
+                <a:sym typeface="Arial"/>
+              </a:defRPr>
             </a:lvl2pPr>
-            <a:lvl3pPr lvl="2" rtl="0">
-              <a:buNone/>
-              <a:defRPr/>
+            <a:lvl3pPr indent="0" lvl="2" marL="0" marR="0" algn="r">
+              <a:lnSpc>
+                <a:spcPct val="100000"/>
+              </a:lnSpc>
+              <a:spcBef>
+                <a:spcPts val="0"/>
+              </a:spcBef>
+              <a:spcAft>
+                <a:spcPts val="0"/>
+              </a:spcAft>
+              <a:buClr>
+                <a:srgbClr val="000000"/>
+              </a:buClr>
+              <a:buSzPts val="1000"/>
+              <a:buFont typeface="Arial"/>
+              <a:buNone/>
+              <a:defRPr b="0" i="0" sz="1000" u="none" cap="none" strike="noStrike">
+                <a:solidFill>
+                  <a:schemeClr val="dk2"/>
+                </a:solidFill>
+                <a:latin typeface="Arial"/>
+                <a:ea typeface="Arial"/>
+                <a:cs typeface="Arial"/>
+                <a:sym typeface="Arial"/>
+              </a:defRPr>
             </a:lvl3pPr>
-            <a:lvl4pPr lvl="3" rtl="0">
-              <a:buNone/>
-              <a:defRPr/>
+            <a:lvl4pPr indent="0" lvl="3" marL="0" marR="0" algn="r">
+              <a:lnSpc>
+                <a:spcPct val="100000"/>
+              </a:lnSpc>
+              <a:spcBef>
+                <a:spcPts val="0"/>
+              </a:spcBef>
+              <a:spcAft>
+                <a:spcPts val="0"/>
+              </a:spcAft>
+              <a:buClr>
+                <a:srgbClr val="000000"/>
+              </a:buClr>
+              <a:buSzPts val="1000"/>
+              <a:buFont typeface="Arial"/>
+              <a:buNone/>
+              <a:defRPr b="0" i="0" sz="1000" u="none" cap="none" strike="noStrike">
+                <a:solidFill>
+                  <a:schemeClr val="dk2"/>
+                </a:solidFill>
+                <a:latin typeface="Arial"/>
+                <a:ea typeface="Arial"/>
+                <a:cs typeface="Arial"/>
+                <a:sym typeface="Arial"/>
+              </a:defRPr>
             </a:lvl4pPr>
-            <a:lvl5pPr lvl="4" rtl="0">
-              <a:buNone/>
-              <a:defRPr/>
+            <a:lvl5pPr indent="0" lvl="4" marL="0" marR="0" algn="r">
+              <a:lnSpc>
+                <a:spcPct val="100000"/>
+              </a:lnSpc>
+              <a:spcBef>
+                <a:spcPts val="0"/>
+              </a:spcBef>
+              <a:spcAft>
+                <a:spcPts val="0"/>
+              </a:spcAft>
+              <a:buClr>
+                <a:srgbClr val="000000"/>
+              </a:buClr>
+              <a:buSzPts val="1000"/>
+              <a:buFont typeface="Arial"/>
+              <a:buNone/>
+              <a:defRPr b="0" i="0" sz="1000" u="none" cap="none" strike="noStrike">
+                <a:solidFill>
+                  <a:schemeClr val="dk2"/>
+                </a:solidFill>
+                <a:latin typeface="Arial"/>
+                <a:ea typeface="Arial"/>
+                <a:cs typeface="Arial"/>
+                <a:sym typeface="Arial"/>
+              </a:defRPr>
             </a:lvl5pPr>
-            <a:lvl6pPr lvl="5" rtl="0">
-              <a:buNone/>
-              <a:defRPr/>
+            <a:lvl6pPr indent="0" lvl="5" marL="0" marR="0" algn="r">
+              <a:lnSpc>
+                <a:spcPct val="100000"/>
+              </a:lnSpc>
+              <a:spcBef>
+                <a:spcPts val="0"/>
+              </a:spcBef>
+              <a:spcAft>
+                <a:spcPts val="0"/>
+              </a:spcAft>
+              <a:buClr>
+                <a:srgbClr val="000000"/>
+              </a:buClr>
+              <a:buSzPts val="1000"/>
+              <a:buFont typeface="Arial"/>
+              <a:buNone/>
+              <a:defRPr b="0" i="0" sz="1000" u="none" cap="none" strike="noStrike">
+                <a:solidFill>
+                  <a:schemeClr val="dk2"/>
+                </a:solidFill>
+                <a:latin typeface="Arial"/>
+                <a:ea typeface="Arial"/>
+                <a:cs typeface="Arial"/>
+                <a:sym typeface="Arial"/>
+              </a:defRPr>
             </a:lvl6pPr>
-            <a:lvl7pPr lvl="6" rtl="0">
-              <a:buNone/>
-              <a:defRPr/>
+            <a:lvl7pPr indent="0" lvl="6" marL="0" marR="0" algn="r">
+              <a:lnSpc>
+                <a:spcPct val="100000"/>
+              </a:lnSpc>
+              <a:spcBef>
+                <a:spcPts val="0"/>
+              </a:spcBef>
+              <a:spcAft>
+                <a:spcPts val="0"/>
+              </a:spcAft>
+              <a:buClr>
+                <a:srgbClr val="000000"/>
+              </a:buClr>
+              <a:buSzPts val="1000"/>
+              <a:buFont typeface="Arial"/>
+              <a:buNone/>
+              <a:defRPr b="0" i="0" sz="1000" u="none" cap="none" strike="noStrike">
+                <a:solidFill>
+                  <a:schemeClr val="dk2"/>
+                </a:solidFill>
+                <a:latin typeface="Arial"/>
+                <a:ea typeface="Arial"/>
+                <a:cs typeface="Arial"/>
+                <a:sym typeface="Arial"/>
+              </a:defRPr>
             </a:lvl7pPr>
-            <a:lvl8pPr lvl="7" rtl="0">
-              <a:buNone/>
-              <a:defRPr/>
+            <a:lvl8pPr indent="0" lvl="7" marL="0" marR="0" algn="r">
+              <a:lnSpc>
+                <a:spcPct val="100000"/>
+              </a:lnSpc>
+              <a:spcBef>
+                <a:spcPts val="0"/>
+              </a:spcBef>
+              <a:spcAft>
+                <a:spcPts val="0"/>
+              </a:spcAft>
+              <a:buClr>
+                <a:srgbClr val="000000"/>
+              </a:buClr>
+              <a:buSzPts val="1000"/>
+              <a:buFont typeface="Arial"/>
+              <a:buNone/>
+              <a:defRPr b="0" i="0" sz="1000" u="none" cap="none" strike="noStrike">
+                <a:solidFill>
+                  <a:schemeClr val="dk2"/>
+                </a:solidFill>
+                <a:latin typeface="Arial"/>
+                <a:ea typeface="Arial"/>
+                <a:cs typeface="Arial"/>
+                <a:sym typeface="Arial"/>
+              </a:defRPr>
             </a:lvl8pPr>
-            <a:lvl9pPr lvl="8" rtl="0">
-              <a:buNone/>
-              <a:defRPr/>
+            <a:lvl9pPr indent="0" lvl="8" marL="0" marR="0" algn="r">
+              <a:lnSpc>
+                <a:spcPct val="100000"/>
+              </a:lnSpc>
+              <a:spcBef>
+                <a:spcPts val="0"/>
+              </a:spcBef>
+              <a:spcAft>
+                <a:spcPts val="0"/>
+              </a:spcAft>
+              <a:buClr>
+                <a:srgbClr val="000000"/>
+              </a:buClr>
+              <a:buSzPts val="1000"/>
+              <a:buFont typeface="Arial"/>
+              <a:buNone/>
+              <a:defRPr b="0" i="0" sz="1000" u="none" cap="none" strike="noStrike">
+                <a:solidFill>
+                  <a:schemeClr val="dk2"/>
+                </a:solidFill>
+                <a:latin typeface="Arial"/>
+                <a:ea typeface="Arial"/>
+                <a:cs typeface="Arial"/>
+                <a:sym typeface="Arial"/>
+              </a:defRPr>
             </a:lvl9pPr>
           </a:lstStyle>
           <a:p>
@@ -8361,12 +10040,12 @@
 </p:sldLayout>
 </file>
 
-<file path=ppt/slideLayouts/slideLayout4.xml><?xml version="1.0" encoding="utf-8"?>
+<file path=ppt/slideLayouts/slideLayout5.xml><?xml version="1.0" encoding="utf-8"?>
 <p:sldLayout xmlns:a="http://schemas.openxmlformats.org/drawingml/2006/main" xmlns:r="http://schemas.openxmlformats.org/officeDocument/2006/relationships" xmlns:mc="http://schemas.openxmlformats.org/markup-compatibility/2006" xmlns:mv="urn:schemas-microsoft-com:mac:vml" xmlns:p="http://schemas.openxmlformats.org/presentationml/2006/main" xmlns:c="http://schemas.openxmlformats.org/drawingml/2006/chart" xmlns:dgm="http://schemas.openxmlformats.org/drawingml/2006/diagram" xmlns:o="urn:schemas-microsoft-com:office:office" xmlns:v="urn:schemas-microsoft-com:vml" xmlns:pvml="urn:schemas-microsoft-com:office:powerpoint" xmlns:com="http://schemas.openxmlformats.org/drawingml/2006/compatibility" xmlns:p14="http://schemas.microsoft.com/office/powerpoint/2010/main" xmlns:p15="http://schemas.microsoft.com/office/powerpoint/2012/main" xmlns:ahyp="http://schemas.microsoft.com/office/drawing/2018/hyperlinkcolor" matchingName="Title and two columns" type="twoColTx">
   <p:cSld name="TITLE_AND_TWO_COLUMNS">
     <p:spTree>
       <p:nvGrpSpPr>
-        <p:cNvPr id="24" name="Shape 24"/>
+        <p:cNvPr id="30" name="Shape 30"/>
         <p:cNvGrpSpPr/>
         <p:nvPr/>
       </p:nvGrpSpPr>
@@ -8380,7 +10059,7 @@
       </p:grpSpPr>
       <p:sp>
         <p:nvSpPr>
-          <p:cNvPr id="25" name="Google Shape;25;p5"/>
+          <p:cNvPr id="31" name="Google Shape;31;p6"/>
           <p:cNvSpPr txBox="1"/>
           <p:nvPr>
             <p:ph type="title"/>
@@ -8394,13 +10073,20 @@
           <a:prstGeom prst="rect">
             <a:avLst/>
           </a:prstGeom>
+          <a:noFill/>
+          <a:ln>
+            <a:noFill/>
+          </a:ln>
         </p:spPr>
         <p:txBody>
           <a:bodyPr anchorCtr="0" anchor="t" bIns="91425" lIns="91425" spcFirstLastPara="1" rIns="91425" wrap="square" tIns="91425">
             <a:normAutofit/>
           </a:bodyPr>
           <a:lstStyle>
-            <a:lvl1pPr lvl="0" rtl="0">
+            <a:lvl1pPr lvl="0" algn="l">
+              <a:lnSpc>
+                <a:spcPct val="100000"/>
+              </a:lnSpc>
               <a:spcBef>
                 <a:spcPts val="0"/>
               </a:spcBef>
@@ -8411,7 +10097,10 @@
               <a:buNone/>
               <a:defRPr/>
             </a:lvl1pPr>
-            <a:lvl2pPr lvl="1" rtl="0">
+            <a:lvl2pPr lvl="1" algn="l">
+              <a:lnSpc>
+                <a:spcPct val="100000"/>
+              </a:lnSpc>
               <a:spcBef>
                 <a:spcPts val="0"/>
               </a:spcBef>
@@ -8422,7 +10111,10 @@
               <a:buNone/>
               <a:defRPr/>
             </a:lvl2pPr>
-            <a:lvl3pPr lvl="2" rtl="0">
+            <a:lvl3pPr lvl="2" algn="l">
+              <a:lnSpc>
+                <a:spcPct val="100000"/>
+              </a:lnSpc>
               <a:spcBef>
                 <a:spcPts val="0"/>
               </a:spcBef>
@@ -8433,7 +10125,10 @@
               <a:buNone/>
               <a:defRPr/>
             </a:lvl3pPr>
-            <a:lvl4pPr lvl="3" rtl="0">
+            <a:lvl4pPr lvl="3" algn="l">
+              <a:lnSpc>
+                <a:spcPct val="100000"/>
+              </a:lnSpc>
               <a:spcBef>
                 <a:spcPts val="0"/>
               </a:spcBef>
@@ -8444,7 +10139,10 @@
               <a:buNone/>
               <a:defRPr/>
             </a:lvl4pPr>
-            <a:lvl5pPr lvl="4" rtl="0">
+            <a:lvl5pPr lvl="4" algn="l">
+              <a:lnSpc>
+                <a:spcPct val="100000"/>
+              </a:lnSpc>
               <a:spcBef>
                 <a:spcPts val="0"/>
               </a:spcBef>
@@ -8455,7 +10153,10 @@
               <a:buNone/>
               <a:defRPr/>
             </a:lvl5pPr>
-            <a:lvl6pPr lvl="5" rtl="0">
+            <a:lvl6pPr lvl="5" algn="l">
+              <a:lnSpc>
+                <a:spcPct val="100000"/>
+              </a:lnSpc>
               <a:spcBef>
                 <a:spcPts val="0"/>
               </a:spcBef>
@@ -8466,7 +10167,10 @@
               <a:buNone/>
               <a:defRPr/>
             </a:lvl6pPr>
-            <a:lvl7pPr lvl="6" rtl="0">
+            <a:lvl7pPr lvl="6" algn="l">
+              <a:lnSpc>
+                <a:spcPct val="100000"/>
+              </a:lnSpc>
               <a:spcBef>
                 <a:spcPts val="0"/>
               </a:spcBef>
@@ -8477,7 +10181,10 @@
               <a:buNone/>
               <a:defRPr/>
             </a:lvl7pPr>
-            <a:lvl8pPr lvl="7" rtl="0">
+            <a:lvl8pPr lvl="7" algn="l">
+              <a:lnSpc>
+                <a:spcPct val="100000"/>
+              </a:lnSpc>
               <a:spcBef>
                 <a:spcPts val="0"/>
               </a:spcBef>
@@ -8488,7 +10195,10 @@
               <a:buNone/>
               <a:defRPr/>
             </a:lvl8pPr>
-            <a:lvl9pPr lvl="8" rtl="0">
+            <a:lvl9pPr lvl="8" algn="l">
+              <a:lnSpc>
+                <a:spcPct val="100000"/>
+              </a:lnSpc>
               <a:spcBef>
                 <a:spcPts val="0"/>
               </a:spcBef>
@@ -8505,7 +10215,7 @@
       </p:sp>
       <p:sp>
         <p:nvSpPr>
-          <p:cNvPr id="26" name="Google Shape;26;p5"/>
+          <p:cNvPr id="32" name="Google Shape;32;p6"/>
           <p:cNvSpPr txBox="1"/>
           <p:nvPr>
             <p:ph idx="1" type="body"/>
@@ -8519,13 +10229,20 @@
           <a:prstGeom prst="rect">
             <a:avLst/>
           </a:prstGeom>
+          <a:noFill/>
+          <a:ln>
+            <a:noFill/>
+          </a:ln>
         </p:spPr>
         <p:txBody>
           <a:bodyPr anchorCtr="0" anchor="t" bIns="91425" lIns="91425" spcFirstLastPara="1" rIns="91425" wrap="square" tIns="91425">
             <a:normAutofit/>
           </a:bodyPr>
           <a:lstStyle>
-            <a:lvl1pPr indent="-317500" lvl="0" marL="457200" rtl="0">
+            <a:lvl1pPr indent="-317500" lvl="0" marL="457200" algn="l">
+              <a:lnSpc>
+                <a:spcPct val="115000"/>
+              </a:lnSpc>
               <a:spcBef>
                 <a:spcPts val="0"/>
               </a:spcBef>
@@ -8536,7 +10253,10 @@
               <a:buChar char="●"/>
               <a:defRPr sz="1400"/>
             </a:lvl1pPr>
-            <a:lvl2pPr indent="-304800" lvl="1" marL="914400" rtl="0">
+            <a:lvl2pPr indent="-304800" lvl="1" marL="914400" algn="l">
+              <a:lnSpc>
+                <a:spcPct val="115000"/>
+              </a:lnSpc>
               <a:spcBef>
                 <a:spcPts val="0"/>
               </a:spcBef>
@@ -8547,7 +10267,10 @@
               <a:buChar char="○"/>
               <a:defRPr sz="1200"/>
             </a:lvl2pPr>
-            <a:lvl3pPr indent="-304800" lvl="2" marL="1371600" rtl="0">
+            <a:lvl3pPr indent="-304800" lvl="2" marL="1371600" algn="l">
+              <a:lnSpc>
+                <a:spcPct val="115000"/>
+              </a:lnSpc>
               <a:spcBef>
                 <a:spcPts val="0"/>
               </a:spcBef>
@@ -8558,7 +10281,10 @@
               <a:buChar char="■"/>
               <a:defRPr sz="1200"/>
             </a:lvl3pPr>
-            <a:lvl4pPr indent="-304800" lvl="3" marL="1828800" rtl="0">
+            <a:lvl4pPr indent="-304800" lvl="3" marL="1828800" algn="l">
+              <a:lnSpc>
+                <a:spcPct val="115000"/>
+              </a:lnSpc>
               <a:spcBef>
                 <a:spcPts val="0"/>
               </a:spcBef>
@@ -8569,7 +10295,10 @@
               <a:buChar char="●"/>
               <a:defRPr sz="1200"/>
             </a:lvl4pPr>
-            <a:lvl5pPr indent="-304800" lvl="4" marL="2286000" rtl="0">
+            <a:lvl5pPr indent="-304800" lvl="4" marL="2286000" algn="l">
+              <a:lnSpc>
+                <a:spcPct val="115000"/>
+              </a:lnSpc>
               <a:spcBef>
                 <a:spcPts val="0"/>
               </a:spcBef>
@@ -8580,7 +10309,10 @@
               <a:buChar char="○"/>
               <a:defRPr sz="1200"/>
             </a:lvl5pPr>
-            <a:lvl6pPr indent="-304800" lvl="5" marL="2743200" rtl="0">
+            <a:lvl6pPr indent="-304800" lvl="5" marL="2743200" algn="l">
+              <a:lnSpc>
+                <a:spcPct val="115000"/>
+              </a:lnSpc>
               <a:spcBef>
                 <a:spcPts val="0"/>
               </a:spcBef>
@@ -8591,7 +10323,10 @@
               <a:buChar char="■"/>
               <a:defRPr sz="1200"/>
             </a:lvl6pPr>
-            <a:lvl7pPr indent="-304800" lvl="6" marL="3200400" rtl="0">
+            <a:lvl7pPr indent="-304800" lvl="6" marL="3200400" algn="l">
+              <a:lnSpc>
+                <a:spcPct val="115000"/>
+              </a:lnSpc>
               <a:spcBef>
                 <a:spcPts val="0"/>
               </a:spcBef>
@@ -8602,7 +10337,10 @@
               <a:buChar char="●"/>
               <a:defRPr sz="1200"/>
             </a:lvl7pPr>
-            <a:lvl8pPr indent="-304800" lvl="7" marL="3657600" rtl="0">
+            <a:lvl8pPr indent="-304800" lvl="7" marL="3657600" algn="l">
+              <a:lnSpc>
+                <a:spcPct val="115000"/>
+              </a:lnSpc>
               <a:spcBef>
                 <a:spcPts val="0"/>
               </a:spcBef>
@@ -8613,7 +10351,10 @@
               <a:buChar char="○"/>
               <a:defRPr sz="1200"/>
             </a:lvl8pPr>
-            <a:lvl9pPr indent="-304800" lvl="8" marL="4114800" rtl="0">
+            <a:lvl9pPr indent="-304800" lvl="8" marL="4114800" algn="l">
+              <a:lnSpc>
+                <a:spcPct val="115000"/>
+              </a:lnSpc>
               <a:spcBef>
                 <a:spcPts val="0"/>
               </a:spcBef>
@@ -8630,7 +10371,7 @@
       </p:sp>
       <p:sp>
         <p:nvSpPr>
-          <p:cNvPr id="27" name="Google Shape;27;p5"/>
+          <p:cNvPr id="33" name="Google Shape;33;p6"/>
           <p:cNvSpPr txBox="1"/>
           <p:nvPr>
             <p:ph idx="2" type="body"/>
@@ -8644,13 +10385,20 @@
           <a:prstGeom prst="rect">
             <a:avLst/>
           </a:prstGeom>
+          <a:noFill/>
+          <a:ln>
+            <a:noFill/>
+          </a:ln>
         </p:spPr>
         <p:txBody>
           <a:bodyPr anchorCtr="0" anchor="t" bIns="91425" lIns="91425" spcFirstLastPara="1" rIns="91425" wrap="square" tIns="91425">
             <a:normAutofit/>
           </a:bodyPr>
           <a:lstStyle>
-            <a:lvl1pPr indent="-317500" lvl="0" marL="457200" rtl="0">
+            <a:lvl1pPr indent="-317500" lvl="0" marL="457200" algn="l">
+              <a:lnSpc>
+                <a:spcPct val="115000"/>
+              </a:lnSpc>
               <a:spcBef>
                 <a:spcPts val="0"/>
               </a:spcBef>
@@ -8661,7 +10409,10 @@
               <a:buChar char="●"/>
               <a:defRPr sz="1400"/>
             </a:lvl1pPr>
-            <a:lvl2pPr indent="-304800" lvl="1" marL="914400" rtl="0">
+            <a:lvl2pPr indent="-304800" lvl="1" marL="914400" algn="l">
+              <a:lnSpc>
+                <a:spcPct val="115000"/>
+              </a:lnSpc>
               <a:spcBef>
                 <a:spcPts val="0"/>
               </a:spcBef>
@@ -8672,7 +10423,10 @@
               <a:buChar char="○"/>
               <a:defRPr sz="1200"/>
             </a:lvl2pPr>
-            <a:lvl3pPr indent="-304800" lvl="2" marL="1371600" rtl="0">
+            <a:lvl3pPr indent="-304800" lvl="2" marL="1371600" algn="l">
+              <a:lnSpc>
+                <a:spcPct val="115000"/>
+              </a:lnSpc>
               <a:spcBef>
                 <a:spcPts val="0"/>
               </a:spcBef>
@@ -8683,7 +10437,10 @@
               <a:buChar char="■"/>
               <a:defRPr sz="1200"/>
             </a:lvl3pPr>
-            <a:lvl4pPr indent="-304800" lvl="3" marL="1828800" rtl="0">
+            <a:lvl4pPr indent="-304800" lvl="3" marL="1828800" algn="l">
+              <a:lnSpc>
+                <a:spcPct val="115000"/>
+              </a:lnSpc>
               <a:spcBef>
                 <a:spcPts val="0"/>
               </a:spcBef>
@@ -8694,7 +10451,10 @@
               <a:buChar char="●"/>
               <a:defRPr sz="1200"/>
             </a:lvl4pPr>
-            <a:lvl5pPr indent="-304800" lvl="4" marL="2286000" rtl="0">
+            <a:lvl5pPr indent="-304800" lvl="4" marL="2286000" algn="l">
+              <a:lnSpc>
+                <a:spcPct val="115000"/>
+              </a:lnSpc>
               <a:spcBef>
                 <a:spcPts val="0"/>
               </a:spcBef>
@@ -8705,7 +10465,10 @@
               <a:buChar char="○"/>
               <a:defRPr sz="1200"/>
             </a:lvl5pPr>
-            <a:lvl6pPr indent="-304800" lvl="5" marL="2743200" rtl="0">
+            <a:lvl6pPr indent="-304800" lvl="5" marL="2743200" algn="l">
+              <a:lnSpc>
+                <a:spcPct val="115000"/>
+              </a:lnSpc>
               <a:spcBef>
                 <a:spcPts val="0"/>
               </a:spcBef>
@@ -8716,7 +10479,10 @@
               <a:buChar char="■"/>
               <a:defRPr sz="1200"/>
             </a:lvl6pPr>
-            <a:lvl7pPr indent="-304800" lvl="6" marL="3200400" rtl="0">
+            <a:lvl7pPr indent="-304800" lvl="6" marL="3200400" algn="l">
+              <a:lnSpc>
+                <a:spcPct val="115000"/>
+              </a:lnSpc>
               <a:spcBef>
                 <a:spcPts val="0"/>
               </a:spcBef>
@@ -8727,7 +10493,10 @@
               <a:buChar char="●"/>
               <a:defRPr sz="1200"/>
             </a:lvl7pPr>
-            <a:lvl8pPr indent="-304800" lvl="7" marL="3657600" rtl="0">
+            <a:lvl8pPr indent="-304800" lvl="7" marL="3657600" algn="l">
+              <a:lnSpc>
+                <a:spcPct val="115000"/>
+              </a:lnSpc>
               <a:spcBef>
                 <a:spcPts val="0"/>
               </a:spcBef>
@@ -8738,7 +10507,10 @@
               <a:buChar char="○"/>
               <a:defRPr sz="1200"/>
             </a:lvl8pPr>
-            <a:lvl9pPr indent="-304800" lvl="8" marL="4114800" rtl="0">
+            <a:lvl9pPr indent="-304800" lvl="8" marL="4114800" algn="l">
+              <a:lnSpc>
+                <a:spcPct val="115000"/>
+              </a:lnSpc>
               <a:spcBef>
                 <a:spcPts val="0"/>
               </a:spcBef>
@@ -8755,7 +10527,7 @@
       </p:sp>
       <p:sp>
         <p:nvSpPr>
-          <p:cNvPr id="28" name="Google Shape;28;p5"/>
+          <p:cNvPr id="34" name="Google Shape;34;p6"/>
           <p:cNvSpPr txBox="1"/>
           <p:nvPr>
             <p:ph idx="12" type="sldNum"/>
@@ -8769,47 +10541,249 @@
           <a:prstGeom prst="rect">
             <a:avLst/>
           </a:prstGeom>
+          <a:noFill/>
+          <a:ln>
+            <a:noFill/>
+          </a:ln>
         </p:spPr>
         <p:txBody>
           <a:bodyPr anchorCtr="0" anchor="ctr" bIns="91425" lIns="91425" spcFirstLastPara="1" rIns="91425" wrap="square" tIns="91425">
             <a:normAutofit/>
           </a:bodyPr>
           <a:lstStyle>
-            <a:lvl1pPr lvl="0" rtl="0">
-              <a:buNone/>
-              <a:defRPr/>
+            <a:lvl1pPr indent="0" lvl="0" marL="0" marR="0" algn="r">
+              <a:lnSpc>
+                <a:spcPct val="100000"/>
+              </a:lnSpc>
+              <a:spcBef>
+                <a:spcPts val="0"/>
+              </a:spcBef>
+              <a:spcAft>
+                <a:spcPts val="0"/>
+              </a:spcAft>
+              <a:buClr>
+                <a:srgbClr val="000000"/>
+              </a:buClr>
+              <a:buSzPts val="1000"/>
+              <a:buFont typeface="Arial"/>
+              <a:buNone/>
+              <a:defRPr b="0" i="0" sz="1000" u="none" cap="none" strike="noStrike">
+                <a:solidFill>
+                  <a:schemeClr val="dk2"/>
+                </a:solidFill>
+                <a:latin typeface="Arial"/>
+                <a:ea typeface="Arial"/>
+                <a:cs typeface="Arial"/>
+                <a:sym typeface="Arial"/>
+              </a:defRPr>
             </a:lvl1pPr>
-            <a:lvl2pPr lvl="1" rtl="0">
-              <a:buNone/>
-              <a:defRPr/>
+            <a:lvl2pPr indent="0" lvl="1" marL="0" marR="0" algn="r">
+              <a:lnSpc>
+                <a:spcPct val="100000"/>
+              </a:lnSpc>
+              <a:spcBef>
+                <a:spcPts val="0"/>
+              </a:spcBef>
+              <a:spcAft>
+                <a:spcPts val="0"/>
+              </a:spcAft>
+              <a:buClr>
+                <a:srgbClr val="000000"/>
+              </a:buClr>
+              <a:buSzPts val="1000"/>
+              <a:buFont typeface="Arial"/>
+              <a:buNone/>
+              <a:defRPr b="0" i="0" sz="1000" u="none" cap="none" strike="noStrike">
+                <a:solidFill>
+                  <a:schemeClr val="dk2"/>
+                </a:solidFill>
+                <a:latin typeface="Arial"/>
+                <a:ea typeface="Arial"/>
+                <a:cs typeface="Arial"/>
+                <a:sym typeface="Arial"/>
+              </a:defRPr>
             </a:lvl2pPr>
-            <a:lvl3pPr lvl="2" rtl="0">
-              <a:buNone/>
-              <a:defRPr/>
+            <a:lvl3pPr indent="0" lvl="2" marL="0" marR="0" algn="r">
+              <a:lnSpc>
+                <a:spcPct val="100000"/>
+              </a:lnSpc>
+              <a:spcBef>
+                <a:spcPts val="0"/>
+              </a:spcBef>
+              <a:spcAft>
+                <a:spcPts val="0"/>
+              </a:spcAft>
+              <a:buClr>
+                <a:srgbClr val="000000"/>
+              </a:buClr>
+              <a:buSzPts val="1000"/>
+              <a:buFont typeface="Arial"/>
+              <a:buNone/>
+              <a:defRPr b="0" i="0" sz="1000" u="none" cap="none" strike="noStrike">
+                <a:solidFill>
+                  <a:schemeClr val="dk2"/>
+                </a:solidFill>
+                <a:latin typeface="Arial"/>
+                <a:ea typeface="Arial"/>
+                <a:cs typeface="Arial"/>
+                <a:sym typeface="Arial"/>
+              </a:defRPr>
             </a:lvl3pPr>
-            <a:lvl4pPr lvl="3" rtl="0">
-              <a:buNone/>
-              <a:defRPr/>
+            <a:lvl4pPr indent="0" lvl="3" marL="0" marR="0" algn="r">
+              <a:lnSpc>
+                <a:spcPct val="100000"/>
+              </a:lnSpc>
+              <a:spcBef>
+                <a:spcPts val="0"/>
+              </a:spcBef>
+              <a:spcAft>
+                <a:spcPts val="0"/>
+              </a:spcAft>
+              <a:buClr>
+                <a:srgbClr val="000000"/>
+              </a:buClr>
+              <a:buSzPts val="1000"/>
+              <a:buFont typeface="Arial"/>
+              <a:buNone/>
+              <a:defRPr b="0" i="0" sz="1000" u="none" cap="none" strike="noStrike">
+                <a:solidFill>
+                  <a:schemeClr val="dk2"/>
+                </a:solidFill>
+                <a:latin typeface="Arial"/>
+                <a:ea typeface="Arial"/>
+                <a:cs typeface="Arial"/>
+                <a:sym typeface="Arial"/>
+              </a:defRPr>
             </a:lvl4pPr>
-            <a:lvl5pPr lvl="4" rtl="0">
-              <a:buNone/>
-              <a:defRPr/>
+            <a:lvl5pPr indent="0" lvl="4" marL="0" marR="0" algn="r">
+              <a:lnSpc>
+                <a:spcPct val="100000"/>
+              </a:lnSpc>
+              <a:spcBef>
+                <a:spcPts val="0"/>
+              </a:spcBef>
+              <a:spcAft>
+                <a:spcPts val="0"/>
+              </a:spcAft>
+              <a:buClr>
+                <a:srgbClr val="000000"/>
+              </a:buClr>
+              <a:buSzPts val="1000"/>
+              <a:buFont typeface="Arial"/>
+              <a:buNone/>
+              <a:defRPr b="0" i="0" sz="1000" u="none" cap="none" strike="noStrike">
+                <a:solidFill>
+                  <a:schemeClr val="dk2"/>
+                </a:solidFill>
+                <a:latin typeface="Arial"/>
+                <a:ea typeface="Arial"/>
+                <a:cs typeface="Arial"/>
+                <a:sym typeface="Arial"/>
+              </a:defRPr>
             </a:lvl5pPr>
-            <a:lvl6pPr lvl="5" rtl="0">
-              <a:buNone/>
-              <a:defRPr/>
+            <a:lvl6pPr indent="0" lvl="5" marL="0" marR="0" algn="r">
+              <a:lnSpc>
+                <a:spcPct val="100000"/>
+              </a:lnSpc>
+              <a:spcBef>
+                <a:spcPts val="0"/>
+              </a:spcBef>
+              <a:spcAft>
+                <a:spcPts val="0"/>
+              </a:spcAft>
+              <a:buClr>
+                <a:srgbClr val="000000"/>
+              </a:buClr>
+              <a:buSzPts val="1000"/>
+              <a:buFont typeface="Arial"/>
+              <a:buNone/>
+              <a:defRPr b="0" i="0" sz="1000" u="none" cap="none" strike="noStrike">
+                <a:solidFill>
+                  <a:schemeClr val="dk2"/>
+                </a:solidFill>
+                <a:latin typeface="Arial"/>
+                <a:ea typeface="Arial"/>
+                <a:cs typeface="Arial"/>
+                <a:sym typeface="Arial"/>
+              </a:defRPr>
             </a:lvl6pPr>
-            <a:lvl7pPr lvl="6" rtl="0">
-              <a:buNone/>
-              <a:defRPr/>
+            <a:lvl7pPr indent="0" lvl="6" marL="0" marR="0" algn="r">
+              <a:lnSpc>
+                <a:spcPct val="100000"/>
+              </a:lnSpc>
+              <a:spcBef>
+                <a:spcPts val="0"/>
+              </a:spcBef>
+              <a:spcAft>
+                <a:spcPts val="0"/>
+              </a:spcAft>
+              <a:buClr>
+                <a:srgbClr val="000000"/>
+              </a:buClr>
+              <a:buSzPts val="1000"/>
+              <a:buFont typeface="Arial"/>
+              <a:buNone/>
+              <a:defRPr b="0" i="0" sz="1000" u="none" cap="none" strike="noStrike">
+                <a:solidFill>
+                  <a:schemeClr val="dk2"/>
+                </a:solidFill>
+                <a:latin typeface="Arial"/>
+                <a:ea typeface="Arial"/>
+                <a:cs typeface="Arial"/>
+                <a:sym typeface="Arial"/>
+              </a:defRPr>
             </a:lvl7pPr>
-            <a:lvl8pPr lvl="7" rtl="0">
-              <a:buNone/>
-              <a:defRPr/>
+            <a:lvl8pPr indent="0" lvl="7" marL="0" marR="0" algn="r">
+              <a:lnSpc>
+                <a:spcPct val="100000"/>
+              </a:lnSpc>
+              <a:spcBef>
+                <a:spcPts val="0"/>
+              </a:spcBef>
+              <a:spcAft>
+                <a:spcPts val="0"/>
+              </a:spcAft>
+              <a:buClr>
+                <a:srgbClr val="000000"/>
+              </a:buClr>
+              <a:buSzPts val="1000"/>
+              <a:buFont typeface="Arial"/>
+              <a:buNone/>
+              <a:defRPr b="0" i="0" sz="1000" u="none" cap="none" strike="noStrike">
+                <a:solidFill>
+                  <a:schemeClr val="dk2"/>
+                </a:solidFill>
+                <a:latin typeface="Arial"/>
+                <a:ea typeface="Arial"/>
+                <a:cs typeface="Arial"/>
+                <a:sym typeface="Arial"/>
+              </a:defRPr>
             </a:lvl8pPr>
-            <a:lvl9pPr lvl="8" rtl="0">
-              <a:buNone/>
-              <a:defRPr/>
+            <a:lvl9pPr indent="0" lvl="8" marL="0" marR="0" algn="r">
+              <a:lnSpc>
+                <a:spcPct val="100000"/>
+              </a:lnSpc>
+              <a:spcBef>
+                <a:spcPts val="0"/>
+              </a:spcBef>
+              <a:spcAft>
+                <a:spcPts val="0"/>
+              </a:spcAft>
+              <a:buClr>
+                <a:srgbClr val="000000"/>
+              </a:buClr>
+              <a:buSzPts val="1000"/>
+              <a:buFont typeface="Arial"/>
+              <a:buNone/>
+              <a:defRPr b="0" i="0" sz="1000" u="none" cap="none" strike="noStrike">
+                <a:solidFill>
+                  <a:schemeClr val="dk2"/>
+                </a:solidFill>
+                <a:latin typeface="Arial"/>
+                <a:ea typeface="Arial"/>
+                <a:cs typeface="Arial"/>
+                <a:sym typeface="Arial"/>
+              </a:defRPr>
             </a:lvl9pPr>
           </a:lstStyle>
           <a:p>
@@ -8838,12 +10812,12 @@
 </p:sldLayout>
 </file>
 
-<file path=ppt/slideLayouts/slideLayout5.xml><?xml version="1.0" encoding="utf-8"?>
+<file path=ppt/slideLayouts/slideLayout6.xml><?xml version="1.0" encoding="utf-8"?>
 <p:sldLayout xmlns:a="http://schemas.openxmlformats.org/drawingml/2006/main" xmlns:r="http://schemas.openxmlformats.org/officeDocument/2006/relationships" xmlns:mc="http://schemas.openxmlformats.org/markup-compatibility/2006" xmlns:mv="urn:schemas-microsoft-com:mac:vml" xmlns:p="http://schemas.openxmlformats.org/presentationml/2006/main" xmlns:c="http://schemas.openxmlformats.org/drawingml/2006/chart" xmlns:dgm="http://schemas.openxmlformats.org/drawingml/2006/diagram" xmlns:o="urn:schemas-microsoft-com:office:office" xmlns:v="urn:schemas-microsoft-com:vml" xmlns:pvml="urn:schemas-microsoft-com:office:powerpoint" xmlns:com="http://schemas.openxmlformats.org/drawingml/2006/compatibility" xmlns:p14="http://schemas.microsoft.com/office/powerpoint/2010/main" xmlns:p15="http://schemas.microsoft.com/office/powerpoint/2012/main" xmlns:ahyp="http://schemas.microsoft.com/office/drawing/2018/hyperlinkcolor" matchingName="Title only" type="titleOnly">
   <p:cSld name="TITLE_ONLY">
     <p:spTree>
       <p:nvGrpSpPr>
-        <p:cNvPr id="29" name="Shape 29"/>
+        <p:cNvPr id="35" name="Shape 35"/>
         <p:cNvGrpSpPr/>
         <p:nvPr/>
       </p:nvGrpSpPr>
@@ -8857,7 +10831,7 @@
       </p:grpSpPr>
       <p:sp>
         <p:nvSpPr>
-          <p:cNvPr id="30" name="Google Shape;30;p6"/>
+          <p:cNvPr id="36" name="Google Shape;36;p7"/>
           <p:cNvSpPr txBox="1"/>
           <p:nvPr>
             <p:ph type="title"/>
@@ -8871,13 +10845,20 @@
           <a:prstGeom prst="rect">
             <a:avLst/>
           </a:prstGeom>
+          <a:noFill/>
+          <a:ln>
+            <a:noFill/>
+          </a:ln>
         </p:spPr>
         <p:txBody>
           <a:bodyPr anchorCtr="0" anchor="t" bIns="91425" lIns="91425" spcFirstLastPara="1" rIns="91425" wrap="square" tIns="91425">
             <a:normAutofit/>
           </a:bodyPr>
           <a:lstStyle>
-            <a:lvl1pPr lvl="0" rtl="0">
+            <a:lvl1pPr lvl="0" algn="l">
+              <a:lnSpc>
+                <a:spcPct val="100000"/>
+              </a:lnSpc>
               <a:spcBef>
                 <a:spcPts val="0"/>
               </a:spcBef>
@@ -8888,7 +10869,10 @@
               <a:buNone/>
               <a:defRPr/>
             </a:lvl1pPr>
-            <a:lvl2pPr lvl="1" rtl="0">
+            <a:lvl2pPr lvl="1" algn="l">
+              <a:lnSpc>
+                <a:spcPct val="100000"/>
+              </a:lnSpc>
               <a:spcBef>
                 <a:spcPts val="0"/>
               </a:spcBef>
@@ -8899,7 +10883,10 @@
               <a:buNone/>
               <a:defRPr/>
             </a:lvl2pPr>
-            <a:lvl3pPr lvl="2" rtl="0">
+            <a:lvl3pPr lvl="2" algn="l">
+              <a:lnSpc>
+                <a:spcPct val="100000"/>
+              </a:lnSpc>
               <a:spcBef>
                 <a:spcPts val="0"/>
               </a:spcBef>
@@ -8910,7 +10897,10 @@
               <a:buNone/>
               <a:defRPr/>
             </a:lvl3pPr>
-            <a:lvl4pPr lvl="3" rtl="0">
+            <a:lvl4pPr lvl="3" algn="l">
+              <a:lnSpc>
+                <a:spcPct val="100000"/>
+              </a:lnSpc>
               <a:spcBef>
                 <a:spcPts val="0"/>
               </a:spcBef>
@@ -8921,7 +10911,10 @@
               <a:buNone/>
               <a:defRPr/>
             </a:lvl4pPr>
-            <a:lvl5pPr lvl="4" rtl="0">
+            <a:lvl5pPr lvl="4" algn="l">
+              <a:lnSpc>
+                <a:spcPct val="100000"/>
+              </a:lnSpc>
               <a:spcBef>
                 <a:spcPts val="0"/>
               </a:spcBef>
@@ -8932,7 +10925,10 @@
               <a:buNone/>
               <a:defRPr/>
             </a:lvl5pPr>
-            <a:lvl6pPr lvl="5" rtl="0">
+            <a:lvl6pPr lvl="5" algn="l">
+              <a:lnSpc>
+                <a:spcPct val="100000"/>
+              </a:lnSpc>
               <a:spcBef>
                 <a:spcPts val="0"/>
               </a:spcBef>
@@ -8943,7 +10939,10 @@
               <a:buNone/>
               <a:defRPr/>
             </a:lvl6pPr>
-            <a:lvl7pPr lvl="6" rtl="0">
+            <a:lvl7pPr lvl="6" algn="l">
+              <a:lnSpc>
+                <a:spcPct val="100000"/>
+              </a:lnSpc>
               <a:spcBef>
                 <a:spcPts val="0"/>
               </a:spcBef>
@@ -8954,7 +10953,10 @@
               <a:buNone/>
               <a:defRPr/>
             </a:lvl7pPr>
-            <a:lvl8pPr lvl="7" rtl="0">
+            <a:lvl8pPr lvl="7" algn="l">
+              <a:lnSpc>
+                <a:spcPct val="100000"/>
+              </a:lnSpc>
               <a:spcBef>
                 <a:spcPts val="0"/>
               </a:spcBef>
@@ -8965,7 +10967,10 @@
               <a:buNone/>
               <a:defRPr/>
             </a:lvl8pPr>
-            <a:lvl9pPr lvl="8" rtl="0">
+            <a:lvl9pPr lvl="8" algn="l">
+              <a:lnSpc>
+                <a:spcPct val="100000"/>
+              </a:lnSpc>
               <a:spcBef>
                 <a:spcPts val="0"/>
               </a:spcBef>
@@ -8982,7 +10987,7 @@
       </p:sp>
       <p:sp>
         <p:nvSpPr>
-          <p:cNvPr id="31" name="Google Shape;31;p6"/>
+          <p:cNvPr id="37" name="Google Shape;37;p7"/>
           <p:cNvSpPr txBox="1"/>
           <p:nvPr>
             <p:ph idx="12" type="sldNum"/>
@@ -8996,47 +11001,249 @@
           <a:prstGeom prst="rect">
             <a:avLst/>
           </a:prstGeom>
+          <a:noFill/>
+          <a:ln>
+            <a:noFill/>
+          </a:ln>
         </p:spPr>
         <p:txBody>
           <a:bodyPr anchorCtr="0" anchor="ctr" bIns="91425" lIns="91425" spcFirstLastPara="1" rIns="91425" wrap="square" tIns="91425">
             <a:normAutofit/>
           </a:bodyPr>
           <a:lstStyle>
-            <a:lvl1pPr lvl="0" rtl="0">
-              <a:buNone/>
-              <a:defRPr/>
+            <a:lvl1pPr indent="0" lvl="0" marL="0" marR="0" algn="r">
+              <a:lnSpc>
+                <a:spcPct val="100000"/>
+              </a:lnSpc>
+              <a:spcBef>
+                <a:spcPts val="0"/>
+              </a:spcBef>
+              <a:spcAft>
+                <a:spcPts val="0"/>
+              </a:spcAft>
+              <a:buClr>
+                <a:srgbClr val="000000"/>
+              </a:buClr>
+              <a:buSzPts val="1000"/>
+              <a:buFont typeface="Arial"/>
+              <a:buNone/>
+              <a:defRPr b="0" i="0" sz="1000" u="none" cap="none" strike="noStrike">
+                <a:solidFill>
+                  <a:schemeClr val="dk2"/>
+                </a:solidFill>
+                <a:latin typeface="Arial"/>
+                <a:ea typeface="Arial"/>
+                <a:cs typeface="Arial"/>
+                <a:sym typeface="Arial"/>
+              </a:defRPr>
             </a:lvl1pPr>
-            <a:lvl2pPr lvl="1" rtl="0">
-              <a:buNone/>
-              <a:defRPr/>
+            <a:lvl2pPr indent="0" lvl="1" marL="0" marR="0" algn="r">
+              <a:lnSpc>
+                <a:spcPct val="100000"/>
+              </a:lnSpc>
+              <a:spcBef>
+                <a:spcPts val="0"/>
+              </a:spcBef>
+              <a:spcAft>
+                <a:spcPts val="0"/>
+              </a:spcAft>
+              <a:buClr>
+                <a:srgbClr val="000000"/>
+              </a:buClr>
+              <a:buSzPts val="1000"/>
+              <a:buFont typeface="Arial"/>
+              <a:buNone/>
+              <a:defRPr b="0" i="0" sz="1000" u="none" cap="none" strike="noStrike">
+                <a:solidFill>
+                  <a:schemeClr val="dk2"/>
+                </a:solidFill>
+                <a:latin typeface="Arial"/>
+                <a:ea typeface="Arial"/>
+                <a:cs typeface="Arial"/>
+                <a:sym typeface="Arial"/>
+              </a:defRPr>
             </a:lvl2pPr>
-            <a:lvl3pPr lvl="2" rtl="0">
-              <a:buNone/>
-              <a:defRPr/>
+            <a:lvl3pPr indent="0" lvl="2" marL="0" marR="0" algn="r">
+              <a:lnSpc>
+                <a:spcPct val="100000"/>
+              </a:lnSpc>
+              <a:spcBef>
+                <a:spcPts val="0"/>
+              </a:spcBef>
+              <a:spcAft>
+                <a:spcPts val="0"/>
+              </a:spcAft>
+              <a:buClr>
+                <a:srgbClr val="000000"/>
+              </a:buClr>
+              <a:buSzPts val="1000"/>
+              <a:buFont typeface="Arial"/>
+              <a:buNone/>
+              <a:defRPr b="0" i="0" sz="1000" u="none" cap="none" strike="noStrike">
+                <a:solidFill>
+                  <a:schemeClr val="dk2"/>
+                </a:solidFill>
+                <a:latin typeface="Arial"/>
+                <a:ea typeface="Arial"/>
+                <a:cs typeface="Arial"/>
+                <a:sym typeface="Arial"/>
+              </a:defRPr>
             </a:lvl3pPr>
-            <a:lvl4pPr lvl="3" rtl="0">
-              <a:buNone/>
-              <a:defRPr/>
+            <a:lvl4pPr indent="0" lvl="3" marL="0" marR="0" algn="r">
+              <a:lnSpc>
+                <a:spcPct val="100000"/>
+              </a:lnSpc>
+              <a:spcBef>
+                <a:spcPts val="0"/>
+              </a:spcBef>
+              <a:spcAft>
+                <a:spcPts val="0"/>
+              </a:spcAft>
+              <a:buClr>
+                <a:srgbClr val="000000"/>
+              </a:buClr>
+              <a:buSzPts val="1000"/>
+              <a:buFont typeface="Arial"/>
+              <a:buNone/>
+              <a:defRPr b="0" i="0" sz="1000" u="none" cap="none" strike="noStrike">
+                <a:solidFill>
+                  <a:schemeClr val="dk2"/>
+                </a:solidFill>
+                <a:latin typeface="Arial"/>
+                <a:ea typeface="Arial"/>
+                <a:cs typeface="Arial"/>
+                <a:sym typeface="Arial"/>
+              </a:defRPr>
             </a:lvl4pPr>
-            <a:lvl5pPr lvl="4" rtl="0">
-              <a:buNone/>
-              <a:defRPr/>
+            <a:lvl5pPr indent="0" lvl="4" marL="0" marR="0" algn="r">
+              <a:lnSpc>
+                <a:spcPct val="100000"/>
+              </a:lnSpc>
+              <a:spcBef>
+                <a:spcPts val="0"/>
+              </a:spcBef>
+              <a:spcAft>
+                <a:spcPts val="0"/>
+              </a:spcAft>
+              <a:buClr>
+                <a:srgbClr val="000000"/>
+              </a:buClr>
+              <a:buSzPts val="1000"/>
+              <a:buFont typeface="Arial"/>
+              <a:buNone/>
+              <a:defRPr b="0" i="0" sz="1000" u="none" cap="none" strike="noStrike">
+                <a:solidFill>
+                  <a:schemeClr val="dk2"/>
+                </a:solidFill>
+                <a:latin typeface="Arial"/>
+                <a:ea typeface="Arial"/>
+                <a:cs typeface="Arial"/>
+                <a:sym typeface="Arial"/>
+              </a:defRPr>
             </a:lvl5pPr>
-            <a:lvl6pPr lvl="5" rtl="0">
-              <a:buNone/>
-              <a:defRPr/>
+            <a:lvl6pPr indent="0" lvl="5" marL="0" marR="0" algn="r">
+              <a:lnSpc>
+                <a:spcPct val="100000"/>
+              </a:lnSpc>
+              <a:spcBef>
+                <a:spcPts val="0"/>
+              </a:spcBef>
+              <a:spcAft>
+                <a:spcPts val="0"/>
+              </a:spcAft>
+              <a:buClr>
+                <a:srgbClr val="000000"/>
+              </a:buClr>
+              <a:buSzPts val="1000"/>
+              <a:buFont typeface="Arial"/>
+              <a:buNone/>
+              <a:defRPr b="0" i="0" sz="1000" u="none" cap="none" strike="noStrike">
+                <a:solidFill>
+                  <a:schemeClr val="dk2"/>
+                </a:solidFill>
+                <a:latin typeface="Arial"/>
+                <a:ea typeface="Arial"/>
+                <a:cs typeface="Arial"/>
+                <a:sym typeface="Arial"/>
+              </a:defRPr>
             </a:lvl6pPr>
-            <a:lvl7pPr lvl="6" rtl="0">
-              <a:buNone/>
-              <a:defRPr/>
+            <a:lvl7pPr indent="0" lvl="6" marL="0" marR="0" algn="r">
+              <a:lnSpc>
+                <a:spcPct val="100000"/>
+              </a:lnSpc>
+              <a:spcBef>
+                <a:spcPts val="0"/>
+              </a:spcBef>
+              <a:spcAft>
+                <a:spcPts val="0"/>
+              </a:spcAft>
+              <a:buClr>
+                <a:srgbClr val="000000"/>
+              </a:buClr>
+              <a:buSzPts val="1000"/>
+              <a:buFont typeface="Arial"/>
+              <a:buNone/>
+              <a:defRPr b="0" i="0" sz="1000" u="none" cap="none" strike="noStrike">
+                <a:solidFill>
+                  <a:schemeClr val="dk2"/>
+                </a:solidFill>
+                <a:latin typeface="Arial"/>
+                <a:ea typeface="Arial"/>
+                <a:cs typeface="Arial"/>
+                <a:sym typeface="Arial"/>
+              </a:defRPr>
             </a:lvl7pPr>
-            <a:lvl8pPr lvl="7" rtl="0">
-              <a:buNone/>
-              <a:defRPr/>
+            <a:lvl8pPr indent="0" lvl="7" marL="0" marR="0" algn="r">
+              <a:lnSpc>
+                <a:spcPct val="100000"/>
+              </a:lnSpc>
+              <a:spcBef>
+                <a:spcPts val="0"/>
+              </a:spcBef>
+              <a:spcAft>
+                <a:spcPts val="0"/>
+              </a:spcAft>
+              <a:buClr>
+                <a:srgbClr val="000000"/>
+              </a:buClr>
+              <a:buSzPts val="1000"/>
+              <a:buFont typeface="Arial"/>
+              <a:buNone/>
+              <a:defRPr b="0" i="0" sz="1000" u="none" cap="none" strike="noStrike">
+                <a:solidFill>
+                  <a:schemeClr val="dk2"/>
+                </a:solidFill>
+                <a:latin typeface="Arial"/>
+                <a:ea typeface="Arial"/>
+                <a:cs typeface="Arial"/>
+                <a:sym typeface="Arial"/>
+              </a:defRPr>
             </a:lvl8pPr>
-            <a:lvl9pPr lvl="8" rtl="0">
-              <a:buNone/>
-              <a:defRPr/>
+            <a:lvl9pPr indent="0" lvl="8" marL="0" marR="0" algn="r">
+              <a:lnSpc>
+                <a:spcPct val="100000"/>
+              </a:lnSpc>
+              <a:spcBef>
+                <a:spcPts val="0"/>
+              </a:spcBef>
+              <a:spcAft>
+                <a:spcPts val="0"/>
+              </a:spcAft>
+              <a:buClr>
+                <a:srgbClr val="000000"/>
+              </a:buClr>
+              <a:buSzPts val="1000"/>
+              <a:buFont typeface="Arial"/>
+              <a:buNone/>
+              <a:defRPr b="0" i="0" sz="1000" u="none" cap="none" strike="noStrike">
+                <a:solidFill>
+                  <a:schemeClr val="dk2"/>
+                </a:solidFill>
+                <a:latin typeface="Arial"/>
+                <a:ea typeface="Arial"/>
+                <a:cs typeface="Arial"/>
+                <a:sym typeface="Arial"/>
+              </a:defRPr>
             </a:lvl9pPr>
           </a:lstStyle>
           <a:p>
@@ -9065,12 +11272,12 @@
 </p:sldLayout>
 </file>
 
-<file path=ppt/slideLayouts/slideLayout6.xml><?xml version="1.0" encoding="utf-8"?>
+<file path=ppt/slideLayouts/slideLayout7.xml><?xml version="1.0" encoding="utf-8"?>
 <p:sldLayout xmlns:a="http://schemas.openxmlformats.org/drawingml/2006/main" xmlns:r="http://schemas.openxmlformats.org/officeDocument/2006/relationships" xmlns:mc="http://schemas.openxmlformats.org/markup-compatibility/2006" xmlns:mv="urn:schemas-microsoft-com:mac:vml" xmlns:p="http://schemas.openxmlformats.org/presentationml/2006/main" xmlns:c="http://schemas.openxmlformats.org/drawingml/2006/chart" xmlns:dgm="http://schemas.openxmlformats.org/drawingml/2006/diagram" xmlns:o="urn:schemas-microsoft-com:office:office" xmlns:v="urn:schemas-microsoft-com:vml" xmlns:pvml="urn:schemas-microsoft-com:office:powerpoint" xmlns:com="http://schemas.openxmlformats.org/drawingml/2006/compatibility" xmlns:p14="http://schemas.microsoft.com/office/powerpoint/2010/main" xmlns:p15="http://schemas.microsoft.com/office/powerpoint/2012/main" xmlns:ahyp="http://schemas.microsoft.com/office/drawing/2018/hyperlinkcolor" matchingName="One column text">
   <p:cSld name="ONE_COLUMN_TEXT">
     <p:spTree>
       <p:nvGrpSpPr>
-        <p:cNvPr id="32" name="Shape 32"/>
+        <p:cNvPr id="38" name="Shape 38"/>
         <p:cNvGrpSpPr/>
         <p:nvPr/>
       </p:nvGrpSpPr>
@@ -9084,7 +11291,7 @@
       </p:grpSpPr>
       <p:sp>
         <p:nvSpPr>
-          <p:cNvPr id="33" name="Google Shape;33;p7"/>
+          <p:cNvPr id="39" name="Google Shape;39;p8"/>
           <p:cNvSpPr txBox="1"/>
           <p:nvPr>
             <p:ph type="title"/>
@@ -9098,13 +11305,20 @@
           <a:prstGeom prst="rect">
             <a:avLst/>
           </a:prstGeom>
+          <a:noFill/>
+          <a:ln>
+            <a:noFill/>
+          </a:ln>
         </p:spPr>
         <p:txBody>
           <a:bodyPr anchorCtr="0" anchor="b" bIns="91425" lIns="91425" spcFirstLastPara="1" rIns="91425" wrap="square" tIns="91425">
             <a:normAutofit/>
           </a:bodyPr>
           <a:lstStyle>
-            <a:lvl1pPr lvl="0" rtl="0">
+            <a:lvl1pPr lvl="0" algn="l">
+              <a:lnSpc>
+                <a:spcPct val="100000"/>
+              </a:lnSpc>
               <a:spcBef>
                 <a:spcPts val="0"/>
               </a:spcBef>
@@ -9115,7 +11329,10 @@
               <a:buNone/>
               <a:defRPr sz="2400"/>
             </a:lvl1pPr>
-            <a:lvl2pPr lvl="1" rtl="0">
+            <a:lvl2pPr lvl="1" algn="l">
+              <a:lnSpc>
+                <a:spcPct val="100000"/>
+              </a:lnSpc>
               <a:spcBef>
                 <a:spcPts val="0"/>
               </a:spcBef>
@@ -9126,7 +11343,10 @@
               <a:buNone/>
               <a:defRPr sz="2400"/>
             </a:lvl2pPr>
-            <a:lvl3pPr lvl="2" rtl="0">
+            <a:lvl3pPr lvl="2" algn="l">
+              <a:lnSpc>
+                <a:spcPct val="100000"/>
+              </a:lnSpc>
               <a:spcBef>
                 <a:spcPts val="0"/>
               </a:spcBef>
@@ -9137,7 +11357,10 @@
               <a:buNone/>
               <a:defRPr sz="2400"/>
             </a:lvl3pPr>
-            <a:lvl4pPr lvl="3" rtl="0">
+            <a:lvl4pPr lvl="3" algn="l">
+              <a:lnSpc>
+                <a:spcPct val="100000"/>
+              </a:lnSpc>
               <a:spcBef>
                 <a:spcPts val="0"/>
               </a:spcBef>
@@ -9148,7 +11371,10 @@
               <a:buNone/>
               <a:defRPr sz="2400"/>
             </a:lvl4pPr>
-            <a:lvl5pPr lvl="4" rtl="0">
+            <a:lvl5pPr lvl="4" algn="l">
+              <a:lnSpc>
+                <a:spcPct val="100000"/>
+              </a:lnSpc>
               <a:spcBef>
                 <a:spcPts val="0"/>
               </a:spcBef>
@@ -9159,7 +11385,10 @@
               <a:buNone/>
               <a:defRPr sz="2400"/>
             </a:lvl5pPr>
-            <a:lvl6pPr lvl="5" rtl="0">
+            <a:lvl6pPr lvl="5" algn="l">
+              <a:lnSpc>
+                <a:spcPct val="100000"/>
+              </a:lnSpc>
               <a:spcBef>
                 <a:spcPts val="0"/>
               </a:spcBef>
@@ -9170,7 +11399,10 @@
               <a:buNone/>
               <a:defRPr sz="2400"/>
             </a:lvl6pPr>
-            <a:lvl7pPr lvl="6" rtl="0">
+            <a:lvl7pPr lvl="6" algn="l">
+              <a:lnSpc>
+                <a:spcPct val="100000"/>
+              </a:lnSpc>
               <a:spcBef>
                 <a:spcPts val="0"/>
               </a:spcBef>
@@ -9181,7 +11413,10 @@
               <a:buNone/>
               <a:defRPr sz="2400"/>
             </a:lvl7pPr>
-            <a:lvl8pPr lvl="7" rtl="0">
+            <a:lvl8pPr lvl="7" algn="l">
+              <a:lnSpc>
+                <a:spcPct val="100000"/>
+              </a:lnSpc>
               <a:spcBef>
                 <a:spcPts val="0"/>
               </a:spcBef>
@@ -9192,7 +11427,10 @@
               <a:buNone/>
               <a:defRPr sz="2400"/>
             </a:lvl8pPr>
-            <a:lvl9pPr lvl="8" rtl="0">
+            <a:lvl9pPr lvl="8" algn="l">
+              <a:lnSpc>
+                <a:spcPct val="100000"/>
+              </a:lnSpc>
               <a:spcBef>
                 <a:spcPts val="0"/>
               </a:spcBef>
@@ -9209,7 +11447,7 @@
       </p:sp>
       <p:sp>
         <p:nvSpPr>
-          <p:cNvPr id="34" name="Google Shape;34;p7"/>
+          <p:cNvPr id="40" name="Google Shape;40;p8"/>
           <p:cNvSpPr txBox="1"/>
           <p:nvPr>
             <p:ph idx="1" type="body"/>
@@ -9223,13 +11461,20 @@
           <a:prstGeom prst="rect">
             <a:avLst/>
           </a:prstGeom>
+          <a:noFill/>
+          <a:ln>
+            <a:noFill/>
+          </a:ln>
         </p:spPr>
         <p:txBody>
           <a:bodyPr anchorCtr="0" anchor="t" bIns="91425" lIns="91425" spcFirstLastPara="1" rIns="91425" wrap="square" tIns="91425">
             <a:normAutofit/>
           </a:bodyPr>
           <a:lstStyle>
-            <a:lvl1pPr indent="-304800" lvl="0" marL="457200" rtl="0">
+            <a:lvl1pPr indent="-304800" lvl="0" marL="457200" algn="l">
+              <a:lnSpc>
+                <a:spcPct val="115000"/>
+              </a:lnSpc>
               <a:spcBef>
                 <a:spcPts val="0"/>
               </a:spcBef>
@@ -9240,7 +11485,10 @@
               <a:buChar char="●"/>
               <a:defRPr sz="1200"/>
             </a:lvl1pPr>
-            <a:lvl2pPr indent="-304800" lvl="1" marL="914400" rtl="0">
+            <a:lvl2pPr indent="-304800" lvl="1" marL="914400" algn="l">
+              <a:lnSpc>
+                <a:spcPct val="115000"/>
+              </a:lnSpc>
               <a:spcBef>
                 <a:spcPts val="0"/>
               </a:spcBef>
@@ -9251,7 +11499,10 @@
               <a:buChar char="○"/>
               <a:defRPr sz="1200"/>
             </a:lvl2pPr>
-            <a:lvl3pPr indent="-304800" lvl="2" marL="1371600" rtl="0">
+            <a:lvl3pPr indent="-304800" lvl="2" marL="1371600" algn="l">
+              <a:lnSpc>
+                <a:spcPct val="115000"/>
+              </a:lnSpc>
               <a:spcBef>
                 <a:spcPts val="0"/>
               </a:spcBef>
@@ -9262,7 +11513,10 @@
               <a:buChar char="■"/>
               <a:defRPr sz="1200"/>
             </a:lvl3pPr>
-            <a:lvl4pPr indent="-304800" lvl="3" marL="1828800" rtl="0">
+            <a:lvl4pPr indent="-304800" lvl="3" marL="1828800" algn="l">
+              <a:lnSpc>
+                <a:spcPct val="115000"/>
+              </a:lnSpc>
               <a:spcBef>
                 <a:spcPts val="0"/>
               </a:spcBef>
@@ -9273,7 +11527,10 @@
               <a:buChar char="●"/>
               <a:defRPr sz="1200"/>
             </a:lvl4pPr>
-            <a:lvl5pPr indent="-304800" lvl="4" marL="2286000" rtl="0">
+            <a:lvl5pPr indent="-304800" lvl="4" marL="2286000" algn="l">
+              <a:lnSpc>
+                <a:spcPct val="115000"/>
+              </a:lnSpc>
               <a:spcBef>
                 <a:spcPts val="0"/>
               </a:spcBef>
@@ -9284,7 +11541,10 @@
               <a:buChar char="○"/>
               <a:defRPr sz="1200"/>
             </a:lvl5pPr>
-            <a:lvl6pPr indent="-304800" lvl="5" marL="2743200" rtl="0">
+            <a:lvl6pPr indent="-304800" lvl="5" marL="2743200" algn="l">
+              <a:lnSpc>
+                <a:spcPct val="115000"/>
+              </a:lnSpc>
               <a:spcBef>
                 <a:spcPts val="0"/>
               </a:spcBef>
@@ -9295,7 +11555,10 @@
               <a:buChar char="■"/>
               <a:defRPr sz="1200"/>
             </a:lvl6pPr>
-            <a:lvl7pPr indent="-304800" lvl="6" marL="3200400" rtl="0">
+            <a:lvl7pPr indent="-304800" lvl="6" marL="3200400" algn="l">
+              <a:lnSpc>
+                <a:spcPct val="115000"/>
+              </a:lnSpc>
               <a:spcBef>
                 <a:spcPts val="0"/>
               </a:spcBef>
@@ -9306,7 +11569,10 @@
               <a:buChar char="●"/>
               <a:defRPr sz="1200"/>
             </a:lvl7pPr>
-            <a:lvl8pPr indent="-304800" lvl="7" marL="3657600" rtl="0">
+            <a:lvl8pPr indent="-304800" lvl="7" marL="3657600" algn="l">
+              <a:lnSpc>
+                <a:spcPct val="115000"/>
+              </a:lnSpc>
               <a:spcBef>
                 <a:spcPts val="0"/>
               </a:spcBef>
@@ -9317,7 +11583,10 @@
               <a:buChar char="○"/>
               <a:defRPr sz="1200"/>
             </a:lvl8pPr>
-            <a:lvl9pPr indent="-304800" lvl="8" marL="4114800" rtl="0">
+            <a:lvl9pPr indent="-304800" lvl="8" marL="4114800" algn="l">
+              <a:lnSpc>
+                <a:spcPct val="115000"/>
+              </a:lnSpc>
               <a:spcBef>
                 <a:spcPts val="0"/>
               </a:spcBef>
@@ -9334,7 +11603,7 @@
       </p:sp>
       <p:sp>
         <p:nvSpPr>
-          <p:cNvPr id="35" name="Google Shape;35;p7"/>
+          <p:cNvPr id="41" name="Google Shape;41;p8"/>
           <p:cNvSpPr txBox="1"/>
           <p:nvPr>
             <p:ph idx="12" type="sldNum"/>
@@ -9348,47 +11617,249 @@
           <a:prstGeom prst="rect">
             <a:avLst/>
           </a:prstGeom>
+          <a:noFill/>
+          <a:ln>
+            <a:noFill/>
+          </a:ln>
         </p:spPr>
         <p:txBody>
           <a:bodyPr anchorCtr="0" anchor="ctr" bIns="91425" lIns="91425" spcFirstLastPara="1" rIns="91425" wrap="square" tIns="91425">
             <a:normAutofit/>
           </a:bodyPr>
           <a:lstStyle>
-            <a:lvl1pPr lvl="0" rtl="0">
-              <a:buNone/>
-              <a:defRPr/>
+            <a:lvl1pPr indent="0" lvl="0" marL="0" marR="0" algn="r">
+              <a:lnSpc>
+                <a:spcPct val="100000"/>
+              </a:lnSpc>
+              <a:spcBef>
+                <a:spcPts val="0"/>
+              </a:spcBef>
+              <a:spcAft>
+                <a:spcPts val="0"/>
+              </a:spcAft>
+              <a:buClr>
+                <a:srgbClr val="000000"/>
+              </a:buClr>
+              <a:buSzPts val="1000"/>
+              <a:buFont typeface="Arial"/>
+              <a:buNone/>
+              <a:defRPr b="0" i="0" sz="1000" u="none" cap="none" strike="noStrike">
+                <a:solidFill>
+                  <a:schemeClr val="dk2"/>
+                </a:solidFill>
+                <a:latin typeface="Arial"/>
+                <a:ea typeface="Arial"/>
+                <a:cs typeface="Arial"/>
+                <a:sym typeface="Arial"/>
+              </a:defRPr>
             </a:lvl1pPr>
-            <a:lvl2pPr lvl="1" rtl="0">
-              <a:buNone/>
-              <a:defRPr/>
+            <a:lvl2pPr indent="0" lvl="1" marL="0" marR="0" algn="r">
+              <a:lnSpc>
+                <a:spcPct val="100000"/>
+              </a:lnSpc>
+              <a:spcBef>
+                <a:spcPts val="0"/>
+              </a:spcBef>
+              <a:spcAft>
+                <a:spcPts val="0"/>
+              </a:spcAft>
+              <a:buClr>
+                <a:srgbClr val="000000"/>
+              </a:buClr>
+              <a:buSzPts val="1000"/>
+              <a:buFont typeface="Arial"/>
+              <a:buNone/>
+              <a:defRPr b="0" i="0" sz="1000" u="none" cap="none" strike="noStrike">
+                <a:solidFill>
+                  <a:schemeClr val="dk2"/>
+                </a:solidFill>
+                <a:latin typeface="Arial"/>
+                <a:ea typeface="Arial"/>
+                <a:cs typeface="Arial"/>
+                <a:sym typeface="Arial"/>
+              </a:defRPr>
             </a:lvl2pPr>
-            <a:lvl3pPr lvl="2" rtl="0">
-              <a:buNone/>
-              <a:defRPr/>
+            <a:lvl3pPr indent="0" lvl="2" marL="0" marR="0" algn="r">
+              <a:lnSpc>
+                <a:spcPct val="100000"/>
+              </a:lnSpc>
+              <a:spcBef>
+                <a:spcPts val="0"/>
+              </a:spcBef>
+              <a:spcAft>
+                <a:spcPts val="0"/>
+              </a:spcAft>
+              <a:buClr>
+                <a:srgbClr val="000000"/>
+              </a:buClr>
+              <a:buSzPts val="1000"/>
+              <a:buFont typeface="Arial"/>
+              <a:buNone/>
+              <a:defRPr b="0" i="0" sz="1000" u="none" cap="none" strike="noStrike">
+                <a:solidFill>
+                  <a:schemeClr val="dk2"/>
+                </a:solidFill>
+                <a:latin typeface="Arial"/>
+                <a:ea typeface="Arial"/>
+                <a:cs typeface="Arial"/>
+                <a:sym typeface="Arial"/>
+              </a:defRPr>
             </a:lvl3pPr>
-            <a:lvl4pPr lvl="3" rtl="0">
-              <a:buNone/>
-              <a:defRPr/>
+            <a:lvl4pPr indent="0" lvl="3" marL="0" marR="0" algn="r">
+              <a:lnSpc>
+                <a:spcPct val="100000"/>
+              </a:lnSpc>
+              <a:spcBef>
+                <a:spcPts val="0"/>
+              </a:spcBef>
+              <a:spcAft>
+                <a:spcPts val="0"/>
+              </a:spcAft>
+              <a:buClr>
+                <a:srgbClr val="000000"/>
+              </a:buClr>
+              <a:buSzPts val="1000"/>
+              <a:buFont typeface="Arial"/>
+              <a:buNone/>
+              <a:defRPr b="0" i="0" sz="1000" u="none" cap="none" strike="noStrike">
+                <a:solidFill>
+                  <a:schemeClr val="dk2"/>
+                </a:solidFill>
+                <a:latin typeface="Arial"/>
+                <a:ea typeface="Arial"/>
+                <a:cs typeface="Arial"/>
+                <a:sym typeface="Arial"/>
+              </a:defRPr>
             </a:lvl4pPr>
-            <a:lvl5pPr lvl="4" rtl="0">
-              <a:buNone/>
-              <a:defRPr/>
+            <a:lvl5pPr indent="0" lvl="4" marL="0" marR="0" algn="r">
+              <a:lnSpc>
+                <a:spcPct val="100000"/>
+              </a:lnSpc>
+              <a:spcBef>
+                <a:spcPts val="0"/>
+              </a:spcBef>
+              <a:spcAft>
+                <a:spcPts val="0"/>
+              </a:spcAft>
+              <a:buClr>
+                <a:srgbClr val="000000"/>
+              </a:buClr>
+              <a:buSzPts val="1000"/>
+              <a:buFont typeface="Arial"/>
+              <a:buNone/>
+              <a:defRPr b="0" i="0" sz="1000" u="none" cap="none" strike="noStrike">
+                <a:solidFill>
+                  <a:schemeClr val="dk2"/>
+                </a:solidFill>
+                <a:latin typeface="Arial"/>
+                <a:ea typeface="Arial"/>
+                <a:cs typeface="Arial"/>
+                <a:sym typeface="Arial"/>
+              </a:defRPr>
             </a:lvl5pPr>
-            <a:lvl6pPr lvl="5" rtl="0">
-              <a:buNone/>
-              <a:defRPr/>
+            <a:lvl6pPr indent="0" lvl="5" marL="0" marR="0" algn="r">
+              <a:lnSpc>
+                <a:spcPct val="100000"/>
+              </a:lnSpc>
+              <a:spcBef>
+                <a:spcPts val="0"/>
+              </a:spcBef>
+              <a:spcAft>
+                <a:spcPts val="0"/>
+              </a:spcAft>
+              <a:buClr>
+                <a:srgbClr val="000000"/>
+              </a:buClr>
+              <a:buSzPts val="1000"/>
+              <a:buFont typeface="Arial"/>
+              <a:buNone/>
+              <a:defRPr b="0" i="0" sz="1000" u="none" cap="none" strike="noStrike">
+                <a:solidFill>
+                  <a:schemeClr val="dk2"/>
+                </a:solidFill>
+                <a:latin typeface="Arial"/>
+                <a:ea typeface="Arial"/>
+                <a:cs typeface="Arial"/>
+                <a:sym typeface="Arial"/>
+              </a:defRPr>
             </a:lvl6pPr>
-            <a:lvl7pPr lvl="6" rtl="0">
-              <a:buNone/>
-              <a:defRPr/>
+            <a:lvl7pPr indent="0" lvl="6" marL="0" marR="0" algn="r">
+              <a:lnSpc>
+                <a:spcPct val="100000"/>
+              </a:lnSpc>
+              <a:spcBef>
+                <a:spcPts val="0"/>
+              </a:spcBef>
+              <a:spcAft>
+                <a:spcPts val="0"/>
+              </a:spcAft>
+              <a:buClr>
+                <a:srgbClr val="000000"/>
+              </a:buClr>
+              <a:buSzPts val="1000"/>
+              <a:buFont typeface="Arial"/>
+              <a:buNone/>
+              <a:defRPr b="0" i="0" sz="1000" u="none" cap="none" strike="noStrike">
+                <a:solidFill>
+                  <a:schemeClr val="dk2"/>
+                </a:solidFill>
+                <a:latin typeface="Arial"/>
+                <a:ea typeface="Arial"/>
+                <a:cs typeface="Arial"/>
+                <a:sym typeface="Arial"/>
+              </a:defRPr>
             </a:lvl7pPr>
-            <a:lvl8pPr lvl="7" rtl="0">
-              <a:buNone/>
-              <a:defRPr/>
+            <a:lvl8pPr indent="0" lvl="7" marL="0" marR="0" algn="r">
+              <a:lnSpc>
+                <a:spcPct val="100000"/>
+              </a:lnSpc>
+              <a:spcBef>
+                <a:spcPts val="0"/>
+              </a:spcBef>
+              <a:spcAft>
+                <a:spcPts val="0"/>
+              </a:spcAft>
+              <a:buClr>
+                <a:srgbClr val="000000"/>
+              </a:buClr>
+              <a:buSzPts val="1000"/>
+              <a:buFont typeface="Arial"/>
+              <a:buNone/>
+              <a:defRPr b="0" i="0" sz="1000" u="none" cap="none" strike="noStrike">
+                <a:solidFill>
+                  <a:schemeClr val="dk2"/>
+                </a:solidFill>
+                <a:latin typeface="Arial"/>
+                <a:ea typeface="Arial"/>
+                <a:cs typeface="Arial"/>
+                <a:sym typeface="Arial"/>
+              </a:defRPr>
             </a:lvl8pPr>
-            <a:lvl9pPr lvl="8" rtl="0">
-              <a:buNone/>
-              <a:defRPr/>
+            <a:lvl9pPr indent="0" lvl="8" marL="0" marR="0" algn="r">
+              <a:lnSpc>
+                <a:spcPct val="100000"/>
+              </a:lnSpc>
+              <a:spcBef>
+                <a:spcPts val="0"/>
+              </a:spcBef>
+              <a:spcAft>
+                <a:spcPts val="0"/>
+              </a:spcAft>
+              <a:buClr>
+                <a:srgbClr val="000000"/>
+              </a:buClr>
+              <a:buSzPts val="1000"/>
+              <a:buFont typeface="Arial"/>
+              <a:buNone/>
+              <a:defRPr b="0" i="0" sz="1000" u="none" cap="none" strike="noStrike">
+                <a:solidFill>
+                  <a:schemeClr val="dk2"/>
+                </a:solidFill>
+                <a:latin typeface="Arial"/>
+                <a:ea typeface="Arial"/>
+                <a:cs typeface="Arial"/>
+                <a:sym typeface="Arial"/>
+              </a:defRPr>
             </a:lvl9pPr>
           </a:lstStyle>
           <a:p>
@@ -9417,12 +11888,12 @@
 </p:sldLayout>
 </file>
 
-<file path=ppt/slideLayouts/slideLayout7.xml><?xml version="1.0" encoding="utf-8"?>
+<file path=ppt/slideLayouts/slideLayout8.xml><?xml version="1.0" encoding="utf-8"?>
 <p:sldLayout xmlns:a="http://schemas.openxmlformats.org/drawingml/2006/main" xmlns:r="http://schemas.openxmlformats.org/officeDocument/2006/relationships" xmlns:mc="http://schemas.openxmlformats.org/markup-compatibility/2006" xmlns:mv="urn:schemas-microsoft-com:mac:vml" xmlns:p="http://schemas.openxmlformats.org/presentationml/2006/main" xmlns:c="http://schemas.openxmlformats.org/drawingml/2006/chart" xmlns:dgm="http://schemas.openxmlformats.org/drawingml/2006/diagram" xmlns:o="urn:schemas-microsoft-com:office:office" xmlns:v="urn:schemas-microsoft-com:vml" xmlns:pvml="urn:schemas-microsoft-com:office:powerpoint" xmlns:com="http://schemas.openxmlformats.org/drawingml/2006/compatibility" xmlns:p14="http://schemas.microsoft.com/office/powerpoint/2010/main" xmlns:p15="http://schemas.microsoft.com/office/powerpoint/2012/main" xmlns:ahyp="http://schemas.microsoft.com/office/drawing/2018/hyperlinkcolor" matchingName="Main point">
   <p:cSld name="MAIN_POINT">
     <p:spTree>
       <p:nvGrpSpPr>
-        <p:cNvPr id="36" name="Shape 36"/>
+        <p:cNvPr id="42" name="Shape 42"/>
         <p:cNvGrpSpPr/>
         <p:nvPr/>
       </p:nvGrpSpPr>
@@ -9436,7 +11907,7 @@
       </p:grpSpPr>
       <p:sp>
         <p:nvSpPr>
-          <p:cNvPr id="37" name="Google Shape;37;p8"/>
+          <p:cNvPr id="43" name="Google Shape;43;p9"/>
           <p:cNvSpPr txBox="1"/>
           <p:nvPr>
             <p:ph type="title"/>
@@ -9450,13 +11921,20 @@
           <a:prstGeom prst="rect">
             <a:avLst/>
           </a:prstGeom>
+          <a:noFill/>
+          <a:ln>
+            <a:noFill/>
+          </a:ln>
         </p:spPr>
         <p:txBody>
           <a:bodyPr anchorCtr="0" anchor="ctr" bIns="91425" lIns="91425" spcFirstLastPara="1" rIns="91425" wrap="square" tIns="91425">
             <a:normAutofit/>
           </a:bodyPr>
           <a:lstStyle>
-            <a:lvl1pPr lvl="0" rtl="0">
+            <a:lvl1pPr lvl="0" algn="l">
+              <a:lnSpc>
+                <a:spcPct val="100000"/>
+              </a:lnSpc>
               <a:spcBef>
                 <a:spcPts val="0"/>
               </a:spcBef>
@@ -9467,7 +11945,10 @@
               <a:buNone/>
               <a:defRPr sz="4800"/>
             </a:lvl1pPr>
-            <a:lvl2pPr lvl="1" rtl="0">
+            <a:lvl2pPr lvl="1" algn="l">
+              <a:lnSpc>
+                <a:spcPct val="100000"/>
+              </a:lnSpc>
               <a:spcBef>
                 <a:spcPts val="0"/>
               </a:spcBef>
@@ -9478,7 +11959,10 @@
               <a:buNone/>
               <a:defRPr sz="4800"/>
             </a:lvl2pPr>
-            <a:lvl3pPr lvl="2" rtl="0">
+            <a:lvl3pPr lvl="2" algn="l">
+              <a:lnSpc>
+                <a:spcPct val="100000"/>
+              </a:lnSpc>
               <a:spcBef>
                 <a:spcPts val="0"/>
               </a:spcBef>
@@ -9489,7 +11973,10 @@
               <a:buNone/>
               <a:defRPr sz="4800"/>
             </a:lvl3pPr>
-            <a:lvl4pPr lvl="3" rtl="0">
+            <a:lvl4pPr lvl="3" algn="l">
+              <a:lnSpc>
+                <a:spcPct val="100000"/>
+              </a:lnSpc>
               <a:spcBef>
                 <a:spcPts val="0"/>
               </a:spcBef>
@@ -9500,7 +11987,10 @@
               <a:buNone/>
               <a:defRPr sz="4800"/>
             </a:lvl4pPr>
-            <a:lvl5pPr lvl="4" rtl="0">
+            <a:lvl5pPr lvl="4" algn="l">
+              <a:lnSpc>
+                <a:spcPct val="100000"/>
+              </a:lnSpc>
               <a:spcBef>
                 <a:spcPts val="0"/>
               </a:spcBef>
@@ -9511,7 +12001,10 @@
               <a:buNone/>
               <a:defRPr sz="4800"/>
             </a:lvl5pPr>
-            <a:lvl6pPr lvl="5" rtl="0">
+            <a:lvl6pPr lvl="5" algn="l">
+              <a:lnSpc>
+                <a:spcPct val="100000"/>
+              </a:lnSpc>
               <a:spcBef>
                 <a:spcPts val="0"/>
               </a:spcBef>
@@ -9522,7 +12015,10 @@
               <a:buNone/>
               <a:defRPr sz="4800"/>
             </a:lvl6pPr>
-            <a:lvl7pPr lvl="6" rtl="0">
+            <a:lvl7pPr lvl="6" algn="l">
+              <a:lnSpc>
+                <a:spcPct val="100000"/>
+              </a:lnSpc>
               <a:spcBef>
                 <a:spcPts val="0"/>
               </a:spcBef>
@@ -9533,7 +12029,10 @@
               <a:buNone/>
               <a:defRPr sz="4800"/>
             </a:lvl7pPr>
-            <a:lvl8pPr lvl="7" rtl="0">
+            <a:lvl8pPr lvl="7" algn="l">
+              <a:lnSpc>
+                <a:spcPct val="100000"/>
+              </a:lnSpc>
               <a:spcBef>
                 <a:spcPts val="0"/>
               </a:spcBef>
@@ -9544,7 +12043,10 @@
               <a:buNone/>
               <a:defRPr sz="4800"/>
             </a:lvl8pPr>
-            <a:lvl9pPr lvl="8" rtl="0">
+            <a:lvl9pPr lvl="8" algn="l">
+              <a:lnSpc>
+                <a:spcPct val="100000"/>
+              </a:lnSpc>
               <a:spcBef>
                 <a:spcPts val="0"/>
               </a:spcBef>
@@ -9561,7 +12063,7 @@
       </p:sp>
       <p:sp>
         <p:nvSpPr>
-          <p:cNvPr id="38" name="Google Shape;38;p8"/>
+          <p:cNvPr id="44" name="Google Shape;44;p9"/>
           <p:cNvSpPr txBox="1"/>
           <p:nvPr>
             <p:ph idx="12" type="sldNum"/>
@@ -9575,47 +12077,249 @@
           <a:prstGeom prst="rect">
             <a:avLst/>
           </a:prstGeom>
+          <a:noFill/>
+          <a:ln>
+            <a:noFill/>
+          </a:ln>
         </p:spPr>
         <p:txBody>
           <a:bodyPr anchorCtr="0" anchor="ctr" bIns="91425" lIns="91425" spcFirstLastPara="1" rIns="91425" wrap="square" tIns="91425">
             <a:normAutofit/>
           </a:bodyPr>
           <a:lstStyle>
-            <a:lvl1pPr lvl="0" rtl="0">
-              <a:buNone/>
-              <a:defRPr/>
+            <a:lvl1pPr indent="0" lvl="0" marL="0" marR="0" algn="r">
+              <a:lnSpc>
+                <a:spcPct val="100000"/>
+              </a:lnSpc>
+              <a:spcBef>
+                <a:spcPts val="0"/>
+              </a:spcBef>
+              <a:spcAft>
+                <a:spcPts val="0"/>
+              </a:spcAft>
+              <a:buClr>
+                <a:srgbClr val="000000"/>
+              </a:buClr>
+              <a:buSzPts val="1000"/>
+              <a:buFont typeface="Arial"/>
+              <a:buNone/>
+              <a:defRPr b="0" i="0" sz="1000" u="none" cap="none" strike="noStrike">
+                <a:solidFill>
+                  <a:schemeClr val="dk2"/>
+                </a:solidFill>
+                <a:latin typeface="Arial"/>
+                <a:ea typeface="Arial"/>
+                <a:cs typeface="Arial"/>
+                <a:sym typeface="Arial"/>
+              </a:defRPr>
             </a:lvl1pPr>
-            <a:lvl2pPr lvl="1" rtl="0">
-              <a:buNone/>
-              <a:defRPr/>
+            <a:lvl2pPr indent="0" lvl="1" marL="0" marR="0" algn="r">
+              <a:lnSpc>
+                <a:spcPct val="100000"/>
+              </a:lnSpc>
+              <a:spcBef>
+                <a:spcPts val="0"/>
+              </a:spcBef>
+              <a:spcAft>
+                <a:spcPts val="0"/>
+              </a:spcAft>
+              <a:buClr>
+                <a:srgbClr val="000000"/>
+              </a:buClr>
+              <a:buSzPts val="1000"/>
+              <a:buFont typeface="Arial"/>
+              <a:buNone/>
+              <a:defRPr b="0" i="0" sz="1000" u="none" cap="none" strike="noStrike">
+                <a:solidFill>
+                  <a:schemeClr val="dk2"/>
+                </a:solidFill>
+                <a:latin typeface="Arial"/>
+                <a:ea typeface="Arial"/>
+                <a:cs typeface="Arial"/>
+                <a:sym typeface="Arial"/>
+              </a:defRPr>
             </a:lvl2pPr>
-            <a:lvl3pPr lvl="2" rtl="0">
-              <a:buNone/>
-              <a:defRPr/>
+            <a:lvl3pPr indent="0" lvl="2" marL="0" marR="0" algn="r">
+              <a:lnSpc>
+                <a:spcPct val="100000"/>
+              </a:lnSpc>
+              <a:spcBef>
+                <a:spcPts val="0"/>
+              </a:spcBef>
+              <a:spcAft>
+                <a:spcPts val="0"/>
+              </a:spcAft>
+              <a:buClr>
+                <a:srgbClr val="000000"/>
+              </a:buClr>
+              <a:buSzPts val="1000"/>
+              <a:buFont typeface="Arial"/>
+              <a:buNone/>
+              <a:defRPr b="0" i="0" sz="1000" u="none" cap="none" strike="noStrike">
+                <a:solidFill>
+                  <a:schemeClr val="dk2"/>
+                </a:solidFill>
+                <a:latin typeface="Arial"/>
+                <a:ea typeface="Arial"/>
+                <a:cs typeface="Arial"/>
+                <a:sym typeface="Arial"/>
+              </a:defRPr>
             </a:lvl3pPr>
-            <a:lvl4pPr lvl="3" rtl="0">
-              <a:buNone/>
-              <a:defRPr/>
+            <a:lvl4pPr indent="0" lvl="3" marL="0" marR="0" algn="r">
+              <a:lnSpc>
+                <a:spcPct val="100000"/>
+              </a:lnSpc>
+              <a:spcBef>
+                <a:spcPts val="0"/>
+              </a:spcBef>
+              <a:spcAft>
+                <a:spcPts val="0"/>
+              </a:spcAft>
+              <a:buClr>
+                <a:srgbClr val="000000"/>
+              </a:buClr>
+              <a:buSzPts val="1000"/>
+              <a:buFont typeface="Arial"/>
+              <a:buNone/>
+              <a:defRPr b="0" i="0" sz="1000" u="none" cap="none" strike="noStrike">
+                <a:solidFill>
+                  <a:schemeClr val="dk2"/>
+                </a:solidFill>
+                <a:latin typeface="Arial"/>
+                <a:ea typeface="Arial"/>
+                <a:cs typeface="Arial"/>
+                <a:sym typeface="Arial"/>
+              </a:defRPr>
             </a:lvl4pPr>
-            <a:lvl5pPr lvl="4" rtl="0">
-              <a:buNone/>
-              <a:defRPr/>
+            <a:lvl5pPr indent="0" lvl="4" marL="0" marR="0" algn="r">
+              <a:lnSpc>
+                <a:spcPct val="100000"/>
+              </a:lnSpc>
+              <a:spcBef>
+                <a:spcPts val="0"/>
+              </a:spcBef>
+              <a:spcAft>
+                <a:spcPts val="0"/>
+              </a:spcAft>
+              <a:buClr>
+                <a:srgbClr val="000000"/>
+              </a:buClr>
+              <a:buSzPts val="1000"/>
+              <a:buFont typeface="Arial"/>
+              <a:buNone/>
+              <a:defRPr b="0" i="0" sz="1000" u="none" cap="none" strike="noStrike">
+                <a:solidFill>
+                  <a:schemeClr val="dk2"/>
+                </a:solidFill>
+                <a:latin typeface="Arial"/>
+                <a:ea typeface="Arial"/>
+                <a:cs typeface="Arial"/>
+                <a:sym typeface="Arial"/>
+              </a:defRPr>
             </a:lvl5pPr>
-            <a:lvl6pPr lvl="5" rtl="0">
-              <a:buNone/>
-              <a:defRPr/>
+            <a:lvl6pPr indent="0" lvl="5" marL="0" marR="0" algn="r">
+              <a:lnSpc>
+                <a:spcPct val="100000"/>
+              </a:lnSpc>
+              <a:spcBef>
+                <a:spcPts val="0"/>
+              </a:spcBef>
+              <a:spcAft>
+                <a:spcPts val="0"/>
+              </a:spcAft>
+              <a:buClr>
+                <a:srgbClr val="000000"/>
+              </a:buClr>
+              <a:buSzPts val="1000"/>
+              <a:buFont typeface="Arial"/>
+              <a:buNone/>
+              <a:defRPr b="0" i="0" sz="1000" u="none" cap="none" strike="noStrike">
+                <a:solidFill>
+                  <a:schemeClr val="dk2"/>
+                </a:solidFill>
+                <a:latin typeface="Arial"/>
+                <a:ea typeface="Arial"/>
+                <a:cs typeface="Arial"/>
+                <a:sym typeface="Arial"/>
+              </a:defRPr>
             </a:lvl6pPr>
-            <a:lvl7pPr lvl="6" rtl="0">
-              <a:buNone/>
-              <a:defRPr/>
+            <a:lvl7pPr indent="0" lvl="6" marL="0" marR="0" algn="r">
+              <a:lnSpc>
+                <a:spcPct val="100000"/>
+              </a:lnSpc>
+              <a:spcBef>
+                <a:spcPts val="0"/>
+              </a:spcBef>
+              <a:spcAft>
+                <a:spcPts val="0"/>
+              </a:spcAft>
+              <a:buClr>
+                <a:srgbClr val="000000"/>
+              </a:buClr>
+              <a:buSzPts val="1000"/>
+              <a:buFont typeface="Arial"/>
+              <a:buNone/>
+              <a:defRPr b="0" i="0" sz="1000" u="none" cap="none" strike="noStrike">
+                <a:solidFill>
+                  <a:schemeClr val="dk2"/>
+                </a:solidFill>
+                <a:latin typeface="Arial"/>
+                <a:ea typeface="Arial"/>
+                <a:cs typeface="Arial"/>
+                <a:sym typeface="Arial"/>
+              </a:defRPr>
             </a:lvl7pPr>
-            <a:lvl8pPr lvl="7" rtl="0">
-              <a:buNone/>
-              <a:defRPr/>
+            <a:lvl8pPr indent="0" lvl="7" marL="0" marR="0" algn="r">
+              <a:lnSpc>
+                <a:spcPct val="100000"/>
+              </a:lnSpc>
+              <a:spcBef>
+                <a:spcPts val="0"/>
+              </a:spcBef>
+              <a:spcAft>
+                <a:spcPts val="0"/>
+              </a:spcAft>
+              <a:buClr>
+                <a:srgbClr val="000000"/>
+              </a:buClr>
+              <a:buSzPts val="1000"/>
+              <a:buFont typeface="Arial"/>
+              <a:buNone/>
+              <a:defRPr b="0" i="0" sz="1000" u="none" cap="none" strike="noStrike">
+                <a:solidFill>
+                  <a:schemeClr val="dk2"/>
+                </a:solidFill>
+                <a:latin typeface="Arial"/>
+                <a:ea typeface="Arial"/>
+                <a:cs typeface="Arial"/>
+                <a:sym typeface="Arial"/>
+              </a:defRPr>
             </a:lvl8pPr>
-            <a:lvl9pPr lvl="8" rtl="0">
-              <a:buNone/>
-              <a:defRPr/>
+            <a:lvl9pPr indent="0" lvl="8" marL="0" marR="0" algn="r">
+              <a:lnSpc>
+                <a:spcPct val="100000"/>
+              </a:lnSpc>
+              <a:spcBef>
+                <a:spcPts val="0"/>
+              </a:spcBef>
+              <a:spcAft>
+                <a:spcPts val="0"/>
+              </a:spcAft>
+              <a:buClr>
+                <a:srgbClr val="000000"/>
+              </a:buClr>
+              <a:buSzPts val="1000"/>
+              <a:buFont typeface="Arial"/>
+              <a:buNone/>
+              <a:defRPr b="0" i="0" sz="1000" u="none" cap="none" strike="noStrike">
+                <a:solidFill>
+                  <a:schemeClr val="dk2"/>
+                </a:solidFill>
+                <a:latin typeface="Arial"/>
+                <a:ea typeface="Arial"/>
+                <a:cs typeface="Arial"/>
+                <a:sym typeface="Arial"/>
+              </a:defRPr>
             </a:lvl9pPr>
           </a:lstStyle>
           <a:p>
@@ -9644,12 +12348,12 @@
 </p:sldLayout>
 </file>
 
-<file path=ppt/slideLayouts/slideLayout8.xml><?xml version="1.0" encoding="utf-8"?>
+<file path=ppt/slideLayouts/slideLayout9.xml><?xml version="1.0" encoding="utf-8"?>
 <p:sldLayout xmlns:a="http://schemas.openxmlformats.org/drawingml/2006/main" xmlns:r="http://schemas.openxmlformats.org/officeDocument/2006/relationships" xmlns:mc="http://schemas.openxmlformats.org/markup-compatibility/2006" xmlns:mv="urn:schemas-microsoft-com:mac:vml" xmlns:p="http://schemas.openxmlformats.org/presentationml/2006/main" xmlns:c="http://schemas.openxmlformats.org/drawingml/2006/chart" xmlns:dgm="http://schemas.openxmlformats.org/drawingml/2006/diagram" xmlns:o="urn:schemas-microsoft-com:office:office" xmlns:v="urn:schemas-microsoft-com:vml" xmlns:pvml="urn:schemas-microsoft-com:office:powerpoint" xmlns:com="http://schemas.openxmlformats.org/drawingml/2006/compatibility" xmlns:p14="http://schemas.microsoft.com/office/powerpoint/2010/main" xmlns:p15="http://schemas.microsoft.com/office/powerpoint/2012/main" xmlns:ahyp="http://schemas.microsoft.com/office/drawing/2018/hyperlinkcolor" matchingName="Section title and description">
   <p:cSld name="SECTION_TITLE_AND_DESCRIPTION">
     <p:spTree>
       <p:nvGrpSpPr>
-        <p:cNvPr id="39" name="Shape 39"/>
+        <p:cNvPr id="45" name="Shape 45"/>
         <p:cNvGrpSpPr/>
         <p:nvPr/>
       </p:nvGrpSpPr>
@@ -9663,7 +12367,7 @@
       </p:grpSpPr>
       <p:sp>
         <p:nvSpPr>
-          <p:cNvPr id="40" name="Google Shape;40;p9"/>
+          <p:cNvPr id="46" name="Google Shape;46;p10"/>
           <p:cNvSpPr/>
           <p:nvPr/>
         </p:nvSpPr>
@@ -9688,25 +12392,41 @@
           </a:bodyPr>
           <a:lstStyle/>
           <a:p>
-            <a:pPr indent="0" lvl="0" marL="0" rtl="0" algn="l">
-              <a:spcBef>
-                <a:spcPts val="0"/>
-              </a:spcBef>
-              <a:spcAft>
-                <a:spcPts val="0"/>
-              </a:spcAft>
+            <a:pPr indent="0" lvl="0" marL="0" marR="0" rtl="0" algn="l">
+              <a:lnSpc>
+                <a:spcPct val="100000"/>
+              </a:lnSpc>
+              <a:spcBef>
+                <a:spcPts val="0"/>
+              </a:spcBef>
+              <a:spcAft>
+                <a:spcPts val="0"/>
+              </a:spcAft>
+              <a:buClr>
+                <a:srgbClr val="000000"/>
+              </a:buClr>
+              <a:buSzPts val="1400"/>
+              <a:buFont typeface="Arial"/>
               <a:buNone/>
             </a:pPr>
             <a:r>
               <a:t/>
             </a:r>
-            <a:endParaRPr/>
+            <a:endParaRPr b="0" i="0" sz="1400" u="none" cap="none" strike="noStrike">
+              <a:solidFill>
+                <a:srgbClr val="000000"/>
+              </a:solidFill>
+              <a:latin typeface="Arial"/>
+              <a:ea typeface="Arial"/>
+              <a:cs typeface="Arial"/>
+              <a:sym typeface="Arial"/>
+            </a:endParaRPr>
           </a:p>
         </p:txBody>
       </p:sp>
       <p:sp>
         <p:nvSpPr>
-          <p:cNvPr id="41" name="Google Shape;41;p9"/>
+          <p:cNvPr id="47" name="Google Shape;47;p10"/>
           <p:cNvSpPr txBox="1"/>
           <p:nvPr>
             <p:ph type="title"/>
@@ -9720,13 +12440,20 @@
           <a:prstGeom prst="rect">
             <a:avLst/>
           </a:prstGeom>
+          <a:noFill/>
+          <a:ln>
+            <a:noFill/>
+          </a:ln>
         </p:spPr>
         <p:txBody>
           <a:bodyPr anchorCtr="0" anchor="b" bIns="91425" lIns="91425" spcFirstLastPara="1" rIns="91425" wrap="square" tIns="91425">
             <a:normAutofit/>
           </a:bodyPr>
           <a:lstStyle>
-            <a:lvl1pPr lvl="0" rtl="0" algn="ctr">
+            <a:lvl1pPr lvl="0" algn="ctr">
+              <a:lnSpc>
+                <a:spcPct val="100000"/>
+              </a:lnSpc>
               <a:spcBef>
                 <a:spcPts val="0"/>
               </a:spcBef>
@@ -9737,7 +12464,10 @@
               <a:buNone/>
               <a:defRPr sz="4200"/>
             </a:lvl1pPr>
-            <a:lvl2pPr lvl="1" rtl="0" algn="ctr">
+            <a:lvl2pPr lvl="1" algn="ctr">
+              <a:lnSpc>
+                <a:spcPct val="100000"/>
+              </a:lnSpc>
               <a:spcBef>
                 <a:spcPts val="0"/>
               </a:spcBef>
@@ -9748,7 +12478,10 @@
               <a:buNone/>
               <a:defRPr sz="4200"/>
             </a:lvl2pPr>
-            <a:lvl3pPr lvl="2" rtl="0" algn="ctr">
+            <a:lvl3pPr lvl="2" algn="ctr">
+              <a:lnSpc>
+                <a:spcPct val="100000"/>
+              </a:lnSpc>
               <a:spcBef>
                 <a:spcPts val="0"/>
               </a:spcBef>
@@ -9759,7 +12492,10 @@
               <a:buNone/>
               <a:defRPr sz="4200"/>
             </a:lvl3pPr>
-            <a:lvl4pPr lvl="3" rtl="0" algn="ctr">
+            <a:lvl4pPr lvl="3" algn="ctr">
+              <a:lnSpc>
+                <a:spcPct val="100000"/>
+              </a:lnSpc>
               <a:spcBef>
                 <a:spcPts val="0"/>
               </a:spcBef>
@@ -9770,7 +12506,10 @@
               <a:buNone/>
               <a:defRPr sz="4200"/>
             </a:lvl4pPr>
-            <a:lvl5pPr lvl="4" rtl="0" algn="ctr">
+            <a:lvl5pPr lvl="4" algn="ctr">
+              <a:lnSpc>
+                <a:spcPct val="100000"/>
+              </a:lnSpc>
               <a:spcBef>
                 <a:spcPts val="0"/>
               </a:spcBef>
@@ -9781,7 +12520,10 @@
               <a:buNone/>
               <a:defRPr sz="4200"/>
             </a:lvl5pPr>
-            <a:lvl6pPr lvl="5" rtl="0" algn="ctr">
+            <a:lvl6pPr lvl="5" algn="ctr">
+              <a:lnSpc>
+                <a:spcPct val="100000"/>
+              </a:lnSpc>
               <a:spcBef>
                 <a:spcPts val="0"/>
               </a:spcBef>
@@ -9792,7 +12534,10 @@
               <a:buNone/>
               <a:defRPr sz="4200"/>
             </a:lvl6pPr>
-            <a:lvl7pPr lvl="6" rtl="0" algn="ctr">
+            <a:lvl7pPr lvl="6" algn="ctr">
+              <a:lnSpc>
+                <a:spcPct val="100000"/>
+              </a:lnSpc>
               <a:spcBef>
                 <a:spcPts val="0"/>
               </a:spcBef>
@@ -9803,7 +12548,10 @@
               <a:buNone/>
               <a:defRPr sz="4200"/>
             </a:lvl7pPr>
-            <a:lvl8pPr lvl="7" rtl="0" algn="ctr">
+            <a:lvl8pPr lvl="7" algn="ctr">
+              <a:lnSpc>
+                <a:spcPct val="100000"/>
+              </a:lnSpc>
               <a:spcBef>
                 <a:spcPts val="0"/>
               </a:spcBef>
@@ -9814,7 +12562,10 @@
               <a:buNone/>
               <a:defRPr sz="4200"/>
             </a:lvl8pPr>
-            <a:lvl9pPr lvl="8" rtl="0" algn="ctr">
+            <a:lvl9pPr lvl="8" algn="ctr">
+              <a:lnSpc>
+                <a:spcPct val="100000"/>
+              </a:lnSpc>
               <a:spcBef>
                 <a:spcPts val="0"/>
               </a:spcBef>
@@ -9831,7 +12582,7 @@
       </p:sp>
       <p:sp>
         <p:nvSpPr>
-          <p:cNvPr id="42" name="Google Shape;42;p9"/>
+          <p:cNvPr id="48" name="Google Shape;48;p10"/>
           <p:cNvSpPr txBox="1"/>
           <p:nvPr>
             <p:ph idx="1" type="subTitle"/>
@@ -9845,13 +12596,17 @@
           <a:prstGeom prst="rect">
             <a:avLst/>
           </a:prstGeom>
+          <a:noFill/>
+          <a:ln>
+            <a:noFill/>
+          </a:ln>
         </p:spPr>
         <p:txBody>
           <a:bodyPr anchorCtr="0" anchor="t" bIns="91425" lIns="91425" spcFirstLastPara="1" rIns="91425" wrap="square" tIns="91425">
             <a:normAutofit/>
           </a:bodyPr>
           <a:lstStyle>
-            <a:lvl1pPr lvl="0" rtl="0" algn="ctr">
+            <a:lvl1pPr lvl="0" algn="ctr">
               <a:lnSpc>
                 <a:spcPct val="100000"/>
               </a:lnSpc>
@@ -9865,7 +12620,7 @@
               <a:buNone/>
               <a:defRPr sz="2100"/>
             </a:lvl1pPr>
-            <a:lvl2pPr lvl="1" rtl="0" algn="ctr">
+            <a:lvl2pPr lvl="1" algn="ctr">
               <a:lnSpc>
                 <a:spcPct val="100000"/>
               </a:lnSpc>
@@ -9879,7 +12634,7 @@
               <a:buNone/>
               <a:defRPr sz="2100"/>
             </a:lvl2pPr>
-            <a:lvl3pPr lvl="2" rtl="0" algn="ctr">
+            <a:lvl3pPr lvl="2" algn="ctr">
               <a:lnSpc>
                 <a:spcPct val="100000"/>
               </a:lnSpc>
@@ -9893,7 +12648,7 @@
               <a:buNone/>
               <a:defRPr sz="2100"/>
             </a:lvl3pPr>
-            <a:lvl4pPr lvl="3" rtl="0" algn="ctr">
+            <a:lvl4pPr lvl="3" algn="ctr">
               <a:lnSpc>
                 <a:spcPct val="100000"/>
               </a:lnSpc>
@@ -9907,7 +12662,7 @@
               <a:buNone/>
               <a:defRPr sz="2100"/>
             </a:lvl4pPr>
-            <a:lvl5pPr lvl="4" rtl="0" algn="ctr">
+            <a:lvl5pPr lvl="4" algn="ctr">
               <a:lnSpc>
                 <a:spcPct val="100000"/>
               </a:lnSpc>
@@ -9921,7 +12676,7 @@
               <a:buNone/>
               <a:defRPr sz="2100"/>
             </a:lvl5pPr>
-            <a:lvl6pPr lvl="5" rtl="0" algn="ctr">
+            <a:lvl6pPr lvl="5" algn="ctr">
               <a:lnSpc>
                 <a:spcPct val="100000"/>
               </a:lnSpc>
@@ -9935,7 +12690,7 @@
               <a:buNone/>
               <a:defRPr sz="2100"/>
             </a:lvl6pPr>
-            <a:lvl7pPr lvl="6" rtl="0" algn="ctr">
+            <a:lvl7pPr lvl="6" algn="ctr">
               <a:lnSpc>
                 <a:spcPct val="100000"/>
               </a:lnSpc>
@@ -9949,7 +12704,7 @@
               <a:buNone/>
               <a:defRPr sz="2100"/>
             </a:lvl7pPr>
-            <a:lvl8pPr lvl="7" rtl="0" algn="ctr">
+            <a:lvl8pPr lvl="7" algn="ctr">
               <a:lnSpc>
                 <a:spcPct val="100000"/>
               </a:lnSpc>
@@ -9963,7 +12718,7 @@
               <a:buNone/>
               <a:defRPr sz="2100"/>
             </a:lvl8pPr>
-            <a:lvl9pPr lvl="8" rtl="0" algn="ctr">
+            <a:lvl9pPr lvl="8" algn="ctr">
               <a:lnSpc>
                 <a:spcPct val="100000"/>
               </a:lnSpc>
@@ -9983,7 +12738,7 @@
       </p:sp>
       <p:sp>
         <p:nvSpPr>
-          <p:cNvPr id="43" name="Google Shape;43;p9"/>
+          <p:cNvPr id="49" name="Google Shape;49;p10"/>
           <p:cNvSpPr txBox="1"/>
           <p:nvPr>
             <p:ph idx="2" type="body"/>
@@ -9997,13 +12752,20 @@
           <a:prstGeom prst="rect">
             <a:avLst/>
           </a:prstGeom>
+          <a:noFill/>
+          <a:ln>
+            <a:noFill/>
+          </a:ln>
         </p:spPr>
         <p:txBody>
           <a:bodyPr anchorCtr="0" anchor="ctr" bIns="91425" lIns="91425" spcFirstLastPara="1" rIns="91425" wrap="square" tIns="91425">
             <a:normAutofit/>
           </a:bodyPr>
           <a:lstStyle>
-            <a:lvl1pPr indent="-342900" lvl="0" marL="457200" rtl="0">
+            <a:lvl1pPr indent="-342900" lvl="0" marL="457200" algn="l">
+              <a:lnSpc>
+                <a:spcPct val="115000"/>
+              </a:lnSpc>
               <a:spcBef>
                 <a:spcPts val="0"/>
               </a:spcBef>
@@ -10014,7 +12776,10 @@
               <a:buChar char="●"/>
               <a:defRPr/>
             </a:lvl1pPr>
-            <a:lvl2pPr indent="-317500" lvl="1" marL="914400" rtl="0">
+            <a:lvl2pPr indent="-317500" lvl="1" marL="914400" algn="l">
+              <a:lnSpc>
+                <a:spcPct val="115000"/>
+              </a:lnSpc>
               <a:spcBef>
                 <a:spcPts val="0"/>
               </a:spcBef>
@@ -10025,7 +12790,10 @@
               <a:buChar char="○"/>
               <a:defRPr/>
             </a:lvl2pPr>
-            <a:lvl3pPr indent="-317500" lvl="2" marL="1371600" rtl="0">
+            <a:lvl3pPr indent="-317500" lvl="2" marL="1371600" algn="l">
+              <a:lnSpc>
+                <a:spcPct val="115000"/>
+              </a:lnSpc>
               <a:spcBef>
                 <a:spcPts val="0"/>
               </a:spcBef>
@@ -10036,7 +12804,10 @@
               <a:buChar char="■"/>
               <a:defRPr/>
             </a:lvl3pPr>
-            <a:lvl4pPr indent="-317500" lvl="3" marL="1828800" rtl="0">
+            <a:lvl4pPr indent="-317500" lvl="3" marL="1828800" algn="l">
+              <a:lnSpc>
+                <a:spcPct val="115000"/>
+              </a:lnSpc>
               <a:spcBef>
                 <a:spcPts val="0"/>
               </a:spcBef>
@@ -10047,7 +12818,10 @@
               <a:buChar char="●"/>
               <a:defRPr/>
             </a:lvl4pPr>
-            <a:lvl5pPr indent="-317500" lvl="4" marL="2286000" rtl="0">
+            <a:lvl5pPr indent="-317500" lvl="4" marL="2286000" algn="l">
+              <a:lnSpc>
+                <a:spcPct val="115000"/>
+              </a:lnSpc>
               <a:spcBef>
                 <a:spcPts val="0"/>
               </a:spcBef>
@@ -10058,7 +12832,10 @@
               <a:buChar char="○"/>
               <a:defRPr/>
             </a:lvl5pPr>
-            <a:lvl6pPr indent="-317500" lvl="5" marL="2743200" rtl="0">
+            <a:lvl6pPr indent="-317500" lvl="5" marL="2743200" algn="l">
+              <a:lnSpc>
+                <a:spcPct val="115000"/>
+              </a:lnSpc>
               <a:spcBef>
                 <a:spcPts val="0"/>
               </a:spcBef>
@@ -10069,7 +12846,10 @@
               <a:buChar char="■"/>
               <a:defRPr/>
             </a:lvl6pPr>
-            <a:lvl7pPr indent="-317500" lvl="6" marL="3200400" rtl="0">
+            <a:lvl7pPr indent="-317500" lvl="6" marL="3200400" algn="l">
+              <a:lnSpc>
+                <a:spcPct val="115000"/>
+              </a:lnSpc>
               <a:spcBef>
                 <a:spcPts val="0"/>
               </a:spcBef>
@@ -10080,7 +12860,10 @@
               <a:buChar char="●"/>
               <a:defRPr/>
             </a:lvl7pPr>
-            <a:lvl8pPr indent="-317500" lvl="7" marL="3657600" rtl="0">
+            <a:lvl8pPr indent="-317500" lvl="7" marL="3657600" algn="l">
+              <a:lnSpc>
+                <a:spcPct val="115000"/>
+              </a:lnSpc>
               <a:spcBef>
                 <a:spcPts val="0"/>
               </a:spcBef>
@@ -10091,7 +12874,10 @@
               <a:buChar char="○"/>
               <a:defRPr/>
             </a:lvl8pPr>
-            <a:lvl9pPr indent="-317500" lvl="8" marL="4114800" rtl="0">
+            <a:lvl9pPr indent="-317500" lvl="8" marL="4114800" algn="l">
+              <a:lnSpc>
+                <a:spcPct val="115000"/>
+              </a:lnSpc>
               <a:spcBef>
                 <a:spcPts val="0"/>
               </a:spcBef>
@@ -10108,7 +12894,7 @@
       </p:sp>
       <p:sp>
         <p:nvSpPr>
-          <p:cNvPr id="44" name="Google Shape;44;p9"/>
+          <p:cNvPr id="50" name="Google Shape;50;p10"/>
           <p:cNvSpPr txBox="1"/>
           <p:nvPr>
             <p:ph idx="12" type="sldNum"/>
@@ -10122,189 +12908,249 @@
           <a:prstGeom prst="rect">
             <a:avLst/>
           </a:prstGeom>
+          <a:noFill/>
+          <a:ln>
+            <a:noFill/>
+          </a:ln>
         </p:spPr>
         <p:txBody>
           <a:bodyPr anchorCtr="0" anchor="ctr" bIns="91425" lIns="91425" spcFirstLastPara="1" rIns="91425" wrap="square" tIns="91425">
             <a:normAutofit/>
           </a:bodyPr>
           <a:lstStyle>
-            <a:lvl1pPr lvl="0" rtl="0">
-              <a:buNone/>
-              <a:defRPr/>
+            <a:lvl1pPr indent="0" lvl="0" marL="0" marR="0" algn="r">
+              <a:lnSpc>
+                <a:spcPct val="100000"/>
+              </a:lnSpc>
+              <a:spcBef>
+                <a:spcPts val="0"/>
+              </a:spcBef>
+              <a:spcAft>
+                <a:spcPts val="0"/>
+              </a:spcAft>
+              <a:buClr>
+                <a:srgbClr val="000000"/>
+              </a:buClr>
+              <a:buSzPts val="1000"/>
+              <a:buFont typeface="Arial"/>
+              <a:buNone/>
+              <a:defRPr b="0" i="0" sz="1000" u="none" cap="none" strike="noStrike">
+                <a:solidFill>
+                  <a:schemeClr val="dk2"/>
+                </a:solidFill>
+                <a:latin typeface="Arial"/>
+                <a:ea typeface="Arial"/>
+                <a:cs typeface="Arial"/>
+                <a:sym typeface="Arial"/>
+              </a:defRPr>
             </a:lvl1pPr>
-            <a:lvl2pPr lvl="1" rtl="0">
-              <a:buNone/>
-              <a:defRPr/>
+            <a:lvl2pPr indent="0" lvl="1" marL="0" marR="0" algn="r">
+              <a:lnSpc>
+                <a:spcPct val="100000"/>
+              </a:lnSpc>
+              <a:spcBef>
+                <a:spcPts val="0"/>
+              </a:spcBef>
+              <a:spcAft>
+                <a:spcPts val="0"/>
+              </a:spcAft>
+              <a:buClr>
+                <a:srgbClr val="000000"/>
+              </a:buClr>
+              <a:buSzPts val="1000"/>
+              <a:buFont typeface="Arial"/>
+              <a:buNone/>
+              <a:defRPr b="0" i="0" sz="1000" u="none" cap="none" strike="noStrike">
+                <a:solidFill>
+                  <a:schemeClr val="dk2"/>
+                </a:solidFill>
+                <a:latin typeface="Arial"/>
+                <a:ea typeface="Arial"/>
+                <a:cs typeface="Arial"/>
+                <a:sym typeface="Arial"/>
+              </a:defRPr>
             </a:lvl2pPr>
-            <a:lvl3pPr lvl="2" rtl="0">
-              <a:buNone/>
-              <a:defRPr/>
+            <a:lvl3pPr indent="0" lvl="2" marL="0" marR="0" algn="r">
+              <a:lnSpc>
+                <a:spcPct val="100000"/>
+              </a:lnSpc>
+              <a:spcBef>
+                <a:spcPts val="0"/>
+              </a:spcBef>
+              <a:spcAft>
+                <a:spcPts val="0"/>
+              </a:spcAft>
+              <a:buClr>
+                <a:srgbClr val="000000"/>
+              </a:buClr>
+              <a:buSzPts val="1000"/>
+              <a:buFont typeface="Arial"/>
+              <a:buNone/>
+              <a:defRPr b="0" i="0" sz="1000" u="none" cap="none" strike="noStrike">
+                <a:solidFill>
+                  <a:schemeClr val="dk2"/>
+                </a:solidFill>
+                <a:latin typeface="Arial"/>
+                <a:ea typeface="Arial"/>
+                <a:cs typeface="Arial"/>
+                <a:sym typeface="Arial"/>
+              </a:defRPr>
             </a:lvl3pPr>
-            <a:lvl4pPr lvl="3" rtl="0">
-              <a:buNone/>
-              <a:defRPr/>
+            <a:lvl4pPr indent="0" lvl="3" marL="0" marR="0" algn="r">
+              <a:lnSpc>
+                <a:spcPct val="100000"/>
+              </a:lnSpc>
+              <a:spcBef>
+                <a:spcPts val="0"/>
+              </a:spcBef>
+              <a:spcAft>
+                <a:spcPts val="0"/>
+              </a:spcAft>
+              <a:buClr>
+                <a:srgbClr val="000000"/>
+              </a:buClr>
+              <a:buSzPts val="1000"/>
+              <a:buFont typeface="Arial"/>
+              <a:buNone/>
+              <a:defRPr b="0" i="0" sz="1000" u="none" cap="none" strike="noStrike">
+                <a:solidFill>
+                  <a:schemeClr val="dk2"/>
+                </a:solidFill>
+                <a:latin typeface="Arial"/>
+                <a:ea typeface="Arial"/>
+                <a:cs typeface="Arial"/>
+                <a:sym typeface="Arial"/>
+              </a:defRPr>
             </a:lvl4pPr>
-            <a:lvl5pPr lvl="4" rtl="0">
-              <a:buNone/>
-              <a:defRPr/>
+            <a:lvl5pPr indent="0" lvl="4" marL="0" marR="0" algn="r">
+              <a:lnSpc>
+                <a:spcPct val="100000"/>
+              </a:lnSpc>
+              <a:spcBef>
+                <a:spcPts val="0"/>
+              </a:spcBef>
+              <a:spcAft>
+                <a:spcPts val="0"/>
+              </a:spcAft>
+              <a:buClr>
+                <a:srgbClr val="000000"/>
+              </a:buClr>
+              <a:buSzPts val="1000"/>
+              <a:buFont typeface="Arial"/>
+              <a:buNone/>
+              <a:defRPr b="0" i="0" sz="1000" u="none" cap="none" strike="noStrike">
+                <a:solidFill>
+                  <a:schemeClr val="dk2"/>
+                </a:solidFill>
+                <a:latin typeface="Arial"/>
+                <a:ea typeface="Arial"/>
+                <a:cs typeface="Arial"/>
+                <a:sym typeface="Arial"/>
+              </a:defRPr>
             </a:lvl5pPr>
-            <a:lvl6pPr lvl="5" rtl="0">
-              <a:buNone/>
-              <a:defRPr/>
+            <a:lvl6pPr indent="0" lvl="5" marL="0" marR="0" algn="r">
+              <a:lnSpc>
+                <a:spcPct val="100000"/>
+              </a:lnSpc>
+              <a:spcBef>
+                <a:spcPts val="0"/>
+              </a:spcBef>
+              <a:spcAft>
+                <a:spcPts val="0"/>
+              </a:spcAft>
+              <a:buClr>
+                <a:srgbClr val="000000"/>
+              </a:buClr>
+              <a:buSzPts val="1000"/>
+              <a:buFont typeface="Arial"/>
+              <a:buNone/>
+              <a:defRPr b="0" i="0" sz="1000" u="none" cap="none" strike="noStrike">
+                <a:solidFill>
+                  <a:schemeClr val="dk2"/>
+                </a:solidFill>
+                <a:latin typeface="Arial"/>
+                <a:ea typeface="Arial"/>
+                <a:cs typeface="Arial"/>
+                <a:sym typeface="Arial"/>
+              </a:defRPr>
             </a:lvl6pPr>
-            <a:lvl7pPr lvl="6" rtl="0">
-              <a:buNone/>
-              <a:defRPr/>
+            <a:lvl7pPr indent="0" lvl="6" marL="0" marR="0" algn="r">
+              <a:lnSpc>
+                <a:spcPct val="100000"/>
+              </a:lnSpc>
+              <a:spcBef>
+                <a:spcPts val="0"/>
+              </a:spcBef>
+              <a:spcAft>
+                <a:spcPts val="0"/>
+              </a:spcAft>
+              <a:buClr>
+                <a:srgbClr val="000000"/>
+              </a:buClr>
+              <a:buSzPts val="1000"/>
+              <a:buFont typeface="Arial"/>
+              <a:buNone/>
+              <a:defRPr b="0" i="0" sz="1000" u="none" cap="none" strike="noStrike">
+                <a:solidFill>
+                  <a:schemeClr val="dk2"/>
+                </a:solidFill>
+                <a:latin typeface="Arial"/>
+                <a:ea typeface="Arial"/>
+                <a:cs typeface="Arial"/>
+                <a:sym typeface="Arial"/>
+              </a:defRPr>
             </a:lvl7pPr>
-            <a:lvl8pPr lvl="7" rtl="0">
-              <a:buNone/>
-              <a:defRPr/>
+            <a:lvl8pPr indent="0" lvl="7" marL="0" marR="0" algn="r">
+              <a:lnSpc>
+                <a:spcPct val="100000"/>
+              </a:lnSpc>
+              <a:spcBef>
+                <a:spcPts val="0"/>
+              </a:spcBef>
+              <a:spcAft>
+                <a:spcPts val="0"/>
+              </a:spcAft>
+              <a:buClr>
+                <a:srgbClr val="000000"/>
+              </a:buClr>
+              <a:buSzPts val="1000"/>
+              <a:buFont typeface="Arial"/>
+              <a:buNone/>
+              <a:defRPr b="0" i="0" sz="1000" u="none" cap="none" strike="noStrike">
+                <a:solidFill>
+                  <a:schemeClr val="dk2"/>
+                </a:solidFill>
+                <a:latin typeface="Arial"/>
+                <a:ea typeface="Arial"/>
+                <a:cs typeface="Arial"/>
+                <a:sym typeface="Arial"/>
+              </a:defRPr>
             </a:lvl8pPr>
-            <a:lvl9pPr lvl="8" rtl="0">
-              <a:buNone/>
-              <a:defRPr/>
-            </a:lvl9pPr>
-          </a:lstStyle>
-          <a:p>
-            <a:pPr indent="0" lvl="0" marL="0" rtl="0" algn="r">
-              <a:spcBef>
-                <a:spcPts val="0"/>
-              </a:spcBef>
-              <a:spcAft>
-                <a:spcPts val="0"/>
-              </a:spcAft>
-              <a:buNone/>
-            </a:pPr>
-            <a:fld id="{00000000-1234-1234-1234-123412341234}" type="slidenum">
-              <a:rPr lang="en-US"/>
-              <a:t>‹#›</a:t>
-            </a:fld>
-            <a:endParaRPr/>
-          </a:p>
-        </p:txBody>
-      </p:sp>
-    </p:spTree>
-  </p:cSld>
-  <p:clrMapOvr>
-    <a:masterClrMapping/>
-  </p:clrMapOvr>
-</p:sldLayout>
-</file>
-
-<file path=ppt/slideLayouts/slideLayout9.xml><?xml version="1.0" encoding="utf-8"?>
-<p:sldLayout xmlns:a="http://schemas.openxmlformats.org/drawingml/2006/main" xmlns:r="http://schemas.openxmlformats.org/officeDocument/2006/relationships" xmlns:mc="http://schemas.openxmlformats.org/markup-compatibility/2006" xmlns:mv="urn:schemas-microsoft-com:mac:vml" xmlns:p="http://schemas.openxmlformats.org/presentationml/2006/main" xmlns:c="http://schemas.openxmlformats.org/drawingml/2006/chart" xmlns:dgm="http://schemas.openxmlformats.org/drawingml/2006/diagram" xmlns:o="urn:schemas-microsoft-com:office:office" xmlns:v="urn:schemas-microsoft-com:vml" xmlns:pvml="urn:schemas-microsoft-com:office:powerpoint" xmlns:com="http://schemas.openxmlformats.org/drawingml/2006/compatibility" xmlns:p14="http://schemas.microsoft.com/office/powerpoint/2010/main" xmlns:p15="http://schemas.microsoft.com/office/powerpoint/2012/main" xmlns:ahyp="http://schemas.microsoft.com/office/drawing/2018/hyperlinkcolor" matchingName="Caption">
-  <p:cSld name="CAPTION_ONLY">
-    <p:spTree>
-      <p:nvGrpSpPr>
-        <p:cNvPr id="45" name="Shape 45"/>
-        <p:cNvGrpSpPr/>
-        <p:nvPr/>
-      </p:nvGrpSpPr>
-      <p:grpSpPr>
-        <a:xfrm>
-          <a:off x="0" y="0"/>
-          <a:ext cx="0" cy="0"/>
-          <a:chOff x="0" y="0"/>
-          <a:chExt cx="0" cy="0"/>
-        </a:xfrm>
-      </p:grpSpPr>
-      <p:sp>
-        <p:nvSpPr>
-          <p:cNvPr id="46" name="Google Shape;46;p10"/>
-          <p:cNvSpPr txBox="1"/>
-          <p:nvPr>
-            <p:ph idx="1" type="body"/>
-          </p:nvPr>
-        </p:nvSpPr>
-        <p:spPr>
-          <a:xfrm>
-            <a:off x="311700" y="5640767"/>
-            <a:ext cx="5998800" cy="806700"/>
-          </a:xfrm>
-          <a:prstGeom prst="rect">
-            <a:avLst/>
-          </a:prstGeom>
-        </p:spPr>
-        <p:txBody>
-          <a:bodyPr anchorCtr="0" anchor="ctr" bIns="91425" lIns="91425" spcFirstLastPara="1" rIns="91425" wrap="square" tIns="91425">
-            <a:normAutofit/>
-          </a:bodyPr>
-          <a:lstStyle>
-            <a:lvl1pPr indent="-228600" lvl="0" marL="457200" rtl="0">
-              <a:lnSpc>
-                <a:spcPct val="100000"/>
-              </a:lnSpc>
-              <a:spcBef>
-                <a:spcPts val="0"/>
-              </a:spcBef>
-              <a:spcAft>
-                <a:spcPts val="0"/>
-              </a:spcAft>
-              <a:buSzPts val="1800"/>
-              <a:buNone/>
-              <a:defRPr/>
-            </a:lvl1pPr>
-          </a:lstStyle>
-          <a:p/>
-        </p:txBody>
-      </p:sp>
-      <p:sp>
-        <p:nvSpPr>
-          <p:cNvPr id="47" name="Google Shape;47;p10"/>
-          <p:cNvSpPr txBox="1"/>
-          <p:nvPr>
-            <p:ph idx="12" type="sldNum"/>
-          </p:nvPr>
-        </p:nvSpPr>
-        <p:spPr>
-          <a:xfrm>
-            <a:off x="8472458" y="6217622"/>
-            <a:ext cx="548700" cy="524700"/>
-          </a:xfrm>
-          <a:prstGeom prst="rect">
-            <a:avLst/>
-          </a:prstGeom>
-        </p:spPr>
-        <p:txBody>
-          <a:bodyPr anchorCtr="0" anchor="ctr" bIns="91425" lIns="91425" spcFirstLastPara="1" rIns="91425" wrap="square" tIns="91425">
-            <a:normAutofit/>
-          </a:bodyPr>
-          <a:lstStyle>
-            <a:lvl1pPr lvl="0" rtl="0">
-              <a:buNone/>
-              <a:defRPr/>
-            </a:lvl1pPr>
-            <a:lvl2pPr lvl="1" rtl="0">
-              <a:buNone/>
-              <a:defRPr/>
-            </a:lvl2pPr>
-            <a:lvl3pPr lvl="2" rtl="0">
-              <a:buNone/>
-              <a:defRPr/>
-            </a:lvl3pPr>
-            <a:lvl4pPr lvl="3" rtl="0">
-              <a:buNone/>
-              <a:defRPr/>
-            </a:lvl4pPr>
-            <a:lvl5pPr lvl="4" rtl="0">
-              <a:buNone/>
-              <a:defRPr/>
-            </a:lvl5pPr>
-            <a:lvl6pPr lvl="5" rtl="0">
-              <a:buNone/>
-              <a:defRPr/>
-            </a:lvl6pPr>
-            <a:lvl7pPr lvl="6" rtl="0">
-              <a:buNone/>
-              <a:defRPr/>
-            </a:lvl7pPr>
-            <a:lvl8pPr lvl="7" rtl="0">
-              <a:buNone/>
-              <a:defRPr/>
-            </a:lvl8pPr>
-            <a:lvl9pPr lvl="8" rtl="0">
-              <a:buNone/>
-              <a:defRPr/>
+            <a:lvl9pPr indent="0" lvl="8" marL="0" marR="0" algn="r">
+              <a:lnSpc>
+                <a:spcPct val="100000"/>
+              </a:lnSpc>
+              <a:spcBef>
+                <a:spcPts val="0"/>
+              </a:spcBef>
+              <a:spcAft>
+                <a:spcPts val="0"/>
+              </a:spcAft>
+              <a:buClr>
+                <a:srgbClr val="000000"/>
+              </a:buClr>
+              <a:buSzPts val="1000"/>
+              <a:buFont typeface="Arial"/>
+              <a:buNone/>
+              <a:defRPr b="0" i="0" sz="1000" u="none" cap="none" strike="noStrike">
+                <a:solidFill>
+                  <a:schemeClr val="dk2"/>
+                </a:solidFill>
+                <a:latin typeface="Arial"/>
+                <a:ea typeface="Arial"/>
+                <a:cs typeface="Arial"/>
+                <a:sym typeface="Arial"/>
+              </a:defRPr>
             </a:lvl9pPr>
           </a:lstStyle>
           <a:p>
@@ -10383,7 +13229,10 @@
             <a:normAutofit/>
           </a:bodyPr>
           <a:lstStyle>
-            <a:lvl1pPr lvl="0" rtl="0">
+            <a:lvl1pPr lvl="0" marR="0" rtl="0" algn="l">
+              <a:lnSpc>
+                <a:spcPct val="100000"/>
+              </a:lnSpc>
               <a:spcBef>
                 <a:spcPts val="0"/>
               </a:spcBef>
@@ -10394,14 +13243,22 @@
                 <a:schemeClr val="dk1"/>
               </a:buClr>
               <a:buSzPts val="2800"/>
-              <a:buNone/>
-              <a:defRPr sz="2800">
+              <a:buFont typeface="Arial"/>
+              <a:buNone/>
+              <a:defRPr b="0" i="0" sz="2800" u="none" cap="none" strike="noStrike">
                 <a:solidFill>
                   <a:schemeClr val="dk1"/>
                 </a:solidFill>
+                <a:latin typeface="Arial"/>
+                <a:ea typeface="Arial"/>
+                <a:cs typeface="Arial"/>
+                <a:sym typeface="Arial"/>
               </a:defRPr>
             </a:lvl1pPr>
-            <a:lvl2pPr lvl="1" rtl="0">
+            <a:lvl2pPr lvl="1" marR="0" rtl="0" algn="l">
+              <a:lnSpc>
+                <a:spcPct val="100000"/>
+              </a:lnSpc>
               <a:spcBef>
                 <a:spcPts val="0"/>
               </a:spcBef>
@@ -10412,14 +13269,22 @@
                 <a:schemeClr val="dk1"/>
               </a:buClr>
               <a:buSzPts val="2800"/>
-              <a:buNone/>
-              <a:defRPr sz="2800">
+              <a:buFont typeface="Arial"/>
+              <a:buNone/>
+              <a:defRPr b="0" i="0" sz="2800" u="none" cap="none" strike="noStrike">
                 <a:solidFill>
                   <a:schemeClr val="dk1"/>
                 </a:solidFill>
+                <a:latin typeface="Arial"/>
+                <a:ea typeface="Arial"/>
+                <a:cs typeface="Arial"/>
+                <a:sym typeface="Arial"/>
               </a:defRPr>
             </a:lvl2pPr>
-            <a:lvl3pPr lvl="2" rtl="0">
+            <a:lvl3pPr lvl="2" marR="0" rtl="0" algn="l">
+              <a:lnSpc>
+                <a:spcPct val="100000"/>
+              </a:lnSpc>
               <a:spcBef>
                 <a:spcPts val="0"/>
               </a:spcBef>
@@ -10430,14 +13295,22 @@
                 <a:schemeClr val="dk1"/>
               </a:buClr>
               <a:buSzPts val="2800"/>
-              <a:buNone/>
-              <a:defRPr sz="2800">
+              <a:buFont typeface="Arial"/>
+              <a:buNone/>
+              <a:defRPr b="0" i="0" sz="2800" u="none" cap="none" strike="noStrike">
                 <a:solidFill>
                   <a:schemeClr val="dk1"/>
                 </a:solidFill>
+                <a:latin typeface="Arial"/>
+                <a:ea typeface="Arial"/>
+                <a:cs typeface="Arial"/>
+                <a:sym typeface="Arial"/>
               </a:defRPr>
             </a:lvl3pPr>
-            <a:lvl4pPr lvl="3" rtl="0">
+            <a:lvl4pPr lvl="3" marR="0" rtl="0" algn="l">
+              <a:lnSpc>
+                <a:spcPct val="100000"/>
+              </a:lnSpc>
               <a:spcBef>
                 <a:spcPts val="0"/>
               </a:spcBef>
@@ -10448,14 +13321,22 @@
                 <a:schemeClr val="dk1"/>
               </a:buClr>
               <a:buSzPts val="2800"/>
-              <a:buNone/>
-              <a:defRPr sz="2800">
+              <a:buFont typeface="Arial"/>
+              <a:buNone/>
+              <a:defRPr b="0" i="0" sz="2800" u="none" cap="none" strike="noStrike">
                 <a:solidFill>
                   <a:schemeClr val="dk1"/>
                 </a:solidFill>
+                <a:latin typeface="Arial"/>
+                <a:ea typeface="Arial"/>
+                <a:cs typeface="Arial"/>
+                <a:sym typeface="Arial"/>
               </a:defRPr>
             </a:lvl4pPr>
-            <a:lvl5pPr lvl="4" rtl="0">
+            <a:lvl5pPr lvl="4" marR="0" rtl="0" algn="l">
+              <a:lnSpc>
+                <a:spcPct val="100000"/>
+              </a:lnSpc>
               <a:spcBef>
                 <a:spcPts val="0"/>
               </a:spcBef>
@@ -10466,14 +13347,22 @@
                 <a:schemeClr val="dk1"/>
               </a:buClr>
               <a:buSzPts val="2800"/>
-              <a:buNone/>
-              <a:defRPr sz="2800">
+              <a:buFont typeface="Arial"/>
+              <a:buNone/>
+              <a:defRPr b="0" i="0" sz="2800" u="none" cap="none" strike="noStrike">
                 <a:solidFill>
                   <a:schemeClr val="dk1"/>
                 </a:solidFill>
+                <a:latin typeface="Arial"/>
+                <a:ea typeface="Arial"/>
+                <a:cs typeface="Arial"/>
+                <a:sym typeface="Arial"/>
               </a:defRPr>
             </a:lvl5pPr>
-            <a:lvl6pPr lvl="5" rtl="0">
+            <a:lvl6pPr lvl="5" marR="0" rtl="0" algn="l">
+              <a:lnSpc>
+                <a:spcPct val="100000"/>
+              </a:lnSpc>
               <a:spcBef>
                 <a:spcPts val="0"/>
               </a:spcBef>
@@ -10484,14 +13373,22 @@
                 <a:schemeClr val="dk1"/>
               </a:buClr>
               <a:buSzPts val="2800"/>
-              <a:buNone/>
-              <a:defRPr sz="2800">
+              <a:buFont typeface="Arial"/>
+              <a:buNone/>
+              <a:defRPr b="0" i="0" sz="2800" u="none" cap="none" strike="noStrike">
                 <a:solidFill>
                   <a:schemeClr val="dk1"/>
                 </a:solidFill>
+                <a:latin typeface="Arial"/>
+                <a:ea typeface="Arial"/>
+                <a:cs typeface="Arial"/>
+                <a:sym typeface="Arial"/>
               </a:defRPr>
             </a:lvl6pPr>
-            <a:lvl7pPr lvl="6" rtl="0">
+            <a:lvl7pPr lvl="6" marR="0" rtl="0" algn="l">
+              <a:lnSpc>
+                <a:spcPct val="100000"/>
+              </a:lnSpc>
               <a:spcBef>
                 <a:spcPts val="0"/>
               </a:spcBef>
@@ -10502,14 +13399,22 @@
                 <a:schemeClr val="dk1"/>
               </a:buClr>
               <a:buSzPts val="2800"/>
-              <a:buNone/>
-              <a:defRPr sz="2800">
+              <a:buFont typeface="Arial"/>
+              <a:buNone/>
+              <a:defRPr b="0" i="0" sz="2800" u="none" cap="none" strike="noStrike">
                 <a:solidFill>
                   <a:schemeClr val="dk1"/>
                 </a:solidFill>
+                <a:latin typeface="Arial"/>
+                <a:ea typeface="Arial"/>
+                <a:cs typeface="Arial"/>
+                <a:sym typeface="Arial"/>
               </a:defRPr>
             </a:lvl7pPr>
-            <a:lvl8pPr lvl="7" rtl="0">
+            <a:lvl8pPr lvl="7" marR="0" rtl="0" algn="l">
+              <a:lnSpc>
+                <a:spcPct val="100000"/>
+              </a:lnSpc>
               <a:spcBef>
                 <a:spcPts val="0"/>
               </a:spcBef>
@@ -10520,14 +13425,22 @@
                 <a:schemeClr val="dk1"/>
               </a:buClr>
               <a:buSzPts val="2800"/>
-              <a:buNone/>
-              <a:defRPr sz="2800">
+              <a:buFont typeface="Arial"/>
+              <a:buNone/>
+              <a:defRPr b="0" i="0" sz="2800" u="none" cap="none" strike="noStrike">
                 <a:solidFill>
                   <a:schemeClr val="dk1"/>
                 </a:solidFill>
+                <a:latin typeface="Arial"/>
+                <a:ea typeface="Arial"/>
+                <a:cs typeface="Arial"/>
+                <a:sym typeface="Arial"/>
               </a:defRPr>
             </a:lvl8pPr>
-            <a:lvl9pPr lvl="8" rtl="0">
+            <a:lvl9pPr lvl="8" marR="0" rtl="0" algn="l">
+              <a:lnSpc>
+                <a:spcPct val="100000"/>
+              </a:lnSpc>
               <a:spcBef>
                 <a:spcPts val="0"/>
               </a:spcBef>
@@ -10538,11 +13451,16 @@
                 <a:schemeClr val="dk1"/>
               </a:buClr>
               <a:buSzPts val="2800"/>
-              <a:buNone/>
-              <a:defRPr sz="2800">
+              <a:buFont typeface="Arial"/>
+              <a:buNone/>
+              <a:defRPr b="0" i="0" sz="2800" u="none" cap="none" strike="noStrike">
                 <a:solidFill>
                   <a:schemeClr val="dk1"/>
                 </a:solidFill>
+                <a:latin typeface="Arial"/>
+                <a:ea typeface="Arial"/>
+                <a:cs typeface="Arial"/>
+                <a:sym typeface="Arial"/>
               </a:defRPr>
             </a:lvl9pPr>
           </a:lstStyle>
@@ -10575,7 +13493,7 @@
             <a:normAutofit/>
           </a:bodyPr>
           <a:lstStyle>
-            <a:lvl1pPr indent="-342900" lvl="0" marL="457200" rtl="0">
+            <a:lvl1pPr indent="-342900" lvl="0" marL="457200" marR="0" rtl="0" algn="l">
               <a:lnSpc>
                 <a:spcPct val="115000"/>
               </a:lnSpc>
@@ -10589,14 +13507,19 @@
                 <a:schemeClr val="dk2"/>
               </a:buClr>
               <a:buSzPts val="1800"/>
+              <a:buFont typeface="Arial"/>
               <a:buChar char="●"/>
-              <a:defRPr sz="1800">
+              <a:defRPr b="0" i="0" sz="1800" u="none" cap="none" strike="noStrike">
                 <a:solidFill>
                   <a:schemeClr val="dk2"/>
                 </a:solidFill>
+                <a:latin typeface="Arial"/>
+                <a:ea typeface="Arial"/>
+                <a:cs typeface="Arial"/>
+                <a:sym typeface="Arial"/>
               </a:defRPr>
             </a:lvl1pPr>
-            <a:lvl2pPr indent="-317500" lvl="1" marL="914400" rtl="0">
+            <a:lvl2pPr indent="-317500" lvl="1" marL="914400" marR="0" rtl="0" algn="l">
               <a:lnSpc>
                 <a:spcPct val="115000"/>
               </a:lnSpc>
@@ -10610,14 +13533,19 @@
                 <a:schemeClr val="dk2"/>
               </a:buClr>
               <a:buSzPts val="1400"/>
+              <a:buFont typeface="Arial"/>
               <a:buChar char="○"/>
-              <a:defRPr>
+              <a:defRPr b="0" i="0" sz="1400" u="none" cap="none" strike="noStrike">
                 <a:solidFill>
                   <a:schemeClr val="dk2"/>
                 </a:solidFill>
+                <a:latin typeface="Arial"/>
+                <a:ea typeface="Arial"/>
+                <a:cs typeface="Arial"/>
+                <a:sym typeface="Arial"/>
               </a:defRPr>
             </a:lvl2pPr>
-            <a:lvl3pPr indent="-317500" lvl="2" marL="1371600" rtl="0">
+            <a:lvl3pPr indent="-317500" lvl="2" marL="1371600" marR="0" rtl="0" algn="l">
               <a:lnSpc>
                 <a:spcPct val="115000"/>
               </a:lnSpc>
@@ -10631,14 +13559,19 @@
                 <a:schemeClr val="dk2"/>
               </a:buClr>
               <a:buSzPts val="1400"/>
+              <a:buFont typeface="Arial"/>
               <a:buChar char="■"/>
-              <a:defRPr>
+              <a:defRPr b="0" i="0" sz="1400" u="none" cap="none" strike="noStrike">
                 <a:solidFill>
                   <a:schemeClr val="dk2"/>
                 </a:solidFill>
+                <a:latin typeface="Arial"/>
+                <a:ea typeface="Arial"/>
+                <a:cs typeface="Arial"/>
+                <a:sym typeface="Arial"/>
               </a:defRPr>
             </a:lvl3pPr>
-            <a:lvl4pPr indent="-317500" lvl="3" marL="1828800" rtl="0">
+            <a:lvl4pPr indent="-317500" lvl="3" marL="1828800" marR="0" rtl="0" algn="l">
               <a:lnSpc>
                 <a:spcPct val="115000"/>
               </a:lnSpc>
@@ -10652,14 +13585,19 @@
                 <a:schemeClr val="dk2"/>
               </a:buClr>
               <a:buSzPts val="1400"/>
+              <a:buFont typeface="Arial"/>
               <a:buChar char="●"/>
-              <a:defRPr>
+              <a:defRPr b="0" i="0" sz="1400" u="none" cap="none" strike="noStrike">
                 <a:solidFill>
                   <a:schemeClr val="dk2"/>
                 </a:solidFill>
+                <a:latin typeface="Arial"/>
+                <a:ea typeface="Arial"/>
+                <a:cs typeface="Arial"/>
+                <a:sym typeface="Arial"/>
               </a:defRPr>
             </a:lvl4pPr>
-            <a:lvl5pPr indent="-317500" lvl="4" marL="2286000" rtl="0">
+            <a:lvl5pPr indent="-317500" lvl="4" marL="2286000" marR="0" rtl="0" algn="l">
               <a:lnSpc>
                 <a:spcPct val="115000"/>
               </a:lnSpc>
@@ -10673,14 +13611,19 @@
                 <a:schemeClr val="dk2"/>
               </a:buClr>
               <a:buSzPts val="1400"/>
+              <a:buFont typeface="Arial"/>
               <a:buChar char="○"/>
-              <a:defRPr>
+              <a:defRPr b="0" i="0" sz="1400" u="none" cap="none" strike="noStrike">
                 <a:solidFill>
                   <a:schemeClr val="dk2"/>
                 </a:solidFill>
+                <a:latin typeface="Arial"/>
+                <a:ea typeface="Arial"/>
+                <a:cs typeface="Arial"/>
+                <a:sym typeface="Arial"/>
               </a:defRPr>
             </a:lvl5pPr>
-            <a:lvl6pPr indent="-317500" lvl="5" marL="2743200" rtl="0">
+            <a:lvl6pPr indent="-317500" lvl="5" marL="2743200" marR="0" rtl="0" algn="l">
               <a:lnSpc>
                 <a:spcPct val="115000"/>
               </a:lnSpc>
@@ -10694,14 +13637,19 @@
                 <a:schemeClr val="dk2"/>
               </a:buClr>
               <a:buSzPts val="1400"/>
+              <a:buFont typeface="Arial"/>
               <a:buChar char="■"/>
-              <a:defRPr>
+              <a:defRPr b="0" i="0" sz="1400" u="none" cap="none" strike="noStrike">
                 <a:solidFill>
                   <a:schemeClr val="dk2"/>
                 </a:solidFill>
+                <a:latin typeface="Arial"/>
+                <a:ea typeface="Arial"/>
+                <a:cs typeface="Arial"/>
+                <a:sym typeface="Arial"/>
               </a:defRPr>
             </a:lvl6pPr>
-            <a:lvl7pPr indent="-317500" lvl="6" marL="3200400" rtl="0">
+            <a:lvl7pPr indent="-317500" lvl="6" marL="3200400" marR="0" rtl="0" algn="l">
               <a:lnSpc>
                 <a:spcPct val="115000"/>
               </a:lnSpc>
@@ -10715,14 +13663,19 @@
                 <a:schemeClr val="dk2"/>
               </a:buClr>
               <a:buSzPts val="1400"/>
+              <a:buFont typeface="Arial"/>
               <a:buChar char="●"/>
-              <a:defRPr>
+              <a:defRPr b="0" i="0" sz="1400" u="none" cap="none" strike="noStrike">
                 <a:solidFill>
                   <a:schemeClr val="dk2"/>
                 </a:solidFill>
+                <a:latin typeface="Arial"/>
+                <a:ea typeface="Arial"/>
+                <a:cs typeface="Arial"/>
+                <a:sym typeface="Arial"/>
               </a:defRPr>
             </a:lvl7pPr>
-            <a:lvl8pPr indent="-317500" lvl="7" marL="3657600" rtl="0">
+            <a:lvl8pPr indent="-317500" lvl="7" marL="3657600" marR="0" rtl="0" algn="l">
               <a:lnSpc>
                 <a:spcPct val="115000"/>
               </a:lnSpc>
@@ -10736,14 +13689,19 @@
                 <a:schemeClr val="dk2"/>
               </a:buClr>
               <a:buSzPts val="1400"/>
+              <a:buFont typeface="Arial"/>
               <a:buChar char="○"/>
-              <a:defRPr>
+              <a:defRPr b="0" i="0" sz="1400" u="none" cap="none" strike="noStrike">
                 <a:solidFill>
                   <a:schemeClr val="dk2"/>
                 </a:solidFill>
+                <a:latin typeface="Arial"/>
+                <a:ea typeface="Arial"/>
+                <a:cs typeface="Arial"/>
+                <a:sym typeface="Arial"/>
               </a:defRPr>
             </a:lvl8pPr>
-            <a:lvl9pPr indent="-317500" lvl="8" marL="4114800" rtl="0">
+            <a:lvl9pPr indent="-317500" lvl="8" marL="4114800" marR="0" rtl="0" algn="l">
               <a:lnSpc>
                 <a:spcPct val="115000"/>
               </a:lnSpc>
@@ -10757,11 +13715,16 @@
                 <a:schemeClr val="dk2"/>
               </a:buClr>
               <a:buSzPts val="1400"/>
+              <a:buFont typeface="Arial"/>
               <a:buChar char="■"/>
-              <a:defRPr>
+              <a:defRPr b="0" i="0" sz="1400" u="none" cap="none" strike="noStrike">
                 <a:solidFill>
                   <a:schemeClr val="dk2"/>
                 </a:solidFill>
+                <a:latin typeface="Arial"/>
+                <a:ea typeface="Arial"/>
+                <a:cs typeface="Arial"/>
+                <a:sym typeface="Arial"/>
               </a:defRPr>
             </a:lvl9pPr>
           </a:lstStyle>
@@ -10794,76 +13757,238 @@
             <a:normAutofit/>
           </a:bodyPr>
           <a:lstStyle>
-            <a:lvl1pPr lvl="0" rtl="0" algn="r">
-              <a:buNone/>
-              <a:defRPr sz="1000">
+            <a:lvl1pPr indent="0" lvl="0" marL="0" marR="0" rtl="0" algn="r">
+              <a:lnSpc>
+                <a:spcPct val="100000"/>
+              </a:lnSpc>
+              <a:spcBef>
+                <a:spcPts val="0"/>
+              </a:spcBef>
+              <a:spcAft>
+                <a:spcPts val="0"/>
+              </a:spcAft>
+              <a:buClr>
+                <a:srgbClr val="000000"/>
+              </a:buClr>
+              <a:buSzPts val="1000"/>
+              <a:buFont typeface="Arial"/>
+              <a:buNone/>
+              <a:defRPr b="0" i="0" sz="1000" u="none" cap="none" strike="noStrike">
                 <a:solidFill>
                   <a:schemeClr val="dk2"/>
                 </a:solidFill>
+                <a:latin typeface="Arial"/>
+                <a:ea typeface="Arial"/>
+                <a:cs typeface="Arial"/>
+                <a:sym typeface="Arial"/>
               </a:defRPr>
             </a:lvl1pPr>
-            <a:lvl2pPr lvl="1" rtl="0" algn="r">
-              <a:buNone/>
-              <a:defRPr sz="1000">
+            <a:lvl2pPr indent="0" lvl="1" marL="0" marR="0" rtl="0" algn="r">
+              <a:lnSpc>
+                <a:spcPct val="100000"/>
+              </a:lnSpc>
+              <a:spcBef>
+                <a:spcPts val="0"/>
+              </a:spcBef>
+              <a:spcAft>
+                <a:spcPts val="0"/>
+              </a:spcAft>
+              <a:buClr>
+                <a:srgbClr val="000000"/>
+              </a:buClr>
+              <a:buSzPts val="1000"/>
+              <a:buFont typeface="Arial"/>
+              <a:buNone/>
+              <a:defRPr b="0" i="0" sz="1000" u="none" cap="none" strike="noStrike">
                 <a:solidFill>
                   <a:schemeClr val="dk2"/>
                 </a:solidFill>
+                <a:latin typeface="Arial"/>
+                <a:ea typeface="Arial"/>
+                <a:cs typeface="Arial"/>
+                <a:sym typeface="Arial"/>
               </a:defRPr>
             </a:lvl2pPr>
-            <a:lvl3pPr lvl="2" rtl="0" algn="r">
-              <a:buNone/>
-              <a:defRPr sz="1000">
+            <a:lvl3pPr indent="0" lvl="2" marL="0" marR="0" rtl="0" algn="r">
+              <a:lnSpc>
+                <a:spcPct val="100000"/>
+              </a:lnSpc>
+              <a:spcBef>
+                <a:spcPts val="0"/>
+              </a:spcBef>
+              <a:spcAft>
+                <a:spcPts val="0"/>
+              </a:spcAft>
+              <a:buClr>
+                <a:srgbClr val="000000"/>
+              </a:buClr>
+              <a:buSzPts val="1000"/>
+              <a:buFont typeface="Arial"/>
+              <a:buNone/>
+              <a:defRPr b="0" i="0" sz="1000" u="none" cap="none" strike="noStrike">
                 <a:solidFill>
                   <a:schemeClr val="dk2"/>
                 </a:solidFill>
+                <a:latin typeface="Arial"/>
+                <a:ea typeface="Arial"/>
+                <a:cs typeface="Arial"/>
+                <a:sym typeface="Arial"/>
               </a:defRPr>
             </a:lvl3pPr>
-            <a:lvl4pPr lvl="3" rtl="0" algn="r">
-              <a:buNone/>
-              <a:defRPr sz="1000">
+            <a:lvl4pPr indent="0" lvl="3" marL="0" marR="0" rtl="0" algn="r">
+              <a:lnSpc>
+                <a:spcPct val="100000"/>
+              </a:lnSpc>
+              <a:spcBef>
+                <a:spcPts val="0"/>
+              </a:spcBef>
+              <a:spcAft>
+                <a:spcPts val="0"/>
+              </a:spcAft>
+              <a:buClr>
+                <a:srgbClr val="000000"/>
+              </a:buClr>
+              <a:buSzPts val="1000"/>
+              <a:buFont typeface="Arial"/>
+              <a:buNone/>
+              <a:defRPr b="0" i="0" sz="1000" u="none" cap="none" strike="noStrike">
                 <a:solidFill>
                   <a:schemeClr val="dk2"/>
                 </a:solidFill>
+                <a:latin typeface="Arial"/>
+                <a:ea typeface="Arial"/>
+                <a:cs typeface="Arial"/>
+                <a:sym typeface="Arial"/>
               </a:defRPr>
             </a:lvl4pPr>
-            <a:lvl5pPr lvl="4" rtl="0" algn="r">
-              <a:buNone/>
-              <a:defRPr sz="1000">
+            <a:lvl5pPr indent="0" lvl="4" marL="0" marR="0" rtl="0" algn="r">
+              <a:lnSpc>
+                <a:spcPct val="100000"/>
+              </a:lnSpc>
+              <a:spcBef>
+                <a:spcPts val="0"/>
+              </a:spcBef>
+              <a:spcAft>
+                <a:spcPts val="0"/>
+              </a:spcAft>
+              <a:buClr>
+                <a:srgbClr val="000000"/>
+              </a:buClr>
+              <a:buSzPts val="1000"/>
+              <a:buFont typeface="Arial"/>
+              <a:buNone/>
+              <a:defRPr b="0" i="0" sz="1000" u="none" cap="none" strike="noStrike">
                 <a:solidFill>
                   <a:schemeClr val="dk2"/>
                 </a:solidFill>
+                <a:latin typeface="Arial"/>
+                <a:ea typeface="Arial"/>
+                <a:cs typeface="Arial"/>
+                <a:sym typeface="Arial"/>
               </a:defRPr>
             </a:lvl5pPr>
-            <a:lvl6pPr lvl="5" rtl="0" algn="r">
-              <a:buNone/>
-              <a:defRPr sz="1000">
+            <a:lvl6pPr indent="0" lvl="5" marL="0" marR="0" rtl="0" algn="r">
+              <a:lnSpc>
+                <a:spcPct val="100000"/>
+              </a:lnSpc>
+              <a:spcBef>
+                <a:spcPts val="0"/>
+              </a:spcBef>
+              <a:spcAft>
+                <a:spcPts val="0"/>
+              </a:spcAft>
+              <a:buClr>
+                <a:srgbClr val="000000"/>
+              </a:buClr>
+              <a:buSzPts val="1000"/>
+              <a:buFont typeface="Arial"/>
+              <a:buNone/>
+              <a:defRPr b="0" i="0" sz="1000" u="none" cap="none" strike="noStrike">
                 <a:solidFill>
                   <a:schemeClr val="dk2"/>
                 </a:solidFill>
+                <a:latin typeface="Arial"/>
+                <a:ea typeface="Arial"/>
+                <a:cs typeface="Arial"/>
+                <a:sym typeface="Arial"/>
               </a:defRPr>
             </a:lvl6pPr>
-            <a:lvl7pPr lvl="6" rtl="0" algn="r">
-              <a:buNone/>
-              <a:defRPr sz="1000">
+            <a:lvl7pPr indent="0" lvl="6" marL="0" marR="0" rtl="0" algn="r">
+              <a:lnSpc>
+                <a:spcPct val="100000"/>
+              </a:lnSpc>
+              <a:spcBef>
+                <a:spcPts val="0"/>
+              </a:spcBef>
+              <a:spcAft>
+                <a:spcPts val="0"/>
+              </a:spcAft>
+              <a:buClr>
+                <a:srgbClr val="000000"/>
+              </a:buClr>
+              <a:buSzPts val="1000"/>
+              <a:buFont typeface="Arial"/>
+              <a:buNone/>
+              <a:defRPr b="0" i="0" sz="1000" u="none" cap="none" strike="noStrike">
                 <a:solidFill>
                   <a:schemeClr val="dk2"/>
                 </a:solidFill>
+                <a:latin typeface="Arial"/>
+                <a:ea typeface="Arial"/>
+                <a:cs typeface="Arial"/>
+                <a:sym typeface="Arial"/>
               </a:defRPr>
             </a:lvl7pPr>
-            <a:lvl8pPr lvl="7" rtl="0" algn="r">
-              <a:buNone/>
-              <a:defRPr sz="1000">
+            <a:lvl8pPr indent="0" lvl="7" marL="0" marR="0" rtl="0" algn="r">
+              <a:lnSpc>
+                <a:spcPct val="100000"/>
+              </a:lnSpc>
+              <a:spcBef>
+                <a:spcPts val="0"/>
+              </a:spcBef>
+              <a:spcAft>
+                <a:spcPts val="0"/>
+              </a:spcAft>
+              <a:buClr>
+                <a:srgbClr val="000000"/>
+              </a:buClr>
+              <a:buSzPts val="1000"/>
+              <a:buFont typeface="Arial"/>
+              <a:buNone/>
+              <a:defRPr b="0" i="0" sz="1000" u="none" cap="none" strike="noStrike">
                 <a:solidFill>
                   <a:schemeClr val="dk2"/>
                 </a:solidFill>
+                <a:latin typeface="Arial"/>
+                <a:ea typeface="Arial"/>
+                <a:cs typeface="Arial"/>
+                <a:sym typeface="Arial"/>
               </a:defRPr>
             </a:lvl8pPr>
-            <a:lvl9pPr lvl="8" rtl="0" algn="r">
-              <a:buNone/>
-              <a:defRPr sz="1000">
+            <a:lvl9pPr indent="0" lvl="8" marL="0" marR="0" rtl="0" algn="r">
+              <a:lnSpc>
+                <a:spcPct val="100000"/>
+              </a:lnSpc>
+              <a:spcBef>
+                <a:spcPts val="0"/>
+              </a:spcBef>
+              <a:spcAft>
+                <a:spcPts val="0"/>
+              </a:spcAft>
+              <a:buClr>
+                <a:srgbClr val="000000"/>
+              </a:buClr>
+              <a:buSzPts val="1000"/>
+              <a:buFont typeface="Arial"/>
+              <a:buNone/>
+              <a:defRPr b="0" i="0" sz="1000" u="none" cap="none" strike="noStrike">
                 <a:solidFill>
                   <a:schemeClr val="dk2"/>
                 </a:solidFill>
+                <a:latin typeface="Arial"/>
+                <a:ea typeface="Arial"/>
+                <a:cs typeface="Arial"/>
+                <a:sym typeface="Arial"/>
               </a:defRPr>
             </a:lvl9pPr>
           </a:lstStyle>
@@ -11763,13 +14888,12 @@
           <p:cNvPicPr preferRelativeResize="0"/>
           <p:nvPr/>
         </p:nvPicPr>
-        <p:blipFill>
+        <p:blipFill rotWithShape="1">
           <a:blip r:embed="rId3">
             <a:alphaModFix/>
           </a:blip>
-          <a:stretch>
-            <a:fillRect/>
-          </a:stretch>
+          <a:srcRect b="0" l="0" r="0" t="0"/>
+          <a:stretch/>
         </p:blipFill>
         <p:spPr>
           <a:xfrm>
@@ -12177,13 +15301,12 @@
           <p:cNvPicPr preferRelativeResize="0"/>
           <p:nvPr/>
         </p:nvPicPr>
-        <p:blipFill>
+        <p:blipFill rotWithShape="1">
           <a:blip r:embed="rId3">
             <a:alphaModFix/>
           </a:blip>
-          <a:stretch>
-            <a:fillRect/>
-          </a:stretch>
+          <a:srcRect b="0" l="0" r="0" t="0"/>
+          <a:stretch/>
         </p:blipFill>
         <p:spPr>
           <a:xfrm>
@@ -12518,13 +15641,12 @@
           <p:cNvPicPr preferRelativeResize="0"/>
           <p:nvPr/>
         </p:nvPicPr>
-        <p:blipFill>
+        <p:blipFill rotWithShape="1">
           <a:blip r:embed="rId3">
             <a:alphaModFix/>
           </a:blip>
-          <a:stretch>
-            <a:fillRect/>
-          </a:stretch>
+          <a:srcRect b="0" l="0" r="0" t="0"/>
+          <a:stretch/>
         </p:blipFill>
         <p:spPr>
           <a:xfrm>
@@ -12859,13 +15981,12 @@
           <p:cNvPicPr preferRelativeResize="0"/>
           <p:nvPr/>
         </p:nvPicPr>
-        <p:blipFill>
+        <p:blipFill rotWithShape="1">
           <a:blip r:embed="rId3">
             <a:alphaModFix/>
           </a:blip>
-          <a:stretch>
-            <a:fillRect/>
-          </a:stretch>
+          <a:srcRect b="0" l="0" r="0" t="0"/>
+          <a:stretch/>
         </p:blipFill>
         <p:spPr>
           <a:xfrm>
@@ -13056,6 +16177,7 @@
               <a:spcAft>
                 <a:spcPts val="0"/>
               </a:spcAft>
+              <a:buSzPts val="3200"/>
               <a:buNone/>
             </a:pPr>
             <a:r>
@@ -13144,13 +16266,12 @@
           <p:cNvPicPr preferRelativeResize="0"/>
           <p:nvPr/>
         </p:nvPicPr>
-        <p:blipFill>
+        <p:blipFill rotWithShape="1">
           <a:blip r:embed="rId3">
             <a:alphaModFix/>
           </a:blip>
-          <a:stretch>
-            <a:fillRect/>
-          </a:stretch>
+          <a:srcRect b="0" l="0" r="0" t="0"/>
+          <a:stretch/>
         </p:blipFill>
         <p:spPr>
           <a:xfrm>
@@ -13454,13 +16575,12 @@
           <p:cNvPicPr preferRelativeResize="0"/>
           <p:nvPr/>
         </p:nvPicPr>
-        <p:blipFill>
+        <p:blipFill rotWithShape="1">
           <a:blip r:embed="rId3">
             <a:alphaModFix/>
           </a:blip>
-          <a:stretch>
-            <a:fillRect/>
-          </a:stretch>
+          <a:srcRect b="0" l="0" r="0" t="0"/>
+          <a:stretch/>
         </p:blipFill>
         <p:spPr>
           <a:xfrm>
@@ -13786,13 +16906,12 @@
           <p:cNvPicPr preferRelativeResize="0"/>
           <p:nvPr/>
         </p:nvPicPr>
-        <p:blipFill>
+        <p:blipFill rotWithShape="1">
           <a:blip r:embed="rId3">
             <a:alphaModFix/>
           </a:blip>
-          <a:stretch>
-            <a:fillRect/>
-          </a:stretch>
+          <a:srcRect b="0" l="0" r="0" t="0"/>
+          <a:stretch/>
         </p:blipFill>
         <p:spPr>
           <a:xfrm>
@@ -14121,13 +17240,12 @@
           <p:cNvPicPr preferRelativeResize="0"/>
           <p:nvPr/>
         </p:nvPicPr>
-        <p:blipFill>
+        <p:blipFill rotWithShape="1">
           <a:blip r:embed="rId3">
             <a:alphaModFix/>
           </a:blip>
-          <a:stretch>
-            <a:fillRect/>
-          </a:stretch>
+          <a:srcRect b="0" l="0" r="0" t="0"/>
+          <a:stretch/>
         </p:blipFill>
         <p:spPr>
           <a:xfrm>
@@ -14572,13 +17690,12 @@
           <p:cNvPicPr preferRelativeResize="0"/>
           <p:nvPr/>
         </p:nvPicPr>
-        <p:blipFill>
+        <p:blipFill rotWithShape="1">
           <a:blip r:embed="rId3">
             <a:alphaModFix/>
           </a:blip>
-          <a:stretch>
-            <a:fillRect/>
-          </a:stretch>
+          <a:srcRect b="0" l="0" r="0" t="0"/>
+          <a:stretch/>
         </p:blipFill>
         <p:spPr>
           <a:xfrm>
@@ -14932,13 +18049,12 @@
           <p:cNvPicPr preferRelativeResize="0"/>
           <p:nvPr/>
         </p:nvPicPr>
-        <p:blipFill>
+        <p:blipFill rotWithShape="1">
           <a:blip r:embed="rId3">
             <a:alphaModFix/>
           </a:blip>
-          <a:stretch>
-            <a:fillRect/>
-          </a:stretch>
+          <a:srcRect b="0" l="0" r="0" t="0"/>
+          <a:stretch/>
         </p:blipFill>
         <p:spPr>
           <a:xfrm>
@@ -15172,13 +18288,12 @@
           <p:cNvPicPr preferRelativeResize="0"/>
           <p:nvPr/>
         </p:nvPicPr>
-        <p:blipFill>
+        <p:blipFill rotWithShape="1">
           <a:blip r:embed="rId4">
             <a:alphaModFix/>
           </a:blip>
-          <a:stretch>
-            <a:fillRect/>
-          </a:stretch>
+          <a:srcRect b="0" l="0" r="0" t="0"/>
+          <a:stretch/>
         </p:blipFill>
         <p:spPr>
           <a:xfrm>
@@ -15368,7 +18483,7 @@
           </a:bodyPr>
           <a:lstStyle/>
           <a:p>
-            <a:pPr indent="-341788" lvl="0" marL="457200" rtl="0" algn="l">
+            <a:pPr indent="-341819" lvl="0" marL="457200" rtl="0" algn="l">
               <a:lnSpc>
                 <a:spcPct val="115000"/>
               </a:lnSpc>
@@ -15402,41 +18517,7 @@
             </a:endParaRPr>
           </a:p>
           <a:p>
-            <a:pPr indent="-341788" lvl="0" marL="457200" rtl="0" algn="l">
-              <a:lnSpc>
-                <a:spcPct val="115000"/>
-              </a:lnSpc>
-              <a:spcBef>
-                <a:spcPts val="1500"/>
-              </a:spcBef>
-              <a:spcAft>
-                <a:spcPts val="0"/>
-              </a:spcAft>
-              <a:buClr>
-                <a:srgbClr val="24292E"/>
-              </a:buClr>
-              <a:buSzPct val="100000"/>
-              <a:buFont typeface="Open Sans"/>
-              <a:buChar char="●"/>
-            </a:pPr>
-            <a:r>
-              <a:rPr lang="en-US" sz="2300">
-                <a:latin typeface="Open Sans"/>
-                <a:ea typeface="Open Sans"/>
-                <a:cs typeface="Open Sans"/>
-                <a:sym typeface="Open Sans"/>
-              </a:rPr>
-              <a:t>Mestrado em Ciência Política pela USP</a:t>
-            </a:r>
-            <a:endParaRPr sz="3100">
-              <a:latin typeface="Open Sans"/>
-              <a:ea typeface="Open Sans"/>
-              <a:cs typeface="Open Sans"/>
-              <a:sym typeface="Open Sans"/>
-            </a:endParaRPr>
-          </a:p>
-          <a:p>
-            <a:pPr indent="-341788" lvl="0" marL="457200" rtl="0" algn="l">
+            <a:pPr indent="-341819" lvl="0" marL="457200" rtl="0" algn="l">
               <a:lnSpc>
                 <a:spcPct val="115000"/>
               </a:lnSpc>
@@ -15470,7 +18551,7 @@
             </a:endParaRPr>
           </a:p>
           <a:p>
-            <a:pPr indent="-341788" lvl="0" marL="457200" rtl="0" algn="l">
+            <a:pPr indent="-341819" lvl="0" marL="457200" rtl="0" algn="l">
               <a:lnSpc>
                 <a:spcPct val="115000"/>
               </a:lnSpc>
@@ -15504,7 +18585,7 @@
             </a:endParaRPr>
           </a:p>
           <a:p>
-            <a:pPr indent="-341788" lvl="0" marL="457200" rtl="0" algn="l">
+            <a:pPr indent="-341819" lvl="0" marL="457200" rtl="0" algn="l">
               <a:lnSpc>
                 <a:spcPct val="115000"/>
               </a:lnSpc>
@@ -15535,7 +18616,38 @@
             </a:endParaRPr>
           </a:p>
           <a:p>
-            <a:pPr indent="-341788" lvl="0" marL="457200" rtl="0" algn="l">
+            <a:pPr indent="-341819" lvl="0" marL="457200" rtl="0" algn="l">
+              <a:lnSpc>
+                <a:spcPct val="115000"/>
+              </a:lnSpc>
+              <a:spcBef>
+                <a:spcPts val="1500"/>
+              </a:spcBef>
+              <a:spcAft>
+                <a:spcPts val="0"/>
+              </a:spcAft>
+              <a:buSzPct val="100000"/>
+              <a:buFont typeface="Open Sans"/>
+              <a:buChar char="●"/>
+            </a:pPr>
+            <a:r>
+              <a:rPr lang="en-US" sz="2300">
+                <a:latin typeface="Open Sans"/>
+                <a:ea typeface="Open Sans"/>
+                <a:cs typeface="Open Sans"/>
+                <a:sym typeface="Open Sans"/>
+              </a:rPr>
+              <a:t>Senior Lecturer, University of Lincoln</a:t>
+            </a:r>
+            <a:endParaRPr sz="2300">
+              <a:latin typeface="Open Sans"/>
+              <a:ea typeface="Open Sans"/>
+              <a:cs typeface="Open Sans"/>
+              <a:sym typeface="Open Sans"/>
+            </a:endParaRPr>
+          </a:p>
+          <a:p>
+            <a:pPr indent="-341819" lvl="0" marL="457200" rtl="0" algn="l">
               <a:lnSpc>
                 <a:spcPct val="115000"/>
               </a:lnSpc>
@@ -15569,7 +18681,7 @@
             </a:endParaRPr>
           </a:p>
           <a:p>
-            <a:pPr indent="-341788" lvl="0" marL="457200" rtl="0" algn="l">
+            <a:pPr indent="-341819" lvl="0" marL="457200" rtl="0" algn="l">
               <a:lnSpc>
                 <a:spcPct val="115000"/>
               </a:lnSpc>
@@ -15593,16 +18705,7 @@
                 <a:cs typeface="Open Sans"/>
                 <a:sym typeface="Open Sans"/>
               </a:rPr>
-              <a:t>Contato</a:t>
-            </a:r>
-            <a:r>
-              <a:rPr lang="en-US" sz="2300">
-                <a:latin typeface="Open Sans"/>
-                <a:ea typeface="Open Sans"/>
-                <a:cs typeface="Open Sans"/>
-                <a:sym typeface="Open Sans"/>
-              </a:rPr>
-              <a:t>: </a:t>
+              <a:t>Contato: </a:t>
             </a:r>
             <a:r>
               <a:rPr lang="en-US" sz="2300" u="sng">
@@ -15687,13 +18790,12 @@
           <p:cNvPicPr preferRelativeResize="0"/>
           <p:nvPr/>
         </p:nvPicPr>
-        <p:blipFill>
+        <p:blipFill rotWithShape="1">
           <a:blip r:embed="rId5">
             <a:alphaModFix/>
           </a:blip>
-          <a:stretch>
-            <a:fillRect/>
-          </a:stretch>
+          <a:srcRect b="0" l="0" r="0" t="0"/>
+          <a:stretch/>
         </p:blipFill>
         <p:spPr>
           <a:xfrm>
@@ -16182,13 +19284,12 @@
           <p:cNvPicPr preferRelativeResize="0"/>
           <p:nvPr/>
         </p:nvPicPr>
-        <p:blipFill>
+        <p:blipFill rotWithShape="1">
           <a:blip r:embed="rId3">
             <a:alphaModFix/>
           </a:blip>
-          <a:stretch>
-            <a:fillRect/>
-          </a:stretch>
+          <a:srcRect b="0" l="0" r="0" t="0"/>
+          <a:stretch/>
         </p:blipFill>
         <p:spPr>
           <a:xfrm>
@@ -16517,13 +19618,12 @@
           <p:cNvPicPr preferRelativeResize="0"/>
           <p:nvPr/>
         </p:nvPicPr>
-        <p:blipFill>
+        <p:blipFill rotWithShape="1">
           <a:blip r:embed="rId3">
             <a:alphaModFix/>
           </a:blip>
-          <a:stretch>
-            <a:fillRect/>
-          </a:stretch>
+          <a:srcRect b="0" l="0" r="0" t="0"/>
+          <a:stretch/>
         </p:blipFill>
         <p:spPr>
           <a:xfrm>
@@ -16918,13 +20018,12 @@
           <p:cNvPicPr preferRelativeResize="0"/>
           <p:nvPr/>
         </p:nvPicPr>
-        <p:blipFill>
+        <p:blipFill rotWithShape="1">
           <a:blip r:embed="rId3">
             <a:alphaModFix/>
           </a:blip>
-          <a:stretch>
-            <a:fillRect/>
-          </a:stretch>
+          <a:srcRect b="0" l="0" r="0" t="0"/>
+          <a:stretch/>
         </p:blipFill>
         <p:spPr>
           <a:xfrm>
@@ -17097,6 +20196,7 @@
               <a:spcAft>
                 <a:spcPts val="0"/>
               </a:spcAft>
+              <a:buSzPct val="171122"/>
               <a:buNone/>
             </a:pPr>
             <a:r>
@@ -17169,6 +20269,7 @@
               <a:spcAft>
                 <a:spcPts val="0"/>
               </a:spcAft>
+              <a:buSzPct val="171122"/>
               <a:buNone/>
             </a:pPr>
             <a:r>
@@ -17248,13 +20349,12 @@
           <p:cNvPicPr preferRelativeResize="0"/>
           <p:nvPr/>
         </p:nvPicPr>
-        <p:blipFill>
+        <p:blipFill rotWithShape="1">
           <a:blip r:embed="rId3">
             <a:alphaModFix/>
           </a:blip>
-          <a:stretch>
-            <a:fillRect/>
-          </a:stretch>
+          <a:srcRect b="0" l="0" r="0" t="0"/>
+          <a:stretch/>
         </p:blipFill>
         <p:spPr>
           <a:xfrm>
@@ -17427,6 +20527,7 @@
               <a:spcAft>
                 <a:spcPts val="0"/>
               </a:spcAft>
+              <a:buSzPts val="3200"/>
               <a:buNone/>
             </a:pPr>
             <a:r>
@@ -17481,6 +20582,7 @@
               <a:spcAft>
                 <a:spcPts val="0"/>
               </a:spcAft>
+              <a:buSzPts val="3200"/>
               <a:buNone/>
             </a:pPr>
             <a:r>
@@ -17532,13 +20634,12 @@
           <p:cNvPicPr preferRelativeResize="0"/>
           <p:nvPr/>
         </p:nvPicPr>
-        <p:blipFill>
+        <p:blipFill rotWithShape="1">
           <a:blip r:embed="rId3">
             <a:alphaModFix/>
           </a:blip>
-          <a:stretch>
-            <a:fillRect/>
-          </a:stretch>
+          <a:srcRect b="0" l="0" r="0" t="0"/>
+          <a:stretch/>
         </p:blipFill>
         <p:spPr>
           <a:xfrm>
@@ -17715,6 +20816,7 @@
               <a:spcAft>
                 <a:spcPts val="0"/>
               </a:spcAft>
+              <a:buSzPct val="172043"/>
               <a:buNone/>
             </a:pPr>
             <a:r>
@@ -17769,6 +20871,7 @@
               <a:spcAft>
                 <a:spcPts val="0"/>
               </a:spcAft>
+              <a:buSzPct val="172043"/>
               <a:buNone/>
             </a:pPr>
             <a:r>
@@ -17823,6 +20926,7 @@
               <a:spcAft>
                 <a:spcPts val="0"/>
               </a:spcAft>
+              <a:buSzPct val="172043"/>
               <a:buNone/>
             </a:pPr>
             <a:r>
@@ -17877,6 +20981,7 @@
               <a:spcAft>
                 <a:spcPts val="0"/>
               </a:spcAft>
+              <a:buSzPct val="172043"/>
               <a:buNone/>
             </a:pPr>
             <a:r>
@@ -17952,13 +21057,12 @@
           <p:cNvPicPr preferRelativeResize="0"/>
           <p:nvPr/>
         </p:nvPicPr>
-        <p:blipFill>
+        <p:blipFill rotWithShape="1">
           <a:blip r:embed="rId3">
             <a:alphaModFix/>
           </a:blip>
-          <a:stretch>
-            <a:fillRect/>
-          </a:stretch>
+          <a:srcRect b="0" l="0" r="0" t="0"/>
+          <a:stretch/>
         </p:blipFill>
         <p:spPr>
           <a:xfrm>
@@ -18131,6 +21235,7 @@
               <a:spcAft>
                 <a:spcPts val="0"/>
               </a:spcAft>
+              <a:buSzPct val="198757"/>
               <a:buNone/>
             </a:pPr>
             <a:r>
@@ -18185,6 +21290,7 @@
               <a:spcAft>
                 <a:spcPts val="0"/>
               </a:spcAft>
+              <a:buSzPct val="198757"/>
               <a:buNone/>
             </a:pPr>
             <a:r>
@@ -18239,6 +21345,7 @@
               <a:spcAft>
                 <a:spcPts val="0"/>
               </a:spcAft>
+              <a:buSzPct val="198757"/>
               <a:buNone/>
             </a:pPr>
             <a:r>
@@ -18273,7 +21380,7 @@
                 <a:cs typeface="Open Sans"/>
                 <a:sym typeface="Open Sans"/>
               </a:rPr>
-              <a:t>Sessões 7 e 8: Instituições no Contractarianismo</a:t>
+              <a:t>Sessões 7 e 8: Instituições no Contratualismo</a:t>
             </a:r>
             <a:endParaRPr sz="2300">
               <a:latin typeface="Open Sans"/>
@@ -18293,6 +21400,7 @@
               <a:spcAft>
                 <a:spcPts val="0"/>
               </a:spcAft>
+              <a:buSzPct val="198757"/>
               <a:buNone/>
             </a:pPr>
             <a:r>
@@ -18327,7 +21435,7 @@
                 <a:cs typeface="Open Sans"/>
                 <a:sym typeface="Open Sans"/>
               </a:rPr>
-              <a:t>Sessões 9 e 10: Instituições no Ocidente, Jusnaturalismo e Utilitarismo</a:t>
+              <a:t>Sessões 9 e 10: Violência, Democracias e Ditaduras</a:t>
             </a:r>
             <a:endParaRPr sz="2300">
               <a:latin typeface="Open Sans"/>
@@ -18347,6 +21455,7 @@
               <a:spcAft>
                 <a:spcPts val="0"/>
               </a:spcAft>
+              <a:buSzPct val="198757"/>
               <a:buNone/>
             </a:pPr>
             <a:r>
@@ -18381,7 +21490,7 @@
                 <a:cs typeface="Open Sans"/>
                 <a:sym typeface="Open Sans"/>
               </a:rPr>
-              <a:t>Sessões 11 e 12: Instituições no Terceiro Mundo e o Caso Islâmico</a:t>
+              <a:t>Sessões 11 e 12: Instituições no Ocidente</a:t>
             </a:r>
             <a:endParaRPr sz="2300">
               <a:latin typeface="Open Sans"/>
@@ -18401,6 +21510,7 @@
               <a:spcAft>
                 <a:spcPts val="0"/>
               </a:spcAft>
+              <a:buSzPct val="198757"/>
               <a:buNone/>
             </a:pPr>
             <a:r>
@@ -18435,7 +21545,7 @@
                 <a:cs typeface="Open Sans"/>
                 <a:sym typeface="Open Sans"/>
               </a:rPr>
-              <a:t>Sessões 13 e 14: O Desenho das Instituições</a:t>
+              <a:t>Sessões 13 e 14: Instituições no Terceiro Mundo e o Caso Islâmico</a:t>
             </a:r>
             <a:endParaRPr sz="2300">
               <a:latin typeface="Open Sans"/>
@@ -18455,6 +21565,7 @@
               <a:spcAft>
                 <a:spcPts val="0"/>
               </a:spcAft>
+              <a:buSzPct val="198757"/>
               <a:buNone/>
             </a:pPr>
             <a:r>
@@ -18509,6 +21620,7 @@
               <a:spcAft>
                 <a:spcPts val="0"/>
               </a:spcAft>
+              <a:buSzPct val="198757"/>
               <a:buNone/>
             </a:pPr>
             <a:r>
@@ -18560,13 +21672,12 @@
           <p:cNvPicPr preferRelativeResize="0"/>
           <p:nvPr/>
         </p:nvPicPr>
-        <p:blipFill>
+        <p:blipFill rotWithShape="1">
           <a:blip r:embed="rId3">
             <a:alphaModFix/>
           </a:blip>
-          <a:stretch>
-            <a:fillRect/>
-          </a:stretch>
+          <a:srcRect b="0" l="0" r="0" t="0"/>
+          <a:stretch/>
         </p:blipFill>
         <p:spPr>
           <a:xfrm>
@@ -18798,13 +21909,12 @@
           <p:cNvPicPr preferRelativeResize="0"/>
           <p:nvPr/>
         </p:nvPicPr>
-        <p:blipFill>
+        <p:blipFill rotWithShape="1">
           <a:blip r:embed="rId3">
             <a:alphaModFix/>
           </a:blip>
-          <a:stretch>
-            <a:fillRect/>
-          </a:stretch>
+          <a:srcRect b="0" l="0" r="0" t="0"/>
+          <a:stretch/>
         </p:blipFill>
         <p:spPr>
           <a:xfrm>
@@ -18987,13 +22097,12 @@
           <p:cNvPicPr preferRelativeResize="0"/>
           <p:nvPr/>
         </p:nvPicPr>
-        <p:blipFill>
+        <p:blipFill rotWithShape="1">
           <a:blip r:embed="rId4">
             <a:alphaModFix/>
           </a:blip>
-          <a:stretch>
-            <a:fillRect/>
-          </a:stretch>
+          <a:srcRect b="0" l="0" r="0" t="0"/>
+          <a:stretch/>
         </p:blipFill>
         <p:spPr>
           <a:xfrm>
@@ -19349,13 +22458,12 @@
           <p:cNvPicPr preferRelativeResize="0"/>
           <p:nvPr/>
         </p:nvPicPr>
-        <p:blipFill>
+        <p:blipFill rotWithShape="1">
           <a:blip r:embed="rId3">
             <a:alphaModFix/>
           </a:blip>
-          <a:stretch>
-            <a:fillRect/>
-          </a:stretch>
+          <a:srcRect b="0" l="0" r="0" t="0"/>
+          <a:stretch/>
         </p:blipFill>
         <p:spPr>
           <a:xfrm>
@@ -19737,13 +22845,12 @@
           <p:cNvPicPr preferRelativeResize="0"/>
           <p:nvPr/>
         </p:nvPicPr>
-        <p:blipFill>
+        <p:blipFill rotWithShape="1">
           <a:blip r:embed="rId4">
             <a:alphaModFix/>
           </a:blip>
-          <a:stretch>
-            <a:fillRect/>
-          </a:stretch>
+          <a:srcRect b="0" l="0" r="0" t="0"/>
+          <a:stretch/>
         </p:blipFill>
         <p:spPr>
           <a:xfrm>
@@ -20138,13 +23245,12 @@
           <p:cNvPicPr preferRelativeResize="0"/>
           <p:nvPr/>
         </p:nvPicPr>
-        <p:blipFill>
+        <p:blipFill rotWithShape="1">
           <a:blip r:embed="rId3">
             <a:alphaModFix/>
           </a:blip>
-          <a:stretch>
-            <a:fillRect/>
-          </a:stretch>
+          <a:srcRect b="0" l="0" r="0" t="0"/>
+          <a:stretch/>
         </p:blipFill>
         <p:spPr>
           <a:xfrm>
@@ -20175,6 +23281,285 @@
 </file>
 
 <file path=ppt/theme/theme1.xml><?xml version="1.0" encoding="utf-8"?>
+<a:theme xmlns:a="http://schemas.openxmlformats.org/drawingml/2006/main" xmlns:r="http://schemas.openxmlformats.org/officeDocument/2006/relationships" name="Custom Theme">
+  <a:themeElements>
+    <a:clrScheme name="Default">
+      <a:dk1>
+        <a:srgbClr val="000000"/>
+      </a:dk1>
+      <a:lt1>
+        <a:srgbClr val="FFFFFF"/>
+      </a:lt1>
+      <a:dk2>
+        <a:srgbClr val="158158"/>
+      </a:dk2>
+      <a:lt2>
+        <a:srgbClr val="F3F3F3"/>
+      </a:lt2>
+      <a:accent1>
+        <a:srgbClr val="058DC7"/>
+      </a:accent1>
+      <a:accent2>
+        <a:srgbClr val="50B432"/>
+      </a:accent2>
+      <a:accent3>
+        <a:srgbClr val="ED561B"/>
+      </a:accent3>
+      <a:accent4>
+        <a:srgbClr val="EDEF00"/>
+      </a:accent4>
+      <a:accent5>
+        <a:srgbClr val="24CBE5"/>
+      </a:accent5>
+      <a:accent6>
+        <a:srgbClr val="64E572"/>
+      </a:accent6>
+      <a:hlink>
+        <a:srgbClr val="2200CC"/>
+      </a:hlink>
+      <a:folHlink>
+        <a:srgbClr val="551A8B"/>
+      </a:folHlink>
+    </a:clrScheme>
+    <a:fontScheme name="Office">
+      <a:majorFont>
+        <a:latin typeface="Arial"/>
+        <a:ea typeface=""/>
+        <a:cs typeface=""/>
+        <a:font script="Jpan" typeface="ＭＳ Ｐゴシック"/>
+        <a:font script="Hang" typeface="맑은 고딕"/>
+        <a:font script="Hans" typeface="宋体"/>
+        <a:font script="Hant" typeface="新細明體"/>
+        <a:font script="Arab" typeface="Times New Roman"/>
+        <a:font script="Hebr" typeface="Times New Roman"/>
+        <a:font script="Thai" typeface="Angsana New"/>
+        <a:font script="Ethi" typeface="Nyala"/>
+        <a:font script="Beng" typeface="Vrinda"/>
+        <a:font script="Gujr" typeface="Shruti"/>
+        <a:font script="Khmr" typeface="MoolBoran"/>
+        <a:font script="Knda" typeface="Tunga"/>
+        <a:font script="Guru" typeface="Raavi"/>
+        <a:font script="Cans" typeface="Euphemia"/>
+        <a:font script="Cher" typeface="Plantagenet Cherokee"/>
+        <a:font script="Yiii" typeface="Microsoft Yi Baiti"/>
+        <a:font script="Tibt" typeface="Microsoft Himalaya"/>
+        <a:font script="Thaa" typeface="MV Boli"/>
+        <a:font script="Deva" typeface="Mangal"/>
+        <a:font script="Telu" typeface="Gautami"/>
+        <a:font script="Taml" typeface="Latha"/>
+        <a:font script="Syrc" typeface="Estrangelo Edessa"/>
+        <a:font script="Orya" typeface="Kalinga"/>
+        <a:font script="Mlym" typeface="Kartika"/>
+        <a:font script="Laoo" typeface="DokChampa"/>
+        <a:font script="Sinh" typeface="Iskoola Pota"/>
+        <a:font script="Mong" typeface="Mongolian Baiti"/>
+        <a:font script="Viet" typeface="Times New Roman"/>
+        <a:font script="Uigh" typeface="Microsoft Uighur"/>
+        <a:font script="Geor" typeface="Sylfaen"/>
+      </a:majorFont>
+      <a:minorFont>
+        <a:latin typeface="Arial"/>
+        <a:ea typeface=""/>
+        <a:cs typeface=""/>
+        <a:font script="Jpan" typeface="ＭＳ Ｐゴシック"/>
+        <a:font script="Hang" typeface="맑은 고딕"/>
+        <a:font script="Hans" typeface="宋体"/>
+        <a:font script="Hant" typeface="新細明體"/>
+        <a:font script="Arab" typeface="Arial"/>
+        <a:font script="Hebr" typeface="Arial"/>
+        <a:font script="Thai" typeface="Cordia New"/>
+        <a:font script="Ethi" typeface="Nyala"/>
+        <a:font script="Beng" typeface="Vrinda"/>
+        <a:font script="Gujr" typeface="Shruti"/>
+        <a:font script="Khmr" typeface="DaunPenh"/>
+        <a:font script="Knda" typeface="Tunga"/>
+        <a:font script="Guru" typeface="Raavi"/>
+        <a:font script="Cans" typeface="Euphemia"/>
+        <a:font script="Cher" typeface="Plantagenet Cherokee"/>
+        <a:font script="Yiii" typeface="Microsoft Yi Baiti"/>
+        <a:font script="Tibt" typeface="Microsoft Himalaya"/>
+        <a:font script="Thaa" typeface="MV Boli"/>
+        <a:font script="Deva" typeface="Mangal"/>
+        <a:font script="Telu" typeface="Gautami"/>
+        <a:font script="Taml" typeface="Latha"/>
+        <a:font script="Syrc" typeface="Estrangelo Edessa"/>
+        <a:font script="Orya" typeface="Kalinga"/>
+        <a:font script="Mlym" typeface="Kartika"/>
+        <a:font script="Laoo" typeface="DokChampa"/>
+        <a:font script="Sinh" typeface="Iskoola Pota"/>
+        <a:font script="Mong" typeface="Mongolian Baiti"/>
+        <a:font script="Viet" typeface="Arial"/>
+        <a:font script="Uigh" typeface="Microsoft Uighur"/>
+        <a:font script="Geor" typeface="Sylfaen"/>
+      </a:minorFont>
+    </a:fontScheme>
+    <a:fmtScheme name="Office">
+      <a:fillStyleLst>
+        <a:solidFill>
+          <a:schemeClr val="phClr"/>
+        </a:solidFill>
+        <a:gradFill rotWithShape="1">
+          <a:gsLst>
+            <a:gs pos="0">
+              <a:schemeClr val="phClr">
+                <a:tint val="50000"/>
+                <a:satMod val="300000"/>
+              </a:schemeClr>
+            </a:gs>
+            <a:gs pos="35000">
+              <a:schemeClr val="phClr">
+                <a:tint val="37000"/>
+                <a:satMod val="300000"/>
+              </a:schemeClr>
+            </a:gs>
+            <a:gs pos="100000">
+              <a:schemeClr val="phClr">
+                <a:tint val="15000"/>
+                <a:satMod val="350000"/>
+              </a:schemeClr>
+            </a:gs>
+          </a:gsLst>
+          <a:lin ang="16200000" scaled="1"/>
+        </a:gradFill>
+        <a:gradFill rotWithShape="1">
+          <a:gsLst>
+            <a:gs pos="0">
+              <a:schemeClr val="phClr">
+                <a:tint val="100000"/>
+                <a:shade val="100000"/>
+                <a:satMod val="130000"/>
+              </a:schemeClr>
+            </a:gs>
+            <a:gs pos="100000">
+              <a:schemeClr val="phClr">
+                <a:tint val="50000"/>
+                <a:shade val="100000"/>
+                <a:satMod val="350000"/>
+              </a:schemeClr>
+            </a:gs>
+          </a:gsLst>
+          <a:lin ang="16200000" scaled="0"/>
+        </a:gradFill>
+      </a:fillStyleLst>
+      <a:lnStyleLst>
+        <a:ln w="9525" cap="flat" cmpd="sng" algn="ctr">
+          <a:solidFill>
+            <a:schemeClr val="phClr">
+              <a:shade val="95000"/>
+              <a:satMod val="105000"/>
+            </a:schemeClr>
+          </a:solidFill>
+          <a:prstDash val="solid"/>
+        </a:ln>
+        <a:ln w="25400" cap="flat" cmpd="sng" algn="ctr">
+          <a:solidFill>
+            <a:schemeClr val="phClr"/>
+          </a:solidFill>
+          <a:prstDash val="solid"/>
+        </a:ln>
+        <a:ln w="38100" cap="flat" cmpd="sng" algn="ctr">
+          <a:solidFill>
+            <a:schemeClr val="phClr"/>
+          </a:solidFill>
+          <a:prstDash val="solid"/>
+        </a:ln>
+      </a:lnStyleLst>
+      <a:effectStyleLst>
+        <a:effectStyle>
+          <a:effectLst>
+            <a:outerShdw blurRad="40000" dist="20000" dir="5400000" rotWithShape="0">
+              <a:srgbClr val="000000">
+                <a:alpha val="38000"/>
+              </a:srgbClr>
+            </a:outerShdw>
+          </a:effectLst>
+        </a:effectStyle>
+        <a:effectStyle>
+          <a:effectLst>
+            <a:outerShdw blurRad="40000" dist="23000" dir="5400000" rotWithShape="0">
+              <a:srgbClr val="000000">
+                <a:alpha val="35000"/>
+              </a:srgbClr>
+            </a:outerShdw>
+          </a:effectLst>
+        </a:effectStyle>
+        <a:effectStyle>
+          <a:effectLst>
+            <a:outerShdw blurRad="40000" dist="23000" dir="5400000" rotWithShape="0">
+              <a:srgbClr val="000000">
+                <a:alpha val="35000"/>
+              </a:srgbClr>
+            </a:outerShdw>
+          </a:effectLst>
+          <a:scene3d>
+            <a:camera prst="orthographicFront">
+              <a:rot lat="0" lon="0" rev="0"/>
+            </a:camera>
+            <a:lightRig rig="threePt" dir="t">
+              <a:rot lat="0" lon="0" rev="1200000"/>
+            </a:lightRig>
+          </a:scene3d>
+          <a:sp3d>
+            <a:bevelT w="63500" h="25400"/>
+          </a:sp3d>
+        </a:effectStyle>
+      </a:effectStyleLst>
+      <a:bgFillStyleLst>
+        <a:solidFill>
+          <a:schemeClr val="phClr"/>
+        </a:solidFill>
+        <a:gradFill rotWithShape="1">
+          <a:gsLst>
+            <a:gs pos="0">
+              <a:schemeClr val="phClr">
+                <a:tint val="40000"/>
+                <a:satMod val="350000"/>
+              </a:schemeClr>
+            </a:gs>
+            <a:gs pos="40000">
+              <a:schemeClr val="phClr">
+                <a:tint val="45000"/>
+                <a:shade val="99000"/>
+                <a:satMod val="350000"/>
+              </a:schemeClr>
+            </a:gs>
+            <a:gs pos="100000">
+              <a:schemeClr val="phClr">
+                <a:shade val="20000"/>
+                <a:satMod val="255000"/>
+              </a:schemeClr>
+            </a:gs>
+          </a:gsLst>
+          <a:path path="circle">
+            <a:fillToRect l="50000" t="-80000" r="50000" b="180000"/>
+          </a:path>
+        </a:gradFill>
+        <a:gradFill rotWithShape="1">
+          <a:gsLst>
+            <a:gs pos="0">
+              <a:schemeClr val="phClr">
+                <a:tint val="80000"/>
+                <a:satMod val="300000"/>
+              </a:schemeClr>
+            </a:gs>
+            <a:gs pos="100000">
+              <a:schemeClr val="phClr">
+                <a:shade val="30000"/>
+                <a:satMod val="200000"/>
+              </a:schemeClr>
+            </a:gs>
+          </a:gsLst>
+          <a:path path="circle">
+            <a:fillToRect l="50000" t="50000" r="50000" b="50000"/>
+          </a:path>
+        </a:gradFill>
+      </a:bgFillStyleLst>
+    </a:fmtScheme>
+  </a:themeElements>
+</a:theme>
+</file>
+
+<file path=ppt/theme/theme2.xml><?xml version="1.0" encoding="utf-8"?>
 <a:theme xmlns:a="http://schemas.openxmlformats.org/drawingml/2006/main" xmlns:r="http://schemas.openxmlformats.org/officeDocument/2006/relationships" name="Simple Light">
   <a:themeElements>
     <a:clrScheme name="Simple Light">
@@ -20451,283 +23836,4 @@
     </a:fmtScheme>
   </a:themeElements>
 </a:theme>
-</file>
-
-<file path=ppt/theme/theme2.xml><?xml version="1.0" encoding="utf-8"?>
-<a:theme xmlns:a="http://schemas.openxmlformats.org/drawingml/2006/main" xmlns:r="http://schemas.openxmlformats.org/officeDocument/2006/relationships" name="Custom Theme">
-  <a:themeElements>
-    <a:clrScheme name="Default">
-      <a:dk1>
-        <a:srgbClr val="000000"/>
-      </a:dk1>
-      <a:lt1>
-        <a:srgbClr val="FFFFFF"/>
-      </a:lt1>
-      <a:dk2>
-        <a:srgbClr val="158158"/>
-      </a:dk2>
-      <a:lt2>
-        <a:srgbClr val="F3F3F3"/>
-      </a:lt2>
-      <a:accent1>
-        <a:srgbClr val="058DC7"/>
-      </a:accent1>
-      <a:accent2>
-        <a:srgbClr val="50B432"/>
-      </a:accent2>
-      <a:accent3>
-        <a:srgbClr val="ED561B"/>
-      </a:accent3>
-      <a:accent4>
-        <a:srgbClr val="EDEF00"/>
-      </a:accent4>
-      <a:accent5>
-        <a:srgbClr val="24CBE5"/>
-      </a:accent5>
-      <a:accent6>
-        <a:srgbClr val="64E572"/>
-      </a:accent6>
-      <a:hlink>
-        <a:srgbClr val="2200CC"/>
-      </a:hlink>
-      <a:folHlink>
-        <a:srgbClr val="551A8B"/>
-      </a:folHlink>
-    </a:clrScheme>
-    <a:fontScheme name="Office">
-      <a:majorFont>
-        <a:latin typeface="Arial"/>
-        <a:ea typeface=""/>
-        <a:cs typeface=""/>
-        <a:font script="Jpan" typeface="ＭＳ Ｐゴシック"/>
-        <a:font script="Hang" typeface="맑은 고딕"/>
-        <a:font script="Hans" typeface="宋体"/>
-        <a:font script="Hant" typeface="新細明體"/>
-        <a:font script="Arab" typeface="Times New Roman"/>
-        <a:font script="Hebr" typeface="Times New Roman"/>
-        <a:font script="Thai" typeface="Angsana New"/>
-        <a:font script="Ethi" typeface="Nyala"/>
-        <a:font script="Beng" typeface="Vrinda"/>
-        <a:font script="Gujr" typeface="Shruti"/>
-        <a:font script="Khmr" typeface="MoolBoran"/>
-        <a:font script="Knda" typeface="Tunga"/>
-        <a:font script="Guru" typeface="Raavi"/>
-        <a:font script="Cans" typeface="Euphemia"/>
-        <a:font script="Cher" typeface="Plantagenet Cherokee"/>
-        <a:font script="Yiii" typeface="Microsoft Yi Baiti"/>
-        <a:font script="Tibt" typeface="Microsoft Himalaya"/>
-        <a:font script="Thaa" typeface="MV Boli"/>
-        <a:font script="Deva" typeface="Mangal"/>
-        <a:font script="Telu" typeface="Gautami"/>
-        <a:font script="Taml" typeface="Latha"/>
-        <a:font script="Syrc" typeface="Estrangelo Edessa"/>
-        <a:font script="Orya" typeface="Kalinga"/>
-        <a:font script="Mlym" typeface="Kartika"/>
-        <a:font script="Laoo" typeface="DokChampa"/>
-        <a:font script="Sinh" typeface="Iskoola Pota"/>
-        <a:font script="Mong" typeface="Mongolian Baiti"/>
-        <a:font script="Viet" typeface="Times New Roman"/>
-        <a:font script="Uigh" typeface="Microsoft Uighur"/>
-        <a:font script="Geor" typeface="Sylfaen"/>
-      </a:majorFont>
-      <a:minorFont>
-        <a:latin typeface="Arial"/>
-        <a:ea typeface=""/>
-        <a:cs typeface=""/>
-        <a:font script="Jpan" typeface="ＭＳ Ｐゴシック"/>
-        <a:font script="Hang" typeface="맑은 고딕"/>
-        <a:font script="Hans" typeface="宋体"/>
-        <a:font script="Hant" typeface="新細明體"/>
-        <a:font script="Arab" typeface="Arial"/>
-        <a:font script="Hebr" typeface="Arial"/>
-        <a:font script="Thai" typeface="Cordia New"/>
-        <a:font script="Ethi" typeface="Nyala"/>
-        <a:font script="Beng" typeface="Vrinda"/>
-        <a:font script="Gujr" typeface="Shruti"/>
-        <a:font script="Khmr" typeface="DaunPenh"/>
-        <a:font script="Knda" typeface="Tunga"/>
-        <a:font script="Guru" typeface="Raavi"/>
-        <a:font script="Cans" typeface="Euphemia"/>
-        <a:font script="Cher" typeface="Plantagenet Cherokee"/>
-        <a:font script="Yiii" typeface="Microsoft Yi Baiti"/>
-        <a:font script="Tibt" typeface="Microsoft Himalaya"/>
-        <a:font script="Thaa" typeface="MV Boli"/>
-        <a:font script="Deva" typeface="Mangal"/>
-        <a:font script="Telu" typeface="Gautami"/>
-        <a:font script="Taml" typeface="Latha"/>
-        <a:font script="Syrc" typeface="Estrangelo Edessa"/>
-        <a:font script="Orya" typeface="Kalinga"/>
-        <a:font script="Mlym" typeface="Kartika"/>
-        <a:font script="Laoo" typeface="DokChampa"/>
-        <a:font script="Sinh" typeface="Iskoola Pota"/>
-        <a:font script="Mong" typeface="Mongolian Baiti"/>
-        <a:font script="Viet" typeface="Arial"/>
-        <a:font script="Uigh" typeface="Microsoft Uighur"/>
-        <a:font script="Geor" typeface="Sylfaen"/>
-      </a:minorFont>
-    </a:fontScheme>
-    <a:fmtScheme name="Office">
-      <a:fillStyleLst>
-        <a:solidFill>
-          <a:schemeClr val="phClr"/>
-        </a:solidFill>
-        <a:gradFill rotWithShape="1">
-          <a:gsLst>
-            <a:gs pos="0">
-              <a:schemeClr val="phClr">
-                <a:tint val="50000"/>
-                <a:satMod val="300000"/>
-              </a:schemeClr>
-            </a:gs>
-            <a:gs pos="35000">
-              <a:schemeClr val="phClr">
-                <a:tint val="37000"/>
-                <a:satMod val="300000"/>
-              </a:schemeClr>
-            </a:gs>
-            <a:gs pos="100000">
-              <a:schemeClr val="phClr">
-                <a:tint val="15000"/>
-                <a:satMod val="350000"/>
-              </a:schemeClr>
-            </a:gs>
-          </a:gsLst>
-          <a:lin ang="16200000" scaled="1"/>
-        </a:gradFill>
-        <a:gradFill rotWithShape="1">
-          <a:gsLst>
-            <a:gs pos="0">
-              <a:schemeClr val="phClr">
-                <a:tint val="100000"/>
-                <a:shade val="100000"/>
-                <a:satMod val="130000"/>
-              </a:schemeClr>
-            </a:gs>
-            <a:gs pos="100000">
-              <a:schemeClr val="phClr">
-                <a:tint val="50000"/>
-                <a:shade val="100000"/>
-                <a:satMod val="350000"/>
-              </a:schemeClr>
-            </a:gs>
-          </a:gsLst>
-          <a:lin ang="16200000" scaled="0"/>
-        </a:gradFill>
-      </a:fillStyleLst>
-      <a:lnStyleLst>
-        <a:ln w="9525" cap="flat" cmpd="sng" algn="ctr">
-          <a:solidFill>
-            <a:schemeClr val="phClr">
-              <a:shade val="95000"/>
-              <a:satMod val="105000"/>
-            </a:schemeClr>
-          </a:solidFill>
-          <a:prstDash val="solid"/>
-        </a:ln>
-        <a:ln w="25400" cap="flat" cmpd="sng" algn="ctr">
-          <a:solidFill>
-            <a:schemeClr val="phClr"/>
-          </a:solidFill>
-          <a:prstDash val="solid"/>
-        </a:ln>
-        <a:ln w="38100" cap="flat" cmpd="sng" algn="ctr">
-          <a:solidFill>
-            <a:schemeClr val="phClr"/>
-          </a:solidFill>
-          <a:prstDash val="solid"/>
-        </a:ln>
-      </a:lnStyleLst>
-      <a:effectStyleLst>
-        <a:effectStyle>
-          <a:effectLst>
-            <a:outerShdw blurRad="40000" dist="20000" dir="5400000" rotWithShape="0">
-              <a:srgbClr val="000000">
-                <a:alpha val="38000"/>
-              </a:srgbClr>
-            </a:outerShdw>
-          </a:effectLst>
-        </a:effectStyle>
-        <a:effectStyle>
-          <a:effectLst>
-            <a:outerShdw blurRad="40000" dist="23000" dir="5400000" rotWithShape="0">
-              <a:srgbClr val="000000">
-                <a:alpha val="35000"/>
-              </a:srgbClr>
-            </a:outerShdw>
-          </a:effectLst>
-        </a:effectStyle>
-        <a:effectStyle>
-          <a:effectLst>
-            <a:outerShdw blurRad="40000" dist="23000" dir="5400000" rotWithShape="0">
-              <a:srgbClr val="000000">
-                <a:alpha val="35000"/>
-              </a:srgbClr>
-            </a:outerShdw>
-          </a:effectLst>
-          <a:scene3d>
-            <a:camera prst="orthographicFront">
-              <a:rot lat="0" lon="0" rev="0"/>
-            </a:camera>
-            <a:lightRig rig="threePt" dir="t">
-              <a:rot lat="0" lon="0" rev="1200000"/>
-            </a:lightRig>
-          </a:scene3d>
-          <a:sp3d>
-            <a:bevelT w="63500" h="25400"/>
-          </a:sp3d>
-        </a:effectStyle>
-      </a:effectStyleLst>
-      <a:bgFillStyleLst>
-        <a:solidFill>
-          <a:schemeClr val="phClr"/>
-        </a:solidFill>
-        <a:gradFill rotWithShape="1">
-          <a:gsLst>
-            <a:gs pos="0">
-              <a:schemeClr val="phClr">
-                <a:tint val="40000"/>
-                <a:satMod val="350000"/>
-              </a:schemeClr>
-            </a:gs>
-            <a:gs pos="40000">
-              <a:schemeClr val="phClr">
-                <a:tint val="45000"/>
-                <a:shade val="99000"/>
-                <a:satMod val="350000"/>
-              </a:schemeClr>
-            </a:gs>
-            <a:gs pos="100000">
-              <a:schemeClr val="phClr">
-                <a:shade val="20000"/>
-                <a:satMod val="255000"/>
-              </a:schemeClr>
-            </a:gs>
-          </a:gsLst>
-          <a:path path="circle">
-            <a:fillToRect l="50000" t="-80000" r="50000" b="180000"/>
-          </a:path>
-        </a:gradFill>
-        <a:gradFill rotWithShape="1">
-          <a:gsLst>
-            <a:gs pos="0">
-              <a:schemeClr val="phClr">
-                <a:tint val="80000"/>
-                <a:satMod val="300000"/>
-              </a:schemeClr>
-            </a:gs>
-            <a:gs pos="100000">
-              <a:schemeClr val="phClr">
-                <a:shade val="30000"/>
-                <a:satMod val="200000"/>
-              </a:schemeClr>
-            </a:gs>
-          </a:gsLst>
-          <a:path path="circle">
-            <a:fillToRect l="50000" t="50000" r="50000" b="50000"/>
-          </a:path>
-        </a:gradFill>
-      </a:bgFillStyleLst>
-    </a:fmtScheme>
-  </a:themeElements>
-</a:theme>
 </file>
--- a/sessoes-01-02/sessao-01.pptx
+++ b/sessoes-01-02/sessao-01.pptx
@@ -1830,7 +1830,7 @@
   <p:cSld>
     <p:spTree>
       <p:nvGrpSpPr>
-        <p:cNvPr id="132" name="Shape 132"/>
+        <p:cNvPr id="133" name="Shape 133"/>
         <p:cNvGrpSpPr/>
         <p:nvPr/>
       </p:nvGrpSpPr>
@@ -1844,7 +1844,7 @@
       </p:grpSpPr>
       <p:sp>
         <p:nvSpPr>
-          <p:cNvPr id="133" name="Google Shape;133;p10:notes"/>
+          <p:cNvPr id="134" name="Google Shape;134;p10:notes"/>
           <p:cNvSpPr/>
           <p:nvPr>
             <p:ph idx="2" type="sldImg"/>
@@ -1889,7 +1889,7 @@
       </p:sp>
       <p:sp>
         <p:nvSpPr>
-          <p:cNvPr id="134" name="Google Shape;134;p10:notes"/>
+          <p:cNvPr id="135" name="Google Shape;135;p10:notes"/>
           <p:cNvSpPr txBox="1"/>
           <p:nvPr>
             <p:ph idx="1" type="body"/>
@@ -1940,7 +1940,7 @@
       </p:sp>
       <p:sp>
         <p:nvSpPr>
-          <p:cNvPr id="135" name="Google Shape;135;p10:notes"/>
+          <p:cNvPr id="136" name="Google Shape;136;p10:notes"/>
           <p:cNvSpPr txBox="1"/>
           <p:nvPr>
             <p:ph idx="12" type="sldNum"/>
@@ -2003,7 +2003,7 @@
   <p:cSld>
     <p:spTree>
       <p:nvGrpSpPr>
-        <p:cNvPr id="140" name="Shape 140"/>
+        <p:cNvPr id="141" name="Shape 141"/>
         <p:cNvGrpSpPr/>
         <p:nvPr/>
       </p:nvGrpSpPr>
@@ -2017,7 +2017,7 @@
       </p:grpSpPr>
       <p:sp>
         <p:nvSpPr>
-          <p:cNvPr id="141" name="Google Shape;141;p11:notes"/>
+          <p:cNvPr id="142" name="Google Shape;142;p11:notes"/>
           <p:cNvSpPr/>
           <p:nvPr>
             <p:ph idx="2" type="sldImg"/>
@@ -2062,7 +2062,7 @@
       </p:sp>
       <p:sp>
         <p:nvSpPr>
-          <p:cNvPr id="142" name="Google Shape;142;p11:notes"/>
+          <p:cNvPr id="143" name="Google Shape;143;p11:notes"/>
           <p:cNvSpPr txBox="1"/>
           <p:nvPr>
             <p:ph idx="1" type="body"/>
@@ -2113,7 +2113,7 @@
       </p:sp>
       <p:sp>
         <p:nvSpPr>
-          <p:cNvPr id="143" name="Google Shape;143;p11:notes"/>
+          <p:cNvPr id="144" name="Google Shape;144;p11:notes"/>
           <p:cNvSpPr txBox="1"/>
           <p:nvPr>
             <p:ph idx="12" type="sldNum"/>
@@ -2176,7 +2176,7 @@
   <p:cSld>
     <p:spTree>
       <p:nvGrpSpPr>
-        <p:cNvPr id="148" name="Shape 148"/>
+        <p:cNvPr id="149" name="Shape 149"/>
         <p:cNvGrpSpPr/>
         <p:nvPr/>
       </p:nvGrpSpPr>
@@ -2190,7 +2190,7 @@
       </p:grpSpPr>
       <p:sp>
         <p:nvSpPr>
-          <p:cNvPr id="149" name="Google Shape;149;p12:notes"/>
+          <p:cNvPr id="150" name="Google Shape;150;p12:notes"/>
           <p:cNvSpPr/>
           <p:nvPr>
             <p:ph idx="2" type="sldImg"/>
@@ -2235,7 +2235,7 @@
       </p:sp>
       <p:sp>
         <p:nvSpPr>
-          <p:cNvPr id="150" name="Google Shape;150;p12:notes"/>
+          <p:cNvPr id="151" name="Google Shape;151;p12:notes"/>
           <p:cNvSpPr txBox="1"/>
           <p:nvPr>
             <p:ph idx="1" type="body"/>
@@ -2286,7 +2286,7 @@
       </p:sp>
       <p:sp>
         <p:nvSpPr>
-          <p:cNvPr id="151" name="Google Shape;151;p12:notes"/>
+          <p:cNvPr id="152" name="Google Shape;152;p12:notes"/>
           <p:cNvSpPr txBox="1"/>
           <p:nvPr>
             <p:ph idx="12" type="sldNum"/>
@@ -2349,7 +2349,7 @@
   <p:cSld>
     <p:spTree>
       <p:nvGrpSpPr>
-        <p:cNvPr id="156" name="Shape 156"/>
+        <p:cNvPr id="157" name="Shape 157"/>
         <p:cNvGrpSpPr/>
         <p:nvPr/>
       </p:nvGrpSpPr>
@@ -2363,7 +2363,7 @@
       </p:grpSpPr>
       <p:sp>
         <p:nvSpPr>
-          <p:cNvPr id="157" name="Google Shape;157;p13:notes"/>
+          <p:cNvPr id="158" name="Google Shape;158;p13:notes"/>
           <p:cNvSpPr/>
           <p:nvPr>
             <p:ph idx="2" type="sldImg"/>
@@ -2408,7 +2408,7 @@
       </p:sp>
       <p:sp>
         <p:nvSpPr>
-          <p:cNvPr id="158" name="Google Shape;158;p13:notes"/>
+          <p:cNvPr id="159" name="Google Shape;159;p13:notes"/>
           <p:cNvSpPr txBox="1"/>
           <p:nvPr>
             <p:ph idx="1" type="body"/>
@@ -2459,7 +2459,7 @@
       </p:sp>
       <p:sp>
         <p:nvSpPr>
-          <p:cNvPr id="159" name="Google Shape;159;p13:notes"/>
+          <p:cNvPr id="160" name="Google Shape;160;p13:notes"/>
           <p:cNvSpPr txBox="1"/>
           <p:nvPr>
             <p:ph idx="12" type="sldNum"/>
@@ -2522,7 +2522,7 @@
   <p:cSld>
     <p:spTree>
       <p:nvGrpSpPr>
-        <p:cNvPr id="164" name="Shape 164"/>
+        <p:cNvPr id="165" name="Shape 165"/>
         <p:cNvGrpSpPr/>
         <p:nvPr/>
       </p:nvGrpSpPr>
@@ -2536,7 +2536,7 @@
       </p:grpSpPr>
       <p:sp>
         <p:nvSpPr>
-          <p:cNvPr id="165" name="Google Shape;165;p14:notes"/>
+          <p:cNvPr id="166" name="Google Shape;166;p14:notes"/>
           <p:cNvSpPr/>
           <p:nvPr>
             <p:ph idx="2" type="sldImg"/>
@@ -2581,7 +2581,7 @@
       </p:sp>
       <p:sp>
         <p:nvSpPr>
-          <p:cNvPr id="166" name="Google Shape;166;p14:notes"/>
+          <p:cNvPr id="167" name="Google Shape;167;p14:notes"/>
           <p:cNvSpPr txBox="1"/>
           <p:nvPr>
             <p:ph idx="1" type="body"/>
@@ -2632,7 +2632,7 @@
       </p:sp>
       <p:sp>
         <p:nvSpPr>
-          <p:cNvPr id="167" name="Google Shape;167;p14:notes"/>
+          <p:cNvPr id="168" name="Google Shape;168;p14:notes"/>
           <p:cNvSpPr txBox="1"/>
           <p:nvPr>
             <p:ph idx="12" type="sldNum"/>
@@ -2695,7 +2695,7 @@
   <p:cSld>
     <p:spTree>
       <p:nvGrpSpPr>
-        <p:cNvPr id="172" name="Shape 172"/>
+        <p:cNvPr id="173" name="Shape 173"/>
         <p:cNvGrpSpPr/>
         <p:nvPr/>
       </p:nvGrpSpPr>
@@ -2709,7 +2709,7 @@
       </p:grpSpPr>
       <p:sp>
         <p:nvSpPr>
-          <p:cNvPr id="173" name="Google Shape;173;p15:notes"/>
+          <p:cNvPr id="174" name="Google Shape;174;p15:notes"/>
           <p:cNvSpPr/>
           <p:nvPr>
             <p:ph idx="2" type="sldImg"/>
@@ -2754,7 +2754,7 @@
       </p:sp>
       <p:sp>
         <p:nvSpPr>
-          <p:cNvPr id="174" name="Google Shape;174;p15:notes"/>
+          <p:cNvPr id="175" name="Google Shape;175;p15:notes"/>
           <p:cNvSpPr txBox="1"/>
           <p:nvPr>
             <p:ph idx="1" type="body"/>
@@ -2805,7 +2805,7 @@
       </p:sp>
       <p:sp>
         <p:nvSpPr>
-          <p:cNvPr id="175" name="Google Shape;175;p15:notes"/>
+          <p:cNvPr id="176" name="Google Shape;176;p15:notes"/>
           <p:cNvSpPr txBox="1"/>
           <p:nvPr>
             <p:ph idx="12" type="sldNum"/>
@@ -2868,7 +2868,7 @@
   <p:cSld>
     <p:spTree>
       <p:nvGrpSpPr>
-        <p:cNvPr id="180" name="Shape 180"/>
+        <p:cNvPr id="181" name="Shape 181"/>
         <p:cNvGrpSpPr/>
         <p:nvPr/>
       </p:nvGrpSpPr>
@@ -2882,7 +2882,7 @@
       </p:grpSpPr>
       <p:sp>
         <p:nvSpPr>
-          <p:cNvPr id="181" name="Google Shape;181;p16:notes"/>
+          <p:cNvPr id="182" name="Google Shape;182;p16:notes"/>
           <p:cNvSpPr/>
           <p:nvPr>
             <p:ph idx="2" type="sldImg"/>
@@ -2927,7 +2927,7 @@
       </p:sp>
       <p:sp>
         <p:nvSpPr>
-          <p:cNvPr id="182" name="Google Shape;182;p16:notes"/>
+          <p:cNvPr id="183" name="Google Shape;183;p16:notes"/>
           <p:cNvSpPr txBox="1"/>
           <p:nvPr>
             <p:ph idx="1" type="body"/>
@@ -2978,7 +2978,7 @@
       </p:sp>
       <p:sp>
         <p:nvSpPr>
-          <p:cNvPr id="183" name="Google Shape;183;p16:notes"/>
+          <p:cNvPr id="184" name="Google Shape;184;p16:notes"/>
           <p:cNvSpPr txBox="1"/>
           <p:nvPr>
             <p:ph idx="12" type="sldNum"/>
@@ -3041,7 +3041,7 @@
   <p:cSld>
     <p:spTree>
       <p:nvGrpSpPr>
-        <p:cNvPr id="188" name="Shape 188"/>
+        <p:cNvPr id="189" name="Shape 189"/>
         <p:cNvGrpSpPr/>
         <p:nvPr/>
       </p:nvGrpSpPr>
@@ -3055,7 +3055,7 @@
       </p:grpSpPr>
       <p:sp>
         <p:nvSpPr>
-          <p:cNvPr id="189" name="Google Shape;189;p17:notes"/>
+          <p:cNvPr id="190" name="Google Shape;190;p17:notes"/>
           <p:cNvSpPr/>
           <p:nvPr>
             <p:ph idx="2" type="sldImg"/>
@@ -3100,7 +3100,7 @@
       </p:sp>
       <p:sp>
         <p:nvSpPr>
-          <p:cNvPr id="190" name="Google Shape;190;p17:notes"/>
+          <p:cNvPr id="191" name="Google Shape;191;p17:notes"/>
           <p:cNvSpPr txBox="1"/>
           <p:nvPr>
             <p:ph idx="1" type="body"/>
@@ -3151,7 +3151,7 @@
       </p:sp>
       <p:sp>
         <p:nvSpPr>
-          <p:cNvPr id="191" name="Google Shape;191;p17:notes"/>
+          <p:cNvPr id="192" name="Google Shape;192;p17:notes"/>
           <p:cNvSpPr txBox="1"/>
           <p:nvPr>
             <p:ph idx="12" type="sldNum"/>
@@ -3214,7 +3214,7 @@
   <p:cSld>
     <p:spTree>
       <p:nvGrpSpPr>
-        <p:cNvPr id="196" name="Shape 196"/>
+        <p:cNvPr id="197" name="Shape 197"/>
         <p:cNvGrpSpPr/>
         <p:nvPr/>
       </p:nvGrpSpPr>
@@ -3228,7 +3228,7 @@
       </p:grpSpPr>
       <p:sp>
         <p:nvSpPr>
-          <p:cNvPr id="197" name="Google Shape;197;p18:notes"/>
+          <p:cNvPr id="198" name="Google Shape;198;p18:notes"/>
           <p:cNvSpPr/>
           <p:nvPr>
             <p:ph idx="2" type="sldImg"/>
@@ -3273,7 +3273,7 @@
       </p:sp>
       <p:sp>
         <p:nvSpPr>
-          <p:cNvPr id="198" name="Google Shape;198;p18:notes"/>
+          <p:cNvPr id="199" name="Google Shape;199;p18:notes"/>
           <p:cNvSpPr txBox="1"/>
           <p:nvPr>
             <p:ph idx="1" type="body"/>
@@ -3324,7 +3324,7 @@
       </p:sp>
       <p:sp>
         <p:nvSpPr>
-          <p:cNvPr id="199" name="Google Shape;199;p18:notes"/>
+          <p:cNvPr id="200" name="Google Shape;200;p18:notes"/>
           <p:cNvSpPr txBox="1"/>
           <p:nvPr>
             <p:ph idx="12" type="sldNum"/>
@@ -3387,7 +3387,7 @@
   <p:cSld>
     <p:spTree>
       <p:nvGrpSpPr>
-        <p:cNvPr id="204" name="Shape 204"/>
+        <p:cNvPr id="205" name="Shape 205"/>
         <p:cNvGrpSpPr/>
         <p:nvPr/>
       </p:nvGrpSpPr>
@@ -3401,7 +3401,7 @@
       </p:grpSpPr>
       <p:sp>
         <p:nvSpPr>
-          <p:cNvPr id="205" name="Google Shape;205;p19:notes"/>
+          <p:cNvPr id="206" name="Google Shape;206;p19:notes"/>
           <p:cNvSpPr/>
           <p:nvPr>
             <p:ph idx="2" type="sldImg"/>
@@ -3446,7 +3446,7 @@
       </p:sp>
       <p:sp>
         <p:nvSpPr>
-          <p:cNvPr id="206" name="Google Shape;206;p19:notes"/>
+          <p:cNvPr id="207" name="Google Shape;207;p19:notes"/>
           <p:cNvSpPr txBox="1"/>
           <p:nvPr>
             <p:ph idx="1" type="body"/>
@@ -3497,7 +3497,7 @@
       </p:sp>
       <p:sp>
         <p:nvSpPr>
-          <p:cNvPr id="207" name="Google Shape;207;p19:notes"/>
+          <p:cNvPr id="208" name="Google Shape;208;p19:notes"/>
           <p:cNvSpPr txBox="1"/>
           <p:nvPr>
             <p:ph idx="12" type="sldNum"/>
@@ -3733,7 +3733,7 @@
   <p:cSld>
     <p:spTree>
       <p:nvGrpSpPr>
-        <p:cNvPr id="213" name="Shape 213"/>
+        <p:cNvPr id="214" name="Shape 214"/>
         <p:cNvGrpSpPr/>
         <p:nvPr/>
       </p:nvGrpSpPr>
@@ -3747,7 +3747,7 @@
       </p:grpSpPr>
       <p:sp>
         <p:nvSpPr>
-          <p:cNvPr id="214" name="Google Shape;214;p20:notes"/>
+          <p:cNvPr id="215" name="Google Shape;215;p20:notes"/>
           <p:cNvSpPr/>
           <p:nvPr>
             <p:ph idx="2" type="sldImg"/>
@@ -3792,7 +3792,7 @@
       </p:sp>
       <p:sp>
         <p:nvSpPr>
-          <p:cNvPr id="215" name="Google Shape;215;p20:notes"/>
+          <p:cNvPr id="216" name="Google Shape;216;p20:notes"/>
           <p:cNvSpPr txBox="1"/>
           <p:nvPr>
             <p:ph idx="1" type="body"/>
@@ -3843,7 +3843,7 @@
       </p:sp>
       <p:sp>
         <p:nvSpPr>
-          <p:cNvPr id="216" name="Google Shape;216;p20:notes"/>
+          <p:cNvPr id="217" name="Google Shape;217;p20:notes"/>
           <p:cNvSpPr txBox="1"/>
           <p:nvPr>
             <p:ph idx="12" type="sldNum"/>
@@ -3906,7 +3906,7 @@
   <p:cSld>
     <p:spTree>
       <p:nvGrpSpPr>
-        <p:cNvPr id="221" name="Shape 221"/>
+        <p:cNvPr id="222" name="Shape 222"/>
         <p:cNvGrpSpPr/>
         <p:nvPr/>
       </p:nvGrpSpPr>
@@ -3920,7 +3920,7 @@
       </p:grpSpPr>
       <p:sp>
         <p:nvSpPr>
-          <p:cNvPr id="222" name="Google Shape;222;p21:notes"/>
+          <p:cNvPr id="223" name="Google Shape;223;p21:notes"/>
           <p:cNvSpPr/>
           <p:nvPr>
             <p:ph idx="2" type="sldImg"/>
@@ -3965,7 +3965,7 @@
       </p:sp>
       <p:sp>
         <p:nvSpPr>
-          <p:cNvPr id="223" name="Google Shape;223;p21:notes"/>
+          <p:cNvPr id="224" name="Google Shape;224;p21:notes"/>
           <p:cNvSpPr txBox="1"/>
           <p:nvPr>
             <p:ph idx="1" type="body"/>
@@ -4016,7 +4016,7 @@
       </p:sp>
       <p:sp>
         <p:nvSpPr>
-          <p:cNvPr id="224" name="Google Shape;224;p21:notes"/>
+          <p:cNvPr id="225" name="Google Shape;225;p21:notes"/>
           <p:cNvSpPr txBox="1"/>
           <p:nvPr>
             <p:ph idx="12" type="sldNum"/>
@@ -4079,7 +4079,7 @@
   <p:cSld>
     <p:spTree>
       <p:nvGrpSpPr>
-        <p:cNvPr id="229" name="Shape 229"/>
+        <p:cNvPr id="230" name="Shape 230"/>
         <p:cNvGrpSpPr/>
         <p:nvPr/>
       </p:nvGrpSpPr>
@@ -4093,7 +4093,7 @@
       </p:grpSpPr>
       <p:sp>
         <p:nvSpPr>
-          <p:cNvPr id="230" name="Google Shape;230;p22:notes"/>
+          <p:cNvPr id="231" name="Google Shape;231;p22:notes"/>
           <p:cNvSpPr/>
           <p:nvPr>
             <p:ph idx="2" type="sldImg"/>
@@ -4138,7 +4138,7 @@
       </p:sp>
       <p:sp>
         <p:nvSpPr>
-          <p:cNvPr id="231" name="Google Shape;231;p22:notes"/>
+          <p:cNvPr id="232" name="Google Shape;232;p22:notes"/>
           <p:cNvSpPr txBox="1"/>
           <p:nvPr>
             <p:ph idx="1" type="body"/>
@@ -4189,7 +4189,7 @@
       </p:sp>
       <p:sp>
         <p:nvSpPr>
-          <p:cNvPr id="232" name="Google Shape;232;p22:notes"/>
+          <p:cNvPr id="233" name="Google Shape;233;p22:notes"/>
           <p:cNvSpPr txBox="1"/>
           <p:nvPr>
             <p:ph idx="12" type="sldNum"/>
@@ -4252,7 +4252,7 @@
   <p:cSld>
     <p:spTree>
       <p:nvGrpSpPr>
-        <p:cNvPr id="237" name="Shape 237"/>
+        <p:cNvPr id="238" name="Shape 238"/>
         <p:cNvGrpSpPr/>
         <p:nvPr/>
       </p:nvGrpSpPr>
@@ -4266,7 +4266,7 @@
       </p:grpSpPr>
       <p:sp>
         <p:nvSpPr>
-          <p:cNvPr id="238" name="Google Shape;238;p23:notes"/>
+          <p:cNvPr id="239" name="Google Shape;239;p23:notes"/>
           <p:cNvSpPr/>
           <p:nvPr>
             <p:ph idx="2" type="sldImg"/>
@@ -4311,7 +4311,7 @@
       </p:sp>
       <p:sp>
         <p:nvSpPr>
-          <p:cNvPr id="239" name="Google Shape;239;p23:notes"/>
+          <p:cNvPr id="240" name="Google Shape;240;p23:notes"/>
           <p:cNvSpPr txBox="1"/>
           <p:nvPr>
             <p:ph idx="1" type="body"/>
@@ -4362,7 +4362,7 @@
       </p:sp>
       <p:sp>
         <p:nvSpPr>
-          <p:cNvPr id="240" name="Google Shape;240;p23:notes"/>
+          <p:cNvPr id="241" name="Google Shape;241;p23:notes"/>
           <p:cNvSpPr txBox="1"/>
           <p:nvPr>
             <p:ph idx="12" type="sldNum"/>
@@ -4425,7 +4425,7 @@
   <p:cSld>
     <p:spTree>
       <p:nvGrpSpPr>
-        <p:cNvPr id="245" name="Shape 245"/>
+        <p:cNvPr id="246" name="Shape 246"/>
         <p:cNvGrpSpPr/>
         <p:nvPr/>
       </p:nvGrpSpPr>
@@ -4439,7 +4439,7 @@
       </p:grpSpPr>
       <p:sp>
         <p:nvSpPr>
-          <p:cNvPr id="246" name="Google Shape;246;p24:notes"/>
+          <p:cNvPr id="247" name="Google Shape;247;p24:notes"/>
           <p:cNvSpPr/>
           <p:nvPr>
             <p:ph idx="2" type="sldImg"/>
@@ -4484,7 +4484,7 @@
       </p:sp>
       <p:sp>
         <p:nvSpPr>
-          <p:cNvPr id="247" name="Google Shape;247;p24:notes"/>
+          <p:cNvPr id="248" name="Google Shape;248;p24:notes"/>
           <p:cNvSpPr txBox="1"/>
           <p:nvPr>
             <p:ph idx="1" type="body"/>
@@ -4535,7 +4535,7 @@
       </p:sp>
       <p:sp>
         <p:nvSpPr>
-          <p:cNvPr id="248" name="Google Shape;248;p24:notes"/>
+          <p:cNvPr id="249" name="Google Shape;249;p24:notes"/>
           <p:cNvSpPr txBox="1"/>
           <p:nvPr>
             <p:ph idx="12" type="sldNum"/>
@@ -5290,7 +5290,7 @@
   <p:cSld>
     <p:spTree>
       <p:nvGrpSpPr>
-        <p:cNvPr id="107" name="Shape 107"/>
+        <p:cNvPr id="108" name="Shape 108"/>
         <p:cNvGrpSpPr/>
         <p:nvPr/>
       </p:nvGrpSpPr>
@@ -5304,7 +5304,7 @@
       </p:grpSpPr>
       <p:sp>
         <p:nvSpPr>
-          <p:cNvPr id="108" name="Google Shape;108;p7:notes"/>
+          <p:cNvPr id="109" name="Google Shape;109;p7:notes"/>
           <p:cNvSpPr/>
           <p:nvPr>
             <p:ph idx="2" type="sldImg"/>
@@ -5349,7 +5349,7 @@
       </p:sp>
       <p:sp>
         <p:nvSpPr>
-          <p:cNvPr id="109" name="Google Shape;109;p7:notes"/>
+          <p:cNvPr id="110" name="Google Shape;110;p7:notes"/>
           <p:cNvSpPr txBox="1"/>
           <p:nvPr>
             <p:ph idx="1" type="body"/>
@@ -5400,7 +5400,7 @@
       </p:sp>
       <p:sp>
         <p:nvSpPr>
-          <p:cNvPr id="110" name="Google Shape;110;p7:notes"/>
+          <p:cNvPr id="111" name="Google Shape;111;p7:notes"/>
           <p:cNvSpPr txBox="1"/>
           <p:nvPr>
             <p:ph idx="12" type="sldNum"/>
@@ -5463,7 +5463,7 @@
   <p:cSld>
     <p:spTree>
       <p:nvGrpSpPr>
-        <p:cNvPr id="115" name="Shape 115"/>
+        <p:cNvPr id="116" name="Shape 116"/>
         <p:cNvGrpSpPr/>
         <p:nvPr/>
       </p:nvGrpSpPr>
@@ -5477,7 +5477,7 @@
       </p:grpSpPr>
       <p:sp>
         <p:nvSpPr>
-          <p:cNvPr id="116" name="Google Shape;116;p8:notes"/>
+          <p:cNvPr id="117" name="Google Shape;117;p8:notes"/>
           <p:cNvSpPr/>
           <p:nvPr>
             <p:ph idx="2" type="sldImg"/>
@@ -5522,7 +5522,7 @@
       </p:sp>
       <p:sp>
         <p:nvSpPr>
-          <p:cNvPr id="117" name="Google Shape;117;p8:notes"/>
+          <p:cNvPr id="118" name="Google Shape;118;p8:notes"/>
           <p:cNvSpPr txBox="1"/>
           <p:nvPr>
             <p:ph idx="1" type="body"/>
@@ -5573,7 +5573,7 @@
       </p:sp>
       <p:sp>
         <p:nvSpPr>
-          <p:cNvPr id="118" name="Google Shape;118;p8:notes"/>
+          <p:cNvPr id="119" name="Google Shape;119;p8:notes"/>
           <p:cNvSpPr txBox="1"/>
           <p:nvPr>
             <p:ph idx="12" type="sldNum"/>
@@ -5636,7 +5636,7 @@
   <p:cSld>
     <p:spTree>
       <p:nvGrpSpPr>
-        <p:cNvPr id="124" name="Shape 124"/>
+        <p:cNvPr id="125" name="Shape 125"/>
         <p:cNvGrpSpPr/>
         <p:nvPr/>
       </p:nvGrpSpPr>
@@ -5650,7 +5650,7 @@
       </p:grpSpPr>
       <p:sp>
         <p:nvSpPr>
-          <p:cNvPr id="125" name="Google Shape;125;p9:notes"/>
+          <p:cNvPr id="126" name="Google Shape;126;p9:notes"/>
           <p:cNvSpPr/>
           <p:nvPr>
             <p:ph idx="2" type="sldImg"/>
@@ -5695,7 +5695,7 @@
       </p:sp>
       <p:sp>
         <p:nvSpPr>
-          <p:cNvPr id="126" name="Google Shape;126;p9:notes"/>
+          <p:cNvPr id="127" name="Google Shape;127;p9:notes"/>
           <p:cNvSpPr txBox="1"/>
           <p:nvPr>
             <p:ph idx="1" type="body"/>
@@ -5746,7 +5746,7 @@
       </p:sp>
       <p:sp>
         <p:nvSpPr>
-          <p:cNvPr id="127" name="Google Shape;127;p9:notes"/>
+          <p:cNvPr id="128" name="Google Shape;128;p9:notes"/>
           <p:cNvSpPr txBox="1"/>
           <p:nvPr>
             <p:ph idx="12" type="sldNum"/>
@@ -14928,7 +14928,7 @@
   <p:cSld>
     <p:spTree>
       <p:nvGrpSpPr>
-        <p:cNvPr id="136" name="Shape 136"/>
+        <p:cNvPr id="137" name="Shape 137"/>
         <p:cNvGrpSpPr/>
         <p:nvPr/>
       </p:nvGrpSpPr>
@@ -14942,7 +14942,7 @@
       </p:grpSpPr>
       <p:sp>
         <p:nvSpPr>
-          <p:cNvPr id="137" name="Google Shape;137;p23"/>
+          <p:cNvPr id="138" name="Google Shape;138;p23"/>
           <p:cNvSpPr txBox="1"/>
           <p:nvPr>
             <p:ph type="title"/>
@@ -15000,7 +15000,7 @@
       </p:sp>
       <p:sp>
         <p:nvSpPr>
-          <p:cNvPr id="138" name="Google Shape;138;p23"/>
+          <p:cNvPr id="139" name="Google Shape;139;p23"/>
           <p:cNvSpPr txBox="1"/>
           <p:nvPr>
             <p:ph idx="1" type="body"/>
@@ -15297,7 +15297,7 @@
       </p:sp>
       <p:pic>
         <p:nvPicPr>
-          <p:cNvPr id="139" name="Google Shape;139;p23"/>
+          <p:cNvPr id="140" name="Google Shape;140;p23"/>
           <p:cNvPicPr preferRelativeResize="0"/>
           <p:nvPr/>
         </p:nvPicPr>
@@ -15341,7 +15341,7 @@
   <p:cSld>
     <p:spTree>
       <p:nvGrpSpPr>
-        <p:cNvPr id="144" name="Shape 144"/>
+        <p:cNvPr id="145" name="Shape 145"/>
         <p:cNvGrpSpPr/>
         <p:nvPr/>
       </p:nvGrpSpPr>
@@ -15355,7 +15355,7 @@
       </p:grpSpPr>
       <p:sp>
         <p:nvSpPr>
-          <p:cNvPr id="145" name="Google Shape;145;p24"/>
+          <p:cNvPr id="146" name="Google Shape;146;p24"/>
           <p:cNvSpPr txBox="1"/>
           <p:nvPr>
             <p:ph type="title"/>
@@ -15413,7 +15413,7 @@
       </p:sp>
       <p:sp>
         <p:nvSpPr>
-          <p:cNvPr id="146" name="Google Shape;146;p24"/>
+          <p:cNvPr id="147" name="Google Shape;147;p24"/>
           <p:cNvSpPr txBox="1"/>
           <p:nvPr>
             <p:ph idx="1" type="body"/>
@@ -15637,7 +15637,7 @@
       </p:sp>
       <p:pic>
         <p:nvPicPr>
-          <p:cNvPr id="147" name="Google Shape;147;p24"/>
+          <p:cNvPr id="148" name="Google Shape;148;p24"/>
           <p:cNvPicPr preferRelativeResize="0"/>
           <p:nvPr/>
         </p:nvPicPr>
@@ -15681,7 +15681,7 @@
   <p:cSld>
     <p:spTree>
       <p:nvGrpSpPr>
-        <p:cNvPr id="152" name="Shape 152"/>
+        <p:cNvPr id="153" name="Shape 153"/>
         <p:cNvGrpSpPr/>
         <p:nvPr/>
       </p:nvGrpSpPr>
@@ -15695,7 +15695,7 @@
       </p:grpSpPr>
       <p:sp>
         <p:nvSpPr>
-          <p:cNvPr id="153" name="Google Shape;153;p25"/>
+          <p:cNvPr id="154" name="Google Shape;154;p25"/>
           <p:cNvSpPr txBox="1"/>
           <p:nvPr>
             <p:ph type="title"/>
@@ -15753,7 +15753,7 @@
       </p:sp>
       <p:sp>
         <p:nvSpPr>
-          <p:cNvPr id="154" name="Google Shape;154;p25"/>
+          <p:cNvPr id="155" name="Google Shape;155;p25"/>
           <p:cNvSpPr txBox="1"/>
           <p:nvPr>
             <p:ph idx="1" type="body"/>
@@ -15977,7 +15977,7 @@
       </p:sp>
       <p:pic>
         <p:nvPicPr>
-          <p:cNvPr id="155" name="Google Shape;155;p25"/>
+          <p:cNvPr id="156" name="Google Shape;156;p25"/>
           <p:cNvPicPr preferRelativeResize="0"/>
           <p:nvPr/>
         </p:nvPicPr>
@@ -16021,7 +16021,7 @@
   <p:cSld>
     <p:spTree>
       <p:nvGrpSpPr>
-        <p:cNvPr id="160" name="Shape 160"/>
+        <p:cNvPr id="161" name="Shape 161"/>
         <p:cNvGrpSpPr/>
         <p:nvPr/>
       </p:nvGrpSpPr>
@@ -16035,7 +16035,7 @@
       </p:grpSpPr>
       <p:sp>
         <p:nvSpPr>
-          <p:cNvPr id="161" name="Google Shape;161;p26"/>
+          <p:cNvPr id="162" name="Google Shape;162;p26"/>
           <p:cNvSpPr txBox="1"/>
           <p:nvPr>
             <p:ph type="title"/>
@@ -16093,7 +16093,7 @@
       </p:sp>
       <p:sp>
         <p:nvSpPr>
-          <p:cNvPr id="162" name="Google Shape;162;p26"/>
+          <p:cNvPr id="163" name="Google Shape;163;p26"/>
           <p:cNvSpPr txBox="1"/>
           <p:nvPr>
             <p:ph idx="1" type="body"/>
@@ -16262,7 +16262,7 @@
       </p:sp>
       <p:pic>
         <p:nvPicPr>
-          <p:cNvPr id="163" name="Google Shape;163;p26"/>
+          <p:cNvPr id="164" name="Google Shape;164;p26"/>
           <p:cNvPicPr preferRelativeResize="0"/>
           <p:nvPr/>
         </p:nvPicPr>
@@ -16306,7 +16306,7 @@
   <p:cSld>
     <p:spTree>
       <p:nvGrpSpPr>
-        <p:cNvPr id="168" name="Shape 168"/>
+        <p:cNvPr id="169" name="Shape 169"/>
         <p:cNvGrpSpPr/>
         <p:nvPr/>
       </p:nvGrpSpPr>
@@ -16320,7 +16320,7 @@
       </p:grpSpPr>
       <p:sp>
         <p:nvSpPr>
-          <p:cNvPr id="169" name="Google Shape;169;p27"/>
+          <p:cNvPr id="170" name="Google Shape;170;p27"/>
           <p:cNvSpPr txBox="1"/>
           <p:nvPr>
             <p:ph type="title"/>
@@ -16378,7 +16378,7 @@
       </p:sp>
       <p:sp>
         <p:nvSpPr>
-          <p:cNvPr id="170" name="Google Shape;170;p27"/>
+          <p:cNvPr id="171" name="Google Shape;171;p27"/>
           <p:cNvSpPr txBox="1"/>
           <p:nvPr>
             <p:ph idx="1" type="body"/>
@@ -16571,7 +16571,7 @@
       </p:sp>
       <p:pic>
         <p:nvPicPr>
-          <p:cNvPr id="171" name="Google Shape;171;p27"/>
+          <p:cNvPr id="172" name="Google Shape;172;p27"/>
           <p:cNvPicPr preferRelativeResize="0"/>
           <p:nvPr/>
         </p:nvPicPr>
@@ -16615,7 +16615,7 @@
   <p:cSld>
     <p:spTree>
       <p:nvGrpSpPr>
-        <p:cNvPr id="176" name="Shape 176"/>
+        <p:cNvPr id="177" name="Shape 177"/>
         <p:cNvGrpSpPr/>
         <p:nvPr/>
       </p:nvGrpSpPr>
@@ -16629,7 +16629,7 @@
       </p:grpSpPr>
       <p:sp>
         <p:nvSpPr>
-          <p:cNvPr id="177" name="Google Shape;177;p28"/>
+          <p:cNvPr id="178" name="Google Shape;178;p28"/>
           <p:cNvSpPr txBox="1"/>
           <p:nvPr>
             <p:ph type="title"/>
@@ -16687,7 +16687,7 @@
       </p:sp>
       <p:sp>
         <p:nvSpPr>
-          <p:cNvPr id="178" name="Google Shape;178;p28"/>
+          <p:cNvPr id="179" name="Google Shape;179;p28"/>
           <p:cNvSpPr txBox="1"/>
           <p:nvPr>
             <p:ph idx="1" type="body"/>
@@ -16902,7 +16902,7 @@
       </p:sp>
       <p:pic>
         <p:nvPicPr>
-          <p:cNvPr id="179" name="Google Shape;179;p28"/>
+          <p:cNvPr id="180" name="Google Shape;180;p28"/>
           <p:cNvPicPr preferRelativeResize="0"/>
           <p:nvPr/>
         </p:nvPicPr>
@@ -16946,7 +16946,7 @@
   <p:cSld>
     <p:spTree>
       <p:nvGrpSpPr>
-        <p:cNvPr id="184" name="Shape 184"/>
+        <p:cNvPr id="185" name="Shape 185"/>
         <p:cNvGrpSpPr/>
         <p:nvPr/>
       </p:nvGrpSpPr>
@@ -16960,7 +16960,7 @@
       </p:grpSpPr>
       <p:sp>
         <p:nvSpPr>
-          <p:cNvPr id="185" name="Google Shape;185;p29"/>
+          <p:cNvPr id="186" name="Google Shape;186;p29"/>
           <p:cNvSpPr txBox="1"/>
           <p:nvPr>
             <p:ph type="title"/>
@@ -17048,7 +17048,7 @@
       </p:sp>
       <p:sp>
         <p:nvSpPr>
-          <p:cNvPr id="186" name="Google Shape;186;p29"/>
+          <p:cNvPr id="187" name="Google Shape;187;p29"/>
           <p:cNvSpPr txBox="1"/>
           <p:nvPr>
             <p:ph idx="1" type="body"/>
@@ -17236,7 +17236,7 @@
       </p:sp>
       <p:pic>
         <p:nvPicPr>
-          <p:cNvPr id="187" name="Google Shape;187;p29"/>
+          <p:cNvPr id="188" name="Google Shape;188;p29"/>
           <p:cNvPicPr preferRelativeResize="0"/>
           <p:nvPr/>
         </p:nvPicPr>
@@ -17280,7 +17280,7 @@
   <p:cSld>
     <p:spTree>
       <p:nvGrpSpPr>
-        <p:cNvPr id="192" name="Shape 192"/>
+        <p:cNvPr id="193" name="Shape 193"/>
         <p:cNvGrpSpPr/>
         <p:nvPr/>
       </p:nvGrpSpPr>
@@ -17294,7 +17294,7 @@
       </p:grpSpPr>
       <p:sp>
         <p:nvSpPr>
-          <p:cNvPr id="193" name="Google Shape;193;p30"/>
+          <p:cNvPr id="194" name="Google Shape;194;p30"/>
           <p:cNvSpPr txBox="1"/>
           <p:nvPr>
             <p:ph type="title"/>
@@ -17352,7 +17352,7 @@
       </p:sp>
       <p:sp>
         <p:nvSpPr>
-          <p:cNvPr id="194" name="Google Shape;194;p30"/>
+          <p:cNvPr id="195" name="Google Shape;195;p30"/>
           <p:cNvSpPr txBox="1"/>
           <p:nvPr>
             <p:ph idx="1" type="body"/>
@@ -17686,7 +17686,7 @@
       </p:sp>
       <p:pic>
         <p:nvPicPr>
-          <p:cNvPr id="195" name="Google Shape;195;p30"/>
+          <p:cNvPr id="196" name="Google Shape;196;p30"/>
           <p:cNvPicPr preferRelativeResize="0"/>
           <p:nvPr/>
         </p:nvPicPr>
@@ -17730,7 +17730,7 @@
   <p:cSld>
     <p:spTree>
       <p:nvGrpSpPr>
-        <p:cNvPr id="200" name="Shape 200"/>
+        <p:cNvPr id="201" name="Shape 201"/>
         <p:cNvGrpSpPr/>
         <p:nvPr/>
       </p:nvGrpSpPr>
@@ -17744,7 +17744,7 @@
       </p:grpSpPr>
       <p:sp>
         <p:nvSpPr>
-          <p:cNvPr id="201" name="Google Shape;201;p31"/>
+          <p:cNvPr id="202" name="Google Shape;202;p31"/>
           <p:cNvSpPr txBox="1"/>
           <p:nvPr>
             <p:ph type="title"/>
@@ -17802,7 +17802,7 @@
       </p:sp>
       <p:sp>
         <p:nvSpPr>
-          <p:cNvPr id="202" name="Google Shape;202;p31"/>
+          <p:cNvPr id="203" name="Google Shape;203;p31"/>
           <p:cNvSpPr txBox="1"/>
           <p:nvPr>
             <p:ph idx="1" type="body"/>
@@ -18045,7 +18045,7 @@
       </p:sp>
       <p:pic>
         <p:nvPicPr>
-          <p:cNvPr id="203" name="Google Shape;203;p31"/>
+          <p:cNvPr id="204" name="Google Shape;204;p31"/>
           <p:cNvPicPr preferRelativeResize="0"/>
           <p:nvPr/>
         </p:nvPicPr>
@@ -18089,7 +18089,7 @@
   <p:cSld>
     <p:spTree>
       <p:nvGrpSpPr>
-        <p:cNvPr id="208" name="Shape 208"/>
+        <p:cNvPr id="209" name="Shape 209"/>
         <p:cNvGrpSpPr/>
         <p:nvPr/>
       </p:nvGrpSpPr>
@@ -18103,7 +18103,7 @@
       </p:grpSpPr>
       <p:sp>
         <p:nvSpPr>
-          <p:cNvPr id="209" name="Google Shape;209;p32"/>
+          <p:cNvPr id="210" name="Google Shape;210;p32"/>
           <p:cNvSpPr txBox="1"/>
           <p:nvPr>
             <p:ph type="title"/>
@@ -18191,7 +18191,7 @@
       </p:sp>
       <p:sp>
         <p:nvSpPr>
-          <p:cNvPr id="210" name="Google Shape;210;p32"/>
+          <p:cNvPr id="211" name="Google Shape;211;p32"/>
           <p:cNvSpPr txBox="1"/>
           <p:nvPr>
             <p:ph idx="1" type="body"/>
@@ -18257,7 +18257,7 @@
       </p:sp>
       <p:pic>
         <p:nvPicPr>
-          <p:cNvPr descr="Screenshot from 2017-03-29 03-08-38.png" id="211" name="Google Shape;211;p32"/>
+          <p:cNvPr descr="Screenshot from 2017-03-29 03-08-38.png" id="212" name="Google Shape;212;p32"/>
           <p:cNvPicPr preferRelativeResize="0"/>
           <p:nvPr/>
         </p:nvPicPr>
@@ -18284,7 +18284,7 @@
       </p:pic>
       <p:pic>
         <p:nvPicPr>
-          <p:cNvPr id="212" name="Google Shape;212;p32"/>
+          <p:cNvPr id="213" name="Google Shape;213;p32"/>
           <p:cNvPicPr preferRelativeResize="0"/>
           <p:nvPr/>
         </p:nvPicPr>
@@ -18830,7 +18830,7 @@
   <p:cSld>
     <p:spTree>
       <p:nvGrpSpPr>
-        <p:cNvPr id="217" name="Shape 217"/>
+        <p:cNvPr id="218" name="Shape 218"/>
         <p:cNvGrpSpPr/>
         <p:nvPr/>
       </p:nvGrpSpPr>
@@ -18844,7 +18844,7 @@
       </p:grpSpPr>
       <p:sp>
         <p:nvSpPr>
-          <p:cNvPr id="218" name="Google Shape;218;p33"/>
+          <p:cNvPr id="219" name="Google Shape;219;p33"/>
           <p:cNvSpPr txBox="1"/>
           <p:nvPr>
             <p:ph type="title"/>
@@ -18932,7 +18932,7 @@
       </p:sp>
       <p:sp>
         <p:nvSpPr>
-          <p:cNvPr id="219" name="Google Shape;219;p33"/>
+          <p:cNvPr id="220" name="Google Shape;220;p33"/>
           <p:cNvSpPr txBox="1"/>
           <p:nvPr>
             <p:ph idx="1" type="body"/>
@@ -19280,7 +19280,7 @@
       </p:sp>
       <p:pic>
         <p:nvPicPr>
-          <p:cNvPr id="220" name="Google Shape;220;p33"/>
+          <p:cNvPr id="221" name="Google Shape;221;p33"/>
           <p:cNvPicPr preferRelativeResize="0"/>
           <p:nvPr/>
         </p:nvPicPr>
@@ -19324,7 +19324,7 @@
   <p:cSld>
     <p:spTree>
       <p:nvGrpSpPr>
-        <p:cNvPr id="225" name="Shape 225"/>
+        <p:cNvPr id="226" name="Shape 226"/>
         <p:cNvGrpSpPr/>
         <p:nvPr/>
       </p:nvGrpSpPr>
@@ -19338,7 +19338,7 @@
       </p:grpSpPr>
       <p:sp>
         <p:nvSpPr>
-          <p:cNvPr id="226" name="Google Shape;226;p34"/>
+          <p:cNvPr id="227" name="Google Shape;227;p34"/>
           <p:cNvSpPr txBox="1"/>
           <p:nvPr>
             <p:ph type="title"/>
@@ -19426,7 +19426,7 @@
       </p:sp>
       <p:sp>
         <p:nvSpPr>
-          <p:cNvPr id="227" name="Google Shape;227;p34"/>
+          <p:cNvPr id="228" name="Google Shape;228;p34"/>
           <p:cNvSpPr txBox="1"/>
           <p:nvPr>
             <p:ph idx="1" type="body"/>
@@ -19614,7 +19614,7 @@
       </p:sp>
       <p:pic>
         <p:nvPicPr>
-          <p:cNvPr id="228" name="Google Shape;228;p34"/>
+          <p:cNvPr id="229" name="Google Shape;229;p34"/>
           <p:cNvPicPr preferRelativeResize="0"/>
           <p:nvPr/>
         </p:nvPicPr>
@@ -19658,7 +19658,7 @@
   <p:cSld>
     <p:spTree>
       <p:nvGrpSpPr>
-        <p:cNvPr id="233" name="Shape 233"/>
+        <p:cNvPr id="234" name="Shape 234"/>
         <p:cNvGrpSpPr/>
         <p:nvPr/>
       </p:nvGrpSpPr>
@@ -19672,7 +19672,7 @@
       </p:grpSpPr>
       <p:sp>
         <p:nvSpPr>
-          <p:cNvPr id="234" name="Google Shape;234;p35"/>
+          <p:cNvPr id="235" name="Google Shape;235;p35"/>
           <p:cNvSpPr txBox="1"/>
           <p:nvPr>
             <p:ph type="title"/>
@@ -19730,7 +19730,7 @@
       </p:sp>
       <p:sp>
         <p:nvSpPr>
-          <p:cNvPr id="235" name="Google Shape;235;p35"/>
+          <p:cNvPr id="236" name="Google Shape;236;p35"/>
           <p:cNvSpPr txBox="1"/>
           <p:nvPr>
             <p:ph idx="1" type="body"/>
@@ -20014,7 +20014,7 @@
       </p:sp>
       <p:pic>
         <p:nvPicPr>
-          <p:cNvPr id="236" name="Google Shape;236;p35"/>
+          <p:cNvPr id="237" name="Google Shape;237;p35"/>
           <p:cNvPicPr preferRelativeResize="0"/>
           <p:nvPr/>
         </p:nvPicPr>
@@ -20058,7 +20058,7 @@
   <p:cSld>
     <p:spTree>
       <p:nvGrpSpPr>
-        <p:cNvPr id="241" name="Shape 241"/>
+        <p:cNvPr id="242" name="Shape 242"/>
         <p:cNvGrpSpPr/>
         <p:nvPr/>
       </p:nvGrpSpPr>
@@ -20072,7 +20072,7 @@
       </p:grpSpPr>
       <p:sp>
         <p:nvSpPr>
-          <p:cNvPr id="242" name="Google Shape;242;p36"/>
+          <p:cNvPr id="243" name="Google Shape;243;p36"/>
           <p:cNvSpPr txBox="1"/>
           <p:nvPr>
             <p:ph type="title"/>
@@ -20130,7 +20130,7 @@
       </p:sp>
       <p:sp>
         <p:nvSpPr>
-          <p:cNvPr id="243" name="Google Shape;243;p36"/>
+          <p:cNvPr id="244" name="Google Shape;244;p36"/>
           <p:cNvSpPr txBox="1"/>
           <p:nvPr>
             <p:ph idx="1" type="body"/>
@@ -20345,7 +20345,7 @@
       </p:sp>
       <p:pic>
         <p:nvPicPr>
-          <p:cNvPr id="244" name="Google Shape;244;p36"/>
+          <p:cNvPr id="245" name="Google Shape;245;p36"/>
           <p:cNvPicPr preferRelativeResize="0"/>
           <p:nvPr/>
         </p:nvPicPr>
@@ -20389,7 +20389,7 @@
   <p:cSld>
     <p:spTree>
       <p:nvGrpSpPr>
-        <p:cNvPr id="249" name="Shape 249"/>
+        <p:cNvPr id="250" name="Shape 250"/>
         <p:cNvGrpSpPr/>
         <p:nvPr/>
       </p:nvGrpSpPr>
@@ -20403,7 +20403,7 @@
       </p:grpSpPr>
       <p:sp>
         <p:nvSpPr>
-          <p:cNvPr id="250" name="Google Shape;250;p37"/>
+          <p:cNvPr id="251" name="Google Shape;251;p37"/>
           <p:cNvSpPr txBox="1"/>
           <p:nvPr>
             <p:ph type="title"/>
@@ -20461,7 +20461,7 @@
       </p:sp>
       <p:sp>
         <p:nvSpPr>
-          <p:cNvPr id="251" name="Google Shape;251;p37"/>
+          <p:cNvPr id="252" name="Google Shape;252;p37"/>
           <p:cNvSpPr txBox="1"/>
           <p:nvPr>
             <p:ph idx="1" type="body"/>
@@ -20630,7 +20630,7 @@
       </p:sp>
       <p:pic>
         <p:nvPicPr>
-          <p:cNvPr id="252" name="Google Shape;252;p37"/>
+          <p:cNvPr id="253" name="Google Shape;253;p37"/>
           <p:cNvPicPr preferRelativeResize="0"/>
           <p:nvPr/>
         </p:nvPicPr>
@@ -22071,7 +22071,7 @@
                 <a:sym typeface="Open Sans"/>
                 <a:hlinkClick r:id="rId3"/>
               </a:rPr>
-              <a:t>https://github.com/danilofreire/economia-politica-instituicoes-ufm</a:t>
+              <a:t>https://github.com/danilofreire/omma</a:t>
             </a:r>
             <a:r>
               <a:rPr lang="en-US" sz="2400">
@@ -22124,6 +22124,34 @@
           </a:ln>
         </p:spPr>
       </p:pic>
+      <p:pic>
+        <p:nvPicPr>
+          <p:cNvPr id="107" name="Google Shape;107;p19"/>
+          <p:cNvPicPr preferRelativeResize="0"/>
+          <p:nvPr/>
+        </p:nvPicPr>
+        <p:blipFill>
+          <a:blip r:embed="rId5">
+            <a:alphaModFix/>
+          </a:blip>
+          <a:stretch>
+            <a:fillRect/>
+          </a:stretch>
+        </p:blipFill>
+        <p:spPr>
+          <a:xfrm>
+            <a:off x="922350" y="2361550"/>
+            <a:ext cx="7299299" cy="3402400"/>
+          </a:xfrm>
+          <a:prstGeom prst="rect">
+            <a:avLst/>
+          </a:prstGeom>
+          <a:noFill/>
+          <a:ln>
+            <a:noFill/>
+          </a:ln>
+        </p:spPr>
+      </p:pic>
     </p:spTree>
   </p:cSld>
   <p:clrMapOvr>
@@ -22137,7 +22165,7 @@
   <p:cSld>
     <p:spTree>
       <p:nvGrpSpPr>
-        <p:cNvPr id="111" name="Shape 111"/>
+        <p:cNvPr id="112" name="Shape 112"/>
         <p:cNvGrpSpPr/>
         <p:nvPr/>
       </p:nvGrpSpPr>
@@ -22151,7 +22179,7 @@
       </p:grpSpPr>
       <p:sp>
         <p:nvSpPr>
-          <p:cNvPr id="112" name="Google Shape;112;p20"/>
+          <p:cNvPr id="113" name="Google Shape;113;p20"/>
           <p:cNvSpPr txBox="1"/>
           <p:nvPr>
             <p:ph type="title"/>
@@ -22209,7 +22237,7 @@
       </p:sp>
       <p:sp>
         <p:nvSpPr>
-          <p:cNvPr id="113" name="Google Shape;113;p20"/>
+          <p:cNvPr id="114" name="Google Shape;114;p20"/>
           <p:cNvSpPr txBox="1"/>
           <p:nvPr>
             <p:ph idx="1" type="body"/>
@@ -22454,7 +22482,7 @@
       </p:sp>
       <p:pic>
         <p:nvPicPr>
-          <p:cNvPr id="114" name="Google Shape;114;p20"/>
+          <p:cNvPr id="115" name="Google Shape;115;p20"/>
           <p:cNvPicPr preferRelativeResize="0"/>
           <p:nvPr/>
         </p:nvPicPr>
@@ -22498,7 +22526,7 @@
   <p:cSld>
     <p:spTree>
       <p:nvGrpSpPr>
-        <p:cNvPr id="119" name="Shape 119"/>
+        <p:cNvPr id="120" name="Shape 120"/>
         <p:cNvGrpSpPr/>
         <p:nvPr/>
       </p:nvGrpSpPr>
@@ -22512,7 +22540,7 @@
       </p:grpSpPr>
       <p:sp>
         <p:nvSpPr>
-          <p:cNvPr id="120" name="Google Shape;120;p21"/>
+          <p:cNvPr id="121" name="Google Shape;121;p21"/>
           <p:cNvSpPr txBox="1"/>
           <p:nvPr>
             <p:ph type="title"/>
@@ -22570,7 +22598,7 @@
       </p:sp>
       <p:sp>
         <p:nvSpPr>
-          <p:cNvPr id="121" name="Google Shape;121;p21"/>
+          <p:cNvPr id="122" name="Google Shape;122;p21"/>
           <p:cNvSpPr txBox="1"/>
           <p:nvPr>
             <p:ph idx="1" type="body"/>
@@ -22814,7 +22842,7 @@
       </p:sp>
       <p:pic>
         <p:nvPicPr>
-          <p:cNvPr descr="Norman_P._Barry.jpg" id="122" name="Google Shape;122;p21"/>
+          <p:cNvPr descr="Norman_P._Barry.jpg" id="123" name="Google Shape;123;p21"/>
           <p:cNvPicPr preferRelativeResize="0"/>
           <p:nvPr/>
         </p:nvPicPr>
@@ -22841,7 +22869,7 @@
       </p:pic>
       <p:pic>
         <p:nvPicPr>
-          <p:cNvPr id="123" name="Google Shape;123;p21"/>
+          <p:cNvPr id="124" name="Google Shape;124;p21"/>
           <p:cNvPicPr preferRelativeResize="0"/>
           <p:nvPr/>
         </p:nvPicPr>
@@ -22885,7 +22913,7 @@
   <p:cSld>
     <p:spTree>
       <p:nvGrpSpPr>
-        <p:cNvPr id="128" name="Shape 128"/>
+        <p:cNvPr id="129" name="Shape 129"/>
         <p:cNvGrpSpPr/>
         <p:nvPr/>
       </p:nvGrpSpPr>
@@ -22899,7 +22927,7 @@
       </p:grpSpPr>
       <p:sp>
         <p:nvSpPr>
-          <p:cNvPr id="129" name="Google Shape;129;p22"/>
+          <p:cNvPr id="130" name="Google Shape;130;p22"/>
           <p:cNvSpPr txBox="1"/>
           <p:nvPr>
             <p:ph type="title"/>
@@ -22957,7 +22985,7 @@
       </p:sp>
       <p:sp>
         <p:nvSpPr>
-          <p:cNvPr id="130" name="Google Shape;130;p22"/>
+          <p:cNvPr id="131" name="Google Shape;131;p22"/>
           <p:cNvSpPr txBox="1"/>
           <p:nvPr>
             <p:ph idx="1" type="body"/>
@@ -23241,7 +23269,7 @@
       </p:sp>
       <p:pic>
         <p:nvPicPr>
-          <p:cNvPr id="131" name="Google Shape;131;p22"/>
+          <p:cNvPr id="132" name="Google Shape;132;p22"/>
           <p:cNvPicPr preferRelativeResize="0"/>
           <p:nvPr/>
         </p:nvPicPr>
